--- a/infinite/src/main/ppt/spring with service layer.pptx
+++ b/infinite/src/main/ppt/spring with service layer.pptx
@@ -108,6 +108,19 @@
     <p:sldId id="354" r:id="rId102"/>
     <p:sldId id="359" r:id="rId103"/>
     <p:sldId id="360" r:id="rId104"/>
+    <p:sldId id="361" r:id="rId105"/>
+    <p:sldId id="362" r:id="rId106"/>
+    <p:sldId id="363" r:id="rId107"/>
+    <p:sldId id="364" r:id="rId108"/>
+    <p:sldId id="365" r:id="rId109"/>
+    <p:sldId id="367" r:id="rId110"/>
+    <p:sldId id="368" r:id="rId111"/>
+    <p:sldId id="369" r:id="rId112"/>
+    <p:sldId id="370" r:id="rId113"/>
+    <p:sldId id="366" r:id="rId114"/>
+    <p:sldId id="371" r:id="rId115"/>
+    <p:sldId id="372" r:id="rId116"/>
+    <p:sldId id="373" r:id="rId117"/>
   </p:sldIdLst>
   <p:sldSz cx="12192000" cy="6858000"/>
   <p:notesSz cx="6858000" cy="9144000"/>
@@ -363,7 +376,7 @@
           <a:p>
             <a:fld id="{2C15695D-599C-472C-8EE7-003AF5022E09}" type="datetime1">
               <a:rPr lang="en-IN" smtClean="0"/>
-              <a:t>18-10-2022</a:t>
+              <a:t>19-10-2022</a:t>
             </a:fld>
             <a:endParaRPr lang="en-IN" dirty="0"/>
           </a:p>
@@ -567,7 +580,7 @@
           <a:p>
             <a:fld id="{9C3F001A-8557-4CEB-B2F6-4E07D7C2B5D3}" type="datetime1">
               <a:rPr lang="en-IN" smtClean="0"/>
-              <a:t>18-10-2022</a:t>
+              <a:t>19-10-2022</a:t>
             </a:fld>
             <a:endParaRPr lang="en-IN" dirty="0"/>
           </a:p>
@@ -781,7 +794,7 @@
           <a:p>
             <a:fld id="{7535BF43-EF1F-4785-9918-05DF53D0FE09}" type="datetime1">
               <a:rPr lang="en-IN" smtClean="0"/>
-              <a:t>18-10-2022</a:t>
+              <a:t>19-10-2022</a:t>
             </a:fld>
             <a:endParaRPr lang="en-IN" dirty="0"/>
           </a:p>
@@ -985,7 +998,7 @@
           <a:p>
             <a:fld id="{F7AE5898-FA79-4903-9589-514C2098B63A}" type="datetime1">
               <a:rPr lang="en-IN" smtClean="0"/>
-              <a:t>18-10-2022</a:t>
+              <a:t>19-10-2022</a:t>
             </a:fld>
             <a:endParaRPr lang="en-IN" dirty="0"/>
           </a:p>
@@ -1265,7 +1278,7 @@
           <a:p>
             <a:fld id="{5A7FE031-48DF-4683-B7D2-57205A625662}" type="datetime1">
               <a:rPr lang="en-IN" smtClean="0"/>
-              <a:t>18-10-2022</a:t>
+              <a:t>19-10-2022</a:t>
             </a:fld>
             <a:endParaRPr lang="en-IN" dirty="0"/>
           </a:p>
@@ -1537,7 +1550,7 @@
           <a:p>
             <a:fld id="{A701DD70-0E15-4A96-8D9D-FA973F2A4A80}" type="datetime1">
               <a:rPr lang="en-IN" smtClean="0"/>
-              <a:t>18-10-2022</a:t>
+              <a:t>19-10-2022</a:t>
             </a:fld>
             <a:endParaRPr lang="en-IN" dirty="0"/>
           </a:p>
@@ -1956,7 +1969,7 @@
           <a:p>
             <a:fld id="{EBE8548B-B500-4907-B08D-0DF9CF07A10F}" type="datetime1">
               <a:rPr lang="en-IN" smtClean="0"/>
-              <a:t>18-10-2022</a:t>
+              <a:t>19-10-2022</a:t>
             </a:fld>
             <a:endParaRPr lang="en-IN" dirty="0"/>
           </a:p>
@@ -2102,7 +2115,7 @@
           <a:p>
             <a:fld id="{4A39EDBF-AA7A-40E8-816B-F16F7AE7EB06}" type="datetime1">
               <a:rPr lang="en-IN" smtClean="0"/>
-              <a:t>18-10-2022</a:t>
+              <a:t>19-10-2022</a:t>
             </a:fld>
             <a:endParaRPr lang="en-IN" dirty="0"/>
           </a:p>
@@ -2219,7 +2232,7 @@
           <a:p>
             <a:fld id="{DDE686EA-1272-468C-B919-059622CE55E3}" type="datetime1">
               <a:rPr lang="en-IN" smtClean="0"/>
-              <a:t>18-10-2022</a:t>
+              <a:t>19-10-2022</a:t>
             </a:fld>
             <a:endParaRPr lang="en-IN" dirty="0"/>
           </a:p>
@@ -2536,7 +2549,7 @@
           <a:p>
             <a:fld id="{595AE8F3-C7BB-42D3-9095-2FAB453C778B}" type="datetime1">
               <a:rPr lang="en-IN" smtClean="0"/>
-              <a:t>18-10-2022</a:t>
+              <a:t>19-10-2022</a:t>
             </a:fld>
             <a:endParaRPr lang="en-IN" dirty="0"/>
           </a:p>
@@ -2829,7 +2842,7 @@
           <a:p>
             <a:fld id="{84724D7A-FD32-456F-B816-D106EBA5EF5A}" type="datetime1">
               <a:rPr lang="en-IN" smtClean="0"/>
-              <a:t>18-10-2022</a:t>
+              <a:t>19-10-2022</a:t>
             </a:fld>
             <a:endParaRPr lang="en-IN" dirty="0"/>
           </a:p>
@@ -3076,7 +3089,7 @@
           <a:p>
             <a:fld id="{99268E84-A059-498B-B9D3-7496418580D6}" type="datetime1">
               <a:rPr lang="en-IN" smtClean="0"/>
-              <a:t>18-10-2022</a:t>
+              <a:t>19-10-2022</a:t>
             </a:fld>
             <a:endParaRPr lang="en-IN" dirty="0"/>
           </a:p>
@@ -6010,6 +6023,2670 @@
 </p:sld>
 </file>
 
+<file path=ppt/slides/slide104.xml><?xml version="1.0" encoding="utf-8"?>
+<p:sld xmlns:a="http://schemas.openxmlformats.org/drawingml/2006/main" xmlns:r="http://schemas.openxmlformats.org/officeDocument/2006/relationships" xmlns:p="http://schemas.openxmlformats.org/presentationml/2006/main">
+  <p:cSld>
+    <p:spTree>
+      <p:nvGrpSpPr>
+        <p:cNvPr id="1" name=""/>
+        <p:cNvGrpSpPr/>
+        <p:nvPr/>
+      </p:nvGrpSpPr>
+      <p:grpSpPr>
+        <a:xfrm>
+          <a:off x="0" y="0"/>
+          <a:ext cx="0" cy="0"/>
+          <a:chOff x="0" y="0"/>
+          <a:chExt cx="0" cy="0"/>
+        </a:xfrm>
+      </p:grpSpPr>
+      <p:sp>
+        <p:nvSpPr>
+          <p:cNvPr id="2" name="Footer Placeholder 1">
+            <a:extLst>
+              <a:ext uri="{FF2B5EF4-FFF2-40B4-BE49-F238E27FC236}">
+                <a16:creationId xmlns:a16="http://schemas.microsoft.com/office/drawing/2014/main" id="{73B807E1-751E-7A80-E713-6D772312A03E}"/>
+              </a:ext>
+            </a:extLst>
+          </p:cNvPr>
+          <p:cNvSpPr>
+            <a:spLocks noGrp="1"/>
+          </p:cNvSpPr>
+          <p:nvPr>
+            <p:ph type="ftr" sz="quarter" idx="11"/>
+          </p:nvPr>
+        </p:nvSpPr>
+        <p:spPr/>
+        <p:txBody>
+          <a:bodyPr/>
+          <a:lstStyle/>
+          <a:p>
+            <a:r>
+              <a:rPr lang="en-IN"/>
+              <a:t>H&amp;D IT Solution</a:t>
+            </a:r>
+            <a:endParaRPr lang="en-IN" dirty="0"/>
+          </a:p>
+        </p:txBody>
+      </p:sp>
+      <p:sp>
+        <p:nvSpPr>
+          <p:cNvPr id="3" name="Slide Number Placeholder 2">
+            <a:extLst>
+              <a:ext uri="{FF2B5EF4-FFF2-40B4-BE49-F238E27FC236}">
+                <a16:creationId xmlns:a16="http://schemas.microsoft.com/office/drawing/2014/main" id="{BE87558F-A935-8AF7-13E8-7F02E1631540}"/>
+              </a:ext>
+            </a:extLst>
+          </p:cNvPr>
+          <p:cNvSpPr>
+            <a:spLocks noGrp="1"/>
+          </p:cNvSpPr>
+          <p:nvPr>
+            <p:ph type="sldNum" sz="quarter" idx="12"/>
+          </p:nvPr>
+        </p:nvSpPr>
+        <p:spPr/>
+        <p:txBody>
+          <a:bodyPr/>
+          <a:lstStyle/>
+          <a:p>
+            <a:fld id="{4A777409-9C5A-4B07-8E32-19F22F7D558C}" type="slidenum">
+              <a:rPr lang="en-IN" smtClean="0"/>
+              <a:t>104</a:t>
+            </a:fld>
+            <a:endParaRPr lang="en-IN" dirty="0"/>
+          </a:p>
+        </p:txBody>
+      </p:sp>
+      <p:sp>
+        <p:nvSpPr>
+          <p:cNvPr id="5" name="TextBox 4">
+            <a:extLst>
+              <a:ext uri="{FF2B5EF4-FFF2-40B4-BE49-F238E27FC236}">
+                <a16:creationId xmlns:a16="http://schemas.microsoft.com/office/drawing/2014/main" id="{F9227480-E441-F026-3BEF-B91D8A7DAEDE}"/>
+              </a:ext>
+            </a:extLst>
+          </p:cNvPr>
+          <p:cNvSpPr txBox="1"/>
+          <p:nvPr/>
+        </p:nvSpPr>
+        <p:spPr>
+          <a:xfrm>
+            <a:off x="1007882" y="628942"/>
+            <a:ext cx="10345918" cy="400110"/>
+          </a:xfrm>
+          <a:prstGeom prst="rect">
+            <a:avLst/>
+          </a:prstGeom>
+          <a:noFill/>
+        </p:spPr>
+        <p:txBody>
+          <a:bodyPr wrap="square">
+            <a:spAutoFit/>
+          </a:bodyPr>
+          <a:lstStyle/>
+          <a:p>
+            <a:r>
+              <a:rPr lang="en-US" sz="2000" b="1" dirty="0">
+                <a:solidFill>
+                  <a:schemeClr val="tx1">
+                    <a:lumMod val="65000"/>
+                    <a:lumOff val="35000"/>
+                  </a:schemeClr>
+                </a:solidFill>
+              </a:rPr>
+              <a:t>Step 10 :</a:t>
+            </a:r>
+            <a:r>
+              <a:rPr lang="en-US" sz="2000" dirty="0">
+                <a:solidFill>
+                  <a:schemeClr val="tx1">
+                    <a:lumMod val="65000"/>
+                    <a:lumOff val="35000"/>
+                  </a:schemeClr>
+                </a:solidFill>
+              </a:rPr>
+              <a:t> Run the </a:t>
+            </a:r>
+            <a:r>
+              <a:rPr lang="en-US" sz="2000" dirty="0" err="1">
+                <a:solidFill>
+                  <a:schemeClr val="tx1">
+                    <a:lumMod val="65000"/>
+                    <a:lumOff val="35000"/>
+                  </a:schemeClr>
+                </a:solidFill>
+              </a:rPr>
+              <a:t>DemoSpringBootLoggingApplication</a:t>
+            </a:r>
+            <a:r>
+              <a:rPr lang="en-US" sz="2000" dirty="0">
+                <a:solidFill>
+                  <a:schemeClr val="tx1">
+                    <a:lumMod val="65000"/>
+                    <a:lumOff val="35000"/>
+                  </a:schemeClr>
+                </a:solidFill>
+              </a:rPr>
+              <a:t>  class created in the previous step.</a:t>
+            </a:r>
+            <a:endParaRPr lang="en-IN" sz="2000" dirty="0">
+              <a:solidFill>
+                <a:schemeClr val="tx1">
+                  <a:lumMod val="65000"/>
+                  <a:lumOff val="35000"/>
+                </a:schemeClr>
+              </a:solidFill>
+            </a:endParaRPr>
+          </a:p>
+        </p:txBody>
+      </p:sp>
+      <p:sp>
+        <p:nvSpPr>
+          <p:cNvPr id="7" name="TextBox 6">
+            <a:extLst>
+              <a:ext uri="{FF2B5EF4-FFF2-40B4-BE49-F238E27FC236}">
+                <a16:creationId xmlns:a16="http://schemas.microsoft.com/office/drawing/2014/main" id="{EF3FB3B8-63BB-DC28-6C4D-88BCF8812F2C}"/>
+              </a:ext>
+            </a:extLst>
+          </p:cNvPr>
+          <p:cNvSpPr txBox="1"/>
+          <p:nvPr/>
+        </p:nvSpPr>
+        <p:spPr>
+          <a:xfrm>
+            <a:off x="296943" y="1351902"/>
+            <a:ext cx="6099142" cy="461665"/>
+          </a:xfrm>
+          <a:prstGeom prst="rect">
+            <a:avLst/>
+          </a:prstGeom>
+          <a:noFill/>
+        </p:spPr>
+        <p:txBody>
+          <a:bodyPr wrap="square">
+            <a:spAutoFit/>
+          </a:bodyPr>
+          <a:lstStyle/>
+          <a:p>
+            <a:r>
+              <a:rPr lang="en-IN" sz="2400" b="1" dirty="0"/>
+              <a:t>Logging in Spring Boot using Log4j </a:t>
+            </a:r>
+          </a:p>
+        </p:txBody>
+      </p:sp>
+      <p:sp>
+        <p:nvSpPr>
+          <p:cNvPr id="9" name="TextBox 8">
+            <a:extLst>
+              <a:ext uri="{FF2B5EF4-FFF2-40B4-BE49-F238E27FC236}">
+                <a16:creationId xmlns:a16="http://schemas.microsoft.com/office/drawing/2014/main" id="{35FB425B-4FE7-522C-363A-FB72F90DD8FF}"/>
+              </a:ext>
+            </a:extLst>
+          </p:cNvPr>
+          <p:cNvSpPr txBox="1"/>
+          <p:nvPr/>
+        </p:nvSpPr>
+        <p:spPr>
+          <a:xfrm>
+            <a:off x="296943" y="2011855"/>
+            <a:ext cx="11467709" cy="707886"/>
+          </a:xfrm>
+          <a:prstGeom prst="rect">
+            <a:avLst/>
+          </a:prstGeom>
+          <a:noFill/>
+        </p:spPr>
+        <p:txBody>
+          <a:bodyPr wrap="square">
+            <a:spAutoFit/>
+          </a:bodyPr>
+          <a:lstStyle/>
+          <a:p>
+            <a:r>
+              <a:rPr lang="en-US" sz="2000" dirty="0">
+                <a:solidFill>
+                  <a:schemeClr val="tx1">
+                    <a:lumMod val="65000"/>
+                    <a:lumOff val="35000"/>
+                  </a:schemeClr>
+                </a:solidFill>
+                <a:effectLst/>
+              </a:rPr>
+              <a:t>Spring Boot, by default, uses </a:t>
+            </a:r>
+            <a:r>
+              <a:rPr lang="en-US" sz="2000" dirty="0" err="1">
+                <a:solidFill>
+                  <a:schemeClr val="tx1">
+                    <a:lumMod val="65000"/>
+                    <a:lumOff val="35000"/>
+                  </a:schemeClr>
+                </a:solidFill>
+                <a:effectLst/>
+              </a:rPr>
+              <a:t>Logback</a:t>
+            </a:r>
+            <a:r>
+              <a:rPr lang="en-US" sz="2000" dirty="0">
+                <a:solidFill>
+                  <a:schemeClr val="tx1">
+                    <a:lumMod val="65000"/>
+                    <a:lumOff val="35000"/>
+                  </a:schemeClr>
+                </a:solidFill>
+                <a:effectLst/>
+              </a:rPr>
+              <a:t> for logging. To use Log4j, you have to exclude spring-boot-starter-logging starter and include spring-boot-starter-log4j2 starter in pom.xml file as follows:</a:t>
+            </a:r>
+            <a:endParaRPr lang="en-IN" sz="2000" dirty="0">
+              <a:solidFill>
+                <a:schemeClr val="tx1">
+                  <a:lumMod val="65000"/>
+                  <a:lumOff val="35000"/>
+                </a:schemeClr>
+              </a:solidFill>
+            </a:endParaRPr>
+          </a:p>
+        </p:txBody>
+      </p:sp>
+      <p:sp>
+        <p:nvSpPr>
+          <p:cNvPr id="11" name="TextBox 10">
+            <a:extLst>
+              <a:ext uri="{FF2B5EF4-FFF2-40B4-BE49-F238E27FC236}">
+                <a16:creationId xmlns:a16="http://schemas.microsoft.com/office/drawing/2014/main" id="{7EEC4E96-CD0F-C2CE-C469-D25388C3726B}"/>
+              </a:ext>
+            </a:extLst>
+          </p:cNvPr>
+          <p:cNvSpPr txBox="1"/>
+          <p:nvPr/>
+        </p:nvSpPr>
+        <p:spPr>
+          <a:xfrm>
+            <a:off x="342507" y="2796370"/>
+            <a:ext cx="11849493" cy="4031873"/>
+          </a:xfrm>
+          <a:prstGeom prst="rect">
+            <a:avLst/>
+          </a:prstGeom>
+          <a:noFill/>
+        </p:spPr>
+        <p:txBody>
+          <a:bodyPr wrap="square">
+            <a:spAutoFit/>
+          </a:bodyPr>
+          <a:lstStyle/>
+          <a:p>
+            <a:r>
+              <a:rPr lang="en-IN" sz="1600" dirty="0"/>
+              <a:t>&lt;!-- Exclude Spring Boot's Default Logging --&gt;</a:t>
+            </a:r>
+          </a:p>
+          <a:p>
+            <a:r>
+              <a:rPr lang="en-IN" sz="1600" dirty="0"/>
+              <a:t>&lt;dependency&gt;</a:t>
+            </a:r>
+          </a:p>
+          <a:p>
+            <a:r>
+              <a:rPr lang="en-IN" sz="1600" dirty="0"/>
+              <a:t>	&lt;</a:t>
+            </a:r>
+            <a:r>
+              <a:rPr lang="en-IN" sz="1600" dirty="0" err="1"/>
+              <a:t>groupId</a:t>
+            </a:r>
+            <a:r>
+              <a:rPr lang="en-IN" sz="1600" dirty="0"/>
+              <a:t>&gt;</a:t>
+            </a:r>
+            <a:r>
+              <a:rPr lang="en-IN" sz="1600" dirty="0" err="1"/>
+              <a:t>org.springframework.boot</a:t>
+            </a:r>
+            <a:r>
+              <a:rPr lang="en-IN" sz="1600" dirty="0"/>
+              <a:t>&lt;/</a:t>
+            </a:r>
+            <a:r>
+              <a:rPr lang="en-IN" sz="1600" dirty="0" err="1"/>
+              <a:t>groupId</a:t>
+            </a:r>
+            <a:r>
+              <a:rPr lang="en-IN" sz="1600" dirty="0"/>
+              <a:t>&gt;</a:t>
+            </a:r>
+          </a:p>
+          <a:p>
+            <a:r>
+              <a:rPr lang="en-IN" sz="1600" dirty="0"/>
+              <a:t>	&lt;</a:t>
+            </a:r>
+            <a:r>
+              <a:rPr lang="en-IN" sz="1600" dirty="0" err="1"/>
+              <a:t>artifactId</a:t>
+            </a:r>
+            <a:r>
+              <a:rPr lang="en-IN" sz="1600" dirty="0"/>
+              <a:t>&gt;spring-boot-starter&lt;/</a:t>
+            </a:r>
+            <a:r>
+              <a:rPr lang="en-IN" sz="1600" dirty="0" err="1"/>
+              <a:t>artifactId</a:t>
+            </a:r>
+            <a:r>
+              <a:rPr lang="en-IN" sz="1600" dirty="0"/>
+              <a:t>&gt;</a:t>
+            </a:r>
+          </a:p>
+          <a:p>
+            <a:r>
+              <a:rPr lang="en-IN" sz="1600" dirty="0"/>
+              <a:t>	&lt;exclusions&gt;</a:t>
+            </a:r>
+          </a:p>
+          <a:p>
+            <a:r>
+              <a:rPr lang="en-IN" sz="1600" dirty="0"/>
+              <a:t>		&lt;exclusion&gt;</a:t>
+            </a:r>
+          </a:p>
+          <a:p>
+            <a:r>
+              <a:rPr lang="en-IN" sz="1600" dirty="0"/>
+              <a:t>			&lt;</a:t>
+            </a:r>
+            <a:r>
+              <a:rPr lang="en-IN" sz="1600" dirty="0" err="1"/>
+              <a:t>groupId</a:t>
+            </a:r>
+            <a:r>
+              <a:rPr lang="en-IN" sz="1600" dirty="0"/>
+              <a:t>&gt;</a:t>
+            </a:r>
+            <a:r>
+              <a:rPr lang="en-IN" sz="1600" dirty="0" err="1"/>
+              <a:t>org.springframework.boot</a:t>
+            </a:r>
+            <a:r>
+              <a:rPr lang="en-IN" sz="1600" dirty="0"/>
+              <a:t>&lt;/</a:t>
+            </a:r>
+            <a:r>
+              <a:rPr lang="en-IN" sz="1600" dirty="0" err="1"/>
+              <a:t>groupId</a:t>
+            </a:r>
+            <a:r>
+              <a:rPr lang="en-IN" sz="1600" dirty="0"/>
+              <a:t>&gt;</a:t>
+            </a:r>
+          </a:p>
+          <a:p>
+            <a:r>
+              <a:rPr lang="en-IN" sz="1600" dirty="0"/>
+              <a:t>			&lt;</a:t>
+            </a:r>
+            <a:r>
+              <a:rPr lang="en-IN" sz="1600" dirty="0" err="1"/>
+              <a:t>artifactId</a:t>
+            </a:r>
+            <a:r>
+              <a:rPr lang="en-IN" sz="1600" dirty="0"/>
+              <a:t>&gt;spring-boot-starter-logging&lt;/</a:t>
+            </a:r>
+            <a:r>
+              <a:rPr lang="en-IN" sz="1600" dirty="0" err="1"/>
+              <a:t>artifactId</a:t>
+            </a:r>
+            <a:r>
+              <a:rPr lang="en-IN" sz="1600" dirty="0"/>
+              <a:t>&gt;</a:t>
+            </a:r>
+          </a:p>
+          <a:p>
+            <a:r>
+              <a:rPr lang="en-IN" sz="1600" dirty="0"/>
+              <a:t>		&lt;/exclusion&gt;</a:t>
+            </a:r>
+          </a:p>
+          <a:p>
+            <a:r>
+              <a:rPr lang="en-IN" sz="1600" dirty="0"/>
+              <a:t>	&lt;/exclusions&gt;</a:t>
+            </a:r>
+          </a:p>
+          <a:p>
+            <a:r>
+              <a:rPr lang="en-IN" sz="1600" dirty="0"/>
+              <a:t>&lt;/dependency&gt;</a:t>
+            </a:r>
+          </a:p>
+          <a:p>
+            <a:r>
+              <a:rPr lang="en-IN" sz="1600" dirty="0"/>
+              <a:t>&lt;!-- Add Log4j2 Dependency --&gt;</a:t>
+            </a:r>
+          </a:p>
+          <a:p>
+            <a:r>
+              <a:rPr lang="en-IN" sz="1600" dirty="0"/>
+              <a:t>&lt;dependency&gt;</a:t>
+            </a:r>
+          </a:p>
+          <a:p>
+            <a:r>
+              <a:rPr lang="en-IN" sz="1600" dirty="0"/>
+              <a:t>	&lt;</a:t>
+            </a:r>
+            <a:r>
+              <a:rPr lang="en-IN" sz="1600" dirty="0" err="1"/>
+              <a:t>groupId</a:t>
+            </a:r>
+            <a:r>
+              <a:rPr lang="en-IN" sz="1600" dirty="0"/>
+              <a:t>&gt;</a:t>
+            </a:r>
+            <a:r>
+              <a:rPr lang="en-IN" sz="1600" dirty="0" err="1"/>
+              <a:t>org.springframework.boot</a:t>
+            </a:r>
+            <a:r>
+              <a:rPr lang="en-IN" sz="1600" dirty="0"/>
+              <a:t>&lt;/</a:t>
+            </a:r>
+            <a:r>
+              <a:rPr lang="en-IN" sz="1600" dirty="0" err="1"/>
+              <a:t>groupId</a:t>
+            </a:r>
+            <a:r>
+              <a:rPr lang="en-IN" sz="1600" dirty="0"/>
+              <a:t>&gt;</a:t>
+            </a:r>
+          </a:p>
+          <a:p>
+            <a:r>
+              <a:rPr lang="en-IN" sz="1600" dirty="0"/>
+              <a:t>	&lt;</a:t>
+            </a:r>
+            <a:r>
+              <a:rPr lang="en-IN" sz="1600" dirty="0" err="1"/>
+              <a:t>artifactId</a:t>
+            </a:r>
+            <a:r>
+              <a:rPr lang="en-IN" sz="1600" dirty="0"/>
+              <a:t>&gt;spring-boot-starter-log4j2&lt;/</a:t>
+            </a:r>
+            <a:r>
+              <a:rPr lang="en-IN" sz="1600" dirty="0" err="1"/>
+              <a:t>artifactId</a:t>
+            </a:r>
+            <a:r>
+              <a:rPr lang="en-IN" sz="1600" dirty="0"/>
+              <a:t>&gt;</a:t>
+            </a:r>
+          </a:p>
+          <a:p>
+            <a:r>
+              <a:rPr lang="en-IN" sz="1600" dirty="0"/>
+              <a:t>&lt;/dependency&gt;</a:t>
+            </a:r>
+          </a:p>
+        </p:txBody>
+      </p:sp>
+    </p:spTree>
+    <p:extLst>
+      <p:ext uri="{BB962C8B-B14F-4D97-AF65-F5344CB8AC3E}">
+        <p14:creationId xmlns:p14="http://schemas.microsoft.com/office/powerpoint/2010/main" val="1149645450"/>
+      </p:ext>
+    </p:extLst>
+  </p:cSld>
+  <p:clrMapOvr>
+    <a:masterClrMapping/>
+  </p:clrMapOvr>
+</p:sld>
+</file>
+
+<file path=ppt/slides/slide105.xml><?xml version="1.0" encoding="utf-8"?>
+<p:sld xmlns:a="http://schemas.openxmlformats.org/drawingml/2006/main" xmlns:r="http://schemas.openxmlformats.org/officeDocument/2006/relationships" xmlns:p="http://schemas.openxmlformats.org/presentationml/2006/main">
+  <p:cSld>
+    <p:spTree>
+      <p:nvGrpSpPr>
+        <p:cNvPr id="1" name=""/>
+        <p:cNvGrpSpPr/>
+        <p:nvPr/>
+      </p:nvGrpSpPr>
+      <p:grpSpPr>
+        <a:xfrm>
+          <a:off x="0" y="0"/>
+          <a:ext cx="0" cy="0"/>
+          <a:chOff x="0" y="0"/>
+          <a:chExt cx="0" cy="0"/>
+        </a:xfrm>
+      </p:grpSpPr>
+      <p:sp>
+        <p:nvSpPr>
+          <p:cNvPr id="2" name="Footer Placeholder 1">
+            <a:extLst>
+              <a:ext uri="{FF2B5EF4-FFF2-40B4-BE49-F238E27FC236}">
+                <a16:creationId xmlns:a16="http://schemas.microsoft.com/office/drawing/2014/main" id="{6B3F446F-FD8F-C516-3556-213180D92CC1}"/>
+              </a:ext>
+            </a:extLst>
+          </p:cNvPr>
+          <p:cNvSpPr>
+            <a:spLocks noGrp="1"/>
+          </p:cNvSpPr>
+          <p:nvPr>
+            <p:ph type="ftr" sz="quarter" idx="11"/>
+          </p:nvPr>
+        </p:nvSpPr>
+        <p:spPr/>
+        <p:txBody>
+          <a:bodyPr/>
+          <a:lstStyle/>
+          <a:p>
+            <a:r>
+              <a:rPr lang="en-IN"/>
+              <a:t>H&amp;D IT Solution</a:t>
+            </a:r>
+            <a:endParaRPr lang="en-IN" dirty="0"/>
+          </a:p>
+        </p:txBody>
+      </p:sp>
+      <p:sp>
+        <p:nvSpPr>
+          <p:cNvPr id="3" name="Slide Number Placeholder 2">
+            <a:extLst>
+              <a:ext uri="{FF2B5EF4-FFF2-40B4-BE49-F238E27FC236}">
+                <a16:creationId xmlns:a16="http://schemas.microsoft.com/office/drawing/2014/main" id="{D4A7FF3C-9761-0D0E-7781-1FEE52BCFC40}"/>
+              </a:ext>
+            </a:extLst>
+          </p:cNvPr>
+          <p:cNvSpPr>
+            <a:spLocks noGrp="1"/>
+          </p:cNvSpPr>
+          <p:nvPr>
+            <p:ph type="sldNum" sz="quarter" idx="12"/>
+          </p:nvPr>
+        </p:nvSpPr>
+        <p:spPr/>
+        <p:txBody>
+          <a:bodyPr/>
+          <a:lstStyle/>
+          <a:p>
+            <a:fld id="{4A777409-9C5A-4B07-8E32-19F22F7D558C}" type="slidenum">
+              <a:rPr lang="en-IN" smtClean="0"/>
+              <a:t>105</a:t>
+            </a:fld>
+            <a:endParaRPr lang="en-IN" dirty="0"/>
+          </a:p>
+        </p:txBody>
+      </p:sp>
+      <p:sp>
+        <p:nvSpPr>
+          <p:cNvPr id="5" name="TextBox 4">
+            <a:extLst>
+              <a:ext uri="{FF2B5EF4-FFF2-40B4-BE49-F238E27FC236}">
+                <a16:creationId xmlns:a16="http://schemas.microsoft.com/office/drawing/2014/main" id="{F80F1CD6-57D2-063D-251D-5F89B02630A8}"/>
+              </a:ext>
+            </a:extLst>
+          </p:cNvPr>
+          <p:cNvSpPr txBox="1"/>
+          <p:nvPr/>
+        </p:nvSpPr>
+        <p:spPr>
+          <a:xfrm>
+            <a:off x="197963" y="908150"/>
+            <a:ext cx="11510127" cy="3477875"/>
+          </a:xfrm>
+          <a:prstGeom prst="rect">
+            <a:avLst/>
+          </a:prstGeom>
+          <a:noFill/>
+        </p:spPr>
+        <p:txBody>
+          <a:bodyPr wrap="square">
+            <a:spAutoFit/>
+          </a:bodyPr>
+          <a:lstStyle/>
+          <a:p>
+            <a:r>
+              <a:rPr lang="en-US" sz="2000" dirty="0">
+                <a:solidFill>
+                  <a:schemeClr val="tx1">
+                    <a:lumMod val="65000"/>
+                    <a:lumOff val="35000"/>
+                  </a:schemeClr>
+                </a:solidFill>
+                <a:effectLst/>
+              </a:rPr>
+              <a:t>Log4J will help in logging information to different destinations that can be file, console, database etc.</a:t>
+            </a:r>
+          </a:p>
+          <a:p>
+            <a:r>
+              <a:rPr lang="en-US" sz="2000" dirty="0">
+                <a:solidFill>
+                  <a:schemeClr val="tx1">
+                    <a:lumMod val="65000"/>
+                    <a:lumOff val="35000"/>
+                  </a:schemeClr>
+                </a:solidFill>
+                <a:effectLst/>
+              </a:rPr>
+              <a:t>Log4J can be configured in different ways. Here it will be done using properties file. Add log4j2.properties file to the root </a:t>
+            </a:r>
+            <a:r>
+              <a:rPr lang="en-US" sz="2000" dirty="0" err="1">
+                <a:solidFill>
+                  <a:schemeClr val="tx1">
+                    <a:lumMod val="65000"/>
+                    <a:lumOff val="35000"/>
+                  </a:schemeClr>
+                </a:solidFill>
+                <a:effectLst/>
+              </a:rPr>
+              <a:t>classpath</a:t>
+            </a:r>
+            <a:r>
+              <a:rPr lang="en-US" sz="2000" dirty="0">
+                <a:solidFill>
+                  <a:schemeClr val="tx1">
+                    <a:lumMod val="65000"/>
+                    <a:lumOff val="35000"/>
+                  </a:schemeClr>
+                </a:solidFill>
+                <a:effectLst/>
+              </a:rPr>
+              <a:t> of application, which Spring Boot will automatically use for logging.</a:t>
+            </a:r>
+          </a:p>
+          <a:p>
+            <a:endParaRPr lang="en-US" sz="2000" dirty="0">
+              <a:solidFill>
+                <a:schemeClr val="tx1">
+                  <a:lumMod val="65000"/>
+                  <a:lumOff val="35000"/>
+                </a:schemeClr>
+              </a:solidFill>
+              <a:effectLst/>
+            </a:endParaRPr>
+          </a:p>
+          <a:p>
+            <a:r>
+              <a:rPr lang="en-US" sz="2000" b="1" dirty="0">
+                <a:solidFill>
+                  <a:schemeClr val="tx1">
+                    <a:lumMod val="65000"/>
+                    <a:lumOff val="35000"/>
+                  </a:schemeClr>
+                </a:solidFill>
+                <a:effectLst/>
+              </a:rPr>
+              <a:t>Working with log4j Logger</a:t>
+            </a:r>
+            <a:endParaRPr lang="en-US" sz="2000" dirty="0">
+              <a:solidFill>
+                <a:schemeClr val="tx1">
+                  <a:lumMod val="65000"/>
+                  <a:lumOff val="35000"/>
+                </a:schemeClr>
+              </a:solidFill>
+              <a:effectLst/>
+            </a:endParaRPr>
+          </a:p>
+          <a:p>
+            <a:r>
+              <a:rPr lang="en-US" sz="2000" dirty="0">
+                <a:solidFill>
+                  <a:schemeClr val="tx1">
+                    <a:lumMod val="65000"/>
+                    <a:lumOff val="35000"/>
+                  </a:schemeClr>
+                </a:solidFill>
+                <a:effectLst/>
+              </a:rPr>
+              <a:t>Once configuration is done you can use the Log4J logger in the application. To log information, you first need to get a logger object. This logger object is obtained by invoking </a:t>
+            </a:r>
+            <a:r>
+              <a:rPr lang="en-US" sz="2000" dirty="0" err="1">
+                <a:solidFill>
+                  <a:schemeClr val="tx1">
+                    <a:lumMod val="65000"/>
+                    <a:lumOff val="35000"/>
+                  </a:schemeClr>
+                </a:solidFill>
+                <a:effectLst/>
+              </a:rPr>
+              <a:t>getLog</a:t>
+            </a:r>
+            <a:r>
+              <a:rPr lang="en-US" sz="2000" dirty="0">
+                <a:solidFill>
+                  <a:schemeClr val="tx1">
+                    <a:lumMod val="65000"/>
+                    <a:lumOff val="35000"/>
+                  </a:schemeClr>
+                </a:solidFill>
+                <a:effectLst/>
+              </a:rPr>
+              <a:t>() method of the </a:t>
+            </a:r>
+            <a:r>
+              <a:rPr lang="en-US" sz="2000" dirty="0" err="1">
+                <a:solidFill>
+                  <a:schemeClr val="tx1">
+                    <a:lumMod val="65000"/>
+                    <a:lumOff val="35000"/>
+                  </a:schemeClr>
+                </a:solidFill>
+                <a:effectLst/>
+              </a:rPr>
+              <a:t>org.apache.commons.logging.LogFactory</a:t>
+            </a:r>
+            <a:r>
+              <a:rPr lang="en-US" sz="2000" dirty="0">
+                <a:solidFill>
+                  <a:schemeClr val="tx1">
+                    <a:lumMod val="65000"/>
+                    <a:lumOff val="35000"/>
+                  </a:schemeClr>
+                </a:solidFill>
+                <a:effectLst/>
+              </a:rPr>
+              <a:t> class. This method takes the details of the class in which you want to log as a parameter and gives an object of </a:t>
+            </a:r>
+            <a:r>
+              <a:rPr lang="en-US" sz="2000" dirty="0" err="1">
+                <a:solidFill>
+                  <a:schemeClr val="tx1">
+                    <a:lumMod val="65000"/>
+                    <a:lumOff val="35000"/>
+                  </a:schemeClr>
+                </a:solidFill>
+                <a:effectLst/>
+              </a:rPr>
+              <a:t>org.apache.commons.logging.Log</a:t>
+            </a:r>
+            <a:r>
+              <a:rPr lang="en-US" sz="2000" dirty="0">
+                <a:solidFill>
+                  <a:schemeClr val="tx1">
+                    <a:lumMod val="65000"/>
+                    <a:lumOff val="35000"/>
+                  </a:schemeClr>
+                </a:solidFill>
+                <a:effectLst/>
+              </a:rPr>
+              <a:t> interface. </a:t>
+            </a:r>
+          </a:p>
+          <a:p>
+            <a:r>
+              <a:rPr lang="en-US" sz="2000" dirty="0">
+                <a:solidFill>
+                  <a:schemeClr val="tx1">
+                    <a:lumMod val="65000"/>
+                    <a:lumOff val="35000"/>
+                  </a:schemeClr>
+                </a:solidFill>
+                <a:effectLst/>
+              </a:rPr>
+              <a:t> </a:t>
+            </a:r>
+          </a:p>
+          <a:p>
+            <a:r>
+              <a:rPr lang="en-US" sz="2000" dirty="0">
+                <a:solidFill>
+                  <a:schemeClr val="tx1">
+                    <a:lumMod val="65000"/>
+                    <a:lumOff val="35000"/>
+                  </a:schemeClr>
+                </a:solidFill>
+                <a:effectLst/>
+              </a:rPr>
+              <a:t>For example, if we want to log in a class, DemoSpringBootLog4jApplication, the code will be: </a:t>
+            </a:r>
+          </a:p>
+        </p:txBody>
+      </p:sp>
+    </p:spTree>
+    <p:extLst>
+      <p:ext uri="{BB962C8B-B14F-4D97-AF65-F5344CB8AC3E}">
+        <p14:creationId xmlns:p14="http://schemas.microsoft.com/office/powerpoint/2010/main" val="4252900332"/>
+      </p:ext>
+    </p:extLst>
+  </p:cSld>
+  <p:clrMapOvr>
+    <a:masterClrMapping/>
+  </p:clrMapOvr>
+</p:sld>
+</file>
+
+<file path=ppt/slides/slide106.xml><?xml version="1.0" encoding="utf-8"?>
+<p:sld xmlns:a="http://schemas.openxmlformats.org/drawingml/2006/main" xmlns:r="http://schemas.openxmlformats.org/officeDocument/2006/relationships" xmlns:p="http://schemas.openxmlformats.org/presentationml/2006/main">
+  <p:cSld>
+    <p:spTree>
+      <p:nvGrpSpPr>
+        <p:cNvPr id="1" name=""/>
+        <p:cNvGrpSpPr/>
+        <p:nvPr/>
+      </p:nvGrpSpPr>
+      <p:grpSpPr>
+        <a:xfrm>
+          <a:off x="0" y="0"/>
+          <a:ext cx="0" cy="0"/>
+          <a:chOff x="0" y="0"/>
+          <a:chExt cx="0" cy="0"/>
+        </a:xfrm>
+      </p:grpSpPr>
+      <p:sp>
+        <p:nvSpPr>
+          <p:cNvPr id="2" name="Footer Placeholder 1">
+            <a:extLst>
+              <a:ext uri="{FF2B5EF4-FFF2-40B4-BE49-F238E27FC236}">
+                <a16:creationId xmlns:a16="http://schemas.microsoft.com/office/drawing/2014/main" id="{A22EC301-826C-3409-AB7B-8B1A64541D59}"/>
+              </a:ext>
+            </a:extLst>
+          </p:cNvPr>
+          <p:cNvSpPr>
+            <a:spLocks noGrp="1"/>
+          </p:cNvSpPr>
+          <p:nvPr>
+            <p:ph type="ftr" sz="quarter" idx="11"/>
+          </p:nvPr>
+        </p:nvSpPr>
+        <p:spPr/>
+        <p:txBody>
+          <a:bodyPr/>
+          <a:lstStyle/>
+          <a:p>
+            <a:r>
+              <a:rPr lang="en-IN"/>
+              <a:t>H&amp;D IT Solution</a:t>
+            </a:r>
+            <a:endParaRPr lang="en-IN" dirty="0"/>
+          </a:p>
+        </p:txBody>
+      </p:sp>
+      <p:sp>
+        <p:nvSpPr>
+          <p:cNvPr id="3" name="Slide Number Placeholder 2">
+            <a:extLst>
+              <a:ext uri="{FF2B5EF4-FFF2-40B4-BE49-F238E27FC236}">
+                <a16:creationId xmlns:a16="http://schemas.microsoft.com/office/drawing/2014/main" id="{67DF8063-DA9B-558D-563B-2F26CC6EF3AC}"/>
+              </a:ext>
+            </a:extLst>
+          </p:cNvPr>
+          <p:cNvSpPr>
+            <a:spLocks noGrp="1"/>
+          </p:cNvSpPr>
+          <p:nvPr>
+            <p:ph type="sldNum" sz="quarter" idx="12"/>
+          </p:nvPr>
+        </p:nvSpPr>
+        <p:spPr/>
+        <p:txBody>
+          <a:bodyPr/>
+          <a:lstStyle/>
+          <a:p>
+            <a:fld id="{4A777409-9C5A-4B07-8E32-19F22F7D558C}" type="slidenum">
+              <a:rPr lang="en-IN" smtClean="0"/>
+              <a:t>106</a:t>
+            </a:fld>
+            <a:endParaRPr lang="en-IN" dirty="0"/>
+          </a:p>
+        </p:txBody>
+      </p:sp>
+      <p:sp>
+        <p:nvSpPr>
+          <p:cNvPr id="5" name="TextBox 4">
+            <a:extLst>
+              <a:ext uri="{FF2B5EF4-FFF2-40B4-BE49-F238E27FC236}">
+                <a16:creationId xmlns:a16="http://schemas.microsoft.com/office/drawing/2014/main" id="{AF0BBFBD-06D1-9C5E-7CEE-D65A5A166ED8}"/>
+              </a:ext>
+            </a:extLst>
+          </p:cNvPr>
+          <p:cNvSpPr txBox="1"/>
+          <p:nvPr/>
+        </p:nvSpPr>
+        <p:spPr>
+          <a:xfrm>
+            <a:off x="838201" y="626864"/>
+            <a:ext cx="10832184" cy="6017032"/>
+          </a:xfrm>
+          <a:prstGeom prst="rect">
+            <a:avLst/>
+          </a:prstGeom>
+          <a:noFill/>
+        </p:spPr>
+        <p:txBody>
+          <a:bodyPr wrap="square">
+            <a:spAutoFit/>
+          </a:bodyPr>
+          <a:lstStyle/>
+          <a:p>
+            <a:r>
+              <a:rPr lang="en-IN" sz="1100" dirty="0"/>
+              <a:t>package </a:t>
+            </a:r>
+            <a:r>
+              <a:rPr lang="en-IN" sz="1100" dirty="0" err="1"/>
+              <a:t>com.hnd</a:t>
+            </a:r>
+            <a:r>
+              <a:rPr lang="en-IN" sz="1100" dirty="0"/>
+              <a:t>;</a:t>
+            </a:r>
+          </a:p>
+          <a:p>
+            <a:r>
+              <a:rPr lang="en-IN" sz="1100" dirty="0"/>
+              <a:t>import </a:t>
+            </a:r>
+            <a:r>
+              <a:rPr lang="en-IN" sz="1100" dirty="0" err="1"/>
+              <a:t>org.apache.commons.logging.Log</a:t>
+            </a:r>
+            <a:r>
+              <a:rPr lang="en-IN" sz="1100" dirty="0"/>
+              <a:t>;</a:t>
+            </a:r>
+          </a:p>
+          <a:p>
+            <a:r>
+              <a:rPr lang="en-IN" sz="1100" dirty="0"/>
+              <a:t>import </a:t>
+            </a:r>
+            <a:r>
+              <a:rPr lang="en-IN" sz="1100" dirty="0" err="1"/>
+              <a:t>org.apache.commons.logging.LogFactory</a:t>
+            </a:r>
+            <a:r>
+              <a:rPr lang="en-IN" sz="1100" dirty="0"/>
+              <a:t>;</a:t>
+            </a:r>
+          </a:p>
+          <a:p>
+            <a:r>
+              <a:rPr lang="en-IN" sz="1100" dirty="0"/>
+              <a:t>import </a:t>
+            </a:r>
+            <a:r>
+              <a:rPr lang="en-IN" sz="1100" dirty="0" err="1"/>
+              <a:t>org.springframework.beans.factory.annotation.Autowired</a:t>
+            </a:r>
+            <a:r>
+              <a:rPr lang="en-IN" sz="1100" dirty="0"/>
+              <a:t>;</a:t>
+            </a:r>
+          </a:p>
+          <a:p>
+            <a:r>
+              <a:rPr lang="en-IN" sz="1100" dirty="0"/>
+              <a:t>import </a:t>
+            </a:r>
+            <a:r>
+              <a:rPr lang="en-IN" sz="1100" dirty="0" err="1"/>
+              <a:t>org.springframework.boot.CommandLineRunner</a:t>
+            </a:r>
+            <a:r>
+              <a:rPr lang="en-IN" sz="1100" dirty="0"/>
+              <a:t>;</a:t>
+            </a:r>
+          </a:p>
+          <a:p>
+            <a:r>
+              <a:rPr lang="en-IN" sz="1100" dirty="0"/>
+              <a:t>import </a:t>
+            </a:r>
+            <a:r>
+              <a:rPr lang="en-IN" sz="1100" dirty="0" err="1"/>
+              <a:t>org.springframework.boot.SpringApplication</a:t>
+            </a:r>
+            <a:r>
+              <a:rPr lang="en-IN" sz="1100" dirty="0"/>
+              <a:t>;</a:t>
+            </a:r>
+          </a:p>
+          <a:p>
+            <a:r>
+              <a:rPr lang="en-IN" sz="1100" dirty="0"/>
+              <a:t>import </a:t>
+            </a:r>
+            <a:r>
+              <a:rPr lang="en-IN" sz="1100" dirty="0" err="1"/>
+              <a:t>org.springframework.boot.autoconfigure.SpringBootApplication</a:t>
+            </a:r>
+            <a:r>
+              <a:rPr lang="en-IN" sz="1100" dirty="0"/>
+              <a:t>;</a:t>
+            </a:r>
+          </a:p>
+          <a:p>
+            <a:r>
+              <a:rPr lang="en-IN" sz="1100" dirty="0"/>
+              <a:t>import </a:t>
+            </a:r>
+            <a:r>
+              <a:rPr lang="en-IN" sz="1100" dirty="0" err="1"/>
+              <a:t>org.springframework.core.env.Environment</a:t>
+            </a:r>
+            <a:r>
+              <a:rPr lang="en-IN" sz="1100" dirty="0"/>
+              <a:t>;</a:t>
+            </a:r>
+          </a:p>
+          <a:p>
+            <a:r>
+              <a:rPr lang="en-IN" sz="1100" dirty="0"/>
+              <a:t>import </a:t>
+            </a:r>
+            <a:r>
+              <a:rPr lang="en-IN" sz="1100" dirty="0" err="1"/>
+              <a:t>com.hnd.controller.CustomerLoginController</a:t>
+            </a:r>
+            <a:r>
+              <a:rPr lang="en-IN" sz="1100" dirty="0"/>
+              <a:t>;</a:t>
+            </a:r>
+          </a:p>
+          <a:p>
+            <a:r>
+              <a:rPr lang="en-IN" sz="1100" dirty="0"/>
+              <a:t>import </a:t>
+            </a:r>
+            <a:r>
+              <a:rPr lang="en-IN" sz="1100" dirty="0" err="1"/>
+              <a:t>com.hnd.dto.CustomerLoginDTO</a:t>
+            </a:r>
+            <a:r>
+              <a:rPr lang="en-IN" sz="1100" dirty="0"/>
+              <a:t>;</a:t>
+            </a:r>
+          </a:p>
+          <a:p>
+            <a:r>
+              <a:rPr lang="en-IN" sz="1100" dirty="0"/>
+              <a:t>import </a:t>
+            </a:r>
+            <a:r>
+              <a:rPr lang="en-IN" sz="1100" dirty="0" err="1"/>
+              <a:t>com.hnd.exception.hndBankException</a:t>
+            </a:r>
+            <a:r>
+              <a:rPr lang="en-IN" sz="1100" dirty="0"/>
+              <a:t>;</a:t>
+            </a:r>
+          </a:p>
+          <a:p>
+            <a:r>
+              <a:rPr lang="en-IN" sz="1100" dirty="0"/>
+              <a:t>@SpringBootApplication</a:t>
+            </a:r>
+          </a:p>
+          <a:p>
+            <a:r>
+              <a:rPr lang="en-IN" sz="1100" dirty="0"/>
+              <a:t>public class DemoSpringBootLog4jApplication implements </a:t>
+            </a:r>
+            <a:r>
+              <a:rPr lang="en-IN" sz="1100" dirty="0" err="1"/>
+              <a:t>CommandLineRunner</a:t>
+            </a:r>
+            <a:r>
+              <a:rPr lang="en-IN" sz="1100" dirty="0"/>
+              <a:t>{</a:t>
+            </a:r>
+          </a:p>
+          <a:p>
+            <a:r>
+              <a:rPr lang="en-IN" sz="1100" dirty="0"/>
+              <a:t>	private static final Log LOGGER = </a:t>
+            </a:r>
+            <a:r>
+              <a:rPr lang="en-IN" sz="1100" dirty="0" err="1"/>
+              <a:t>LogFactory.getLog</a:t>
+            </a:r>
+            <a:r>
+              <a:rPr lang="en-IN" sz="1100" dirty="0"/>
+              <a:t>(DemoSpringBootLog4jApplication.class);</a:t>
+            </a:r>
+          </a:p>
+          <a:p>
+            <a:r>
+              <a:rPr lang="en-IN" sz="1100" dirty="0"/>
+              <a:t>	</a:t>
+            </a:r>
+          </a:p>
+          <a:p>
+            <a:r>
+              <a:rPr lang="en-IN" sz="1100" dirty="0"/>
+              <a:t>	@Autowired</a:t>
+            </a:r>
+          </a:p>
+          <a:p>
+            <a:r>
+              <a:rPr lang="en-IN" sz="1100" dirty="0"/>
+              <a:t>	</a:t>
+            </a:r>
+            <a:r>
+              <a:rPr lang="en-IN" sz="1100" dirty="0" err="1"/>
+              <a:t>CustomerLoginController</a:t>
+            </a:r>
+            <a:r>
+              <a:rPr lang="en-IN" sz="1100" dirty="0"/>
+              <a:t> </a:t>
+            </a:r>
+            <a:r>
+              <a:rPr lang="en-IN" sz="1100" dirty="0" err="1"/>
+              <a:t>customerLoginController</a:t>
+            </a:r>
+            <a:r>
+              <a:rPr lang="en-IN" sz="1100" dirty="0"/>
+              <a:t>;</a:t>
+            </a:r>
+          </a:p>
+          <a:p>
+            <a:r>
+              <a:rPr lang="en-IN" sz="1100" dirty="0"/>
+              <a:t>	@Autowired</a:t>
+            </a:r>
+          </a:p>
+          <a:p>
+            <a:r>
+              <a:rPr lang="en-IN" sz="1100" dirty="0"/>
+              <a:t>	Environment </a:t>
+            </a:r>
+            <a:r>
+              <a:rPr lang="en-IN" sz="1100" dirty="0" err="1"/>
+              <a:t>environment</a:t>
+            </a:r>
+            <a:r>
+              <a:rPr lang="en-IN" sz="1100" dirty="0"/>
+              <a:t>;</a:t>
+            </a:r>
+          </a:p>
+          <a:p>
+            <a:r>
+              <a:rPr lang="en-IN" sz="1100" dirty="0"/>
+              <a:t>	public static void main(String[] </a:t>
+            </a:r>
+            <a:r>
+              <a:rPr lang="en-IN" sz="1100" dirty="0" err="1"/>
+              <a:t>args</a:t>
+            </a:r>
+            <a:r>
+              <a:rPr lang="en-IN" sz="1100" dirty="0"/>
+              <a:t>) {</a:t>
+            </a:r>
+          </a:p>
+          <a:p>
+            <a:r>
+              <a:rPr lang="en-IN" sz="1100" dirty="0"/>
+              <a:t>		</a:t>
+            </a:r>
+            <a:r>
+              <a:rPr lang="en-IN" sz="1100" dirty="0" err="1"/>
+              <a:t>SpringApplication.run</a:t>
+            </a:r>
+            <a:r>
+              <a:rPr lang="en-IN" sz="1100" dirty="0"/>
+              <a:t>(DemoSpringBootLog4jApplication.class, </a:t>
+            </a:r>
+            <a:r>
+              <a:rPr lang="en-IN" sz="1100" dirty="0" err="1"/>
+              <a:t>args</a:t>
+            </a:r>
+            <a:r>
+              <a:rPr lang="en-IN" sz="1100" dirty="0"/>
+              <a:t>);</a:t>
+            </a:r>
+          </a:p>
+          <a:p>
+            <a:r>
+              <a:rPr lang="en-IN" sz="1100" dirty="0"/>
+              <a:t>	}</a:t>
+            </a:r>
+          </a:p>
+          <a:p>
+            <a:r>
+              <a:rPr lang="en-IN" sz="1100" dirty="0"/>
+              <a:t>	@Override</a:t>
+            </a:r>
+          </a:p>
+          <a:p>
+            <a:r>
+              <a:rPr lang="en-IN" sz="1100" dirty="0"/>
+              <a:t>	public void run(String... </a:t>
+            </a:r>
+            <a:r>
+              <a:rPr lang="en-IN" sz="1100" dirty="0" err="1"/>
+              <a:t>args</a:t>
+            </a:r>
+            <a:r>
+              <a:rPr lang="en-IN" sz="1100" dirty="0"/>
+              <a:t>) throws Exception {</a:t>
+            </a:r>
+          </a:p>
+          <a:p>
+            <a:r>
+              <a:rPr lang="en-IN" sz="1100" dirty="0"/>
+              <a:t>		try{</a:t>
+            </a:r>
+          </a:p>
+          <a:p>
+            <a:r>
+              <a:rPr lang="en-IN" sz="1100" dirty="0"/>
+              <a:t>			</a:t>
+            </a:r>
+            <a:r>
+              <a:rPr lang="en-IN" sz="1100" dirty="0" err="1"/>
+              <a:t>CustomerLoginDTO</a:t>
+            </a:r>
+            <a:r>
+              <a:rPr lang="en-IN" sz="1100" dirty="0"/>
+              <a:t> </a:t>
+            </a:r>
+            <a:r>
+              <a:rPr lang="en-IN" sz="1100" dirty="0" err="1"/>
+              <a:t>customerLogin</a:t>
+            </a:r>
+            <a:r>
+              <a:rPr lang="en-IN" sz="1100" dirty="0"/>
+              <a:t> = new </a:t>
+            </a:r>
+            <a:r>
+              <a:rPr lang="en-IN" sz="1100" dirty="0" err="1"/>
+              <a:t>CustomerLoginDTO</a:t>
+            </a:r>
+            <a:r>
+              <a:rPr lang="en-IN" sz="1100" dirty="0"/>
+              <a:t>();</a:t>
+            </a:r>
+          </a:p>
+          <a:p>
+            <a:r>
+              <a:rPr lang="en-IN" sz="1100" dirty="0"/>
+              <a:t>			</a:t>
+            </a:r>
+            <a:r>
+              <a:rPr lang="en-IN" sz="1100" dirty="0" err="1"/>
+              <a:t>customerLogin.setLoginName</a:t>
+            </a:r>
+            <a:r>
+              <a:rPr lang="en-IN" sz="1100" dirty="0"/>
+              <a:t>("harry");</a:t>
+            </a:r>
+          </a:p>
+          <a:p>
+            <a:r>
+              <a:rPr lang="en-IN" sz="1100" dirty="0"/>
+              <a:t>			</a:t>
+            </a:r>
+            <a:r>
+              <a:rPr lang="en-IN" sz="1100" dirty="0" err="1"/>
+              <a:t>customerLogin.setPassword</a:t>
+            </a:r>
+            <a:r>
+              <a:rPr lang="en-IN" sz="1100" dirty="0"/>
+              <a:t>("harry123");</a:t>
+            </a:r>
+          </a:p>
+          <a:p>
+            <a:r>
+              <a:rPr lang="en-IN" sz="1100" dirty="0"/>
+              <a:t>			</a:t>
+            </a:r>
+            <a:r>
+              <a:rPr lang="en-IN" sz="1100" dirty="0" err="1"/>
+              <a:t>customerLoginController.authenticateCustomer</a:t>
+            </a:r>
+            <a:r>
+              <a:rPr lang="en-IN" sz="1100" dirty="0"/>
+              <a:t>(</a:t>
+            </a:r>
+            <a:r>
+              <a:rPr lang="en-IN" sz="1100" dirty="0" err="1"/>
+              <a:t>customerLogin</a:t>
+            </a:r>
+            <a:r>
+              <a:rPr lang="en-IN" sz="1100" dirty="0"/>
+              <a:t>);</a:t>
+            </a:r>
+          </a:p>
+          <a:p>
+            <a:r>
+              <a:rPr lang="en-IN" sz="1100" dirty="0"/>
+              <a:t>			LOGGER.info(</a:t>
+            </a:r>
+            <a:r>
+              <a:rPr lang="en-IN" sz="1100" dirty="0" err="1"/>
+              <a:t>environment.getProperty</a:t>
+            </a:r>
+            <a:r>
+              <a:rPr lang="en-IN" sz="1100" dirty="0"/>
+              <a:t>("SUCCESS"));</a:t>
+            </a:r>
+          </a:p>
+          <a:p>
+            <a:r>
+              <a:rPr lang="en-IN" sz="1100" dirty="0"/>
+              <a:t>		}catch(</a:t>
+            </a:r>
+            <a:r>
+              <a:rPr lang="en-IN" sz="1100" dirty="0" err="1"/>
+              <a:t>hndBankException</a:t>
+            </a:r>
+            <a:r>
+              <a:rPr lang="en-IN" sz="1100" dirty="0"/>
+              <a:t> exception){</a:t>
+            </a:r>
+          </a:p>
+          <a:p>
+            <a:r>
+              <a:rPr lang="en-IN" sz="1100" dirty="0"/>
+              <a:t>			</a:t>
+            </a:r>
+            <a:r>
+              <a:rPr lang="en-IN" sz="1100" dirty="0" err="1"/>
+              <a:t>LOGGER.error</a:t>
+            </a:r>
+            <a:r>
+              <a:rPr lang="en-IN" sz="1100" dirty="0"/>
+              <a:t>(</a:t>
+            </a:r>
+            <a:r>
+              <a:rPr lang="en-IN" sz="1100" dirty="0" err="1"/>
+              <a:t>environment.getProperty</a:t>
+            </a:r>
+            <a:r>
+              <a:rPr lang="en-IN" sz="1100" dirty="0"/>
+              <a:t>(</a:t>
+            </a:r>
+            <a:r>
+              <a:rPr lang="en-IN" sz="1100" dirty="0" err="1"/>
+              <a:t>exception.getMessage</a:t>
+            </a:r>
+            <a:r>
+              <a:rPr lang="en-IN" sz="1100" dirty="0"/>
+              <a:t>()));</a:t>
+            </a:r>
+          </a:p>
+          <a:p>
+            <a:r>
+              <a:rPr lang="en-IN" sz="1100" dirty="0"/>
+              <a:t>		}</a:t>
+            </a:r>
+          </a:p>
+          <a:p>
+            <a:r>
+              <a:rPr lang="en-IN" sz="1100" dirty="0"/>
+              <a:t>	}</a:t>
+            </a:r>
+          </a:p>
+          <a:p>
+            <a:r>
+              <a:rPr lang="en-IN" sz="1100" dirty="0"/>
+              <a:t>}</a:t>
+            </a:r>
+          </a:p>
+        </p:txBody>
+      </p:sp>
+    </p:spTree>
+    <p:extLst>
+      <p:ext uri="{BB962C8B-B14F-4D97-AF65-F5344CB8AC3E}">
+        <p14:creationId xmlns:p14="http://schemas.microsoft.com/office/powerpoint/2010/main" val="822020750"/>
+      </p:ext>
+    </p:extLst>
+  </p:cSld>
+  <p:clrMapOvr>
+    <a:masterClrMapping/>
+  </p:clrMapOvr>
+</p:sld>
+</file>
+
+<file path=ppt/slides/slide107.xml><?xml version="1.0" encoding="utf-8"?>
+<p:sld xmlns:a="http://schemas.openxmlformats.org/drawingml/2006/main" xmlns:r="http://schemas.openxmlformats.org/officeDocument/2006/relationships" xmlns:p="http://schemas.openxmlformats.org/presentationml/2006/main">
+  <p:cSld>
+    <p:spTree>
+      <p:nvGrpSpPr>
+        <p:cNvPr id="1" name=""/>
+        <p:cNvGrpSpPr/>
+        <p:nvPr/>
+      </p:nvGrpSpPr>
+      <p:grpSpPr>
+        <a:xfrm>
+          <a:off x="0" y="0"/>
+          <a:ext cx="0" cy="0"/>
+          <a:chOff x="0" y="0"/>
+          <a:chExt cx="0" cy="0"/>
+        </a:xfrm>
+      </p:grpSpPr>
+      <p:sp>
+        <p:nvSpPr>
+          <p:cNvPr id="2" name="Footer Placeholder 1">
+            <a:extLst>
+              <a:ext uri="{FF2B5EF4-FFF2-40B4-BE49-F238E27FC236}">
+                <a16:creationId xmlns:a16="http://schemas.microsoft.com/office/drawing/2014/main" id="{FF3E327A-97A3-E30F-F688-9050FA555491}"/>
+              </a:ext>
+            </a:extLst>
+          </p:cNvPr>
+          <p:cNvSpPr>
+            <a:spLocks noGrp="1"/>
+          </p:cNvSpPr>
+          <p:nvPr>
+            <p:ph type="ftr" sz="quarter" idx="11"/>
+          </p:nvPr>
+        </p:nvSpPr>
+        <p:spPr/>
+        <p:txBody>
+          <a:bodyPr/>
+          <a:lstStyle/>
+          <a:p>
+            <a:r>
+              <a:rPr lang="en-IN"/>
+              <a:t>H&amp;D IT Solution</a:t>
+            </a:r>
+            <a:endParaRPr lang="en-IN" dirty="0"/>
+          </a:p>
+        </p:txBody>
+      </p:sp>
+      <p:sp>
+        <p:nvSpPr>
+          <p:cNvPr id="3" name="Slide Number Placeholder 2">
+            <a:extLst>
+              <a:ext uri="{FF2B5EF4-FFF2-40B4-BE49-F238E27FC236}">
+                <a16:creationId xmlns:a16="http://schemas.microsoft.com/office/drawing/2014/main" id="{7D7F102A-CE90-4982-BFDC-E47259E026E9}"/>
+              </a:ext>
+            </a:extLst>
+          </p:cNvPr>
+          <p:cNvSpPr>
+            <a:spLocks noGrp="1"/>
+          </p:cNvSpPr>
+          <p:nvPr>
+            <p:ph type="sldNum" sz="quarter" idx="12"/>
+          </p:nvPr>
+        </p:nvSpPr>
+        <p:spPr/>
+        <p:txBody>
+          <a:bodyPr/>
+          <a:lstStyle/>
+          <a:p>
+            <a:fld id="{4A777409-9C5A-4B07-8E32-19F22F7D558C}" type="slidenum">
+              <a:rPr lang="en-IN" smtClean="0"/>
+              <a:t>107</a:t>
+            </a:fld>
+            <a:endParaRPr lang="en-IN" dirty="0"/>
+          </a:p>
+        </p:txBody>
+      </p:sp>
+      <p:sp>
+        <p:nvSpPr>
+          <p:cNvPr id="5" name="TextBox 4">
+            <a:extLst>
+              <a:ext uri="{FF2B5EF4-FFF2-40B4-BE49-F238E27FC236}">
+                <a16:creationId xmlns:a16="http://schemas.microsoft.com/office/drawing/2014/main" id="{D438E8C6-1991-73BC-8766-65366D1CF413}"/>
+              </a:ext>
+            </a:extLst>
+          </p:cNvPr>
+          <p:cNvSpPr txBox="1"/>
+          <p:nvPr/>
+        </p:nvSpPr>
+        <p:spPr>
+          <a:xfrm>
+            <a:off x="989028" y="550624"/>
+            <a:ext cx="8956249" cy="461665"/>
+          </a:xfrm>
+          <a:prstGeom prst="rect">
+            <a:avLst/>
+          </a:prstGeom>
+          <a:noFill/>
+        </p:spPr>
+        <p:txBody>
+          <a:bodyPr wrap="square">
+            <a:spAutoFit/>
+          </a:bodyPr>
+          <a:lstStyle/>
+          <a:p>
+            <a:r>
+              <a:rPr lang="en-IN" sz="2400" b="1" dirty="0"/>
+              <a:t>Logging in Spring Boot using Log4j - Demo </a:t>
+            </a:r>
+          </a:p>
+        </p:txBody>
+      </p:sp>
+      <p:sp>
+        <p:nvSpPr>
+          <p:cNvPr id="7" name="TextBox 6">
+            <a:extLst>
+              <a:ext uri="{FF2B5EF4-FFF2-40B4-BE49-F238E27FC236}">
+                <a16:creationId xmlns:a16="http://schemas.microsoft.com/office/drawing/2014/main" id="{E199D4B8-7987-4017-C877-48CE665600F3}"/>
+              </a:ext>
+            </a:extLst>
+          </p:cNvPr>
+          <p:cNvSpPr txBox="1"/>
+          <p:nvPr/>
+        </p:nvSpPr>
+        <p:spPr>
+          <a:xfrm>
+            <a:off x="466627" y="1363513"/>
+            <a:ext cx="11147196" cy="3170099"/>
+          </a:xfrm>
+          <a:prstGeom prst="rect">
+            <a:avLst/>
+          </a:prstGeom>
+          <a:noFill/>
+        </p:spPr>
+        <p:txBody>
+          <a:bodyPr wrap="square">
+            <a:spAutoFit/>
+          </a:bodyPr>
+          <a:lstStyle/>
+          <a:p>
+            <a:r>
+              <a:rPr lang="en-US" sz="2000" b="1" dirty="0">
+                <a:solidFill>
+                  <a:schemeClr val="tx1">
+                    <a:lumMod val="65000"/>
+                    <a:lumOff val="35000"/>
+                  </a:schemeClr>
+                </a:solidFill>
+                <a:effectLst/>
+              </a:rPr>
+              <a:t>Objective:</a:t>
+            </a:r>
+          </a:p>
+          <a:p>
+            <a:endParaRPr lang="en-US" sz="2000" dirty="0">
+              <a:solidFill>
+                <a:schemeClr val="tx1">
+                  <a:lumMod val="65000"/>
+                  <a:lumOff val="35000"/>
+                </a:schemeClr>
+              </a:solidFill>
+              <a:effectLst/>
+            </a:endParaRPr>
+          </a:p>
+          <a:p>
+            <a:r>
+              <a:rPr lang="en-US" sz="2000" dirty="0">
+                <a:solidFill>
+                  <a:schemeClr val="tx1">
+                    <a:lumMod val="65000"/>
+                    <a:lumOff val="35000"/>
+                  </a:schemeClr>
+                </a:solidFill>
+                <a:effectLst/>
+              </a:rPr>
+              <a:t>To understand how to implement Customer Login user story using Log4j Logging in Spring Boot.</a:t>
+            </a:r>
+          </a:p>
+          <a:p>
+            <a:endParaRPr lang="en-US" sz="2000" dirty="0">
+              <a:solidFill>
+                <a:schemeClr val="tx1">
+                  <a:lumMod val="65000"/>
+                  <a:lumOff val="35000"/>
+                </a:schemeClr>
+              </a:solidFill>
+              <a:effectLst/>
+            </a:endParaRPr>
+          </a:p>
+          <a:p>
+            <a:r>
+              <a:rPr lang="en-US" sz="2000" b="1" dirty="0">
+                <a:solidFill>
+                  <a:schemeClr val="tx1">
+                    <a:lumMod val="65000"/>
+                    <a:lumOff val="35000"/>
+                  </a:schemeClr>
+                </a:solidFill>
+                <a:effectLst/>
+              </a:rPr>
+              <a:t>Steps:</a:t>
+            </a:r>
+          </a:p>
+          <a:p>
+            <a:endParaRPr lang="en-US" sz="2000" dirty="0">
+              <a:solidFill>
+                <a:schemeClr val="tx1">
+                  <a:lumMod val="65000"/>
+                  <a:lumOff val="35000"/>
+                </a:schemeClr>
+              </a:solidFill>
+              <a:effectLst/>
+            </a:endParaRPr>
+          </a:p>
+          <a:p>
+            <a:r>
+              <a:rPr lang="en-US" sz="2000" b="1" dirty="0">
+                <a:solidFill>
+                  <a:schemeClr val="tx1">
+                    <a:lumMod val="65000"/>
+                    <a:lumOff val="35000"/>
+                  </a:schemeClr>
+                </a:solidFill>
+                <a:effectLst/>
+              </a:rPr>
+              <a:t>Step 1: </a:t>
+            </a:r>
+            <a:r>
+              <a:rPr lang="en-US" sz="2000" dirty="0">
+                <a:solidFill>
+                  <a:schemeClr val="tx1">
+                    <a:lumMod val="65000"/>
+                    <a:lumOff val="35000"/>
+                  </a:schemeClr>
+                </a:solidFill>
+                <a:effectLst/>
+              </a:rPr>
+              <a:t>Create a new Spring Boot project using Spring </a:t>
+            </a:r>
+            <a:r>
+              <a:rPr lang="en-US" sz="2000" dirty="0" err="1">
+                <a:solidFill>
+                  <a:schemeClr val="tx1">
+                    <a:lumMod val="65000"/>
+                    <a:lumOff val="35000"/>
+                  </a:schemeClr>
+                </a:solidFill>
+                <a:effectLst/>
+              </a:rPr>
+              <a:t>Initializr</a:t>
+            </a:r>
+            <a:endParaRPr lang="en-US" sz="2000" dirty="0">
+              <a:solidFill>
+                <a:schemeClr val="tx1">
+                  <a:lumMod val="65000"/>
+                  <a:lumOff val="35000"/>
+                </a:schemeClr>
+              </a:solidFill>
+              <a:effectLst/>
+            </a:endParaRPr>
+          </a:p>
+          <a:p>
+            <a:endParaRPr lang="en-US" sz="2000" dirty="0">
+              <a:solidFill>
+                <a:schemeClr val="tx1">
+                  <a:lumMod val="65000"/>
+                  <a:lumOff val="35000"/>
+                </a:schemeClr>
+              </a:solidFill>
+            </a:endParaRPr>
+          </a:p>
+          <a:p>
+            <a:r>
+              <a:rPr lang="en-US" sz="2000" b="1" dirty="0">
+                <a:solidFill>
+                  <a:schemeClr val="tx1">
+                    <a:lumMod val="65000"/>
+                    <a:lumOff val="35000"/>
+                  </a:schemeClr>
+                </a:solidFill>
+              </a:rPr>
+              <a:t>Step 2:</a:t>
+            </a:r>
+            <a:r>
+              <a:rPr lang="en-US" sz="2000" dirty="0">
+                <a:solidFill>
+                  <a:schemeClr val="tx1">
+                    <a:lumMod val="65000"/>
+                    <a:lumOff val="35000"/>
+                  </a:schemeClr>
+                </a:solidFill>
+              </a:rPr>
+              <a:t> Create the following class in </a:t>
+            </a:r>
+            <a:r>
+              <a:rPr lang="en-US" sz="2000" dirty="0" err="1">
+                <a:solidFill>
+                  <a:schemeClr val="tx1">
+                    <a:lumMod val="65000"/>
+                    <a:lumOff val="35000"/>
+                  </a:schemeClr>
+                </a:solidFill>
+              </a:rPr>
+              <a:t>com.hnd.dto</a:t>
+            </a:r>
+            <a:r>
+              <a:rPr lang="en-US" sz="2000" dirty="0">
+                <a:solidFill>
+                  <a:schemeClr val="tx1">
+                    <a:lumMod val="65000"/>
+                    <a:lumOff val="35000"/>
+                  </a:schemeClr>
+                </a:solidFill>
+              </a:rPr>
+              <a:t> package:</a:t>
+            </a:r>
+            <a:endParaRPr lang="en-IN" sz="2000" dirty="0">
+              <a:solidFill>
+                <a:schemeClr val="tx1">
+                  <a:lumMod val="65000"/>
+                  <a:lumOff val="35000"/>
+                </a:schemeClr>
+              </a:solidFill>
+            </a:endParaRPr>
+          </a:p>
+          <a:p>
+            <a:endParaRPr lang="en-US" sz="2000" dirty="0">
+              <a:solidFill>
+                <a:schemeClr val="tx1">
+                  <a:lumMod val="65000"/>
+                  <a:lumOff val="35000"/>
+                </a:schemeClr>
+              </a:solidFill>
+              <a:effectLst/>
+            </a:endParaRPr>
+          </a:p>
+        </p:txBody>
+      </p:sp>
+    </p:spTree>
+    <p:extLst>
+      <p:ext uri="{BB962C8B-B14F-4D97-AF65-F5344CB8AC3E}">
+        <p14:creationId xmlns:p14="http://schemas.microsoft.com/office/powerpoint/2010/main" val="3102547843"/>
+      </p:ext>
+    </p:extLst>
+  </p:cSld>
+  <p:clrMapOvr>
+    <a:masterClrMapping/>
+  </p:clrMapOvr>
+</p:sld>
+</file>
+
+<file path=ppt/slides/slide108.xml><?xml version="1.0" encoding="utf-8"?>
+<p:sld xmlns:a="http://schemas.openxmlformats.org/drawingml/2006/main" xmlns:r="http://schemas.openxmlformats.org/officeDocument/2006/relationships" xmlns:p="http://schemas.openxmlformats.org/presentationml/2006/main">
+  <p:cSld>
+    <p:spTree>
+      <p:nvGrpSpPr>
+        <p:cNvPr id="1" name=""/>
+        <p:cNvGrpSpPr/>
+        <p:nvPr/>
+      </p:nvGrpSpPr>
+      <p:grpSpPr>
+        <a:xfrm>
+          <a:off x="0" y="0"/>
+          <a:ext cx="0" cy="0"/>
+          <a:chOff x="0" y="0"/>
+          <a:chExt cx="0" cy="0"/>
+        </a:xfrm>
+      </p:grpSpPr>
+      <p:sp>
+        <p:nvSpPr>
+          <p:cNvPr id="2" name="Footer Placeholder 1">
+            <a:extLst>
+              <a:ext uri="{FF2B5EF4-FFF2-40B4-BE49-F238E27FC236}">
+                <a16:creationId xmlns:a16="http://schemas.microsoft.com/office/drawing/2014/main" id="{9D342549-0111-637B-9A8D-E170708ECDCF}"/>
+              </a:ext>
+            </a:extLst>
+          </p:cNvPr>
+          <p:cNvSpPr>
+            <a:spLocks noGrp="1"/>
+          </p:cNvSpPr>
+          <p:nvPr>
+            <p:ph type="ftr" sz="quarter" idx="11"/>
+          </p:nvPr>
+        </p:nvSpPr>
+        <p:spPr/>
+        <p:txBody>
+          <a:bodyPr/>
+          <a:lstStyle/>
+          <a:p>
+            <a:r>
+              <a:rPr lang="en-IN"/>
+              <a:t>H&amp;D IT Solution</a:t>
+            </a:r>
+            <a:endParaRPr lang="en-IN" dirty="0"/>
+          </a:p>
+        </p:txBody>
+      </p:sp>
+      <p:sp>
+        <p:nvSpPr>
+          <p:cNvPr id="3" name="Slide Number Placeholder 2">
+            <a:extLst>
+              <a:ext uri="{FF2B5EF4-FFF2-40B4-BE49-F238E27FC236}">
+                <a16:creationId xmlns:a16="http://schemas.microsoft.com/office/drawing/2014/main" id="{FD72E5DB-357E-F5EC-A42B-5DC55F204F24}"/>
+              </a:ext>
+            </a:extLst>
+          </p:cNvPr>
+          <p:cNvSpPr>
+            <a:spLocks noGrp="1"/>
+          </p:cNvSpPr>
+          <p:nvPr>
+            <p:ph type="sldNum" sz="quarter" idx="12"/>
+          </p:nvPr>
+        </p:nvSpPr>
+        <p:spPr/>
+        <p:txBody>
+          <a:bodyPr/>
+          <a:lstStyle/>
+          <a:p>
+            <a:fld id="{4A777409-9C5A-4B07-8E32-19F22F7D558C}" type="slidenum">
+              <a:rPr lang="en-IN" smtClean="0"/>
+              <a:t>108</a:t>
+            </a:fld>
+            <a:endParaRPr lang="en-IN" dirty="0"/>
+          </a:p>
+        </p:txBody>
+      </p:sp>
+      <p:sp>
+        <p:nvSpPr>
+          <p:cNvPr id="5" name="TextBox 4">
+            <a:extLst>
+              <a:ext uri="{FF2B5EF4-FFF2-40B4-BE49-F238E27FC236}">
+                <a16:creationId xmlns:a16="http://schemas.microsoft.com/office/drawing/2014/main" id="{ECEAD00D-B948-D290-CF54-230D77E633C9}"/>
+              </a:ext>
+            </a:extLst>
+          </p:cNvPr>
+          <p:cNvSpPr txBox="1"/>
+          <p:nvPr/>
+        </p:nvSpPr>
+        <p:spPr>
+          <a:xfrm>
+            <a:off x="555396" y="719832"/>
+            <a:ext cx="11538408" cy="6001643"/>
+          </a:xfrm>
+          <a:prstGeom prst="rect">
+            <a:avLst/>
+          </a:prstGeom>
+          <a:noFill/>
+        </p:spPr>
+        <p:txBody>
+          <a:bodyPr wrap="square">
+            <a:spAutoFit/>
+          </a:bodyPr>
+          <a:lstStyle/>
+          <a:p>
+            <a:r>
+              <a:rPr lang="en-IN" sz="1600" dirty="0"/>
+              <a:t>package </a:t>
+            </a:r>
+            <a:r>
+              <a:rPr lang="en-IN" sz="1600" dirty="0" err="1"/>
+              <a:t>com.hnd.dto</a:t>
+            </a:r>
+            <a:r>
+              <a:rPr lang="en-IN" sz="1600" dirty="0"/>
+              <a:t>;</a:t>
+            </a:r>
+          </a:p>
+          <a:p>
+            <a:r>
+              <a:rPr lang="en-IN" sz="1600" dirty="0"/>
+              <a:t>public class </a:t>
+            </a:r>
+            <a:r>
+              <a:rPr lang="en-IN" sz="1600" dirty="0" err="1"/>
+              <a:t>CustomerLoginDTO</a:t>
+            </a:r>
+            <a:r>
+              <a:rPr lang="en-IN" sz="1600" dirty="0"/>
+              <a:t> {</a:t>
+            </a:r>
+          </a:p>
+          <a:p>
+            <a:r>
+              <a:rPr lang="en-IN" sz="1600" dirty="0"/>
+              <a:t>		private String </a:t>
+            </a:r>
+            <a:r>
+              <a:rPr lang="en-IN" sz="1600" dirty="0" err="1"/>
+              <a:t>loginName</a:t>
+            </a:r>
+            <a:r>
+              <a:rPr lang="en-IN" sz="1600" dirty="0"/>
+              <a:t>;</a:t>
+            </a:r>
+          </a:p>
+          <a:p>
+            <a:r>
+              <a:rPr lang="en-IN" sz="1600" dirty="0"/>
+              <a:t>		private String password;</a:t>
+            </a:r>
+          </a:p>
+          <a:p>
+            <a:r>
+              <a:rPr lang="en-IN" sz="1600" dirty="0"/>
+              <a:t>		</a:t>
+            </a:r>
+          </a:p>
+          <a:p>
+            <a:r>
+              <a:rPr lang="en-IN" sz="1600" dirty="0"/>
+              <a:t>		public String </a:t>
+            </a:r>
+            <a:r>
+              <a:rPr lang="en-IN" sz="1600" dirty="0" err="1"/>
+              <a:t>getLoginName</a:t>
+            </a:r>
+            <a:r>
+              <a:rPr lang="en-IN" sz="1600" dirty="0"/>
+              <a:t>() {</a:t>
+            </a:r>
+          </a:p>
+          <a:p>
+            <a:r>
+              <a:rPr lang="en-IN" sz="1600" dirty="0"/>
+              <a:t>			return </a:t>
+            </a:r>
+            <a:r>
+              <a:rPr lang="en-IN" sz="1600" dirty="0" err="1"/>
+              <a:t>loginName</a:t>
+            </a:r>
+            <a:r>
+              <a:rPr lang="en-IN" sz="1600" dirty="0"/>
+              <a:t>;</a:t>
+            </a:r>
+          </a:p>
+          <a:p>
+            <a:r>
+              <a:rPr lang="en-IN" sz="1600" dirty="0"/>
+              <a:t>		}</a:t>
+            </a:r>
+          </a:p>
+          <a:p>
+            <a:r>
+              <a:rPr lang="en-IN" sz="1600" dirty="0"/>
+              <a:t>		public void </a:t>
+            </a:r>
+            <a:r>
+              <a:rPr lang="en-IN" sz="1600" dirty="0" err="1"/>
+              <a:t>setLoginName</a:t>
+            </a:r>
+            <a:r>
+              <a:rPr lang="en-IN" sz="1600" dirty="0"/>
+              <a:t>(String </a:t>
+            </a:r>
+            <a:r>
+              <a:rPr lang="en-IN" sz="1600" dirty="0" err="1"/>
+              <a:t>loginName</a:t>
+            </a:r>
+            <a:r>
+              <a:rPr lang="en-IN" sz="1600" dirty="0"/>
+              <a:t>) {</a:t>
+            </a:r>
+          </a:p>
+          <a:p>
+            <a:r>
+              <a:rPr lang="en-IN" sz="1600" dirty="0"/>
+              <a:t>			</a:t>
+            </a:r>
+            <a:r>
+              <a:rPr lang="en-IN" sz="1600" dirty="0" err="1"/>
+              <a:t>this.loginName</a:t>
+            </a:r>
+            <a:r>
+              <a:rPr lang="en-IN" sz="1600" dirty="0"/>
+              <a:t> = </a:t>
+            </a:r>
+            <a:r>
+              <a:rPr lang="en-IN" sz="1600" dirty="0" err="1"/>
+              <a:t>loginName</a:t>
+            </a:r>
+            <a:r>
+              <a:rPr lang="en-IN" sz="1600" dirty="0"/>
+              <a:t>;</a:t>
+            </a:r>
+          </a:p>
+          <a:p>
+            <a:r>
+              <a:rPr lang="en-IN" sz="1600" dirty="0"/>
+              <a:t>		}</a:t>
+            </a:r>
+          </a:p>
+          <a:p>
+            <a:r>
+              <a:rPr lang="en-IN" sz="1600" dirty="0"/>
+              <a:t>		public String </a:t>
+            </a:r>
+            <a:r>
+              <a:rPr lang="en-IN" sz="1600" dirty="0" err="1"/>
+              <a:t>getPassword</a:t>
+            </a:r>
+            <a:r>
+              <a:rPr lang="en-IN" sz="1600" dirty="0"/>
+              <a:t>() {</a:t>
+            </a:r>
+          </a:p>
+          <a:p>
+            <a:r>
+              <a:rPr lang="en-IN" sz="1600" dirty="0"/>
+              <a:t>			return password;</a:t>
+            </a:r>
+          </a:p>
+          <a:p>
+            <a:r>
+              <a:rPr lang="en-IN" sz="1600" dirty="0"/>
+              <a:t>		}</a:t>
+            </a:r>
+          </a:p>
+          <a:p>
+            <a:r>
+              <a:rPr lang="en-IN" sz="1600" dirty="0"/>
+              <a:t>		public void </a:t>
+            </a:r>
+            <a:r>
+              <a:rPr lang="en-IN" sz="1600" dirty="0" err="1"/>
+              <a:t>setPassword</a:t>
+            </a:r>
+            <a:r>
+              <a:rPr lang="en-IN" sz="1600" dirty="0"/>
+              <a:t>(String password) {</a:t>
+            </a:r>
+          </a:p>
+          <a:p>
+            <a:r>
+              <a:rPr lang="en-IN" sz="1600" dirty="0"/>
+              <a:t>			</a:t>
+            </a:r>
+            <a:r>
+              <a:rPr lang="en-IN" sz="1600" dirty="0" err="1"/>
+              <a:t>this.password</a:t>
+            </a:r>
+            <a:r>
+              <a:rPr lang="en-IN" sz="1600" dirty="0"/>
+              <a:t> = password;</a:t>
+            </a:r>
+          </a:p>
+          <a:p>
+            <a:r>
+              <a:rPr lang="en-IN" sz="1600" dirty="0"/>
+              <a:t>		}</a:t>
+            </a:r>
+          </a:p>
+          <a:p>
+            <a:r>
+              <a:rPr lang="en-IN" sz="1600" dirty="0"/>
+              <a:t>		</a:t>
+            </a:r>
+          </a:p>
+          <a:p>
+            <a:r>
+              <a:rPr lang="en-IN" sz="1600" dirty="0"/>
+              <a:t>		@Override</a:t>
+            </a:r>
+          </a:p>
+          <a:p>
+            <a:r>
+              <a:rPr lang="en-IN" sz="1600" dirty="0"/>
+              <a:t>		public String </a:t>
+            </a:r>
+            <a:r>
+              <a:rPr lang="en-IN" sz="1600" dirty="0" err="1"/>
+              <a:t>toString</a:t>
+            </a:r>
+            <a:r>
+              <a:rPr lang="en-IN" sz="1600" dirty="0"/>
+              <a:t>() {</a:t>
+            </a:r>
+          </a:p>
+          <a:p>
+            <a:r>
+              <a:rPr lang="en-IN" sz="1600" dirty="0"/>
+              <a:t>			return "</a:t>
+            </a:r>
+            <a:r>
+              <a:rPr lang="en-IN" sz="1600" dirty="0" err="1"/>
+              <a:t>CustomerLoginDTO</a:t>
+            </a:r>
+            <a:r>
+              <a:rPr lang="en-IN" sz="1600" dirty="0"/>
+              <a:t> [</a:t>
+            </a:r>
+            <a:r>
+              <a:rPr lang="en-IN" sz="1600" dirty="0" err="1"/>
+              <a:t>loginName</a:t>
+            </a:r>
+            <a:r>
+              <a:rPr lang="en-IN" sz="1600" dirty="0"/>
+              <a:t>=" + </a:t>
+            </a:r>
+            <a:r>
+              <a:rPr lang="en-IN" sz="1600" dirty="0" err="1"/>
+              <a:t>loginName</a:t>
+            </a:r>
+            <a:r>
+              <a:rPr lang="en-IN" sz="1600" dirty="0"/>
+              <a:t> + ", password=" + password + "]";</a:t>
+            </a:r>
+          </a:p>
+          <a:p>
+            <a:r>
+              <a:rPr lang="en-IN" sz="1600" dirty="0"/>
+              <a:t>		}</a:t>
+            </a:r>
+          </a:p>
+          <a:p>
+            <a:r>
+              <a:rPr lang="en-IN" sz="1600" dirty="0"/>
+              <a:t>		</a:t>
+            </a:r>
+          </a:p>
+          <a:p>
+            <a:r>
+              <a:rPr lang="en-IN" sz="1600" dirty="0"/>
+              <a:t>	}</a:t>
+            </a:r>
+          </a:p>
+        </p:txBody>
+      </p:sp>
+    </p:spTree>
+    <p:extLst>
+      <p:ext uri="{BB962C8B-B14F-4D97-AF65-F5344CB8AC3E}">
+        <p14:creationId xmlns:p14="http://schemas.microsoft.com/office/powerpoint/2010/main" val="3799472443"/>
+      </p:ext>
+    </p:extLst>
+  </p:cSld>
+  <p:clrMapOvr>
+    <a:masterClrMapping/>
+  </p:clrMapOvr>
+</p:sld>
+</file>
+
+<file path=ppt/slides/slide109.xml><?xml version="1.0" encoding="utf-8"?>
+<p:sld xmlns:a="http://schemas.openxmlformats.org/drawingml/2006/main" xmlns:r="http://schemas.openxmlformats.org/officeDocument/2006/relationships" xmlns:p="http://schemas.openxmlformats.org/presentationml/2006/main">
+  <p:cSld>
+    <p:spTree>
+      <p:nvGrpSpPr>
+        <p:cNvPr id="1" name=""/>
+        <p:cNvGrpSpPr/>
+        <p:nvPr/>
+      </p:nvGrpSpPr>
+      <p:grpSpPr>
+        <a:xfrm>
+          <a:off x="0" y="0"/>
+          <a:ext cx="0" cy="0"/>
+          <a:chOff x="0" y="0"/>
+          <a:chExt cx="0" cy="0"/>
+        </a:xfrm>
+      </p:grpSpPr>
+      <p:sp>
+        <p:nvSpPr>
+          <p:cNvPr id="2" name="Footer Placeholder 1">
+            <a:extLst>
+              <a:ext uri="{FF2B5EF4-FFF2-40B4-BE49-F238E27FC236}">
+                <a16:creationId xmlns:a16="http://schemas.microsoft.com/office/drawing/2014/main" id="{EBAD61B0-025F-CE5E-72E6-0DDBBDE4330D}"/>
+              </a:ext>
+            </a:extLst>
+          </p:cNvPr>
+          <p:cNvSpPr>
+            <a:spLocks noGrp="1"/>
+          </p:cNvSpPr>
+          <p:nvPr>
+            <p:ph type="ftr" sz="quarter" idx="11"/>
+          </p:nvPr>
+        </p:nvSpPr>
+        <p:spPr/>
+        <p:txBody>
+          <a:bodyPr/>
+          <a:lstStyle/>
+          <a:p>
+            <a:r>
+              <a:rPr lang="en-IN"/>
+              <a:t>H&amp;D IT Solution</a:t>
+            </a:r>
+            <a:endParaRPr lang="en-IN" dirty="0"/>
+          </a:p>
+        </p:txBody>
+      </p:sp>
+      <p:sp>
+        <p:nvSpPr>
+          <p:cNvPr id="3" name="Slide Number Placeholder 2">
+            <a:extLst>
+              <a:ext uri="{FF2B5EF4-FFF2-40B4-BE49-F238E27FC236}">
+                <a16:creationId xmlns:a16="http://schemas.microsoft.com/office/drawing/2014/main" id="{04E4D806-92AC-35E4-6F24-F66E5FA30B67}"/>
+              </a:ext>
+            </a:extLst>
+          </p:cNvPr>
+          <p:cNvSpPr>
+            <a:spLocks noGrp="1"/>
+          </p:cNvSpPr>
+          <p:nvPr>
+            <p:ph type="sldNum" sz="quarter" idx="12"/>
+          </p:nvPr>
+        </p:nvSpPr>
+        <p:spPr/>
+        <p:txBody>
+          <a:bodyPr/>
+          <a:lstStyle/>
+          <a:p>
+            <a:fld id="{4A777409-9C5A-4B07-8E32-19F22F7D558C}" type="slidenum">
+              <a:rPr lang="en-IN" smtClean="0"/>
+              <a:t>109</a:t>
+            </a:fld>
+            <a:endParaRPr lang="en-IN" dirty="0"/>
+          </a:p>
+        </p:txBody>
+      </p:sp>
+      <p:sp>
+        <p:nvSpPr>
+          <p:cNvPr id="5" name="TextBox 4">
+            <a:extLst>
+              <a:ext uri="{FF2B5EF4-FFF2-40B4-BE49-F238E27FC236}">
+                <a16:creationId xmlns:a16="http://schemas.microsoft.com/office/drawing/2014/main" id="{204B86E7-F2E2-65A6-84FC-7A1A3ABDEB37}"/>
+              </a:ext>
+            </a:extLst>
+          </p:cNvPr>
+          <p:cNvSpPr txBox="1"/>
+          <p:nvPr/>
+        </p:nvSpPr>
+        <p:spPr>
+          <a:xfrm>
+            <a:off x="881405" y="666648"/>
+            <a:ext cx="10317637" cy="400110"/>
+          </a:xfrm>
+          <a:prstGeom prst="rect">
+            <a:avLst/>
+          </a:prstGeom>
+          <a:noFill/>
+        </p:spPr>
+        <p:txBody>
+          <a:bodyPr wrap="square">
+            <a:spAutoFit/>
+          </a:bodyPr>
+          <a:lstStyle/>
+          <a:p>
+            <a:r>
+              <a:rPr lang="en-US" sz="2000" b="1" dirty="0">
+                <a:solidFill>
+                  <a:schemeClr val="tx1">
+                    <a:lumMod val="65000"/>
+                    <a:lumOff val="35000"/>
+                  </a:schemeClr>
+                </a:solidFill>
+              </a:rPr>
+              <a:t>Step 3:</a:t>
+            </a:r>
+            <a:r>
+              <a:rPr lang="en-US" sz="2000" dirty="0">
+                <a:solidFill>
+                  <a:schemeClr val="tx1">
+                    <a:lumMod val="65000"/>
+                    <a:lumOff val="35000"/>
+                  </a:schemeClr>
+                </a:solidFill>
+              </a:rPr>
+              <a:t> Create the following interface in </a:t>
+            </a:r>
+            <a:r>
+              <a:rPr lang="en-US" sz="2000" dirty="0" err="1">
+                <a:solidFill>
+                  <a:schemeClr val="tx1">
+                    <a:lumMod val="65000"/>
+                    <a:lumOff val="35000"/>
+                  </a:schemeClr>
+                </a:solidFill>
+              </a:rPr>
+              <a:t>com.hnd.repository</a:t>
+            </a:r>
+            <a:r>
+              <a:rPr lang="en-US" sz="2000" dirty="0">
+                <a:solidFill>
+                  <a:schemeClr val="tx1">
+                    <a:lumMod val="65000"/>
+                    <a:lumOff val="35000"/>
+                  </a:schemeClr>
+                </a:solidFill>
+              </a:rPr>
+              <a:t> package:</a:t>
+            </a:r>
+            <a:endParaRPr lang="en-IN" sz="2000" dirty="0">
+              <a:solidFill>
+                <a:schemeClr val="tx1">
+                  <a:lumMod val="65000"/>
+                  <a:lumOff val="35000"/>
+                </a:schemeClr>
+              </a:solidFill>
+            </a:endParaRPr>
+          </a:p>
+        </p:txBody>
+      </p:sp>
+      <p:sp>
+        <p:nvSpPr>
+          <p:cNvPr id="7" name="TextBox 6">
+            <a:extLst>
+              <a:ext uri="{FF2B5EF4-FFF2-40B4-BE49-F238E27FC236}">
+                <a16:creationId xmlns:a16="http://schemas.microsoft.com/office/drawing/2014/main" id="{A6D22EAC-9273-F9C2-0BB0-42E4545D16DD}"/>
+              </a:ext>
+            </a:extLst>
+          </p:cNvPr>
+          <p:cNvSpPr txBox="1"/>
+          <p:nvPr/>
+        </p:nvSpPr>
+        <p:spPr>
+          <a:xfrm>
+            <a:off x="410065" y="1300428"/>
+            <a:ext cx="11326305" cy="1477328"/>
+          </a:xfrm>
+          <a:prstGeom prst="rect">
+            <a:avLst/>
+          </a:prstGeom>
+          <a:noFill/>
+        </p:spPr>
+        <p:txBody>
+          <a:bodyPr wrap="square">
+            <a:spAutoFit/>
+          </a:bodyPr>
+          <a:lstStyle/>
+          <a:p>
+            <a:r>
+              <a:rPr lang="en-IN" dirty="0"/>
+              <a:t>package </a:t>
+            </a:r>
+            <a:r>
+              <a:rPr lang="en-IN" dirty="0" err="1"/>
+              <a:t>com.hnd.repository</a:t>
+            </a:r>
+            <a:r>
+              <a:rPr lang="en-IN" dirty="0"/>
+              <a:t>;</a:t>
+            </a:r>
+          </a:p>
+          <a:p>
+            <a:r>
+              <a:rPr lang="en-IN" dirty="0"/>
+              <a:t>import </a:t>
+            </a:r>
+            <a:r>
+              <a:rPr lang="en-IN" dirty="0" err="1"/>
+              <a:t>com.hnd.dto.CustomerLoginDTO</a:t>
+            </a:r>
+            <a:r>
+              <a:rPr lang="en-IN" dirty="0"/>
+              <a:t>;</a:t>
+            </a:r>
+          </a:p>
+          <a:p>
+            <a:r>
+              <a:rPr lang="en-IN" dirty="0"/>
+              <a:t>public interface </a:t>
+            </a:r>
+            <a:r>
+              <a:rPr lang="en-IN" dirty="0" err="1"/>
+              <a:t>CustomerLoginRepository</a:t>
+            </a:r>
+            <a:r>
+              <a:rPr lang="en-IN" dirty="0"/>
+              <a:t> {</a:t>
+            </a:r>
+          </a:p>
+          <a:p>
+            <a:r>
+              <a:rPr lang="en-IN" dirty="0"/>
+              <a:t>	public </a:t>
+            </a:r>
+            <a:r>
+              <a:rPr lang="en-IN" dirty="0" err="1"/>
+              <a:t>CustomerLoginDTO</a:t>
+            </a:r>
+            <a:r>
+              <a:rPr lang="en-IN" dirty="0"/>
+              <a:t> </a:t>
+            </a:r>
+            <a:r>
+              <a:rPr lang="en-IN" dirty="0" err="1"/>
+              <a:t>getCustomerLoginByLoginName</a:t>
+            </a:r>
+            <a:r>
+              <a:rPr lang="en-IN" dirty="0"/>
+              <a:t>(String </a:t>
+            </a:r>
+            <a:r>
+              <a:rPr lang="en-IN" dirty="0" err="1"/>
+              <a:t>loginName</a:t>
+            </a:r>
+            <a:r>
+              <a:rPr lang="en-IN" dirty="0"/>
+              <a:t>);</a:t>
+            </a:r>
+          </a:p>
+          <a:p>
+            <a:r>
+              <a:rPr lang="en-IN" dirty="0"/>
+              <a:t>}</a:t>
+            </a:r>
+          </a:p>
+        </p:txBody>
+      </p:sp>
+      <p:sp>
+        <p:nvSpPr>
+          <p:cNvPr id="9" name="TextBox 8">
+            <a:extLst>
+              <a:ext uri="{FF2B5EF4-FFF2-40B4-BE49-F238E27FC236}">
+                <a16:creationId xmlns:a16="http://schemas.microsoft.com/office/drawing/2014/main" id="{E10A1B89-0E70-E575-0303-39023E1EBBE1}"/>
+              </a:ext>
+            </a:extLst>
+          </p:cNvPr>
+          <p:cNvSpPr txBox="1"/>
+          <p:nvPr/>
+        </p:nvSpPr>
+        <p:spPr>
+          <a:xfrm>
+            <a:off x="805989" y="3117751"/>
+            <a:ext cx="10930381" cy="400110"/>
+          </a:xfrm>
+          <a:prstGeom prst="rect">
+            <a:avLst/>
+          </a:prstGeom>
+          <a:noFill/>
+        </p:spPr>
+        <p:txBody>
+          <a:bodyPr wrap="square">
+            <a:spAutoFit/>
+          </a:bodyPr>
+          <a:lstStyle/>
+          <a:p>
+            <a:r>
+              <a:rPr lang="en-US" sz="2000" b="1" dirty="0">
+                <a:solidFill>
+                  <a:schemeClr val="tx1">
+                    <a:lumMod val="65000"/>
+                    <a:lumOff val="35000"/>
+                  </a:schemeClr>
+                </a:solidFill>
+              </a:rPr>
+              <a:t>Step 4:</a:t>
+            </a:r>
+            <a:r>
+              <a:rPr lang="en-US" sz="2000" dirty="0">
+                <a:solidFill>
+                  <a:schemeClr val="tx1">
+                    <a:lumMod val="65000"/>
+                    <a:lumOff val="35000"/>
+                  </a:schemeClr>
+                </a:solidFill>
+              </a:rPr>
+              <a:t> Create the following class in </a:t>
+            </a:r>
+            <a:r>
+              <a:rPr lang="en-US" sz="2000" dirty="0" err="1">
+                <a:solidFill>
+                  <a:schemeClr val="tx1">
+                    <a:lumMod val="65000"/>
+                    <a:lumOff val="35000"/>
+                  </a:schemeClr>
+                </a:solidFill>
+              </a:rPr>
+              <a:t>com.hnd.repository</a:t>
+            </a:r>
+            <a:r>
+              <a:rPr lang="en-US" sz="2000" dirty="0">
+                <a:solidFill>
+                  <a:schemeClr val="tx1">
+                    <a:lumMod val="65000"/>
+                    <a:lumOff val="35000"/>
+                  </a:schemeClr>
+                </a:solidFill>
+              </a:rPr>
+              <a:t> package:</a:t>
+            </a:r>
+            <a:endParaRPr lang="en-IN" sz="2000" dirty="0">
+              <a:solidFill>
+                <a:schemeClr val="tx1">
+                  <a:lumMod val="65000"/>
+                  <a:lumOff val="35000"/>
+                </a:schemeClr>
+              </a:solidFill>
+            </a:endParaRPr>
+          </a:p>
+        </p:txBody>
+      </p:sp>
+      <p:sp>
+        <p:nvSpPr>
+          <p:cNvPr id="11" name="TextBox 10">
+            <a:extLst>
+              <a:ext uri="{FF2B5EF4-FFF2-40B4-BE49-F238E27FC236}">
+                <a16:creationId xmlns:a16="http://schemas.microsoft.com/office/drawing/2014/main" id="{5B84C85B-FB69-4945-8266-487721EFCBBB}"/>
+              </a:ext>
+            </a:extLst>
+          </p:cNvPr>
+          <p:cNvSpPr txBox="1"/>
+          <p:nvPr/>
+        </p:nvSpPr>
+        <p:spPr>
+          <a:xfrm>
+            <a:off x="225456" y="3722756"/>
+            <a:ext cx="11629533" cy="2585323"/>
+          </a:xfrm>
+          <a:prstGeom prst="rect">
+            <a:avLst/>
+          </a:prstGeom>
+          <a:noFill/>
+        </p:spPr>
+        <p:txBody>
+          <a:bodyPr wrap="square">
+            <a:spAutoFit/>
+          </a:bodyPr>
+          <a:lstStyle/>
+          <a:p>
+            <a:r>
+              <a:rPr lang="en-IN" dirty="0"/>
+              <a:t>package </a:t>
+            </a:r>
+            <a:r>
+              <a:rPr lang="en-IN" dirty="0" err="1"/>
+              <a:t>com.hnd.repository</a:t>
+            </a:r>
+            <a:r>
+              <a:rPr lang="en-IN" dirty="0"/>
+              <a:t>;</a:t>
+            </a:r>
+          </a:p>
+          <a:p>
+            <a:r>
+              <a:rPr lang="en-IN" dirty="0"/>
+              <a:t>import </a:t>
+            </a:r>
+            <a:r>
+              <a:rPr lang="en-IN" dirty="0" err="1"/>
+              <a:t>java.util.HashMap</a:t>
+            </a:r>
+            <a:r>
+              <a:rPr lang="en-IN" dirty="0"/>
+              <a:t>;</a:t>
+            </a:r>
+          </a:p>
+          <a:p>
+            <a:r>
+              <a:rPr lang="en-IN" dirty="0"/>
+              <a:t>import </a:t>
+            </a:r>
+            <a:r>
+              <a:rPr lang="en-IN" dirty="0" err="1"/>
+              <a:t>java.util.Map</a:t>
+            </a:r>
+            <a:r>
+              <a:rPr lang="en-IN" dirty="0"/>
+              <a:t>;</a:t>
+            </a:r>
+          </a:p>
+          <a:p>
+            <a:r>
+              <a:rPr lang="en-IN" dirty="0"/>
+              <a:t>import </a:t>
+            </a:r>
+            <a:r>
+              <a:rPr lang="en-IN" dirty="0" err="1"/>
+              <a:t>org.springframework.stereotype.Repository</a:t>
+            </a:r>
+            <a:r>
+              <a:rPr lang="en-IN" dirty="0"/>
+              <a:t>;</a:t>
+            </a:r>
+          </a:p>
+          <a:p>
+            <a:r>
+              <a:rPr lang="en-IN" dirty="0"/>
+              <a:t>import </a:t>
+            </a:r>
+            <a:r>
+              <a:rPr lang="en-IN" dirty="0" err="1"/>
+              <a:t>com.hnd.dto.CustomerLoginDTO</a:t>
+            </a:r>
+            <a:r>
+              <a:rPr lang="en-IN" dirty="0"/>
+              <a:t>;</a:t>
+            </a:r>
+          </a:p>
+          <a:p>
+            <a:r>
+              <a:rPr lang="en-IN" dirty="0"/>
+              <a:t>@Repository(value="customerLoginRepository")</a:t>
+            </a:r>
+          </a:p>
+          <a:p>
+            <a:r>
+              <a:rPr lang="en-IN" dirty="0"/>
+              <a:t>public class </a:t>
+            </a:r>
+            <a:r>
+              <a:rPr lang="en-IN" dirty="0" err="1"/>
+              <a:t>CustomerLoginRepositoryImpl</a:t>
+            </a:r>
+            <a:r>
+              <a:rPr lang="en-IN" dirty="0"/>
+              <a:t> implements </a:t>
+            </a:r>
+            <a:r>
+              <a:rPr lang="en-IN" dirty="0" err="1"/>
+              <a:t>CustomerLoginRepository</a:t>
+            </a:r>
+            <a:r>
+              <a:rPr lang="en-IN" dirty="0"/>
+              <a:t> {</a:t>
+            </a:r>
+          </a:p>
+          <a:p>
+            <a:r>
+              <a:rPr lang="en-IN" dirty="0"/>
+              <a:t>	</a:t>
+            </a:r>
+          </a:p>
+          <a:p>
+            <a:r>
+              <a:rPr lang="en-IN" dirty="0"/>
+              <a:t>	</a:t>
+            </a:r>
+          </a:p>
+        </p:txBody>
+      </p:sp>
+    </p:spTree>
+    <p:extLst>
+      <p:ext uri="{BB962C8B-B14F-4D97-AF65-F5344CB8AC3E}">
+        <p14:creationId xmlns:p14="http://schemas.microsoft.com/office/powerpoint/2010/main" val="2422150910"/>
+      </p:ext>
+    </p:extLst>
+  </p:cSld>
+  <p:clrMapOvr>
+    <a:masterClrMapping/>
+  </p:clrMapOvr>
+</p:sld>
+</file>
+
 <file path=ppt/slides/slide11.xml><?xml version="1.0" encoding="utf-8"?>
 <p:sld xmlns:a="http://schemas.openxmlformats.org/drawingml/2006/main" xmlns:r="http://schemas.openxmlformats.org/officeDocument/2006/relationships" xmlns:p="http://schemas.openxmlformats.org/presentationml/2006/main">
   <p:cSld>
@@ -6506,6 +9183,3081 @@
     <p:extLst>
       <p:ext uri="{BB962C8B-B14F-4D97-AF65-F5344CB8AC3E}">
         <p14:creationId xmlns:p14="http://schemas.microsoft.com/office/powerpoint/2010/main" val="1577329219"/>
+      </p:ext>
+    </p:extLst>
+  </p:cSld>
+  <p:clrMapOvr>
+    <a:masterClrMapping/>
+  </p:clrMapOvr>
+</p:sld>
+</file>
+
+<file path=ppt/slides/slide110.xml><?xml version="1.0" encoding="utf-8"?>
+<p:sld xmlns:a="http://schemas.openxmlformats.org/drawingml/2006/main" xmlns:r="http://schemas.openxmlformats.org/officeDocument/2006/relationships" xmlns:p="http://schemas.openxmlformats.org/presentationml/2006/main">
+  <p:cSld>
+    <p:spTree>
+      <p:nvGrpSpPr>
+        <p:cNvPr id="1" name=""/>
+        <p:cNvGrpSpPr/>
+        <p:nvPr/>
+      </p:nvGrpSpPr>
+      <p:grpSpPr>
+        <a:xfrm>
+          <a:off x="0" y="0"/>
+          <a:ext cx="0" cy="0"/>
+          <a:chOff x="0" y="0"/>
+          <a:chExt cx="0" cy="0"/>
+        </a:xfrm>
+      </p:grpSpPr>
+      <p:sp>
+        <p:nvSpPr>
+          <p:cNvPr id="2" name="Footer Placeholder 1">
+            <a:extLst>
+              <a:ext uri="{FF2B5EF4-FFF2-40B4-BE49-F238E27FC236}">
+                <a16:creationId xmlns:a16="http://schemas.microsoft.com/office/drawing/2014/main" id="{B3F85377-DF8E-23F7-2261-AC65D964BE8E}"/>
+              </a:ext>
+            </a:extLst>
+          </p:cNvPr>
+          <p:cNvSpPr>
+            <a:spLocks noGrp="1"/>
+          </p:cNvSpPr>
+          <p:nvPr>
+            <p:ph type="ftr" sz="quarter" idx="11"/>
+          </p:nvPr>
+        </p:nvSpPr>
+        <p:spPr/>
+        <p:txBody>
+          <a:bodyPr/>
+          <a:lstStyle/>
+          <a:p>
+            <a:r>
+              <a:rPr lang="en-IN"/>
+              <a:t>H&amp;D IT Solution</a:t>
+            </a:r>
+            <a:endParaRPr lang="en-IN" dirty="0"/>
+          </a:p>
+        </p:txBody>
+      </p:sp>
+      <p:sp>
+        <p:nvSpPr>
+          <p:cNvPr id="3" name="Slide Number Placeholder 2">
+            <a:extLst>
+              <a:ext uri="{FF2B5EF4-FFF2-40B4-BE49-F238E27FC236}">
+                <a16:creationId xmlns:a16="http://schemas.microsoft.com/office/drawing/2014/main" id="{10EF203E-76C5-4BA1-8286-99A4CE56617F}"/>
+              </a:ext>
+            </a:extLst>
+          </p:cNvPr>
+          <p:cNvSpPr>
+            <a:spLocks noGrp="1"/>
+          </p:cNvSpPr>
+          <p:nvPr>
+            <p:ph type="sldNum" sz="quarter" idx="12"/>
+          </p:nvPr>
+        </p:nvSpPr>
+        <p:spPr/>
+        <p:txBody>
+          <a:bodyPr/>
+          <a:lstStyle/>
+          <a:p>
+            <a:fld id="{4A777409-9C5A-4B07-8E32-19F22F7D558C}" type="slidenum">
+              <a:rPr lang="en-IN" smtClean="0"/>
+              <a:t>110</a:t>
+            </a:fld>
+            <a:endParaRPr lang="en-IN" dirty="0"/>
+          </a:p>
+        </p:txBody>
+      </p:sp>
+      <p:sp>
+        <p:nvSpPr>
+          <p:cNvPr id="5" name="TextBox 4">
+            <a:extLst>
+              <a:ext uri="{FF2B5EF4-FFF2-40B4-BE49-F238E27FC236}">
+                <a16:creationId xmlns:a16="http://schemas.microsoft.com/office/drawing/2014/main" id="{B6BA88CE-97ED-AA09-3529-A4AC3CB91278}"/>
+              </a:ext>
+            </a:extLst>
+          </p:cNvPr>
+          <p:cNvSpPr txBox="1"/>
+          <p:nvPr/>
+        </p:nvSpPr>
+        <p:spPr>
+          <a:xfrm>
+            <a:off x="383357" y="853773"/>
+            <a:ext cx="11425286" cy="3416320"/>
+          </a:xfrm>
+          <a:prstGeom prst="rect">
+            <a:avLst/>
+          </a:prstGeom>
+          <a:noFill/>
+        </p:spPr>
+        <p:txBody>
+          <a:bodyPr wrap="square">
+            <a:spAutoFit/>
+          </a:bodyPr>
+          <a:lstStyle/>
+          <a:p>
+            <a:r>
+              <a:rPr lang="en-IN" dirty="0"/>
+              <a:t>public </a:t>
+            </a:r>
+            <a:r>
+              <a:rPr lang="en-IN" dirty="0" err="1"/>
+              <a:t>CustomerLoginDTO</a:t>
+            </a:r>
+            <a:r>
+              <a:rPr lang="en-IN" dirty="0"/>
+              <a:t> </a:t>
+            </a:r>
+            <a:r>
+              <a:rPr lang="en-IN" dirty="0" err="1"/>
+              <a:t>getCustomerLoginByLoginName</a:t>
+            </a:r>
+            <a:r>
+              <a:rPr lang="en-IN" dirty="0"/>
+              <a:t>(String </a:t>
+            </a:r>
+            <a:r>
+              <a:rPr lang="en-IN" dirty="0" err="1"/>
+              <a:t>loginName</a:t>
+            </a:r>
+            <a:r>
+              <a:rPr lang="en-IN" dirty="0"/>
+              <a:t>) {</a:t>
+            </a:r>
+          </a:p>
+          <a:p>
+            <a:r>
+              <a:rPr lang="en-IN" dirty="0"/>
+              <a:t>		Map&lt;String, String&gt; </a:t>
+            </a:r>
+            <a:r>
+              <a:rPr lang="en-IN" dirty="0" err="1"/>
+              <a:t>customerCredentials</a:t>
+            </a:r>
+            <a:r>
+              <a:rPr lang="en-IN" dirty="0"/>
+              <a:t> = new HashMap&lt;String, String&gt;();</a:t>
+            </a:r>
+          </a:p>
+          <a:p>
+            <a:r>
+              <a:rPr lang="en-IN" dirty="0"/>
+              <a:t>		</a:t>
+            </a:r>
+            <a:r>
+              <a:rPr lang="en-IN" dirty="0" err="1"/>
+              <a:t>customerCredentials.put</a:t>
+            </a:r>
+            <a:r>
+              <a:rPr lang="en-IN" dirty="0"/>
+              <a:t>("robin", "robin123");</a:t>
+            </a:r>
+          </a:p>
+          <a:p>
+            <a:r>
+              <a:rPr lang="en-IN" dirty="0"/>
+              <a:t>		</a:t>
+            </a:r>
+            <a:r>
+              <a:rPr lang="en-IN" dirty="0" err="1"/>
+              <a:t>customerCredentials.put</a:t>
+            </a:r>
+            <a:r>
+              <a:rPr lang="en-IN" dirty="0"/>
+              <a:t>("harry", "harry123");</a:t>
+            </a:r>
+          </a:p>
+          <a:p>
+            <a:r>
+              <a:rPr lang="en-IN" dirty="0"/>
+              <a:t>		</a:t>
+            </a:r>
+            <a:r>
+              <a:rPr lang="en-IN" dirty="0" err="1"/>
+              <a:t>customerCredentials.put</a:t>
+            </a:r>
+            <a:r>
+              <a:rPr lang="en-IN" dirty="0"/>
+              <a:t>("</a:t>
+            </a:r>
+            <a:r>
+              <a:rPr lang="en-IN" dirty="0" err="1"/>
+              <a:t>garry</a:t>
+            </a:r>
+            <a:r>
+              <a:rPr lang="en-IN" dirty="0"/>
+              <a:t>", "garry123");</a:t>
+            </a:r>
+          </a:p>
+          <a:p>
+            <a:r>
+              <a:rPr lang="en-IN" dirty="0"/>
+              <a:t>		</a:t>
+            </a:r>
+            <a:r>
+              <a:rPr lang="en-IN" dirty="0" err="1"/>
+              <a:t>customerCredentials.put</a:t>
+            </a:r>
+            <a:r>
+              <a:rPr lang="en-IN" dirty="0"/>
+              <a:t>("</a:t>
+            </a:r>
+            <a:r>
+              <a:rPr lang="en-IN" dirty="0" err="1"/>
+              <a:t>monica</a:t>
+            </a:r>
+            <a:r>
+              <a:rPr lang="en-IN" dirty="0"/>
+              <a:t>", "monica123");</a:t>
+            </a:r>
+          </a:p>
+          <a:p>
+            <a:r>
+              <a:rPr lang="en-IN" dirty="0"/>
+              <a:t>		</a:t>
+            </a:r>
+            <a:r>
+              <a:rPr lang="en-IN" dirty="0" err="1"/>
+              <a:t>CustomerLoginDTO</a:t>
+            </a:r>
+            <a:r>
+              <a:rPr lang="en-IN" dirty="0"/>
+              <a:t> </a:t>
+            </a:r>
+            <a:r>
+              <a:rPr lang="en-IN" dirty="0" err="1"/>
+              <a:t>customerLogin</a:t>
+            </a:r>
+            <a:r>
+              <a:rPr lang="en-IN" dirty="0"/>
+              <a:t> = new </a:t>
+            </a:r>
+            <a:r>
+              <a:rPr lang="en-IN" dirty="0" err="1"/>
+              <a:t>CustomerLoginDTO</a:t>
+            </a:r>
+            <a:r>
+              <a:rPr lang="en-IN" dirty="0"/>
+              <a:t>();</a:t>
+            </a:r>
+          </a:p>
+          <a:p>
+            <a:r>
+              <a:rPr lang="en-IN" dirty="0"/>
+              <a:t>		</a:t>
+            </a:r>
+            <a:r>
+              <a:rPr lang="en-IN" dirty="0" err="1"/>
+              <a:t>customerLogin.setLoginName</a:t>
+            </a:r>
+            <a:r>
+              <a:rPr lang="en-IN" dirty="0"/>
+              <a:t>(</a:t>
+            </a:r>
+            <a:r>
+              <a:rPr lang="en-IN" dirty="0" err="1"/>
+              <a:t>loginName</a:t>
+            </a:r>
+            <a:r>
+              <a:rPr lang="en-IN" dirty="0"/>
+              <a:t>);</a:t>
+            </a:r>
+          </a:p>
+          <a:p>
+            <a:r>
+              <a:rPr lang="en-IN" dirty="0"/>
+              <a:t>		</a:t>
+            </a:r>
+            <a:r>
+              <a:rPr lang="en-IN" dirty="0" err="1"/>
+              <a:t>customerLogin.setPassword</a:t>
+            </a:r>
+            <a:r>
+              <a:rPr lang="en-IN" dirty="0"/>
+              <a:t>(</a:t>
+            </a:r>
+            <a:r>
+              <a:rPr lang="en-IN" dirty="0" err="1"/>
+              <a:t>customerCredentials.get</a:t>
+            </a:r>
+            <a:r>
+              <a:rPr lang="en-IN" dirty="0"/>
+              <a:t>(</a:t>
+            </a:r>
+            <a:r>
+              <a:rPr lang="en-IN" dirty="0" err="1"/>
+              <a:t>loginName</a:t>
+            </a:r>
+            <a:r>
+              <a:rPr lang="en-IN" dirty="0"/>
+              <a:t>));</a:t>
+            </a:r>
+          </a:p>
+          <a:p>
+            <a:r>
+              <a:rPr lang="en-IN" dirty="0"/>
+              <a:t>		return </a:t>
+            </a:r>
+            <a:r>
+              <a:rPr lang="en-IN" dirty="0" err="1"/>
+              <a:t>customerLogin</a:t>
+            </a:r>
+            <a:r>
+              <a:rPr lang="en-IN" dirty="0"/>
+              <a:t>;</a:t>
+            </a:r>
+          </a:p>
+          <a:p>
+            <a:r>
+              <a:rPr lang="en-IN" dirty="0"/>
+              <a:t>	}</a:t>
+            </a:r>
+          </a:p>
+          <a:p>
+            <a:r>
+              <a:rPr lang="en-IN" dirty="0"/>
+              <a:t>}</a:t>
+            </a:r>
+          </a:p>
+        </p:txBody>
+      </p:sp>
+      <p:sp>
+        <p:nvSpPr>
+          <p:cNvPr id="7" name="TextBox 6">
+            <a:extLst>
+              <a:ext uri="{FF2B5EF4-FFF2-40B4-BE49-F238E27FC236}">
+                <a16:creationId xmlns:a16="http://schemas.microsoft.com/office/drawing/2014/main" id="{3AD4B157-BEB5-ED76-FA21-E62572460249}"/>
+              </a:ext>
+            </a:extLst>
+          </p:cNvPr>
+          <p:cNvSpPr txBox="1"/>
+          <p:nvPr/>
+        </p:nvSpPr>
+        <p:spPr>
+          <a:xfrm>
+            <a:off x="164969" y="4437370"/>
+            <a:ext cx="11425286" cy="400110"/>
+          </a:xfrm>
+          <a:prstGeom prst="rect">
+            <a:avLst/>
+          </a:prstGeom>
+          <a:noFill/>
+        </p:spPr>
+        <p:txBody>
+          <a:bodyPr wrap="square">
+            <a:spAutoFit/>
+          </a:bodyPr>
+          <a:lstStyle/>
+          <a:p>
+            <a:r>
+              <a:rPr lang="en-US" sz="2000" b="1" dirty="0">
+                <a:solidFill>
+                  <a:schemeClr val="tx1">
+                    <a:lumMod val="65000"/>
+                    <a:lumOff val="35000"/>
+                  </a:schemeClr>
+                </a:solidFill>
+              </a:rPr>
+              <a:t>Step 5:</a:t>
+            </a:r>
+            <a:r>
+              <a:rPr lang="en-US" sz="2000" dirty="0">
+                <a:solidFill>
+                  <a:schemeClr val="tx1">
+                    <a:lumMod val="65000"/>
+                    <a:lumOff val="35000"/>
+                  </a:schemeClr>
+                </a:solidFill>
+              </a:rPr>
+              <a:t> Create the following interface in </a:t>
+            </a:r>
+            <a:r>
+              <a:rPr lang="en-US" sz="2000" dirty="0" err="1">
+                <a:solidFill>
+                  <a:schemeClr val="tx1">
+                    <a:lumMod val="65000"/>
+                    <a:lumOff val="35000"/>
+                  </a:schemeClr>
+                </a:solidFill>
+              </a:rPr>
+              <a:t>com.hnd.service</a:t>
+            </a:r>
+            <a:r>
+              <a:rPr lang="en-US" sz="2000" dirty="0">
+                <a:solidFill>
+                  <a:schemeClr val="tx1">
+                    <a:lumMod val="65000"/>
+                    <a:lumOff val="35000"/>
+                  </a:schemeClr>
+                </a:solidFill>
+              </a:rPr>
+              <a:t> package:</a:t>
+            </a:r>
+            <a:endParaRPr lang="en-IN" sz="2000" dirty="0">
+              <a:solidFill>
+                <a:schemeClr val="tx1">
+                  <a:lumMod val="65000"/>
+                  <a:lumOff val="35000"/>
+                </a:schemeClr>
+              </a:solidFill>
+            </a:endParaRPr>
+          </a:p>
+        </p:txBody>
+      </p:sp>
+      <p:sp>
+        <p:nvSpPr>
+          <p:cNvPr id="9" name="TextBox 8">
+            <a:extLst>
+              <a:ext uri="{FF2B5EF4-FFF2-40B4-BE49-F238E27FC236}">
+                <a16:creationId xmlns:a16="http://schemas.microsoft.com/office/drawing/2014/main" id="{34F36018-A468-BBEA-540B-7908B886FD8E}"/>
+              </a:ext>
+            </a:extLst>
+          </p:cNvPr>
+          <p:cNvSpPr txBox="1"/>
+          <p:nvPr/>
+        </p:nvSpPr>
+        <p:spPr>
+          <a:xfrm>
+            <a:off x="383357" y="4826675"/>
+            <a:ext cx="11643674" cy="1477328"/>
+          </a:xfrm>
+          <a:prstGeom prst="rect">
+            <a:avLst/>
+          </a:prstGeom>
+          <a:noFill/>
+        </p:spPr>
+        <p:txBody>
+          <a:bodyPr wrap="square">
+            <a:spAutoFit/>
+          </a:bodyPr>
+          <a:lstStyle/>
+          <a:p>
+            <a:r>
+              <a:rPr lang="en-IN" dirty="0"/>
+              <a:t>package </a:t>
+            </a:r>
+            <a:r>
+              <a:rPr lang="en-IN" dirty="0" err="1"/>
+              <a:t>com.hnd.service</a:t>
+            </a:r>
+            <a:r>
+              <a:rPr lang="en-IN" dirty="0"/>
+              <a:t>;</a:t>
+            </a:r>
+          </a:p>
+          <a:p>
+            <a:r>
+              <a:rPr lang="en-IN" dirty="0"/>
+              <a:t>import </a:t>
+            </a:r>
+            <a:r>
+              <a:rPr lang="en-IN" dirty="0" err="1"/>
+              <a:t>com.hnd.dto.CustomerLoginDTO</a:t>
+            </a:r>
+            <a:r>
+              <a:rPr lang="en-IN" dirty="0"/>
+              <a:t>;</a:t>
+            </a:r>
+          </a:p>
+          <a:p>
+            <a:r>
+              <a:rPr lang="en-IN" dirty="0"/>
+              <a:t>public interface </a:t>
+            </a:r>
+            <a:r>
+              <a:rPr lang="en-IN" dirty="0" err="1"/>
+              <a:t>CustomerLoginService</a:t>
+            </a:r>
+            <a:r>
+              <a:rPr lang="en-IN" dirty="0"/>
+              <a:t> {</a:t>
+            </a:r>
+          </a:p>
+          <a:p>
+            <a:r>
+              <a:rPr lang="en-IN" dirty="0"/>
+              <a:t>	public String </a:t>
+            </a:r>
+            <a:r>
+              <a:rPr lang="en-IN" dirty="0" err="1"/>
+              <a:t>authenticateCustomer</a:t>
+            </a:r>
+            <a:r>
+              <a:rPr lang="en-IN" dirty="0"/>
+              <a:t>(</a:t>
+            </a:r>
+            <a:r>
+              <a:rPr lang="en-IN" dirty="0" err="1"/>
+              <a:t>CustomerLoginDTO</a:t>
+            </a:r>
+            <a:r>
+              <a:rPr lang="en-IN" dirty="0"/>
+              <a:t> </a:t>
+            </a:r>
+            <a:r>
+              <a:rPr lang="en-IN" dirty="0" err="1"/>
+              <a:t>customerLogin</a:t>
+            </a:r>
+            <a:r>
+              <a:rPr lang="en-IN" dirty="0"/>
+              <a:t>) throws </a:t>
+            </a:r>
+            <a:r>
+              <a:rPr lang="en-IN" dirty="0" err="1"/>
+              <a:t>hndBankException</a:t>
+            </a:r>
+            <a:r>
+              <a:rPr lang="en-IN" dirty="0"/>
+              <a:t>;</a:t>
+            </a:r>
+          </a:p>
+          <a:p>
+            <a:r>
+              <a:rPr lang="en-IN" dirty="0"/>
+              <a:t>}</a:t>
+            </a:r>
+          </a:p>
+        </p:txBody>
+      </p:sp>
+    </p:spTree>
+    <p:extLst>
+      <p:ext uri="{BB962C8B-B14F-4D97-AF65-F5344CB8AC3E}">
+        <p14:creationId xmlns:p14="http://schemas.microsoft.com/office/powerpoint/2010/main" val="332769499"/>
+      </p:ext>
+    </p:extLst>
+  </p:cSld>
+  <p:clrMapOvr>
+    <a:masterClrMapping/>
+  </p:clrMapOvr>
+</p:sld>
+</file>
+
+<file path=ppt/slides/slide111.xml><?xml version="1.0" encoding="utf-8"?>
+<p:sld xmlns:a="http://schemas.openxmlformats.org/drawingml/2006/main" xmlns:r="http://schemas.openxmlformats.org/officeDocument/2006/relationships" xmlns:p="http://schemas.openxmlformats.org/presentationml/2006/main">
+  <p:cSld>
+    <p:spTree>
+      <p:nvGrpSpPr>
+        <p:cNvPr id="1" name=""/>
+        <p:cNvGrpSpPr/>
+        <p:nvPr/>
+      </p:nvGrpSpPr>
+      <p:grpSpPr>
+        <a:xfrm>
+          <a:off x="0" y="0"/>
+          <a:ext cx="0" cy="0"/>
+          <a:chOff x="0" y="0"/>
+          <a:chExt cx="0" cy="0"/>
+        </a:xfrm>
+      </p:grpSpPr>
+      <p:sp>
+        <p:nvSpPr>
+          <p:cNvPr id="2" name="Footer Placeholder 1">
+            <a:extLst>
+              <a:ext uri="{FF2B5EF4-FFF2-40B4-BE49-F238E27FC236}">
+                <a16:creationId xmlns:a16="http://schemas.microsoft.com/office/drawing/2014/main" id="{45CD0C55-747B-B453-C93D-B16520A2A082}"/>
+              </a:ext>
+            </a:extLst>
+          </p:cNvPr>
+          <p:cNvSpPr>
+            <a:spLocks noGrp="1"/>
+          </p:cNvSpPr>
+          <p:nvPr>
+            <p:ph type="ftr" sz="quarter" idx="11"/>
+          </p:nvPr>
+        </p:nvSpPr>
+        <p:spPr/>
+        <p:txBody>
+          <a:bodyPr/>
+          <a:lstStyle/>
+          <a:p>
+            <a:r>
+              <a:rPr lang="en-IN"/>
+              <a:t>H&amp;D IT Solution</a:t>
+            </a:r>
+            <a:endParaRPr lang="en-IN" dirty="0"/>
+          </a:p>
+        </p:txBody>
+      </p:sp>
+      <p:sp>
+        <p:nvSpPr>
+          <p:cNvPr id="3" name="Slide Number Placeholder 2">
+            <a:extLst>
+              <a:ext uri="{FF2B5EF4-FFF2-40B4-BE49-F238E27FC236}">
+                <a16:creationId xmlns:a16="http://schemas.microsoft.com/office/drawing/2014/main" id="{645158F9-68CB-DCBF-FFAB-E7B270635CD7}"/>
+              </a:ext>
+            </a:extLst>
+          </p:cNvPr>
+          <p:cNvSpPr>
+            <a:spLocks noGrp="1"/>
+          </p:cNvSpPr>
+          <p:nvPr>
+            <p:ph type="sldNum" sz="quarter" idx="12"/>
+          </p:nvPr>
+        </p:nvSpPr>
+        <p:spPr/>
+        <p:txBody>
+          <a:bodyPr/>
+          <a:lstStyle/>
+          <a:p>
+            <a:fld id="{4A777409-9C5A-4B07-8E32-19F22F7D558C}" type="slidenum">
+              <a:rPr lang="en-IN" smtClean="0"/>
+              <a:t>111</a:t>
+            </a:fld>
+            <a:endParaRPr lang="en-IN" dirty="0"/>
+          </a:p>
+        </p:txBody>
+      </p:sp>
+      <p:sp>
+        <p:nvSpPr>
+          <p:cNvPr id="5" name="TextBox 4">
+            <a:extLst>
+              <a:ext uri="{FF2B5EF4-FFF2-40B4-BE49-F238E27FC236}">
+                <a16:creationId xmlns:a16="http://schemas.microsoft.com/office/drawing/2014/main" id="{96A0F19D-2547-1685-A962-036495842376}"/>
+              </a:ext>
+            </a:extLst>
+          </p:cNvPr>
+          <p:cNvSpPr txBox="1"/>
+          <p:nvPr/>
+        </p:nvSpPr>
+        <p:spPr>
+          <a:xfrm>
+            <a:off x="900260" y="588331"/>
+            <a:ext cx="10279930" cy="400110"/>
+          </a:xfrm>
+          <a:prstGeom prst="rect">
+            <a:avLst/>
+          </a:prstGeom>
+          <a:noFill/>
+        </p:spPr>
+        <p:txBody>
+          <a:bodyPr wrap="square">
+            <a:spAutoFit/>
+          </a:bodyPr>
+          <a:lstStyle/>
+          <a:p>
+            <a:r>
+              <a:rPr lang="en-US" sz="2000" b="1" dirty="0">
+                <a:solidFill>
+                  <a:schemeClr val="tx1">
+                    <a:lumMod val="65000"/>
+                    <a:lumOff val="35000"/>
+                  </a:schemeClr>
+                </a:solidFill>
+              </a:rPr>
+              <a:t>Step 6:</a:t>
+            </a:r>
+            <a:r>
+              <a:rPr lang="en-US" sz="2000" dirty="0">
+                <a:solidFill>
+                  <a:schemeClr val="tx1">
+                    <a:lumMod val="65000"/>
+                    <a:lumOff val="35000"/>
+                  </a:schemeClr>
+                </a:solidFill>
+              </a:rPr>
+              <a:t> Create the following class in </a:t>
+            </a:r>
+            <a:r>
+              <a:rPr lang="en-US" sz="2000" dirty="0" err="1">
+                <a:solidFill>
+                  <a:schemeClr val="tx1">
+                    <a:lumMod val="65000"/>
+                    <a:lumOff val="35000"/>
+                  </a:schemeClr>
+                </a:solidFill>
+              </a:rPr>
+              <a:t>com.hnd.service</a:t>
+            </a:r>
+            <a:r>
+              <a:rPr lang="en-US" sz="2000" dirty="0">
+                <a:solidFill>
+                  <a:schemeClr val="tx1">
+                    <a:lumMod val="65000"/>
+                    <a:lumOff val="35000"/>
+                  </a:schemeClr>
+                </a:solidFill>
+              </a:rPr>
+              <a:t> package</a:t>
+            </a:r>
+            <a:endParaRPr lang="en-IN" sz="2000" dirty="0">
+              <a:solidFill>
+                <a:schemeClr val="tx1">
+                  <a:lumMod val="65000"/>
+                  <a:lumOff val="35000"/>
+                </a:schemeClr>
+              </a:solidFill>
+            </a:endParaRPr>
+          </a:p>
+        </p:txBody>
+      </p:sp>
+      <p:sp>
+        <p:nvSpPr>
+          <p:cNvPr id="7" name="TextBox 6">
+            <a:extLst>
+              <a:ext uri="{FF2B5EF4-FFF2-40B4-BE49-F238E27FC236}">
+                <a16:creationId xmlns:a16="http://schemas.microsoft.com/office/drawing/2014/main" id="{26710A8C-A8E9-A1C5-C39D-7F011B03F750}"/>
+              </a:ext>
+            </a:extLst>
+          </p:cNvPr>
+          <p:cNvSpPr txBox="1"/>
+          <p:nvPr/>
+        </p:nvSpPr>
+        <p:spPr>
+          <a:xfrm>
+            <a:off x="377072" y="1192048"/>
+            <a:ext cx="11604396" cy="5509200"/>
+          </a:xfrm>
+          <a:prstGeom prst="rect">
+            <a:avLst/>
+          </a:prstGeom>
+          <a:noFill/>
+        </p:spPr>
+        <p:txBody>
+          <a:bodyPr wrap="square">
+            <a:spAutoFit/>
+          </a:bodyPr>
+          <a:lstStyle/>
+          <a:p>
+            <a:r>
+              <a:rPr lang="en-IN" sz="1600" dirty="0"/>
+              <a:t>package </a:t>
+            </a:r>
+            <a:r>
+              <a:rPr lang="en-IN" sz="1600" dirty="0" err="1"/>
+              <a:t>com.hnd.service</a:t>
+            </a:r>
+            <a:r>
+              <a:rPr lang="en-IN" sz="1600" dirty="0"/>
+              <a:t>;</a:t>
+            </a:r>
+          </a:p>
+          <a:p>
+            <a:r>
+              <a:rPr lang="en-IN" sz="1600" dirty="0"/>
+              <a:t>import </a:t>
+            </a:r>
+            <a:r>
+              <a:rPr lang="en-IN" sz="1600" dirty="0" err="1"/>
+              <a:t>org.springframework.beans.factory.annotation.Autowired</a:t>
+            </a:r>
+            <a:r>
+              <a:rPr lang="en-IN" sz="1600" dirty="0"/>
+              <a:t>;</a:t>
+            </a:r>
+          </a:p>
+          <a:p>
+            <a:r>
+              <a:rPr lang="en-IN" sz="1600" dirty="0"/>
+              <a:t>import </a:t>
+            </a:r>
+            <a:r>
+              <a:rPr lang="en-IN" sz="1600" dirty="0" err="1"/>
+              <a:t>org.springframework.stereotype.Service</a:t>
+            </a:r>
+            <a:r>
+              <a:rPr lang="en-IN" sz="1600" dirty="0"/>
+              <a:t>;</a:t>
+            </a:r>
+          </a:p>
+          <a:p>
+            <a:r>
+              <a:rPr lang="en-IN" sz="1600" dirty="0"/>
+              <a:t>import </a:t>
+            </a:r>
+            <a:r>
+              <a:rPr lang="en-IN" sz="1600" dirty="0" err="1"/>
+              <a:t>com.hnd.dto.CustomerLoginDTO</a:t>
+            </a:r>
+            <a:r>
+              <a:rPr lang="en-IN" sz="1600" dirty="0"/>
+              <a:t>;</a:t>
+            </a:r>
+          </a:p>
+          <a:p>
+            <a:r>
+              <a:rPr lang="en-IN" sz="1600" dirty="0"/>
+              <a:t>import </a:t>
+            </a:r>
+            <a:r>
+              <a:rPr lang="en-IN" sz="1600" dirty="0" err="1"/>
+              <a:t>com.hnd.exception.hndBankException</a:t>
+            </a:r>
+            <a:r>
+              <a:rPr lang="en-IN" sz="1600" dirty="0"/>
+              <a:t>;</a:t>
+            </a:r>
+          </a:p>
+          <a:p>
+            <a:r>
+              <a:rPr lang="en-IN" sz="1600" dirty="0"/>
+              <a:t>import </a:t>
+            </a:r>
+            <a:r>
+              <a:rPr lang="en-IN" sz="1600" dirty="0" err="1"/>
+              <a:t>com.hnd.repository.CustomerLoginRepository</a:t>
+            </a:r>
+            <a:r>
+              <a:rPr lang="en-IN" sz="1600" dirty="0"/>
+              <a:t>;</a:t>
+            </a:r>
+          </a:p>
+          <a:p>
+            <a:r>
+              <a:rPr lang="en-IN" sz="1600" dirty="0"/>
+              <a:t>@Service(value="customerLoginService")</a:t>
+            </a:r>
+          </a:p>
+          <a:p>
+            <a:r>
+              <a:rPr lang="en-IN" sz="1600" dirty="0"/>
+              <a:t>public class </a:t>
+            </a:r>
+            <a:r>
+              <a:rPr lang="en-IN" sz="1600" dirty="0" err="1"/>
+              <a:t>CustomerLoginServiceImpl</a:t>
+            </a:r>
+            <a:r>
+              <a:rPr lang="en-IN" sz="1600" dirty="0"/>
+              <a:t> implements </a:t>
+            </a:r>
+            <a:r>
+              <a:rPr lang="en-IN" sz="1600" dirty="0" err="1"/>
+              <a:t>CustomerLoginService</a:t>
+            </a:r>
+            <a:r>
+              <a:rPr lang="en-IN" sz="1600" dirty="0"/>
+              <a:t> {</a:t>
+            </a:r>
+          </a:p>
+          <a:p>
+            <a:r>
+              <a:rPr lang="en-IN" sz="1600" dirty="0"/>
+              <a:t>	@Autowired</a:t>
+            </a:r>
+          </a:p>
+          <a:p>
+            <a:r>
+              <a:rPr lang="en-IN" sz="1600" dirty="0"/>
+              <a:t>	private </a:t>
+            </a:r>
+            <a:r>
+              <a:rPr lang="en-IN" sz="1600" dirty="0" err="1"/>
+              <a:t>CustomerLoginRepository</a:t>
+            </a:r>
+            <a:r>
+              <a:rPr lang="en-IN" sz="1600" dirty="0"/>
+              <a:t> </a:t>
+            </a:r>
+            <a:r>
+              <a:rPr lang="en-IN" sz="1600" dirty="0" err="1"/>
+              <a:t>customerLoginRepository</a:t>
+            </a:r>
+            <a:r>
+              <a:rPr lang="en-IN" sz="1600" dirty="0"/>
+              <a:t>;</a:t>
+            </a:r>
+          </a:p>
+          <a:p>
+            <a:r>
+              <a:rPr lang="en-IN" sz="1600" dirty="0"/>
+              <a:t>	public String </a:t>
+            </a:r>
+            <a:r>
+              <a:rPr lang="en-IN" sz="1600" dirty="0" err="1"/>
+              <a:t>authenticateCustomer</a:t>
+            </a:r>
+            <a:r>
+              <a:rPr lang="en-IN" sz="1600" dirty="0"/>
+              <a:t>(</a:t>
+            </a:r>
+            <a:r>
+              <a:rPr lang="en-IN" sz="1600" dirty="0" err="1"/>
+              <a:t>CustomerLoginDTO</a:t>
+            </a:r>
+            <a:r>
+              <a:rPr lang="en-IN" sz="1600" dirty="0"/>
+              <a:t> </a:t>
+            </a:r>
+            <a:r>
+              <a:rPr lang="en-IN" sz="1600" dirty="0" err="1"/>
+              <a:t>customerLogin</a:t>
+            </a:r>
+            <a:r>
+              <a:rPr lang="en-IN" sz="1600" dirty="0"/>
+              <a:t>) throws </a:t>
+            </a:r>
+            <a:r>
+              <a:rPr lang="en-IN" sz="1600" dirty="0" err="1"/>
+              <a:t>hndBankException</a:t>
+            </a:r>
+            <a:r>
+              <a:rPr lang="en-IN" sz="1600" dirty="0"/>
+              <a:t> {</a:t>
+            </a:r>
+          </a:p>
+          <a:p>
+            <a:r>
+              <a:rPr lang="en-IN" sz="1600" dirty="0"/>
+              <a:t>		String </a:t>
+            </a:r>
+            <a:r>
+              <a:rPr lang="en-IN" sz="1600" dirty="0" err="1"/>
+              <a:t>toRet</a:t>
+            </a:r>
+            <a:r>
+              <a:rPr lang="en-IN" sz="1600" dirty="0"/>
+              <a:t> = null;</a:t>
+            </a:r>
+          </a:p>
+          <a:p>
+            <a:r>
+              <a:rPr lang="en-IN" sz="1600" dirty="0"/>
+              <a:t>		</a:t>
+            </a:r>
+            <a:r>
+              <a:rPr lang="en-IN" sz="1600" dirty="0" err="1"/>
+              <a:t>CustomerLoginDTO</a:t>
+            </a:r>
+            <a:r>
+              <a:rPr lang="en-IN" sz="1600" dirty="0"/>
+              <a:t> </a:t>
+            </a:r>
+            <a:r>
+              <a:rPr lang="en-IN" sz="1600" dirty="0" err="1"/>
+              <a:t>customerLoginFromRepository</a:t>
+            </a:r>
+            <a:r>
+              <a:rPr lang="en-IN" sz="1600" dirty="0"/>
+              <a:t> = </a:t>
+            </a:r>
+            <a:r>
+              <a:rPr lang="en-IN" sz="1600" dirty="0" err="1"/>
+              <a:t>customerLoginRepository</a:t>
+            </a:r>
+            <a:endParaRPr lang="en-IN" sz="1600" dirty="0"/>
+          </a:p>
+          <a:p>
+            <a:r>
+              <a:rPr lang="en-IN" sz="1600" dirty="0"/>
+              <a:t>				.</a:t>
+            </a:r>
+            <a:r>
+              <a:rPr lang="en-IN" sz="1600" dirty="0" err="1"/>
+              <a:t>getCustomerLoginByLoginName</a:t>
+            </a:r>
+            <a:r>
+              <a:rPr lang="en-IN" sz="1600" dirty="0"/>
+              <a:t>(</a:t>
+            </a:r>
+            <a:r>
+              <a:rPr lang="en-IN" sz="1600" dirty="0" err="1"/>
+              <a:t>customerLogin.getLoginName</a:t>
+            </a:r>
+            <a:r>
+              <a:rPr lang="en-IN" sz="1600" dirty="0"/>
+              <a:t>());</a:t>
+            </a:r>
+          </a:p>
+          <a:p>
+            <a:r>
+              <a:rPr lang="en-IN" sz="1600" dirty="0"/>
+              <a:t>		if (</a:t>
+            </a:r>
+            <a:r>
+              <a:rPr lang="en-IN" sz="1600" dirty="0" err="1"/>
+              <a:t>customerLogin.getPassword</a:t>
+            </a:r>
+            <a:r>
+              <a:rPr lang="en-IN" sz="1600" dirty="0"/>
+              <a:t>().equals(</a:t>
+            </a:r>
+            <a:r>
+              <a:rPr lang="en-IN" sz="1600" dirty="0" err="1"/>
+              <a:t>customerLoginFromRepository.getPassword</a:t>
+            </a:r>
+            <a:r>
+              <a:rPr lang="en-IN" sz="1600" dirty="0"/>
+              <a:t>())){</a:t>
+            </a:r>
+          </a:p>
+          <a:p>
+            <a:r>
+              <a:rPr lang="en-IN" sz="1600" dirty="0"/>
+              <a:t>			</a:t>
+            </a:r>
+            <a:r>
+              <a:rPr lang="en-IN" sz="1600" dirty="0" err="1"/>
+              <a:t>toRet</a:t>
+            </a:r>
+            <a:r>
+              <a:rPr lang="en-IN" sz="1600" dirty="0"/>
+              <a:t> = "SUCCESS";</a:t>
+            </a:r>
+          </a:p>
+          <a:p>
+            <a:r>
+              <a:rPr lang="en-IN" sz="1600" dirty="0"/>
+              <a:t>		}else{</a:t>
+            </a:r>
+          </a:p>
+          <a:p>
+            <a:r>
+              <a:rPr lang="en-IN" sz="1600" dirty="0"/>
+              <a:t>			throw new </a:t>
+            </a:r>
+            <a:r>
+              <a:rPr lang="en-IN" sz="1600" dirty="0" err="1"/>
+              <a:t>hndBankException</a:t>
+            </a:r>
+            <a:r>
+              <a:rPr lang="en-IN" sz="1600" dirty="0"/>
+              <a:t>("</a:t>
+            </a:r>
+            <a:r>
+              <a:rPr lang="en-IN" sz="1600" dirty="0" err="1"/>
+              <a:t>Service.WRONG_CREDENTIALS</a:t>
+            </a:r>
+            <a:r>
+              <a:rPr lang="en-IN" sz="1600" dirty="0"/>
+              <a:t>");</a:t>
+            </a:r>
+          </a:p>
+          <a:p>
+            <a:r>
+              <a:rPr lang="en-IN" sz="1600" dirty="0"/>
+              <a:t>		}</a:t>
+            </a:r>
+          </a:p>
+          <a:p>
+            <a:r>
+              <a:rPr lang="en-IN" sz="1600" dirty="0"/>
+              <a:t>		return </a:t>
+            </a:r>
+            <a:r>
+              <a:rPr lang="en-IN" sz="1600" dirty="0" err="1"/>
+              <a:t>toRet</a:t>
+            </a:r>
+            <a:r>
+              <a:rPr lang="en-IN" sz="1600" dirty="0"/>
+              <a:t>;</a:t>
+            </a:r>
+          </a:p>
+          <a:p>
+            <a:r>
+              <a:rPr lang="en-IN" sz="1600" dirty="0"/>
+              <a:t>	}</a:t>
+            </a:r>
+          </a:p>
+          <a:p>
+            <a:r>
+              <a:rPr lang="en-IN" sz="1600" dirty="0"/>
+              <a:t>}</a:t>
+            </a:r>
+          </a:p>
+        </p:txBody>
+      </p:sp>
+    </p:spTree>
+    <p:extLst>
+      <p:ext uri="{BB962C8B-B14F-4D97-AF65-F5344CB8AC3E}">
+        <p14:creationId xmlns:p14="http://schemas.microsoft.com/office/powerpoint/2010/main" val="4178194711"/>
+      </p:ext>
+    </p:extLst>
+  </p:cSld>
+  <p:clrMapOvr>
+    <a:masterClrMapping/>
+  </p:clrMapOvr>
+</p:sld>
+</file>
+
+<file path=ppt/slides/slide112.xml><?xml version="1.0" encoding="utf-8"?>
+<p:sld xmlns:a="http://schemas.openxmlformats.org/drawingml/2006/main" xmlns:r="http://schemas.openxmlformats.org/officeDocument/2006/relationships" xmlns:p="http://schemas.openxmlformats.org/presentationml/2006/main">
+  <p:cSld>
+    <p:spTree>
+      <p:nvGrpSpPr>
+        <p:cNvPr id="1" name=""/>
+        <p:cNvGrpSpPr/>
+        <p:nvPr/>
+      </p:nvGrpSpPr>
+      <p:grpSpPr>
+        <a:xfrm>
+          <a:off x="0" y="0"/>
+          <a:ext cx="0" cy="0"/>
+          <a:chOff x="0" y="0"/>
+          <a:chExt cx="0" cy="0"/>
+        </a:xfrm>
+      </p:grpSpPr>
+      <p:sp>
+        <p:nvSpPr>
+          <p:cNvPr id="2" name="Footer Placeholder 1">
+            <a:extLst>
+              <a:ext uri="{FF2B5EF4-FFF2-40B4-BE49-F238E27FC236}">
+                <a16:creationId xmlns:a16="http://schemas.microsoft.com/office/drawing/2014/main" id="{2151CA9F-8C76-4809-8466-F665F6364A20}"/>
+              </a:ext>
+            </a:extLst>
+          </p:cNvPr>
+          <p:cNvSpPr>
+            <a:spLocks noGrp="1"/>
+          </p:cNvSpPr>
+          <p:nvPr>
+            <p:ph type="ftr" sz="quarter" idx="11"/>
+          </p:nvPr>
+        </p:nvSpPr>
+        <p:spPr/>
+        <p:txBody>
+          <a:bodyPr/>
+          <a:lstStyle/>
+          <a:p>
+            <a:r>
+              <a:rPr lang="en-IN"/>
+              <a:t>H&amp;D IT Solution</a:t>
+            </a:r>
+            <a:endParaRPr lang="en-IN" dirty="0"/>
+          </a:p>
+        </p:txBody>
+      </p:sp>
+      <p:sp>
+        <p:nvSpPr>
+          <p:cNvPr id="3" name="Slide Number Placeholder 2">
+            <a:extLst>
+              <a:ext uri="{FF2B5EF4-FFF2-40B4-BE49-F238E27FC236}">
+                <a16:creationId xmlns:a16="http://schemas.microsoft.com/office/drawing/2014/main" id="{3925CCF4-A943-D9DA-1199-776F1D30BABA}"/>
+              </a:ext>
+            </a:extLst>
+          </p:cNvPr>
+          <p:cNvSpPr>
+            <a:spLocks noGrp="1"/>
+          </p:cNvSpPr>
+          <p:nvPr>
+            <p:ph type="sldNum" sz="quarter" idx="12"/>
+          </p:nvPr>
+        </p:nvSpPr>
+        <p:spPr/>
+        <p:txBody>
+          <a:bodyPr/>
+          <a:lstStyle/>
+          <a:p>
+            <a:fld id="{4A777409-9C5A-4B07-8E32-19F22F7D558C}" type="slidenum">
+              <a:rPr lang="en-IN" smtClean="0"/>
+              <a:t>112</a:t>
+            </a:fld>
+            <a:endParaRPr lang="en-IN" dirty="0"/>
+          </a:p>
+        </p:txBody>
+      </p:sp>
+      <p:sp>
+        <p:nvSpPr>
+          <p:cNvPr id="5" name="TextBox 4">
+            <a:extLst>
+              <a:ext uri="{FF2B5EF4-FFF2-40B4-BE49-F238E27FC236}">
+                <a16:creationId xmlns:a16="http://schemas.microsoft.com/office/drawing/2014/main" id="{AE269867-E429-F8B3-1FC8-EE7BFBC2E555}"/>
+              </a:ext>
+            </a:extLst>
+          </p:cNvPr>
+          <p:cNvSpPr txBox="1"/>
+          <p:nvPr/>
+        </p:nvSpPr>
+        <p:spPr>
+          <a:xfrm>
+            <a:off x="796564" y="619515"/>
+            <a:ext cx="10487321" cy="707886"/>
+          </a:xfrm>
+          <a:prstGeom prst="rect">
+            <a:avLst/>
+          </a:prstGeom>
+          <a:noFill/>
+        </p:spPr>
+        <p:txBody>
+          <a:bodyPr wrap="square">
+            <a:spAutoFit/>
+          </a:bodyPr>
+          <a:lstStyle/>
+          <a:p>
+            <a:r>
+              <a:rPr lang="en-US" sz="2000" b="1" dirty="0">
+                <a:solidFill>
+                  <a:schemeClr val="tx1">
+                    <a:lumMod val="65000"/>
+                    <a:lumOff val="35000"/>
+                  </a:schemeClr>
+                </a:solidFill>
+              </a:rPr>
+              <a:t>Step 7:</a:t>
+            </a:r>
+            <a:r>
+              <a:rPr lang="en-US" sz="2000" dirty="0">
+                <a:solidFill>
+                  <a:schemeClr val="tx1">
+                    <a:lumMod val="65000"/>
+                    <a:lumOff val="35000"/>
+                  </a:schemeClr>
+                </a:solidFill>
+              </a:rPr>
+              <a:t> Create the following </a:t>
+            </a:r>
+            <a:r>
+              <a:rPr lang="en-US" sz="2000" dirty="0" err="1">
+                <a:solidFill>
+                  <a:schemeClr val="tx1">
+                    <a:lumMod val="65000"/>
+                    <a:lumOff val="35000"/>
+                  </a:schemeClr>
+                </a:solidFill>
+              </a:rPr>
+              <a:t>CustomerLoginController</a:t>
+            </a:r>
+            <a:r>
+              <a:rPr lang="en-US" sz="2000" dirty="0">
+                <a:solidFill>
+                  <a:schemeClr val="tx1">
+                    <a:lumMod val="65000"/>
+                    <a:lumOff val="35000"/>
+                  </a:schemeClr>
+                </a:solidFill>
+              </a:rPr>
+              <a:t> class in </a:t>
+            </a:r>
+            <a:r>
+              <a:rPr lang="en-US" sz="2000" dirty="0" err="1">
+                <a:solidFill>
+                  <a:schemeClr val="tx1">
+                    <a:lumMod val="65000"/>
+                    <a:lumOff val="35000"/>
+                  </a:schemeClr>
+                </a:solidFill>
+              </a:rPr>
+              <a:t>com.hnd.controller</a:t>
+            </a:r>
+            <a:r>
+              <a:rPr lang="en-US" sz="2000" dirty="0">
+                <a:solidFill>
+                  <a:schemeClr val="tx1">
+                    <a:lumMod val="65000"/>
+                    <a:lumOff val="35000"/>
+                  </a:schemeClr>
+                </a:solidFill>
+              </a:rPr>
+              <a:t> package as follows:</a:t>
+            </a:r>
+            <a:endParaRPr lang="en-IN" sz="2000" dirty="0">
+              <a:solidFill>
+                <a:schemeClr val="tx1">
+                  <a:lumMod val="65000"/>
+                  <a:lumOff val="35000"/>
+                </a:schemeClr>
+              </a:solidFill>
+            </a:endParaRPr>
+          </a:p>
+        </p:txBody>
+      </p:sp>
+      <p:sp>
+        <p:nvSpPr>
+          <p:cNvPr id="7" name="TextBox 6">
+            <a:extLst>
+              <a:ext uri="{FF2B5EF4-FFF2-40B4-BE49-F238E27FC236}">
+                <a16:creationId xmlns:a16="http://schemas.microsoft.com/office/drawing/2014/main" id="{1287BECD-3322-3CEC-0454-FE0871140119}"/>
+              </a:ext>
+            </a:extLst>
+          </p:cNvPr>
+          <p:cNvSpPr txBox="1"/>
+          <p:nvPr/>
+        </p:nvSpPr>
+        <p:spPr>
+          <a:xfrm>
+            <a:off x="444630" y="1517271"/>
+            <a:ext cx="11302739" cy="4247317"/>
+          </a:xfrm>
+          <a:prstGeom prst="rect">
+            <a:avLst/>
+          </a:prstGeom>
+          <a:noFill/>
+        </p:spPr>
+        <p:txBody>
+          <a:bodyPr wrap="square">
+            <a:spAutoFit/>
+          </a:bodyPr>
+          <a:lstStyle/>
+          <a:p>
+            <a:r>
+              <a:rPr lang="en-IN" dirty="0"/>
+              <a:t>package </a:t>
+            </a:r>
+            <a:r>
+              <a:rPr lang="en-IN" dirty="0" err="1"/>
+              <a:t>com.hnd.controller</a:t>
+            </a:r>
+            <a:r>
+              <a:rPr lang="en-IN" dirty="0"/>
+              <a:t>;</a:t>
+            </a:r>
+          </a:p>
+          <a:p>
+            <a:r>
+              <a:rPr lang="en-IN" dirty="0"/>
+              <a:t>import </a:t>
+            </a:r>
+            <a:r>
+              <a:rPr lang="en-IN" dirty="0" err="1"/>
+              <a:t>org.springframework.beans.factory.annotation.Autowired</a:t>
+            </a:r>
+            <a:r>
+              <a:rPr lang="en-IN" dirty="0"/>
+              <a:t>;</a:t>
+            </a:r>
+          </a:p>
+          <a:p>
+            <a:r>
+              <a:rPr lang="en-IN" dirty="0"/>
+              <a:t>import </a:t>
+            </a:r>
+            <a:r>
+              <a:rPr lang="en-IN" dirty="0" err="1"/>
+              <a:t>org.springframework.stereotype.Controller</a:t>
+            </a:r>
+            <a:r>
+              <a:rPr lang="en-IN" dirty="0"/>
+              <a:t>;</a:t>
+            </a:r>
+          </a:p>
+          <a:p>
+            <a:r>
+              <a:rPr lang="en-IN" dirty="0"/>
+              <a:t>import </a:t>
+            </a:r>
+            <a:r>
+              <a:rPr lang="en-IN" dirty="0" err="1"/>
+              <a:t>com.hnd.dto.CustomerLoginDTO</a:t>
+            </a:r>
+            <a:r>
+              <a:rPr lang="en-IN" dirty="0"/>
+              <a:t>;</a:t>
+            </a:r>
+          </a:p>
+          <a:p>
+            <a:r>
+              <a:rPr lang="en-IN" dirty="0"/>
+              <a:t>import </a:t>
+            </a:r>
+            <a:r>
+              <a:rPr lang="en-IN" dirty="0" err="1"/>
+              <a:t>com.hnd.exception.hndBankException</a:t>
+            </a:r>
+            <a:r>
+              <a:rPr lang="en-IN" dirty="0"/>
+              <a:t>;</a:t>
+            </a:r>
+          </a:p>
+          <a:p>
+            <a:r>
+              <a:rPr lang="en-IN" dirty="0"/>
+              <a:t>import </a:t>
+            </a:r>
+            <a:r>
+              <a:rPr lang="en-IN" dirty="0" err="1"/>
+              <a:t>com.hnd.service.CustomerLoginService</a:t>
+            </a:r>
+            <a:r>
+              <a:rPr lang="en-IN" dirty="0"/>
+              <a:t>;</a:t>
+            </a:r>
+          </a:p>
+          <a:p>
+            <a:r>
+              <a:rPr lang="en-IN" dirty="0"/>
+              <a:t>@Controller(value="customerLoginController")</a:t>
+            </a:r>
+          </a:p>
+          <a:p>
+            <a:r>
+              <a:rPr lang="en-IN" dirty="0"/>
+              <a:t>public class </a:t>
+            </a:r>
+            <a:r>
+              <a:rPr lang="en-IN" dirty="0" err="1"/>
+              <a:t>CustomerLoginController</a:t>
+            </a:r>
+            <a:r>
+              <a:rPr lang="en-IN" dirty="0"/>
+              <a:t> {</a:t>
+            </a:r>
+          </a:p>
+          <a:p>
+            <a:r>
+              <a:rPr lang="en-IN" dirty="0"/>
+              <a:t>	@Autowired</a:t>
+            </a:r>
+          </a:p>
+          <a:p>
+            <a:r>
+              <a:rPr lang="en-IN" dirty="0"/>
+              <a:t>	private </a:t>
+            </a:r>
+            <a:r>
+              <a:rPr lang="en-IN" dirty="0" err="1"/>
+              <a:t>CustomerLoginService</a:t>
+            </a:r>
+            <a:r>
+              <a:rPr lang="en-IN" dirty="0"/>
+              <a:t> </a:t>
+            </a:r>
+            <a:r>
+              <a:rPr lang="en-IN" dirty="0" err="1"/>
+              <a:t>customerLoginService</a:t>
+            </a:r>
+            <a:r>
+              <a:rPr lang="en-IN" dirty="0"/>
+              <a:t>;</a:t>
+            </a:r>
+          </a:p>
+          <a:p>
+            <a:r>
+              <a:rPr lang="en-IN" dirty="0"/>
+              <a:t>	public String </a:t>
+            </a:r>
+            <a:r>
+              <a:rPr lang="en-IN" dirty="0" err="1"/>
+              <a:t>authenticateCustomer</a:t>
+            </a:r>
+            <a:r>
+              <a:rPr lang="en-IN" dirty="0"/>
+              <a:t>(</a:t>
+            </a:r>
+            <a:r>
+              <a:rPr lang="en-IN" dirty="0" err="1"/>
+              <a:t>CustomerLoginDTO</a:t>
+            </a:r>
+            <a:r>
+              <a:rPr lang="en-IN" dirty="0"/>
+              <a:t> </a:t>
+            </a:r>
+            <a:r>
+              <a:rPr lang="en-IN" dirty="0" err="1"/>
+              <a:t>customerLogin</a:t>
+            </a:r>
+            <a:r>
+              <a:rPr lang="en-IN" dirty="0"/>
+              <a:t>) throws </a:t>
+            </a:r>
+            <a:r>
+              <a:rPr lang="en-IN" dirty="0" err="1"/>
+              <a:t>hndBankException</a:t>
+            </a:r>
+            <a:r>
+              <a:rPr lang="en-IN" dirty="0"/>
+              <a:t> {</a:t>
+            </a:r>
+          </a:p>
+          <a:p>
+            <a:r>
+              <a:rPr lang="en-IN" dirty="0"/>
+              <a:t>		String b = </a:t>
+            </a:r>
+            <a:r>
+              <a:rPr lang="en-IN" dirty="0" err="1"/>
+              <a:t>customerLoginService.authenticateCustomer</a:t>
+            </a:r>
+            <a:r>
+              <a:rPr lang="en-IN" dirty="0"/>
+              <a:t>(</a:t>
+            </a:r>
+            <a:r>
+              <a:rPr lang="en-IN" dirty="0" err="1"/>
+              <a:t>customerLogin</a:t>
+            </a:r>
+            <a:r>
+              <a:rPr lang="en-IN" dirty="0"/>
+              <a:t>);</a:t>
+            </a:r>
+          </a:p>
+          <a:p>
+            <a:r>
+              <a:rPr lang="en-IN" dirty="0"/>
+              <a:t>		return b;</a:t>
+            </a:r>
+          </a:p>
+          <a:p>
+            <a:r>
+              <a:rPr lang="en-IN" dirty="0"/>
+              <a:t>	}</a:t>
+            </a:r>
+          </a:p>
+          <a:p>
+            <a:r>
+              <a:rPr lang="en-IN" dirty="0"/>
+              <a:t>}</a:t>
+            </a:r>
+          </a:p>
+        </p:txBody>
+      </p:sp>
+    </p:spTree>
+    <p:extLst>
+      <p:ext uri="{BB962C8B-B14F-4D97-AF65-F5344CB8AC3E}">
+        <p14:creationId xmlns:p14="http://schemas.microsoft.com/office/powerpoint/2010/main" val="3813350490"/>
+      </p:ext>
+    </p:extLst>
+  </p:cSld>
+  <p:clrMapOvr>
+    <a:masterClrMapping/>
+  </p:clrMapOvr>
+</p:sld>
+</file>
+
+<file path=ppt/slides/slide113.xml><?xml version="1.0" encoding="utf-8"?>
+<p:sld xmlns:a="http://schemas.openxmlformats.org/drawingml/2006/main" xmlns:r="http://schemas.openxmlformats.org/officeDocument/2006/relationships" xmlns:p="http://schemas.openxmlformats.org/presentationml/2006/main">
+  <p:cSld>
+    <p:spTree>
+      <p:nvGrpSpPr>
+        <p:cNvPr id="1" name=""/>
+        <p:cNvGrpSpPr/>
+        <p:nvPr/>
+      </p:nvGrpSpPr>
+      <p:grpSpPr>
+        <a:xfrm>
+          <a:off x="0" y="0"/>
+          <a:ext cx="0" cy="0"/>
+          <a:chOff x="0" y="0"/>
+          <a:chExt cx="0" cy="0"/>
+        </a:xfrm>
+      </p:grpSpPr>
+      <p:sp>
+        <p:nvSpPr>
+          <p:cNvPr id="2" name="Footer Placeholder 1">
+            <a:extLst>
+              <a:ext uri="{FF2B5EF4-FFF2-40B4-BE49-F238E27FC236}">
+                <a16:creationId xmlns:a16="http://schemas.microsoft.com/office/drawing/2014/main" id="{E38C302F-3270-97D2-8D78-4FCB61E46371}"/>
+              </a:ext>
+            </a:extLst>
+          </p:cNvPr>
+          <p:cNvSpPr>
+            <a:spLocks noGrp="1"/>
+          </p:cNvSpPr>
+          <p:nvPr>
+            <p:ph type="ftr" sz="quarter" idx="11"/>
+          </p:nvPr>
+        </p:nvSpPr>
+        <p:spPr/>
+        <p:txBody>
+          <a:bodyPr/>
+          <a:lstStyle/>
+          <a:p>
+            <a:r>
+              <a:rPr lang="en-IN"/>
+              <a:t>H&amp;D IT Solution</a:t>
+            </a:r>
+            <a:endParaRPr lang="en-IN" dirty="0"/>
+          </a:p>
+        </p:txBody>
+      </p:sp>
+      <p:sp>
+        <p:nvSpPr>
+          <p:cNvPr id="3" name="Slide Number Placeholder 2">
+            <a:extLst>
+              <a:ext uri="{FF2B5EF4-FFF2-40B4-BE49-F238E27FC236}">
+                <a16:creationId xmlns:a16="http://schemas.microsoft.com/office/drawing/2014/main" id="{119C4DDD-3AE7-D36D-3EB2-EEA2BFA301FF}"/>
+              </a:ext>
+            </a:extLst>
+          </p:cNvPr>
+          <p:cNvSpPr>
+            <a:spLocks noGrp="1"/>
+          </p:cNvSpPr>
+          <p:nvPr>
+            <p:ph type="sldNum" sz="quarter" idx="12"/>
+          </p:nvPr>
+        </p:nvSpPr>
+        <p:spPr/>
+        <p:txBody>
+          <a:bodyPr/>
+          <a:lstStyle/>
+          <a:p>
+            <a:fld id="{4A777409-9C5A-4B07-8E32-19F22F7D558C}" type="slidenum">
+              <a:rPr lang="en-IN" smtClean="0"/>
+              <a:t>113</a:t>
+            </a:fld>
+            <a:endParaRPr lang="en-IN" dirty="0"/>
+          </a:p>
+        </p:txBody>
+      </p:sp>
+      <p:sp>
+        <p:nvSpPr>
+          <p:cNvPr id="5" name="TextBox 4">
+            <a:extLst>
+              <a:ext uri="{FF2B5EF4-FFF2-40B4-BE49-F238E27FC236}">
+                <a16:creationId xmlns:a16="http://schemas.microsoft.com/office/drawing/2014/main" id="{C68AC90D-D3FE-6171-F9DD-EB5E4C051D2F}"/>
+              </a:ext>
+            </a:extLst>
+          </p:cNvPr>
+          <p:cNvSpPr txBox="1"/>
+          <p:nvPr/>
+        </p:nvSpPr>
+        <p:spPr>
+          <a:xfrm>
+            <a:off x="909686" y="572380"/>
+            <a:ext cx="9686042" cy="400110"/>
+          </a:xfrm>
+          <a:prstGeom prst="rect">
+            <a:avLst/>
+          </a:prstGeom>
+          <a:noFill/>
+        </p:spPr>
+        <p:txBody>
+          <a:bodyPr wrap="square">
+            <a:spAutoFit/>
+          </a:bodyPr>
+          <a:lstStyle/>
+          <a:p>
+            <a:r>
+              <a:rPr lang="en-US" sz="2000" b="1" dirty="0">
+                <a:solidFill>
+                  <a:schemeClr val="tx1">
+                    <a:lumMod val="65000"/>
+                    <a:lumOff val="35000"/>
+                  </a:schemeClr>
+                </a:solidFill>
+                <a:effectLst/>
+              </a:rPr>
+              <a:t>Step 8 :</a:t>
+            </a:r>
+            <a:r>
+              <a:rPr lang="en-US" sz="2000" dirty="0">
+                <a:solidFill>
+                  <a:schemeClr val="tx1">
+                    <a:lumMod val="65000"/>
+                    <a:lumOff val="35000"/>
+                  </a:schemeClr>
+                </a:solidFill>
+                <a:effectLst/>
+              </a:rPr>
+              <a:t> Add the following properties to </a:t>
+            </a:r>
+            <a:r>
+              <a:rPr lang="en-US" sz="2000" dirty="0" err="1">
+                <a:solidFill>
+                  <a:schemeClr val="tx1">
+                    <a:lumMod val="65000"/>
+                    <a:lumOff val="35000"/>
+                  </a:schemeClr>
+                </a:solidFill>
+                <a:effectLst/>
+              </a:rPr>
+              <a:t>application.properties</a:t>
+            </a:r>
+            <a:r>
+              <a:rPr lang="en-US" sz="2000" dirty="0">
+                <a:solidFill>
+                  <a:schemeClr val="tx1">
+                    <a:lumMod val="65000"/>
+                    <a:lumOff val="35000"/>
+                  </a:schemeClr>
+                </a:solidFill>
+                <a:effectLst/>
+              </a:rPr>
+              <a:t> file:</a:t>
+            </a:r>
+            <a:endParaRPr lang="en-IN" sz="2000" dirty="0">
+              <a:solidFill>
+                <a:schemeClr val="tx1">
+                  <a:lumMod val="65000"/>
+                  <a:lumOff val="35000"/>
+                </a:schemeClr>
+              </a:solidFill>
+            </a:endParaRPr>
+          </a:p>
+        </p:txBody>
+      </p:sp>
+      <p:sp>
+        <p:nvSpPr>
+          <p:cNvPr id="7" name="TextBox 6">
+            <a:extLst>
+              <a:ext uri="{FF2B5EF4-FFF2-40B4-BE49-F238E27FC236}">
+                <a16:creationId xmlns:a16="http://schemas.microsoft.com/office/drawing/2014/main" id="{8D0865C1-78FE-3FCF-129F-E823378F1E7C}"/>
+              </a:ext>
+            </a:extLst>
+          </p:cNvPr>
+          <p:cNvSpPr txBox="1"/>
+          <p:nvPr/>
+        </p:nvSpPr>
+        <p:spPr>
+          <a:xfrm>
+            <a:off x="287516" y="1206879"/>
+            <a:ext cx="11203757" cy="646331"/>
+          </a:xfrm>
+          <a:prstGeom prst="rect">
+            <a:avLst/>
+          </a:prstGeom>
+          <a:noFill/>
+        </p:spPr>
+        <p:txBody>
+          <a:bodyPr wrap="square">
+            <a:spAutoFit/>
+          </a:bodyPr>
+          <a:lstStyle/>
+          <a:p>
+            <a:r>
+              <a:rPr lang="en-IN" dirty="0" err="1"/>
+              <a:t>Service.WRONG_CREDENTIALS</a:t>
+            </a:r>
+            <a:r>
+              <a:rPr lang="en-IN" dirty="0"/>
+              <a:t>=Login denied. Invalid credentials.</a:t>
+            </a:r>
+          </a:p>
+          <a:p>
+            <a:r>
+              <a:rPr lang="en-IN" dirty="0"/>
+              <a:t>SUCCESS=Customer logged in successfully!!</a:t>
+            </a:r>
+          </a:p>
+        </p:txBody>
+      </p:sp>
+      <p:sp>
+        <p:nvSpPr>
+          <p:cNvPr id="9" name="TextBox 8">
+            <a:extLst>
+              <a:ext uri="{FF2B5EF4-FFF2-40B4-BE49-F238E27FC236}">
+                <a16:creationId xmlns:a16="http://schemas.microsoft.com/office/drawing/2014/main" id="{03378B52-7F1F-FE33-BCCB-0FBFC5682D69}"/>
+              </a:ext>
+            </a:extLst>
+          </p:cNvPr>
+          <p:cNvSpPr txBox="1"/>
+          <p:nvPr/>
+        </p:nvSpPr>
+        <p:spPr>
+          <a:xfrm>
+            <a:off x="909686" y="1967547"/>
+            <a:ext cx="11043502" cy="707886"/>
+          </a:xfrm>
+          <a:prstGeom prst="rect">
+            <a:avLst/>
+          </a:prstGeom>
+          <a:noFill/>
+        </p:spPr>
+        <p:txBody>
+          <a:bodyPr wrap="square">
+            <a:spAutoFit/>
+          </a:bodyPr>
+          <a:lstStyle/>
+          <a:p>
+            <a:r>
+              <a:rPr lang="en-US" sz="2000" b="1" dirty="0">
+                <a:solidFill>
+                  <a:schemeClr val="tx1">
+                    <a:lumMod val="65000"/>
+                    <a:lumOff val="35000"/>
+                  </a:schemeClr>
+                </a:solidFill>
+                <a:effectLst/>
+              </a:rPr>
+              <a:t>Step 9 :</a:t>
+            </a:r>
+            <a:r>
+              <a:rPr lang="en-US" sz="2000" dirty="0">
+                <a:solidFill>
+                  <a:schemeClr val="tx1">
+                    <a:lumMod val="65000"/>
+                    <a:lumOff val="35000"/>
+                  </a:schemeClr>
+                </a:solidFill>
+                <a:effectLst/>
+              </a:rPr>
+              <a:t> Create log4j2.properties file in </a:t>
+            </a:r>
+            <a:r>
+              <a:rPr lang="en-US" sz="2000" dirty="0" err="1">
+                <a:solidFill>
+                  <a:schemeClr val="tx1">
+                    <a:lumMod val="65000"/>
+                    <a:lumOff val="35000"/>
+                  </a:schemeClr>
+                </a:solidFill>
+                <a:effectLst/>
+              </a:rPr>
+              <a:t>src</a:t>
+            </a:r>
+            <a:r>
+              <a:rPr lang="en-US" sz="2000" dirty="0">
+                <a:solidFill>
+                  <a:schemeClr val="tx1">
+                    <a:lumMod val="65000"/>
+                    <a:lumOff val="35000"/>
+                  </a:schemeClr>
+                </a:solidFill>
+                <a:effectLst/>
+              </a:rPr>
+              <a:t>/main/resources. Add the following properties to log4j2.properties file:</a:t>
+            </a:r>
+            <a:endParaRPr lang="en-IN" sz="2000" dirty="0">
+              <a:solidFill>
+                <a:schemeClr val="tx1">
+                  <a:lumMod val="65000"/>
+                  <a:lumOff val="35000"/>
+                </a:schemeClr>
+              </a:solidFill>
+            </a:endParaRPr>
+          </a:p>
+        </p:txBody>
+      </p:sp>
+      <p:sp>
+        <p:nvSpPr>
+          <p:cNvPr id="11" name="TextBox 10">
+            <a:extLst>
+              <a:ext uri="{FF2B5EF4-FFF2-40B4-BE49-F238E27FC236}">
+                <a16:creationId xmlns:a16="http://schemas.microsoft.com/office/drawing/2014/main" id="{9BF924FD-A400-BC2F-28C6-278C5D3BB0C0}"/>
+              </a:ext>
+            </a:extLst>
+          </p:cNvPr>
+          <p:cNvSpPr txBox="1"/>
+          <p:nvPr/>
+        </p:nvSpPr>
+        <p:spPr>
+          <a:xfrm>
+            <a:off x="287515" y="2789770"/>
+            <a:ext cx="11203757" cy="3693319"/>
+          </a:xfrm>
+          <a:prstGeom prst="rect">
+            <a:avLst/>
+          </a:prstGeom>
+          <a:noFill/>
+        </p:spPr>
+        <p:txBody>
+          <a:bodyPr wrap="square">
+            <a:spAutoFit/>
+          </a:bodyPr>
+          <a:lstStyle/>
+          <a:p>
+            <a:r>
+              <a:rPr lang="en-IN" dirty="0"/>
+              <a:t>#Name of the Properties file</a:t>
+            </a:r>
+          </a:p>
+          <a:p>
+            <a:r>
+              <a:rPr lang="en-IN" dirty="0"/>
+              <a:t>name=</a:t>
+            </a:r>
+            <a:r>
+              <a:rPr lang="en-IN" dirty="0" err="1"/>
+              <a:t>LoggerConfigFile</a:t>
+            </a:r>
+            <a:endParaRPr lang="en-IN" dirty="0"/>
+          </a:p>
+          <a:p>
+            <a:r>
+              <a:rPr lang="en-IN" dirty="0"/>
+              <a:t>#Declaring logger for business logic</a:t>
+            </a:r>
+          </a:p>
+          <a:p>
+            <a:r>
+              <a:rPr lang="en-IN" dirty="0"/>
+              <a:t>logger.file.name=</a:t>
+            </a:r>
+            <a:r>
+              <a:rPr lang="en-IN" dirty="0" err="1"/>
+              <a:t>com.hnd.service</a:t>
+            </a:r>
+            <a:endParaRPr lang="en-IN" dirty="0"/>
+          </a:p>
+          <a:p>
+            <a:r>
+              <a:rPr lang="en-IN" dirty="0" err="1"/>
+              <a:t>logger.file.level</a:t>
+            </a:r>
+            <a:r>
+              <a:rPr lang="en-IN" dirty="0"/>
+              <a:t>=DEBUG</a:t>
+            </a:r>
+          </a:p>
+          <a:p>
+            <a:r>
+              <a:rPr lang="en-IN" dirty="0" err="1"/>
+              <a:t>logger.file.appenderRef.file.ref</a:t>
+            </a:r>
+            <a:r>
+              <a:rPr lang="en-IN" dirty="0"/>
+              <a:t>=</a:t>
+            </a:r>
+            <a:r>
+              <a:rPr lang="en-IN" dirty="0" err="1"/>
+              <a:t>LoggerAppender</a:t>
+            </a:r>
+            <a:endParaRPr lang="en-IN" dirty="0"/>
+          </a:p>
+          <a:p>
+            <a:r>
+              <a:rPr lang="en-IN" dirty="0" err="1"/>
+              <a:t>logger.file.additivity</a:t>
+            </a:r>
+            <a:r>
+              <a:rPr lang="en-IN" dirty="0"/>
+              <a:t>=false</a:t>
+            </a:r>
+          </a:p>
+          <a:p>
+            <a:r>
+              <a:rPr lang="en-IN" dirty="0"/>
+              <a:t>#Declaring logger for business console</a:t>
+            </a:r>
+          </a:p>
+          <a:p>
+            <a:r>
+              <a:rPr lang="en-IN" dirty="0"/>
+              <a:t>logger.console.name=</a:t>
+            </a:r>
+            <a:r>
+              <a:rPr lang="en-IN" dirty="0" err="1"/>
+              <a:t>com.hnd</a:t>
+            </a:r>
+            <a:endParaRPr lang="en-IN" dirty="0"/>
+          </a:p>
+          <a:p>
+            <a:r>
+              <a:rPr lang="en-IN" dirty="0" err="1"/>
+              <a:t>logger.console.level</a:t>
+            </a:r>
+            <a:r>
+              <a:rPr lang="en-IN" dirty="0"/>
+              <a:t>=INFO</a:t>
+            </a:r>
+          </a:p>
+          <a:p>
+            <a:r>
+              <a:rPr lang="en-IN" dirty="0" err="1"/>
+              <a:t>logger.console.appenderRef.file.ref</a:t>
+            </a:r>
+            <a:r>
+              <a:rPr lang="en-IN" dirty="0"/>
+              <a:t>=</a:t>
+            </a:r>
+            <a:r>
+              <a:rPr lang="en-IN" dirty="0" err="1"/>
+              <a:t>ConsoleAppender</a:t>
+            </a:r>
+            <a:endParaRPr lang="en-IN" dirty="0"/>
+          </a:p>
+          <a:p>
+            <a:r>
+              <a:rPr lang="en-IN" dirty="0" err="1"/>
+              <a:t>logger.console.additivity</a:t>
+            </a:r>
+            <a:r>
+              <a:rPr lang="en-IN" dirty="0"/>
+              <a:t>=false</a:t>
+            </a:r>
+          </a:p>
+          <a:p>
+            <a:endParaRPr lang="en-IN" dirty="0"/>
+          </a:p>
+        </p:txBody>
+      </p:sp>
+    </p:spTree>
+    <p:extLst>
+      <p:ext uri="{BB962C8B-B14F-4D97-AF65-F5344CB8AC3E}">
+        <p14:creationId xmlns:p14="http://schemas.microsoft.com/office/powerpoint/2010/main" val="2689597818"/>
+      </p:ext>
+    </p:extLst>
+  </p:cSld>
+  <p:clrMapOvr>
+    <a:masterClrMapping/>
+  </p:clrMapOvr>
+</p:sld>
+</file>
+
+<file path=ppt/slides/slide114.xml><?xml version="1.0" encoding="utf-8"?>
+<p:sld xmlns:a="http://schemas.openxmlformats.org/drawingml/2006/main" xmlns:r="http://schemas.openxmlformats.org/officeDocument/2006/relationships" xmlns:p="http://schemas.openxmlformats.org/presentationml/2006/main">
+  <p:cSld>
+    <p:spTree>
+      <p:nvGrpSpPr>
+        <p:cNvPr id="1" name=""/>
+        <p:cNvGrpSpPr/>
+        <p:nvPr/>
+      </p:nvGrpSpPr>
+      <p:grpSpPr>
+        <a:xfrm>
+          <a:off x="0" y="0"/>
+          <a:ext cx="0" cy="0"/>
+          <a:chOff x="0" y="0"/>
+          <a:chExt cx="0" cy="0"/>
+        </a:xfrm>
+      </p:grpSpPr>
+      <p:sp>
+        <p:nvSpPr>
+          <p:cNvPr id="2" name="Footer Placeholder 1">
+            <a:extLst>
+              <a:ext uri="{FF2B5EF4-FFF2-40B4-BE49-F238E27FC236}">
+                <a16:creationId xmlns:a16="http://schemas.microsoft.com/office/drawing/2014/main" id="{96253AD3-1104-39FC-C528-B608B2523A5F}"/>
+              </a:ext>
+            </a:extLst>
+          </p:cNvPr>
+          <p:cNvSpPr>
+            <a:spLocks noGrp="1"/>
+          </p:cNvSpPr>
+          <p:nvPr>
+            <p:ph type="ftr" sz="quarter" idx="11"/>
+          </p:nvPr>
+        </p:nvSpPr>
+        <p:spPr/>
+        <p:txBody>
+          <a:bodyPr/>
+          <a:lstStyle/>
+          <a:p>
+            <a:r>
+              <a:rPr lang="en-IN"/>
+              <a:t>H&amp;D IT Solution</a:t>
+            </a:r>
+            <a:endParaRPr lang="en-IN" dirty="0"/>
+          </a:p>
+        </p:txBody>
+      </p:sp>
+      <p:sp>
+        <p:nvSpPr>
+          <p:cNvPr id="3" name="Slide Number Placeholder 2">
+            <a:extLst>
+              <a:ext uri="{FF2B5EF4-FFF2-40B4-BE49-F238E27FC236}">
+                <a16:creationId xmlns:a16="http://schemas.microsoft.com/office/drawing/2014/main" id="{D0E36D13-DFE3-877D-4A95-4179A22B5422}"/>
+              </a:ext>
+            </a:extLst>
+          </p:cNvPr>
+          <p:cNvSpPr>
+            <a:spLocks noGrp="1"/>
+          </p:cNvSpPr>
+          <p:nvPr>
+            <p:ph type="sldNum" sz="quarter" idx="12"/>
+          </p:nvPr>
+        </p:nvSpPr>
+        <p:spPr/>
+        <p:txBody>
+          <a:bodyPr/>
+          <a:lstStyle/>
+          <a:p>
+            <a:fld id="{4A777409-9C5A-4B07-8E32-19F22F7D558C}" type="slidenum">
+              <a:rPr lang="en-IN" smtClean="0"/>
+              <a:t>114</a:t>
+            </a:fld>
+            <a:endParaRPr lang="en-IN" dirty="0"/>
+          </a:p>
+        </p:txBody>
+      </p:sp>
+      <p:sp>
+        <p:nvSpPr>
+          <p:cNvPr id="5" name="TextBox 4">
+            <a:extLst>
+              <a:ext uri="{FF2B5EF4-FFF2-40B4-BE49-F238E27FC236}">
+                <a16:creationId xmlns:a16="http://schemas.microsoft.com/office/drawing/2014/main" id="{52B4AE4D-BFD6-C706-AA7B-7749179B7545}"/>
+              </a:ext>
+            </a:extLst>
+          </p:cNvPr>
+          <p:cNvSpPr txBox="1"/>
+          <p:nvPr/>
+        </p:nvSpPr>
+        <p:spPr>
+          <a:xfrm>
+            <a:off x="787138" y="993711"/>
+            <a:ext cx="10566662" cy="3693319"/>
+          </a:xfrm>
+          <a:prstGeom prst="rect">
+            <a:avLst/>
+          </a:prstGeom>
+          <a:noFill/>
+        </p:spPr>
+        <p:txBody>
+          <a:bodyPr wrap="square">
+            <a:spAutoFit/>
+          </a:bodyPr>
+          <a:lstStyle/>
+          <a:p>
+            <a:r>
+              <a:rPr lang="en-IN" dirty="0"/>
+              <a:t># File </a:t>
+            </a:r>
+            <a:r>
+              <a:rPr lang="en-IN" dirty="0" err="1"/>
+              <a:t>Appender</a:t>
+            </a:r>
+            <a:endParaRPr lang="en-IN" dirty="0"/>
+          </a:p>
+          <a:p>
+            <a:r>
+              <a:rPr lang="en-IN" dirty="0"/>
+              <a:t>appender.file.name=</a:t>
+            </a:r>
+            <a:r>
+              <a:rPr lang="en-IN" dirty="0" err="1"/>
+              <a:t>LoggerAppender</a:t>
+            </a:r>
+            <a:endParaRPr lang="en-IN" dirty="0"/>
+          </a:p>
+          <a:p>
+            <a:r>
+              <a:rPr lang="en-IN" dirty="0" err="1"/>
+              <a:t>appender.file.type</a:t>
+            </a:r>
+            <a:r>
+              <a:rPr lang="en-IN" dirty="0"/>
+              <a:t>=File</a:t>
+            </a:r>
+          </a:p>
+          <a:p>
+            <a:r>
+              <a:rPr lang="en-IN" dirty="0" err="1"/>
+              <a:t>appender.file.fileName</a:t>
+            </a:r>
+            <a:r>
+              <a:rPr lang="en-IN" dirty="0"/>
+              <a:t>=log/ErrorLog.log</a:t>
+            </a:r>
+          </a:p>
+          <a:p>
+            <a:r>
+              <a:rPr lang="en-IN" dirty="0"/>
+              <a:t>#Logging Pattern</a:t>
+            </a:r>
+          </a:p>
+          <a:p>
+            <a:r>
+              <a:rPr lang="en-IN" dirty="0" err="1"/>
+              <a:t>appender.file.layout.type</a:t>
+            </a:r>
+            <a:r>
+              <a:rPr lang="en-IN" dirty="0"/>
+              <a:t>=</a:t>
+            </a:r>
+            <a:r>
+              <a:rPr lang="en-IN" dirty="0" err="1"/>
+              <a:t>PatternLayout</a:t>
+            </a:r>
+            <a:endParaRPr lang="en-IN" dirty="0"/>
+          </a:p>
+          <a:p>
+            <a:r>
+              <a:rPr lang="en-IN" dirty="0" err="1"/>
+              <a:t>appender.file.layout.pattern</a:t>
+            </a:r>
+            <a:r>
+              <a:rPr lang="en-IN" dirty="0"/>
+              <a:t>=%d{dd-MMM-</a:t>
+            </a:r>
+            <a:r>
+              <a:rPr lang="en-IN" dirty="0" err="1"/>
+              <a:t>yyyy</a:t>
+            </a:r>
+            <a:r>
+              <a:rPr lang="en-IN" dirty="0"/>
+              <a:t> </a:t>
+            </a:r>
+            <a:r>
+              <a:rPr lang="en-IN" dirty="0" err="1"/>
+              <a:t>HH:mm:ss</a:t>
+            </a:r>
+            <a:r>
+              <a:rPr lang="en-IN" dirty="0"/>
+              <a:t>} %level - %</a:t>
+            </a:r>
+            <a:r>
+              <a:rPr lang="en-IN" dirty="0" err="1"/>
+              <a:t>m%n</a:t>
+            </a:r>
+            <a:endParaRPr lang="en-IN" dirty="0"/>
+          </a:p>
+          <a:p>
+            <a:r>
+              <a:rPr lang="en-IN" dirty="0"/>
+              <a:t># Console </a:t>
+            </a:r>
+            <a:r>
+              <a:rPr lang="en-IN" dirty="0" err="1"/>
+              <a:t>Appender</a:t>
+            </a:r>
+            <a:endParaRPr lang="en-IN" dirty="0"/>
+          </a:p>
+          <a:p>
+            <a:r>
+              <a:rPr lang="en-IN" dirty="0"/>
+              <a:t>appender.console.name=</a:t>
+            </a:r>
+            <a:r>
+              <a:rPr lang="en-IN" dirty="0" err="1"/>
+              <a:t>ConsoleAppender</a:t>
+            </a:r>
+            <a:endParaRPr lang="en-IN" dirty="0"/>
+          </a:p>
+          <a:p>
+            <a:r>
+              <a:rPr lang="en-IN" dirty="0" err="1"/>
+              <a:t>appender.console.type</a:t>
+            </a:r>
+            <a:r>
+              <a:rPr lang="en-IN" dirty="0"/>
+              <a:t>=Console</a:t>
+            </a:r>
+          </a:p>
+          <a:p>
+            <a:r>
+              <a:rPr lang="en-IN" dirty="0"/>
+              <a:t>#Logging Pattern for console</a:t>
+            </a:r>
+          </a:p>
+          <a:p>
+            <a:r>
+              <a:rPr lang="en-IN" dirty="0" err="1"/>
+              <a:t>appender.console.layout.type</a:t>
+            </a:r>
+            <a:r>
+              <a:rPr lang="en-IN" dirty="0"/>
+              <a:t>=</a:t>
+            </a:r>
+            <a:r>
+              <a:rPr lang="en-IN" dirty="0" err="1"/>
+              <a:t>PatternLayout</a:t>
+            </a:r>
+            <a:endParaRPr lang="en-IN" dirty="0"/>
+          </a:p>
+          <a:p>
+            <a:r>
+              <a:rPr lang="en-IN" dirty="0" err="1"/>
+              <a:t>appender.console.layout.pattern</a:t>
+            </a:r>
+            <a:r>
+              <a:rPr lang="en-IN" dirty="0"/>
+              <a:t>=%</a:t>
+            </a:r>
+            <a:r>
+              <a:rPr lang="en-IN" dirty="0" err="1"/>
+              <a:t>m%n</a:t>
+            </a:r>
+            <a:endParaRPr lang="en-IN" dirty="0"/>
+          </a:p>
+        </p:txBody>
+      </p:sp>
+      <p:sp>
+        <p:nvSpPr>
+          <p:cNvPr id="7" name="TextBox 6">
+            <a:extLst>
+              <a:ext uri="{FF2B5EF4-FFF2-40B4-BE49-F238E27FC236}">
+                <a16:creationId xmlns:a16="http://schemas.microsoft.com/office/drawing/2014/main" id="{F8F6E979-674B-FC98-DF3B-300B629EB5C0}"/>
+              </a:ext>
+            </a:extLst>
+          </p:cNvPr>
+          <p:cNvSpPr txBox="1"/>
+          <p:nvPr/>
+        </p:nvSpPr>
+        <p:spPr>
+          <a:xfrm>
+            <a:off x="230956" y="5002978"/>
+            <a:ext cx="11656243" cy="400110"/>
+          </a:xfrm>
+          <a:prstGeom prst="rect">
+            <a:avLst/>
+          </a:prstGeom>
+          <a:noFill/>
+        </p:spPr>
+        <p:txBody>
+          <a:bodyPr wrap="square">
+            <a:spAutoFit/>
+          </a:bodyPr>
+          <a:lstStyle/>
+          <a:p>
+            <a:r>
+              <a:rPr lang="en-US" sz="2000" b="1" dirty="0">
+                <a:solidFill>
+                  <a:schemeClr val="tx1">
+                    <a:lumMod val="65000"/>
+                    <a:lumOff val="35000"/>
+                  </a:schemeClr>
+                </a:solidFill>
+                <a:effectLst/>
+              </a:rPr>
+              <a:t>Step 10 : </a:t>
+            </a:r>
+            <a:r>
+              <a:rPr lang="en-US" sz="2000" dirty="0">
+                <a:solidFill>
+                  <a:schemeClr val="tx1">
+                    <a:lumMod val="65000"/>
+                    <a:lumOff val="35000"/>
+                  </a:schemeClr>
+                </a:solidFill>
+                <a:effectLst/>
+              </a:rPr>
+              <a:t> Modify the DemoSpringBootLog4jApplication class in </a:t>
+            </a:r>
+            <a:r>
+              <a:rPr lang="en-US" sz="2000" dirty="0" err="1">
+                <a:solidFill>
+                  <a:schemeClr val="tx1">
+                    <a:lumMod val="65000"/>
+                    <a:lumOff val="35000"/>
+                  </a:schemeClr>
+                </a:solidFill>
+                <a:effectLst/>
+              </a:rPr>
+              <a:t>com.</a:t>
+            </a:r>
+            <a:r>
+              <a:rPr lang="en-US" sz="2000" dirty="0" err="1">
+                <a:solidFill>
+                  <a:schemeClr val="tx1">
+                    <a:lumMod val="65000"/>
+                    <a:lumOff val="35000"/>
+                  </a:schemeClr>
+                </a:solidFill>
+              </a:rPr>
+              <a:t>hnd</a:t>
+            </a:r>
+            <a:r>
+              <a:rPr lang="en-US" sz="2000" dirty="0">
+                <a:solidFill>
+                  <a:schemeClr val="tx1">
+                    <a:lumMod val="65000"/>
+                    <a:lumOff val="35000"/>
+                  </a:schemeClr>
+                </a:solidFill>
+                <a:effectLst/>
+              </a:rPr>
+              <a:t> package as follows:</a:t>
+            </a:r>
+            <a:endParaRPr lang="en-IN" sz="2000" dirty="0">
+              <a:solidFill>
+                <a:schemeClr val="tx1">
+                  <a:lumMod val="65000"/>
+                  <a:lumOff val="35000"/>
+                </a:schemeClr>
+              </a:solidFill>
+            </a:endParaRPr>
+          </a:p>
+        </p:txBody>
+      </p:sp>
+    </p:spTree>
+    <p:extLst>
+      <p:ext uri="{BB962C8B-B14F-4D97-AF65-F5344CB8AC3E}">
+        <p14:creationId xmlns:p14="http://schemas.microsoft.com/office/powerpoint/2010/main" val="798309515"/>
+      </p:ext>
+    </p:extLst>
+  </p:cSld>
+  <p:clrMapOvr>
+    <a:masterClrMapping/>
+  </p:clrMapOvr>
+</p:sld>
+</file>
+
+<file path=ppt/slides/slide115.xml><?xml version="1.0" encoding="utf-8"?>
+<p:sld xmlns:a="http://schemas.openxmlformats.org/drawingml/2006/main" xmlns:r="http://schemas.openxmlformats.org/officeDocument/2006/relationships" xmlns:p="http://schemas.openxmlformats.org/presentationml/2006/main">
+  <p:cSld>
+    <p:spTree>
+      <p:nvGrpSpPr>
+        <p:cNvPr id="1" name=""/>
+        <p:cNvGrpSpPr/>
+        <p:nvPr/>
+      </p:nvGrpSpPr>
+      <p:grpSpPr>
+        <a:xfrm>
+          <a:off x="0" y="0"/>
+          <a:ext cx="0" cy="0"/>
+          <a:chOff x="0" y="0"/>
+          <a:chExt cx="0" cy="0"/>
+        </a:xfrm>
+      </p:grpSpPr>
+      <p:sp>
+        <p:nvSpPr>
+          <p:cNvPr id="2" name="Footer Placeholder 1">
+            <a:extLst>
+              <a:ext uri="{FF2B5EF4-FFF2-40B4-BE49-F238E27FC236}">
+                <a16:creationId xmlns:a16="http://schemas.microsoft.com/office/drawing/2014/main" id="{AC7DDE4E-F092-A683-0229-F0FEEE216463}"/>
+              </a:ext>
+            </a:extLst>
+          </p:cNvPr>
+          <p:cNvSpPr>
+            <a:spLocks noGrp="1"/>
+          </p:cNvSpPr>
+          <p:nvPr>
+            <p:ph type="ftr" sz="quarter" idx="11"/>
+          </p:nvPr>
+        </p:nvSpPr>
+        <p:spPr/>
+        <p:txBody>
+          <a:bodyPr/>
+          <a:lstStyle/>
+          <a:p>
+            <a:r>
+              <a:rPr lang="en-IN"/>
+              <a:t>H&amp;D IT Solution</a:t>
+            </a:r>
+            <a:endParaRPr lang="en-IN" dirty="0"/>
+          </a:p>
+        </p:txBody>
+      </p:sp>
+      <p:sp>
+        <p:nvSpPr>
+          <p:cNvPr id="3" name="Slide Number Placeholder 2">
+            <a:extLst>
+              <a:ext uri="{FF2B5EF4-FFF2-40B4-BE49-F238E27FC236}">
+                <a16:creationId xmlns:a16="http://schemas.microsoft.com/office/drawing/2014/main" id="{4D675088-07D5-C9A0-85DC-5958EEFD0276}"/>
+              </a:ext>
+            </a:extLst>
+          </p:cNvPr>
+          <p:cNvSpPr>
+            <a:spLocks noGrp="1"/>
+          </p:cNvSpPr>
+          <p:nvPr>
+            <p:ph type="sldNum" sz="quarter" idx="12"/>
+          </p:nvPr>
+        </p:nvSpPr>
+        <p:spPr/>
+        <p:txBody>
+          <a:bodyPr/>
+          <a:lstStyle/>
+          <a:p>
+            <a:fld id="{4A777409-9C5A-4B07-8E32-19F22F7D558C}" type="slidenum">
+              <a:rPr lang="en-IN" smtClean="0"/>
+              <a:t>115</a:t>
+            </a:fld>
+            <a:endParaRPr lang="en-IN" dirty="0"/>
+          </a:p>
+        </p:txBody>
+      </p:sp>
+      <p:sp>
+        <p:nvSpPr>
+          <p:cNvPr id="5" name="TextBox 4">
+            <a:extLst>
+              <a:ext uri="{FF2B5EF4-FFF2-40B4-BE49-F238E27FC236}">
+                <a16:creationId xmlns:a16="http://schemas.microsoft.com/office/drawing/2014/main" id="{BCC22F38-AF98-3CAF-1B44-8E13395AAC48}"/>
+              </a:ext>
+            </a:extLst>
+          </p:cNvPr>
+          <p:cNvSpPr txBox="1"/>
+          <p:nvPr/>
+        </p:nvSpPr>
+        <p:spPr>
+          <a:xfrm>
+            <a:off x="819346" y="515926"/>
+            <a:ext cx="12113443" cy="6186309"/>
+          </a:xfrm>
+          <a:prstGeom prst="rect">
+            <a:avLst/>
+          </a:prstGeom>
+          <a:noFill/>
+        </p:spPr>
+        <p:txBody>
+          <a:bodyPr wrap="square">
+            <a:spAutoFit/>
+          </a:bodyPr>
+          <a:lstStyle/>
+          <a:p>
+            <a:r>
+              <a:rPr lang="en-IN" dirty="0"/>
+              <a:t>package </a:t>
+            </a:r>
+            <a:r>
+              <a:rPr lang="en-IN" dirty="0" err="1"/>
+              <a:t>com.hnd</a:t>
+            </a:r>
+            <a:r>
+              <a:rPr lang="en-IN" dirty="0"/>
+              <a:t>;</a:t>
+            </a:r>
+          </a:p>
+          <a:p>
+            <a:r>
+              <a:rPr lang="en-IN" dirty="0"/>
+              <a:t>import </a:t>
+            </a:r>
+            <a:r>
+              <a:rPr lang="en-IN" dirty="0" err="1"/>
+              <a:t>org.apache.commons.logging.Log</a:t>
+            </a:r>
+            <a:r>
+              <a:rPr lang="en-IN" dirty="0"/>
+              <a:t>;</a:t>
+            </a:r>
+          </a:p>
+          <a:p>
+            <a:r>
+              <a:rPr lang="en-IN" dirty="0"/>
+              <a:t>import </a:t>
+            </a:r>
+            <a:r>
+              <a:rPr lang="en-IN" dirty="0" err="1"/>
+              <a:t>org.apache.commons.logging.LogFactory</a:t>
+            </a:r>
+            <a:r>
+              <a:rPr lang="en-IN" dirty="0"/>
+              <a:t>;</a:t>
+            </a:r>
+          </a:p>
+          <a:p>
+            <a:r>
+              <a:rPr lang="en-IN" dirty="0"/>
+              <a:t>import </a:t>
+            </a:r>
+            <a:r>
+              <a:rPr lang="en-IN" dirty="0" err="1"/>
+              <a:t>org.springframework.beans.factory.annotation.Autowired</a:t>
+            </a:r>
+            <a:r>
+              <a:rPr lang="en-IN" dirty="0"/>
+              <a:t>;</a:t>
+            </a:r>
+          </a:p>
+          <a:p>
+            <a:r>
+              <a:rPr lang="en-IN" dirty="0"/>
+              <a:t>import </a:t>
+            </a:r>
+            <a:r>
+              <a:rPr lang="en-IN" dirty="0" err="1"/>
+              <a:t>org.springframework.boot.CommandLineRunner</a:t>
+            </a:r>
+            <a:r>
+              <a:rPr lang="en-IN" dirty="0"/>
+              <a:t>;</a:t>
+            </a:r>
+          </a:p>
+          <a:p>
+            <a:r>
+              <a:rPr lang="en-IN" dirty="0"/>
+              <a:t>import </a:t>
+            </a:r>
+            <a:r>
+              <a:rPr lang="en-IN" dirty="0" err="1"/>
+              <a:t>org.springframework.boot.SpringApplication</a:t>
+            </a:r>
+            <a:r>
+              <a:rPr lang="en-IN" dirty="0"/>
+              <a:t>;</a:t>
+            </a:r>
+          </a:p>
+          <a:p>
+            <a:r>
+              <a:rPr lang="en-IN" dirty="0"/>
+              <a:t>import </a:t>
+            </a:r>
+            <a:r>
+              <a:rPr lang="en-IN" dirty="0" err="1"/>
+              <a:t>org.springframework.boot.autoconfigure.SpringBootApplication</a:t>
+            </a:r>
+            <a:r>
+              <a:rPr lang="en-IN" dirty="0"/>
+              <a:t>;</a:t>
+            </a:r>
+          </a:p>
+          <a:p>
+            <a:r>
+              <a:rPr lang="en-IN" dirty="0"/>
+              <a:t>import </a:t>
+            </a:r>
+            <a:r>
+              <a:rPr lang="en-IN" dirty="0" err="1"/>
+              <a:t>org.springframework.core.env.Environment</a:t>
+            </a:r>
+            <a:r>
+              <a:rPr lang="en-IN" dirty="0"/>
+              <a:t>;</a:t>
+            </a:r>
+          </a:p>
+          <a:p>
+            <a:r>
+              <a:rPr lang="en-IN" dirty="0"/>
+              <a:t>import </a:t>
+            </a:r>
+            <a:r>
+              <a:rPr lang="en-IN" dirty="0" err="1"/>
+              <a:t>com.hnd.controller.CustomerLoginController</a:t>
+            </a:r>
+            <a:r>
+              <a:rPr lang="en-IN" dirty="0"/>
+              <a:t>;</a:t>
+            </a:r>
+          </a:p>
+          <a:p>
+            <a:r>
+              <a:rPr lang="en-IN" dirty="0"/>
+              <a:t>import </a:t>
+            </a:r>
+            <a:r>
+              <a:rPr lang="en-IN" dirty="0" err="1"/>
+              <a:t>com.hnd.dto.CustomerLoginDTO</a:t>
+            </a:r>
+            <a:r>
+              <a:rPr lang="en-IN" dirty="0"/>
+              <a:t>;</a:t>
+            </a:r>
+          </a:p>
+          <a:p>
+            <a:r>
+              <a:rPr lang="en-IN" dirty="0"/>
+              <a:t>import </a:t>
+            </a:r>
+            <a:r>
+              <a:rPr lang="en-IN" dirty="0" err="1"/>
+              <a:t>com.hnd.exception.hndBankException</a:t>
+            </a:r>
+            <a:r>
+              <a:rPr lang="en-IN" dirty="0"/>
+              <a:t>;</a:t>
+            </a:r>
+          </a:p>
+          <a:p>
+            <a:r>
+              <a:rPr lang="en-IN" dirty="0"/>
+              <a:t>@SpringBootApplication</a:t>
+            </a:r>
+          </a:p>
+          <a:p>
+            <a:r>
+              <a:rPr lang="en-IN" dirty="0"/>
+              <a:t>public class DemoSpringBootLog4jApplication implements </a:t>
+            </a:r>
+            <a:r>
+              <a:rPr lang="en-IN" dirty="0" err="1"/>
+              <a:t>CommandLineRunner</a:t>
+            </a:r>
+            <a:r>
+              <a:rPr lang="en-IN" dirty="0"/>
+              <a:t>{</a:t>
+            </a:r>
+          </a:p>
+          <a:p>
+            <a:r>
+              <a:rPr lang="en-IN" dirty="0"/>
+              <a:t>	private static final Log LOGGER = </a:t>
+            </a:r>
+            <a:r>
+              <a:rPr lang="en-IN" dirty="0" err="1"/>
+              <a:t>LogFactory.getLog</a:t>
+            </a:r>
+            <a:r>
+              <a:rPr lang="en-IN" dirty="0"/>
+              <a:t>(DemoSpringBootLog4jApplication.class);</a:t>
+            </a:r>
+          </a:p>
+          <a:p>
+            <a:r>
+              <a:rPr lang="en-IN" dirty="0"/>
+              <a:t>	</a:t>
+            </a:r>
+          </a:p>
+          <a:p>
+            <a:r>
+              <a:rPr lang="en-IN" dirty="0"/>
+              <a:t>	@Autowired</a:t>
+            </a:r>
+          </a:p>
+          <a:p>
+            <a:r>
+              <a:rPr lang="en-IN" dirty="0"/>
+              <a:t>	</a:t>
+            </a:r>
+            <a:r>
+              <a:rPr lang="en-IN" dirty="0" err="1"/>
+              <a:t>CustomerLoginController</a:t>
+            </a:r>
+            <a:r>
+              <a:rPr lang="en-IN" dirty="0"/>
+              <a:t> </a:t>
+            </a:r>
+            <a:r>
+              <a:rPr lang="en-IN" dirty="0" err="1"/>
+              <a:t>customerLoginController</a:t>
+            </a:r>
+            <a:r>
+              <a:rPr lang="en-IN" dirty="0"/>
+              <a:t>;</a:t>
+            </a:r>
+          </a:p>
+          <a:p>
+            <a:r>
+              <a:rPr lang="en-IN" dirty="0"/>
+              <a:t>	</a:t>
+            </a:r>
+          </a:p>
+          <a:p>
+            <a:r>
+              <a:rPr lang="en-IN" dirty="0"/>
+              <a:t>	@Autowired</a:t>
+            </a:r>
+          </a:p>
+          <a:p>
+            <a:r>
+              <a:rPr lang="en-IN" dirty="0"/>
+              <a:t>	Environment </a:t>
+            </a:r>
+            <a:r>
+              <a:rPr lang="en-IN" dirty="0" err="1"/>
+              <a:t>environment</a:t>
+            </a:r>
+            <a:r>
+              <a:rPr lang="en-IN" dirty="0"/>
+              <a:t>;</a:t>
+            </a:r>
+          </a:p>
+          <a:p>
+            <a:r>
+              <a:rPr lang="en-IN" dirty="0"/>
+              <a:t>	</a:t>
+            </a:r>
+          </a:p>
+          <a:p>
+            <a:r>
+              <a:rPr lang="en-IN" dirty="0"/>
+              <a:t>	</a:t>
+            </a:r>
+          </a:p>
+        </p:txBody>
+      </p:sp>
+    </p:spTree>
+    <p:extLst>
+      <p:ext uri="{BB962C8B-B14F-4D97-AF65-F5344CB8AC3E}">
+        <p14:creationId xmlns:p14="http://schemas.microsoft.com/office/powerpoint/2010/main" val="2547432492"/>
+      </p:ext>
+    </p:extLst>
+  </p:cSld>
+  <p:clrMapOvr>
+    <a:masterClrMapping/>
+  </p:clrMapOvr>
+</p:sld>
+</file>
+
+<file path=ppt/slides/slide116.xml><?xml version="1.0" encoding="utf-8"?>
+<p:sld xmlns:a="http://schemas.openxmlformats.org/drawingml/2006/main" xmlns:r="http://schemas.openxmlformats.org/officeDocument/2006/relationships" xmlns:p="http://schemas.openxmlformats.org/presentationml/2006/main">
+  <p:cSld>
+    <p:spTree>
+      <p:nvGrpSpPr>
+        <p:cNvPr id="1" name=""/>
+        <p:cNvGrpSpPr/>
+        <p:nvPr/>
+      </p:nvGrpSpPr>
+      <p:grpSpPr>
+        <a:xfrm>
+          <a:off x="0" y="0"/>
+          <a:ext cx="0" cy="0"/>
+          <a:chOff x="0" y="0"/>
+          <a:chExt cx="0" cy="0"/>
+        </a:xfrm>
+      </p:grpSpPr>
+      <p:sp>
+        <p:nvSpPr>
+          <p:cNvPr id="2" name="Footer Placeholder 1">
+            <a:extLst>
+              <a:ext uri="{FF2B5EF4-FFF2-40B4-BE49-F238E27FC236}">
+                <a16:creationId xmlns:a16="http://schemas.microsoft.com/office/drawing/2014/main" id="{C56AFC0D-E4A5-1C07-B46C-82C782B44D7E}"/>
+              </a:ext>
+            </a:extLst>
+          </p:cNvPr>
+          <p:cNvSpPr>
+            <a:spLocks noGrp="1"/>
+          </p:cNvSpPr>
+          <p:nvPr>
+            <p:ph type="ftr" sz="quarter" idx="11"/>
+          </p:nvPr>
+        </p:nvSpPr>
+        <p:spPr/>
+        <p:txBody>
+          <a:bodyPr/>
+          <a:lstStyle/>
+          <a:p>
+            <a:r>
+              <a:rPr lang="en-IN"/>
+              <a:t>H&amp;D IT Solution</a:t>
+            </a:r>
+            <a:endParaRPr lang="en-IN" dirty="0"/>
+          </a:p>
+        </p:txBody>
+      </p:sp>
+      <p:sp>
+        <p:nvSpPr>
+          <p:cNvPr id="3" name="Slide Number Placeholder 2">
+            <a:extLst>
+              <a:ext uri="{FF2B5EF4-FFF2-40B4-BE49-F238E27FC236}">
+                <a16:creationId xmlns:a16="http://schemas.microsoft.com/office/drawing/2014/main" id="{4B42D858-E8D8-9396-14DC-BAD56AB1F358}"/>
+              </a:ext>
+            </a:extLst>
+          </p:cNvPr>
+          <p:cNvSpPr>
+            <a:spLocks noGrp="1"/>
+          </p:cNvSpPr>
+          <p:nvPr>
+            <p:ph type="sldNum" sz="quarter" idx="12"/>
+          </p:nvPr>
+        </p:nvSpPr>
+        <p:spPr/>
+        <p:txBody>
+          <a:bodyPr/>
+          <a:lstStyle/>
+          <a:p>
+            <a:fld id="{4A777409-9C5A-4B07-8E32-19F22F7D558C}" type="slidenum">
+              <a:rPr lang="en-IN" smtClean="0"/>
+              <a:t>116</a:t>
+            </a:fld>
+            <a:endParaRPr lang="en-IN" dirty="0"/>
+          </a:p>
+        </p:txBody>
+      </p:sp>
+      <p:sp>
+        <p:nvSpPr>
+          <p:cNvPr id="5" name="TextBox 4">
+            <a:extLst>
+              <a:ext uri="{FF2B5EF4-FFF2-40B4-BE49-F238E27FC236}">
+                <a16:creationId xmlns:a16="http://schemas.microsoft.com/office/drawing/2014/main" id="{1EA332C0-38BE-1B6C-513B-F8BDDC567AAD}"/>
+              </a:ext>
+            </a:extLst>
+          </p:cNvPr>
+          <p:cNvSpPr txBox="1"/>
+          <p:nvPr/>
+        </p:nvSpPr>
+        <p:spPr>
+          <a:xfrm>
+            <a:off x="1018095" y="1175749"/>
+            <a:ext cx="11067068" cy="5078313"/>
+          </a:xfrm>
+          <a:prstGeom prst="rect">
+            <a:avLst/>
+          </a:prstGeom>
+          <a:noFill/>
+        </p:spPr>
+        <p:txBody>
+          <a:bodyPr wrap="square">
+            <a:spAutoFit/>
+          </a:bodyPr>
+          <a:lstStyle/>
+          <a:p>
+            <a:r>
+              <a:rPr lang="en-IN" dirty="0"/>
+              <a:t>public static void main(String[] </a:t>
+            </a:r>
+            <a:r>
+              <a:rPr lang="en-IN" dirty="0" err="1"/>
+              <a:t>args</a:t>
+            </a:r>
+            <a:r>
+              <a:rPr lang="en-IN" dirty="0"/>
+              <a:t>) {</a:t>
+            </a:r>
+          </a:p>
+          <a:p>
+            <a:r>
+              <a:rPr lang="en-IN" dirty="0"/>
+              <a:t>		</a:t>
+            </a:r>
+            <a:r>
+              <a:rPr lang="en-IN" dirty="0" err="1"/>
+              <a:t>SpringApplication.run</a:t>
+            </a:r>
+            <a:r>
+              <a:rPr lang="en-IN" dirty="0"/>
+              <a:t>(DemoSpringBootLog4jApplication.class, </a:t>
+            </a:r>
+            <a:r>
+              <a:rPr lang="en-IN" dirty="0" err="1"/>
+              <a:t>args</a:t>
+            </a:r>
+            <a:r>
+              <a:rPr lang="en-IN" dirty="0"/>
+              <a:t>);</a:t>
+            </a:r>
+          </a:p>
+          <a:p>
+            <a:r>
+              <a:rPr lang="en-IN" dirty="0"/>
+              <a:t>	}</a:t>
+            </a:r>
+          </a:p>
+          <a:p>
+            <a:r>
+              <a:rPr lang="en-IN" dirty="0"/>
+              <a:t>	@Override</a:t>
+            </a:r>
+          </a:p>
+          <a:p>
+            <a:r>
+              <a:rPr lang="en-IN" dirty="0"/>
+              <a:t>	public void run(String... </a:t>
+            </a:r>
+            <a:r>
+              <a:rPr lang="en-IN" dirty="0" err="1"/>
+              <a:t>args</a:t>
+            </a:r>
+            <a:r>
+              <a:rPr lang="en-IN" dirty="0"/>
+              <a:t>) throws Exception {</a:t>
+            </a:r>
+          </a:p>
+          <a:p>
+            <a:r>
+              <a:rPr lang="en-IN" dirty="0"/>
+              <a:t>		// TODO Auto-generated method stub</a:t>
+            </a:r>
+          </a:p>
+          <a:p>
+            <a:r>
+              <a:rPr lang="en-IN" dirty="0"/>
+              <a:t>		try{</a:t>
+            </a:r>
+          </a:p>
+          <a:p>
+            <a:r>
+              <a:rPr lang="en-IN" dirty="0"/>
+              <a:t>			</a:t>
+            </a:r>
+            <a:r>
+              <a:rPr lang="en-IN" dirty="0" err="1"/>
+              <a:t>CustomerLoginDTO</a:t>
+            </a:r>
+            <a:r>
+              <a:rPr lang="en-IN" dirty="0"/>
+              <a:t> </a:t>
+            </a:r>
+            <a:r>
+              <a:rPr lang="en-IN" dirty="0" err="1"/>
+              <a:t>customerLogin</a:t>
+            </a:r>
+            <a:r>
+              <a:rPr lang="en-IN" dirty="0"/>
+              <a:t> = new </a:t>
+            </a:r>
+            <a:r>
+              <a:rPr lang="en-IN" dirty="0" err="1"/>
+              <a:t>CustomerLoginDTO</a:t>
+            </a:r>
+            <a:r>
+              <a:rPr lang="en-IN" dirty="0"/>
+              <a:t>();</a:t>
+            </a:r>
+          </a:p>
+          <a:p>
+            <a:r>
+              <a:rPr lang="en-IN" dirty="0"/>
+              <a:t>			</a:t>
+            </a:r>
+            <a:r>
+              <a:rPr lang="en-IN" dirty="0" err="1"/>
+              <a:t>customerLogin.setLoginName</a:t>
+            </a:r>
+            <a:r>
+              <a:rPr lang="en-IN" dirty="0"/>
+              <a:t>("harry");</a:t>
+            </a:r>
+          </a:p>
+          <a:p>
+            <a:r>
+              <a:rPr lang="en-IN" dirty="0"/>
+              <a:t>			</a:t>
+            </a:r>
+            <a:r>
+              <a:rPr lang="en-IN" dirty="0" err="1"/>
+              <a:t>customerLogin.setPassword</a:t>
+            </a:r>
+            <a:r>
+              <a:rPr lang="en-IN" dirty="0"/>
+              <a:t>("harry123");</a:t>
+            </a:r>
+          </a:p>
+          <a:p>
+            <a:r>
+              <a:rPr lang="en-IN" dirty="0"/>
+              <a:t>			</a:t>
+            </a:r>
+            <a:r>
+              <a:rPr lang="en-IN" dirty="0" err="1"/>
+              <a:t>customerLoginController.authenticateCustomer</a:t>
+            </a:r>
+            <a:r>
+              <a:rPr lang="en-IN" dirty="0"/>
+              <a:t>(</a:t>
+            </a:r>
+            <a:r>
+              <a:rPr lang="en-IN" dirty="0" err="1"/>
+              <a:t>customerLogin</a:t>
+            </a:r>
+            <a:r>
+              <a:rPr lang="en-IN" dirty="0"/>
+              <a:t>);</a:t>
+            </a:r>
+          </a:p>
+          <a:p>
+            <a:r>
+              <a:rPr lang="en-IN" dirty="0"/>
+              <a:t>			LOGGER.info(</a:t>
+            </a:r>
+            <a:r>
+              <a:rPr lang="en-IN" dirty="0" err="1"/>
+              <a:t>environment.getProperty</a:t>
+            </a:r>
+            <a:r>
+              <a:rPr lang="en-IN" dirty="0"/>
+              <a:t>("SUCCESS"));</a:t>
+            </a:r>
+          </a:p>
+          <a:p>
+            <a:r>
+              <a:rPr lang="en-IN" dirty="0"/>
+              <a:t>		}catch(</a:t>
+            </a:r>
+            <a:r>
+              <a:rPr lang="en-IN" dirty="0" err="1"/>
+              <a:t>hndBankException</a:t>
+            </a:r>
+            <a:r>
+              <a:rPr lang="en-IN" dirty="0"/>
+              <a:t> exception){</a:t>
+            </a:r>
+          </a:p>
+          <a:p>
+            <a:r>
+              <a:rPr lang="en-IN" dirty="0"/>
+              <a:t>			</a:t>
+            </a:r>
+            <a:r>
+              <a:rPr lang="en-IN" dirty="0" err="1"/>
+              <a:t>LOGGER.error</a:t>
+            </a:r>
+            <a:r>
+              <a:rPr lang="en-IN" dirty="0"/>
+              <a:t>(</a:t>
+            </a:r>
+            <a:r>
+              <a:rPr lang="en-IN" dirty="0" err="1"/>
+              <a:t>environment.getProperty</a:t>
+            </a:r>
+            <a:r>
+              <a:rPr lang="en-IN" dirty="0"/>
+              <a:t>(</a:t>
+            </a:r>
+            <a:r>
+              <a:rPr lang="en-IN" dirty="0" err="1"/>
+              <a:t>exception.getMessage</a:t>
+            </a:r>
+            <a:r>
+              <a:rPr lang="en-IN" dirty="0"/>
+              <a:t>()));</a:t>
+            </a:r>
+          </a:p>
+          <a:p>
+            <a:r>
+              <a:rPr lang="en-IN" dirty="0"/>
+              <a:t>		}</a:t>
+            </a:r>
+          </a:p>
+          <a:p>
+            <a:r>
+              <a:rPr lang="en-IN" dirty="0"/>
+              <a:t>		</a:t>
+            </a:r>
+          </a:p>
+          <a:p>
+            <a:r>
+              <a:rPr lang="en-IN" dirty="0"/>
+              <a:t>	}</a:t>
+            </a:r>
+          </a:p>
+          <a:p>
+            <a:r>
+              <a:rPr lang="en-IN" dirty="0"/>
+              <a:t>}</a:t>
+            </a:r>
+          </a:p>
+        </p:txBody>
+      </p:sp>
+    </p:spTree>
+    <p:extLst>
+      <p:ext uri="{BB962C8B-B14F-4D97-AF65-F5344CB8AC3E}">
+        <p14:creationId xmlns:p14="http://schemas.microsoft.com/office/powerpoint/2010/main" val="4262981636"/>
       </p:ext>
     </p:extLst>
   </p:cSld>

--- a/infinite/src/main/ppt/spring with service layer.pptx
+++ b/infinite/src/main/ppt/spring with service layer.pptx
@@ -121,6 +121,24 @@
     <p:sldId id="371" r:id="rId115"/>
     <p:sldId id="372" r:id="rId116"/>
     <p:sldId id="373" r:id="rId117"/>
+    <p:sldId id="374" r:id="rId118"/>
+    <p:sldId id="375" r:id="rId119"/>
+    <p:sldId id="376" r:id="rId120"/>
+    <p:sldId id="377" r:id="rId121"/>
+    <p:sldId id="378" r:id="rId122"/>
+    <p:sldId id="379" r:id="rId123"/>
+    <p:sldId id="380" r:id="rId124"/>
+    <p:sldId id="381" r:id="rId125"/>
+    <p:sldId id="382" r:id="rId126"/>
+    <p:sldId id="383" r:id="rId127"/>
+    <p:sldId id="384" r:id="rId128"/>
+    <p:sldId id="385" r:id="rId129"/>
+    <p:sldId id="386" r:id="rId130"/>
+    <p:sldId id="387" r:id="rId131"/>
+    <p:sldId id="388" r:id="rId132"/>
+    <p:sldId id="389" r:id="rId133"/>
+    <p:sldId id="390" r:id="rId134"/>
+    <p:sldId id="391" r:id="rId135"/>
   </p:sldIdLst>
   <p:sldSz cx="12192000" cy="6858000"/>
   <p:notesSz cx="6858000" cy="9144000"/>
@@ -12267,6 +12285,773 @@
 </p:sld>
 </file>
 
+<file path=ppt/slides/slide117.xml><?xml version="1.0" encoding="utf-8"?>
+<p:sld xmlns:a="http://schemas.openxmlformats.org/drawingml/2006/main" xmlns:r="http://schemas.openxmlformats.org/officeDocument/2006/relationships" xmlns:p="http://schemas.openxmlformats.org/presentationml/2006/main">
+  <p:cSld>
+    <p:spTree>
+      <p:nvGrpSpPr>
+        <p:cNvPr id="1" name=""/>
+        <p:cNvGrpSpPr/>
+        <p:nvPr/>
+      </p:nvGrpSpPr>
+      <p:grpSpPr>
+        <a:xfrm>
+          <a:off x="0" y="0"/>
+          <a:ext cx="0" cy="0"/>
+          <a:chOff x="0" y="0"/>
+          <a:chExt cx="0" cy="0"/>
+        </a:xfrm>
+      </p:grpSpPr>
+      <p:sp>
+        <p:nvSpPr>
+          <p:cNvPr id="2" name="Footer Placeholder 1">
+            <a:extLst>
+              <a:ext uri="{FF2B5EF4-FFF2-40B4-BE49-F238E27FC236}">
+                <a16:creationId xmlns:a16="http://schemas.microsoft.com/office/drawing/2014/main" id="{F84FD831-0EDD-1630-5264-78C564CF3244}"/>
+              </a:ext>
+            </a:extLst>
+          </p:cNvPr>
+          <p:cNvSpPr>
+            <a:spLocks noGrp="1"/>
+          </p:cNvSpPr>
+          <p:nvPr>
+            <p:ph type="ftr" sz="quarter" idx="11"/>
+          </p:nvPr>
+        </p:nvSpPr>
+        <p:spPr/>
+        <p:txBody>
+          <a:bodyPr/>
+          <a:lstStyle/>
+          <a:p>
+            <a:r>
+              <a:rPr lang="en-IN"/>
+              <a:t>H&amp;D IT Solution</a:t>
+            </a:r>
+            <a:endParaRPr lang="en-IN" dirty="0"/>
+          </a:p>
+        </p:txBody>
+      </p:sp>
+      <p:sp>
+        <p:nvSpPr>
+          <p:cNvPr id="3" name="Slide Number Placeholder 2">
+            <a:extLst>
+              <a:ext uri="{FF2B5EF4-FFF2-40B4-BE49-F238E27FC236}">
+                <a16:creationId xmlns:a16="http://schemas.microsoft.com/office/drawing/2014/main" id="{73BB3917-283E-22AA-5CE4-A5B0A86E1471}"/>
+              </a:ext>
+            </a:extLst>
+          </p:cNvPr>
+          <p:cNvSpPr>
+            <a:spLocks noGrp="1"/>
+          </p:cNvSpPr>
+          <p:nvPr>
+            <p:ph type="sldNum" sz="quarter" idx="12"/>
+          </p:nvPr>
+        </p:nvSpPr>
+        <p:spPr/>
+        <p:txBody>
+          <a:bodyPr/>
+          <a:lstStyle/>
+          <a:p>
+            <a:fld id="{4A777409-9C5A-4B07-8E32-19F22F7D558C}" type="slidenum">
+              <a:rPr lang="en-IN" smtClean="0"/>
+              <a:t>117</a:t>
+            </a:fld>
+            <a:endParaRPr lang="en-IN" dirty="0"/>
+          </a:p>
+        </p:txBody>
+      </p:sp>
+      <p:sp>
+        <p:nvSpPr>
+          <p:cNvPr id="5" name="TextBox 4">
+            <a:extLst>
+              <a:ext uri="{FF2B5EF4-FFF2-40B4-BE49-F238E27FC236}">
+                <a16:creationId xmlns:a16="http://schemas.microsoft.com/office/drawing/2014/main" id="{121D35D0-A7ED-04D0-EA53-45C910B3AB5B}"/>
+              </a:ext>
+            </a:extLst>
+          </p:cNvPr>
+          <p:cNvSpPr txBox="1"/>
+          <p:nvPr/>
+        </p:nvSpPr>
+        <p:spPr>
+          <a:xfrm>
+            <a:off x="989028" y="638368"/>
+            <a:ext cx="10030905" cy="400110"/>
+          </a:xfrm>
+          <a:prstGeom prst="rect">
+            <a:avLst/>
+          </a:prstGeom>
+          <a:noFill/>
+        </p:spPr>
+        <p:txBody>
+          <a:bodyPr wrap="square">
+            <a:spAutoFit/>
+          </a:bodyPr>
+          <a:lstStyle/>
+          <a:p>
+            <a:r>
+              <a:rPr lang="en-US" sz="2000" b="1" dirty="0">
+                <a:solidFill>
+                  <a:schemeClr val="tx1">
+                    <a:lumMod val="65000"/>
+                    <a:lumOff val="35000"/>
+                  </a:schemeClr>
+                </a:solidFill>
+                <a:effectLst/>
+              </a:rPr>
+              <a:t>Step 11 :</a:t>
+            </a:r>
+            <a:r>
+              <a:rPr lang="en-US" sz="2000" dirty="0">
+                <a:solidFill>
+                  <a:schemeClr val="tx1">
+                    <a:lumMod val="65000"/>
+                    <a:lumOff val="35000"/>
+                  </a:schemeClr>
+                </a:solidFill>
+                <a:effectLst/>
+              </a:rPr>
+              <a:t> Run the DemoSpringBootLog4jApplication  class created in the previous step.</a:t>
+            </a:r>
+            <a:endParaRPr lang="en-IN" sz="2000" dirty="0">
+              <a:solidFill>
+                <a:schemeClr val="tx1">
+                  <a:lumMod val="65000"/>
+                  <a:lumOff val="35000"/>
+                </a:schemeClr>
+              </a:solidFill>
+            </a:endParaRPr>
+          </a:p>
+        </p:txBody>
+      </p:sp>
+      <p:sp>
+        <p:nvSpPr>
+          <p:cNvPr id="7" name="TextBox 6">
+            <a:extLst>
+              <a:ext uri="{FF2B5EF4-FFF2-40B4-BE49-F238E27FC236}">
+                <a16:creationId xmlns:a16="http://schemas.microsoft.com/office/drawing/2014/main" id="{81871AC7-778D-C80C-EED2-72B1F9242F6E}"/>
+              </a:ext>
+            </a:extLst>
+          </p:cNvPr>
+          <p:cNvSpPr txBox="1"/>
+          <p:nvPr/>
+        </p:nvSpPr>
+        <p:spPr>
+          <a:xfrm>
+            <a:off x="278091" y="1238781"/>
+            <a:ext cx="6099142" cy="461665"/>
+          </a:xfrm>
+          <a:prstGeom prst="rect">
+            <a:avLst/>
+          </a:prstGeom>
+          <a:noFill/>
+        </p:spPr>
+        <p:txBody>
+          <a:bodyPr wrap="square">
+            <a:spAutoFit/>
+          </a:bodyPr>
+          <a:lstStyle/>
+          <a:p>
+            <a:r>
+              <a:rPr lang="en-US" sz="2400" b="1" dirty="0"/>
+              <a:t>Introduction to Aspect Oriented Programming </a:t>
+            </a:r>
+          </a:p>
+        </p:txBody>
+      </p:sp>
+      <p:sp>
+        <p:nvSpPr>
+          <p:cNvPr id="9" name="TextBox 8">
+            <a:extLst>
+              <a:ext uri="{FF2B5EF4-FFF2-40B4-BE49-F238E27FC236}">
+                <a16:creationId xmlns:a16="http://schemas.microsoft.com/office/drawing/2014/main" id="{98007BFD-E1A4-E238-1706-64E88522EA45}"/>
+              </a:ext>
+            </a:extLst>
+          </p:cNvPr>
+          <p:cNvSpPr txBox="1"/>
+          <p:nvPr/>
+        </p:nvSpPr>
+        <p:spPr>
+          <a:xfrm>
+            <a:off x="843699" y="1997839"/>
+            <a:ext cx="10510101" cy="2862322"/>
+          </a:xfrm>
+          <a:prstGeom prst="rect">
+            <a:avLst/>
+          </a:prstGeom>
+          <a:noFill/>
+        </p:spPr>
+        <p:txBody>
+          <a:bodyPr wrap="square">
+            <a:spAutoFit/>
+          </a:bodyPr>
+          <a:lstStyle/>
+          <a:p>
+            <a:r>
+              <a:rPr lang="en-US" sz="2000" dirty="0">
+                <a:solidFill>
+                  <a:schemeClr val="tx1">
+                    <a:lumMod val="65000"/>
+                    <a:lumOff val="35000"/>
+                  </a:schemeClr>
+                </a:solidFill>
+              </a:rPr>
+              <a:t>You know that enterprise applications are developed using multiple layers. While the functionalities of each layer is different, there are few functionalities which are common to all layers such as logging, security, transaction management, etc.  These functionalities are called as </a:t>
+            </a:r>
+            <a:r>
+              <a:rPr lang="en-US" sz="2000" b="1" dirty="0">
+                <a:solidFill>
+                  <a:schemeClr val="tx1">
+                    <a:lumMod val="65000"/>
+                    <a:lumOff val="35000"/>
+                  </a:schemeClr>
+                </a:solidFill>
+              </a:rPr>
+              <a:t>cross-cutting concerns</a:t>
+            </a:r>
+            <a:r>
+              <a:rPr lang="en-US" sz="2000" dirty="0">
+                <a:solidFill>
+                  <a:schemeClr val="tx1">
+                    <a:lumMod val="65000"/>
+                    <a:lumOff val="35000"/>
+                  </a:schemeClr>
+                </a:solidFill>
+              </a:rPr>
+              <a:t>. These are usually implemented in each layer separately but this makes the code more difficult to maintain as the code of cross-cutting concerns is tightly coupled with the business logic code of each layer. So, it is better to keep all of cross cutting concerns’ code in one place and use it in multiple places wherever required. This is where </a:t>
+            </a:r>
+            <a:r>
+              <a:rPr lang="en-US" sz="2000" b="1" dirty="0">
+                <a:solidFill>
+                  <a:schemeClr val="tx1">
+                    <a:lumMod val="65000"/>
+                    <a:lumOff val="35000"/>
+                  </a:schemeClr>
+                </a:solidFill>
+              </a:rPr>
+              <a:t>Aspect Oriented Programming (AOP)</a:t>
+            </a:r>
+            <a:r>
+              <a:rPr lang="en-US" sz="2000" dirty="0">
+                <a:solidFill>
+                  <a:schemeClr val="tx1">
+                    <a:lumMod val="65000"/>
+                    <a:lumOff val="35000"/>
+                  </a:schemeClr>
+                </a:solidFill>
+              </a:rPr>
+              <a:t> kicks in. It provides a way to separate the code of cross-cutting concern from business logic code and define them in one place so that it can be reused in all the layers of the application. </a:t>
+            </a:r>
+            <a:endParaRPr lang="en-IN" sz="2000" dirty="0">
+              <a:solidFill>
+                <a:schemeClr val="tx1">
+                  <a:lumMod val="65000"/>
+                  <a:lumOff val="35000"/>
+                </a:schemeClr>
+              </a:solidFill>
+            </a:endParaRPr>
+          </a:p>
+        </p:txBody>
+      </p:sp>
+    </p:spTree>
+    <p:extLst>
+      <p:ext uri="{BB962C8B-B14F-4D97-AF65-F5344CB8AC3E}">
+        <p14:creationId xmlns:p14="http://schemas.microsoft.com/office/powerpoint/2010/main" val="2282203256"/>
+      </p:ext>
+    </p:extLst>
+  </p:cSld>
+  <p:clrMapOvr>
+    <a:masterClrMapping/>
+  </p:clrMapOvr>
+</p:sld>
+</file>
+
+<file path=ppt/slides/slide118.xml><?xml version="1.0" encoding="utf-8"?>
+<p:sld xmlns:a="http://schemas.openxmlformats.org/drawingml/2006/main" xmlns:r="http://schemas.openxmlformats.org/officeDocument/2006/relationships" xmlns:p="http://schemas.openxmlformats.org/presentationml/2006/main">
+  <p:cSld>
+    <p:spTree>
+      <p:nvGrpSpPr>
+        <p:cNvPr id="1" name=""/>
+        <p:cNvGrpSpPr/>
+        <p:nvPr/>
+      </p:nvGrpSpPr>
+      <p:grpSpPr>
+        <a:xfrm>
+          <a:off x="0" y="0"/>
+          <a:ext cx="0" cy="0"/>
+          <a:chOff x="0" y="0"/>
+          <a:chExt cx="0" cy="0"/>
+        </a:xfrm>
+      </p:grpSpPr>
+      <p:sp>
+        <p:nvSpPr>
+          <p:cNvPr id="2" name="Footer Placeholder 1">
+            <a:extLst>
+              <a:ext uri="{FF2B5EF4-FFF2-40B4-BE49-F238E27FC236}">
+                <a16:creationId xmlns:a16="http://schemas.microsoft.com/office/drawing/2014/main" id="{32B64016-58A5-9C14-D6F9-F0709C9D2874}"/>
+              </a:ext>
+            </a:extLst>
+          </p:cNvPr>
+          <p:cNvSpPr>
+            <a:spLocks noGrp="1"/>
+          </p:cNvSpPr>
+          <p:nvPr>
+            <p:ph type="ftr" sz="quarter" idx="11"/>
+          </p:nvPr>
+        </p:nvSpPr>
+        <p:spPr/>
+        <p:txBody>
+          <a:bodyPr/>
+          <a:lstStyle/>
+          <a:p>
+            <a:r>
+              <a:rPr lang="en-IN"/>
+              <a:t>H&amp;D IT Solution</a:t>
+            </a:r>
+            <a:endParaRPr lang="en-IN" dirty="0"/>
+          </a:p>
+        </p:txBody>
+      </p:sp>
+      <p:sp>
+        <p:nvSpPr>
+          <p:cNvPr id="3" name="Slide Number Placeholder 2">
+            <a:extLst>
+              <a:ext uri="{FF2B5EF4-FFF2-40B4-BE49-F238E27FC236}">
+                <a16:creationId xmlns:a16="http://schemas.microsoft.com/office/drawing/2014/main" id="{8C2C42FE-2CAE-EA34-239E-B9C46440121B}"/>
+              </a:ext>
+            </a:extLst>
+          </p:cNvPr>
+          <p:cNvSpPr>
+            <a:spLocks noGrp="1"/>
+          </p:cNvSpPr>
+          <p:nvPr>
+            <p:ph type="sldNum" sz="quarter" idx="12"/>
+          </p:nvPr>
+        </p:nvSpPr>
+        <p:spPr/>
+        <p:txBody>
+          <a:bodyPr/>
+          <a:lstStyle/>
+          <a:p>
+            <a:fld id="{4A777409-9C5A-4B07-8E32-19F22F7D558C}" type="slidenum">
+              <a:rPr lang="en-IN" smtClean="0"/>
+              <a:t>118</a:t>
+            </a:fld>
+            <a:endParaRPr lang="en-IN" dirty="0"/>
+          </a:p>
+        </p:txBody>
+      </p:sp>
+      <p:sp>
+        <p:nvSpPr>
+          <p:cNvPr id="5" name="TextBox 4">
+            <a:extLst>
+              <a:ext uri="{FF2B5EF4-FFF2-40B4-BE49-F238E27FC236}">
+                <a16:creationId xmlns:a16="http://schemas.microsoft.com/office/drawing/2014/main" id="{8CDF7A48-1447-9E25-7E7D-3F8EE6F0FD0C}"/>
+              </a:ext>
+            </a:extLst>
+          </p:cNvPr>
+          <p:cNvSpPr txBox="1"/>
+          <p:nvPr/>
+        </p:nvSpPr>
+        <p:spPr>
+          <a:xfrm>
+            <a:off x="230956" y="1098125"/>
+            <a:ext cx="11439428" cy="3477875"/>
+          </a:xfrm>
+          <a:prstGeom prst="rect">
+            <a:avLst/>
+          </a:prstGeom>
+          <a:noFill/>
+        </p:spPr>
+        <p:txBody>
+          <a:bodyPr wrap="square">
+            <a:spAutoFit/>
+          </a:bodyPr>
+          <a:lstStyle/>
+          <a:p>
+            <a:r>
+              <a:rPr lang="en-US" sz="2000" b="1" dirty="0">
+                <a:solidFill>
+                  <a:schemeClr val="tx1">
+                    <a:lumMod val="65000"/>
+                    <a:lumOff val="35000"/>
+                  </a:schemeClr>
+                </a:solidFill>
+                <a:effectLst/>
+              </a:rPr>
+              <a:t>Advantages of AOP</a:t>
+            </a:r>
+          </a:p>
+          <a:p>
+            <a:endParaRPr lang="en-US" sz="2000" dirty="0">
+              <a:solidFill>
+                <a:schemeClr val="tx1">
+                  <a:lumMod val="65000"/>
+                  <a:lumOff val="35000"/>
+                </a:schemeClr>
+              </a:solidFill>
+              <a:effectLst/>
+            </a:endParaRPr>
+          </a:p>
+          <a:p>
+            <a:pPr>
+              <a:buFont typeface="Arial" panose="020B0604020202020204" pitchFamily="34" charset="0"/>
+              <a:buChar char="•"/>
+            </a:pPr>
+            <a:r>
+              <a:rPr lang="en-US" sz="2000" dirty="0">
+                <a:solidFill>
+                  <a:schemeClr val="tx1">
+                    <a:lumMod val="65000"/>
+                    <a:lumOff val="35000"/>
+                  </a:schemeClr>
+                </a:solidFill>
+                <a:effectLst/>
+              </a:rPr>
+              <a:t>It ensures that cross cutting concerns are kept separate from the core business logic.</a:t>
+            </a:r>
+          </a:p>
+          <a:p>
+            <a:pPr>
+              <a:buFont typeface="Arial" panose="020B0604020202020204" pitchFamily="34" charset="0"/>
+              <a:buChar char="•"/>
+            </a:pPr>
+            <a:r>
+              <a:rPr lang="en-US" sz="2000" dirty="0">
+                <a:solidFill>
+                  <a:schemeClr val="tx1">
+                    <a:lumMod val="65000"/>
+                    <a:lumOff val="35000"/>
+                  </a:schemeClr>
+                </a:solidFill>
+                <a:effectLst/>
+              </a:rPr>
+              <a:t>It allows to create a more loosely coupled application wherein you can change the cross cutting concerns code without affecting the business code.</a:t>
+            </a:r>
+          </a:p>
+          <a:p>
+            <a:endParaRPr lang="en-US" sz="2000" dirty="0">
+              <a:solidFill>
+                <a:schemeClr val="tx1">
+                  <a:lumMod val="65000"/>
+                  <a:lumOff val="35000"/>
+                </a:schemeClr>
+              </a:solidFill>
+              <a:effectLst/>
+            </a:endParaRPr>
+          </a:p>
+          <a:p>
+            <a:r>
+              <a:rPr lang="en-US" sz="2000" dirty="0">
+                <a:solidFill>
+                  <a:schemeClr val="tx1">
+                    <a:lumMod val="65000"/>
+                    <a:lumOff val="35000"/>
+                  </a:schemeClr>
+                </a:solidFill>
+                <a:effectLst/>
+              </a:rPr>
+              <a:t>Spring framework provides AOP support by default. But it leverages the use of AspectJ, which is one of the most popular AOP frameworks. AspectJ provides an easy way for implementing AOP with the help of annotations.</a:t>
+            </a:r>
+          </a:p>
+          <a:p>
+            <a:endParaRPr lang="en-US" sz="2000" dirty="0">
+              <a:solidFill>
+                <a:schemeClr val="tx1">
+                  <a:lumMod val="65000"/>
+                  <a:lumOff val="35000"/>
+                </a:schemeClr>
+              </a:solidFill>
+              <a:effectLst/>
+            </a:endParaRPr>
+          </a:p>
+          <a:p>
+            <a:r>
+              <a:rPr lang="en-US" sz="2000" dirty="0">
+                <a:solidFill>
+                  <a:schemeClr val="tx1">
+                    <a:lumMod val="65000"/>
+                    <a:lumOff val="35000"/>
+                  </a:schemeClr>
+                </a:solidFill>
+                <a:effectLst/>
+              </a:rPr>
+              <a:t>In this course, you will use AspectJ annotations for AOP.</a:t>
+            </a:r>
+          </a:p>
+        </p:txBody>
+      </p:sp>
+    </p:spTree>
+    <p:extLst>
+      <p:ext uri="{BB962C8B-B14F-4D97-AF65-F5344CB8AC3E}">
+        <p14:creationId xmlns:p14="http://schemas.microsoft.com/office/powerpoint/2010/main" val="387555348"/>
+      </p:ext>
+    </p:extLst>
+  </p:cSld>
+  <p:clrMapOvr>
+    <a:masterClrMapping/>
+  </p:clrMapOvr>
+</p:sld>
+</file>
+
+<file path=ppt/slides/slide119.xml><?xml version="1.0" encoding="utf-8"?>
+<p:sld xmlns:a="http://schemas.openxmlformats.org/drawingml/2006/main" xmlns:r="http://schemas.openxmlformats.org/officeDocument/2006/relationships" xmlns:p="http://schemas.openxmlformats.org/presentationml/2006/main">
+  <p:cSld>
+    <p:spTree>
+      <p:nvGrpSpPr>
+        <p:cNvPr id="1" name=""/>
+        <p:cNvGrpSpPr/>
+        <p:nvPr/>
+      </p:nvGrpSpPr>
+      <p:grpSpPr>
+        <a:xfrm>
+          <a:off x="0" y="0"/>
+          <a:ext cx="0" cy="0"/>
+          <a:chOff x="0" y="0"/>
+          <a:chExt cx="0" cy="0"/>
+        </a:xfrm>
+      </p:grpSpPr>
+      <p:sp>
+        <p:nvSpPr>
+          <p:cNvPr id="2" name="Footer Placeholder 1">
+            <a:extLst>
+              <a:ext uri="{FF2B5EF4-FFF2-40B4-BE49-F238E27FC236}">
+                <a16:creationId xmlns:a16="http://schemas.microsoft.com/office/drawing/2014/main" id="{075CB1C5-1876-A722-3275-7030B8735445}"/>
+              </a:ext>
+            </a:extLst>
+          </p:cNvPr>
+          <p:cNvSpPr>
+            <a:spLocks noGrp="1"/>
+          </p:cNvSpPr>
+          <p:nvPr>
+            <p:ph type="ftr" sz="quarter" idx="11"/>
+          </p:nvPr>
+        </p:nvSpPr>
+        <p:spPr/>
+        <p:txBody>
+          <a:bodyPr/>
+          <a:lstStyle/>
+          <a:p>
+            <a:r>
+              <a:rPr lang="en-IN"/>
+              <a:t>H&amp;D IT Solution</a:t>
+            </a:r>
+            <a:endParaRPr lang="en-IN" dirty="0"/>
+          </a:p>
+        </p:txBody>
+      </p:sp>
+      <p:sp>
+        <p:nvSpPr>
+          <p:cNvPr id="3" name="Slide Number Placeholder 2">
+            <a:extLst>
+              <a:ext uri="{FF2B5EF4-FFF2-40B4-BE49-F238E27FC236}">
+                <a16:creationId xmlns:a16="http://schemas.microsoft.com/office/drawing/2014/main" id="{849C257C-1F35-3E00-C7E3-5091FEECBD9A}"/>
+              </a:ext>
+            </a:extLst>
+          </p:cNvPr>
+          <p:cNvSpPr>
+            <a:spLocks noGrp="1"/>
+          </p:cNvSpPr>
+          <p:nvPr>
+            <p:ph type="sldNum" sz="quarter" idx="12"/>
+          </p:nvPr>
+        </p:nvSpPr>
+        <p:spPr/>
+        <p:txBody>
+          <a:bodyPr/>
+          <a:lstStyle/>
+          <a:p>
+            <a:fld id="{4A777409-9C5A-4B07-8E32-19F22F7D558C}" type="slidenum">
+              <a:rPr lang="en-IN" smtClean="0"/>
+              <a:t>119</a:t>
+            </a:fld>
+            <a:endParaRPr lang="en-IN" dirty="0"/>
+          </a:p>
+        </p:txBody>
+      </p:sp>
+      <p:sp>
+        <p:nvSpPr>
+          <p:cNvPr id="5" name="TextBox 4">
+            <a:extLst>
+              <a:ext uri="{FF2B5EF4-FFF2-40B4-BE49-F238E27FC236}">
+                <a16:creationId xmlns:a16="http://schemas.microsoft.com/office/drawing/2014/main" id="{1D1C233E-82BF-52A7-0440-ADC7D8A1D48B}"/>
+              </a:ext>
+            </a:extLst>
+          </p:cNvPr>
+          <p:cNvSpPr txBox="1"/>
+          <p:nvPr/>
+        </p:nvSpPr>
+        <p:spPr>
+          <a:xfrm>
+            <a:off x="809920" y="653626"/>
+            <a:ext cx="10543880" cy="3477875"/>
+          </a:xfrm>
+          <a:prstGeom prst="rect">
+            <a:avLst/>
+          </a:prstGeom>
+          <a:noFill/>
+        </p:spPr>
+        <p:txBody>
+          <a:bodyPr wrap="square">
+            <a:spAutoFit/>
+          </a:bodyPr>
+          <a:lstStyle/>
+          <a:p>
+            <a:pPr>
+              <a:buFont typeface="Arial" panose="020B0604020202020204" pitchFamily="34" charset="0"/>
+              <a:buChar char="•"/>
+            </a:pPr>
+            <a:r>
+              <a:rPr lang="en-US" sz="2000" b="1" dirty="0">
+                <a:solidFill>
+                  <a:schemeClr val="tx1">
+                    <a:lumMod val="65000"/>
+                    <a:lumOff val="35000"/>
+                  </a:schemeClr>
+                </a:solidFill>
+                <a:effectLst/>
+              </a:rPr>
+              <a:t>Aspect </a:t>
+            </a:r>
+            <a:r>
+              <a:rPr lang="en-US" sz="2000" dirty="0">
+                <a:solidFill>
+                  <a:schemeClr val="tx1">
+                    <a:lumMod val="65000"/>
+                    <a:lumOff val="35000"/>
+                  </a:schemeClr>
+                </a:solidFill>
+                <a:effectLst/>
+              </a:rPr>
+              <a:t>is a class that implements the cross-cutting concerns. To declare a class as an aspect it should be annotated with the @Aspect annotation. It should be applied to the class which is annotated with @Component annotation or with derivatives of it.</a:t>
+            </a:r>
+          </a:p>
+          <a:p>
+            <a:endParaRPr lang="en-US" sz="2000" dirty="0">
+              <a:solidFill>
+                <a:schemeClr val="tx1">
+                  <a:lumMod val="65000"/>
+                  <a:lumOff val="35000"/>
+                </a:schemeClr>
+              </a:solidFill>
+              <a:effectLst/>
+            </a:endParaRPr>
+          </a:p>
+          <a:p>
+            <a:pPr>
+              <a:buFont typeface="Arial" panose="020B0604020202020204" pitchFamily="34" charset="0"/>
+              <a:buChar char="•"/>
+            </a:pPr>
+            <a:r>
+              <a:rPr lang="en-US" sz="2000" b="1" dirty="0">
+                <a:solidFill>
+                  <a:schemeClr val="tx1">
+                    <a:lumMod val="65000"/>
+                    <a:lumOff val="35000"/>
+                  </a:schemeClr>
+                </a:solidFill>
+                <a:effectLst/>
+              </a:rPr>
+              <a:t>Join point</a:t>
+            </a:r>
+            <a:r>
+              <a:rPr lang="en-US" sz="2000" dirty="0">
+                <a:solidFill>
+                  <a:schemeClr val="tx1">
+                    <a:lumMod val="65000"/>
+                    <a:lumOff val="35000"/>
+                  </a:schemeClr>
+                </a:solidFill>
+                <a:effectLst/>
+              </a:rPr>
+              <a:t> is a specific point in the application such as method execution, exception handling, changing object variable values, etc during its execution. In Spring AOP a join point is always the execution of a method.</a:t>
+            </a:r>
+          </a:p>
+          <a:p>
+            <a:endParaRPr lang="en-US" sz="2000" dirty="0">
+              <a:solidFill>
+                <a:schemeClr val="tx1">
+                  <a:lumMod val="65000"/>
+                  <a:lumOff val="35000"/>
+                </a:schemeClr>
+              </a:solidFill>
+              <a:effectLst/>
+            </a:endParaRPr>
+          </a:p>
+          <a:p>
+            <a:pPr>
+              <a:buFont typeface="Arial" panose="020B0604020202020204" pitchFamily="34" charset="0"/>
+              <a:buChar char="•"/>
+            </a:pPr>
+            <a:r>
+              <a:rPr lang="en-US" sz="2000" b="1" dirty="0">
+                <a:solidFill>
+                  <a:schemeClr val="tx1">
+                    <a:lumMod val="65000"/>
+                    <a:lumOff val="35000"/>
+                  </a:schemeClr>
+                </a:solidFill>
+                <a:effectLst/>
+              </a:rPr>
+              <a:t>Advice </a:t>
+            </a:r>
+            <a:r>
+              <a:rPr lang="en-US" sz="2000" dirty="0">
+                <a:solidFill>
+                  <a:schemeClr val="tx1">
+                    <a:lumMod val="65000"/>
+                    <a:lumOff val="35000"/>
+                  </a:schemeClr>
+                </a:solidFill>
+                <a:effectLst/>
+              </a:rPr>
+              <a:t>is a method of the aspect class that provides the implementation for the cross-cutting concern. It gets executed at the selected join point(s). The following table shows the different types of advice along with the execution point they have</a:t>
+            </a:r>
+          </a:p>
+        </p:txBody>
+      </p:sp>
+      <p:pic>
+        <p:nvPicPr>
+          <p:cNvPr id="7" name="Picture 6">
+            <a:extLst>
+              <a:ext uri="{FF2B5EF4-FFF2-40B4-BE49-F238E27FC236}">
+                <a16:creationId xmlns:a16="http://schemas.microsoft.com/office/drawing/2014/main" id="{9829EB90-6525-DD32-ED18-846F1AB12A96}"/>
+              </a:ext>
+            </a:extLst>
+          </p:cNvPr>
+          <p:cNvPicPr>
+            <a:picLocks noChangeAspect="1"/>
+          </p:cNvPicPr>
+          <p:nvPr/>
+        </p:nvPicPr>
+        <p:blipFill>
+          <a:blip r:embed="rId2"/>
+          <a:stretch>
+            <a:fillRect/>
+          </a:stretch>
+        </p:blipFill>
+        <p:spPr>
+          <a:xfrm>
+            <a:off x="-14140" y="4110802"/>
+            <a:ext cx="12192000" cy="2297229"/>
+          </a:xfrm>
+          <a:prstGeom prst="rect">
+            <a:avLst/>
+          </a:prstGeom>
+        </p:spPr>
+      </p:pic>
+    </p:spTree>
+    <p:extLst>
+      <p:ext uri="{BB962C8B-B14F-4D97-AF65-F5344CB8AC3E}">
+        <p14:creationId xmlns:p14="http://schemas.microsoft.com/office/powerpoint/2010/main" val="705738403"/>
+      </p:ext>
+    </p:extLst>
+  </p:cSld>
+  <p:clrMapOvr>
+    <a:masterClrMapping/>
+  </p:clrMapOvr>
+</p:sld>
+</file>
+
 <file path=ppt/slides/slide12.xml><?xml version="1.0" encoding="utf-8"?>
 <p:sld xmlns:a="http://schemas.openxmlformats.org/drawingml/2006/main" xmlns:r="http://schemas.openxmlformats.org/officeDocument/2006/relationships" xmlns:p="http://schemas.openxmlformats.org/presentationml/2006/main">
   <p:cSld>
@@ -12769,6 +13554,4056 @@
     <p:extLst>
       <p:ext uri="{BB962C8B-B14F-4D97-AF65-F5344CB8AC3E}">
         <p14:creationId xmlns:p14="http://schemas.microsoft.com/office/powerpoint/2010/main" val="1491081059"/>
+      </p:ext>
+    </p:extLst>
+  </p:cSld>
+  <p:clrMapOvr>
+    <a:masterClrMapping/>
+  </p:clrMapOvr>
+</p:sld>
+</file>
+
+<file path=ppt/slides/slide120.xml><?xml version="1.0" encoding="utf-8"?>
+<p:sld xmlns:a="http://schemas.openxmlformats.org/drawingml/2006/main" xmlns:r="http://schemas.openxmlformats.org/officeDocument/2006/relationships" xmlns:p="http://schemas.openxmlformats.org/presentationml/2006/main">
+  <p:cSld>
+    <p:spTree>
+      <p:nvGrpSpPr>
+        <p:cNvPr id="1" name=""/>
+        <p:cNvGrpSpPr/>
+        <p:nvPr/>
+      </p:nvGrpSpPr>
+      <p:grpSpPr>
+        <a:xfrm>
+          <a:off x="0" y="0"/>
+          <a:ext cx="0" cy="0"/>
+          <a:chOff x="0" y="0"/>
+          <a:chExt cx="0" cy="0"/>
+        </a:xfrm>
+      </p:grpSpPr>
+      <p:sp>
+        <p:nvSpPr>
+          <p:cNvPr id="2" name="Footer Placeholder 1">
+            <a:extLst>
+              <a:ext uri="{FF2B5EF4-FFF2-40B4-BE49-F238E27FC236}">
+                <a16:creationId xmlns:a16="http://schemas.microsoft.com/office/drawing/2014/main" id="{39417895-6B6C-17E6-79D0-1671AD5FCB9F}"/>
+              </a:ext>
+            </a:extLst>
+          </p:cNvPr>
+          <p:cNvSpPr>
+            <a:spLocks noGrp="1"/>
+          </p:cNvSpPr>
+          <p:nvPr>
+            <p:ph type="ftr" sz="quarter" idx="11"/>
+          </p:nvPr>
+        </p:nvSpPr>
+        <p:spPr/>
+        <p:txBody>
+          <a:bodyPr/>
+          <a:lstStyle/>
+          <a:p>
+            <a:r>
+              <a:rPr lang="en-IN"/>
+              <a:t>H&amp;D IT Solution</a:t>
+            </a:r>
+            <a:endParaRPr lang="en-IN" dirty="0"/>
+          </a:p>
+        </p:txBody>
+      </p:sp>
+      <p:sp>
+        <p:nvSpPr>
+          <p:cNvPr id="3" name="Slide Number Placeholder 2">
+            <a:extLst>
+              <a:ext uri="{FF2B5EF4-FFF2-40B4-BE49-F238E27FC236}">
+                <a16:creationId xmlns:a16="http://schemas.microsoft.com/office/drawing/2014/main" id="{B8890112-8A4E-2E30-D531-4F2F72CEA3A8}"/>
+              </a:ext>
+            </a:extLst>
+          </p:cNvPr>
+          <p:cNvSpPr>
+            <a:spLocks noGrp="1"/>
+          </p:cNvSpPr>
+          <p:nvPr>
+            <p:ph type="sldNum" sz="quarter" idx="12"/>
+          </p:nvPr>
+        </p:nvSpPr>
+        <p:spPr/>
+        <p:txBody>
+          <a:bodyPr/>
+          <a:lstStyle/>
+          <a:p>
+            <a:fld id="{4A777409-9C5A-4B07-8E32-19F22F7D558C}" type="slidenum">
+              <a:rPr lang="en-IN" smtClean="0"/>
+              <a:t>120</a:t>
+            </a:fld>
+            <a:endParaRPr lang="en-IN" dirty="0"/>
+          </a:p>
+        </p:txBody>
+      </p:sp>
+      <p:sp>
+        <p:nvSpPr>
+          <p:cNvPr id="5" name="TextBox 4">
+            <a:extLst>
+              <a:ext uri="{FF2B5EF4-FFF2-40B4-BE49-F238E27FC236}">
+                <a16:creationId xmlns:a16="http://schemas.microsoft.com/office/drawing/2014/main" id="{F2AC4F78-CEFF-E8CA-C160-DC22774964C3}"/>
+              </a:ext>
+            </a:extLst>
+          </p:cNvPr>
+          <p:cNvSpPr txBox="1"/>
+          <p:nvPr/>
+        </p:nvSpPr>
+        <p:spPr>
+          <a:xfrm>
+            <a:off x="457199" y="867513"/>
+            <a:ext cx="11279171" cy="707886"/>
+          </a:xfrm>
+          <a:prstGeom prst="rect">
+            <a:avLst/>
+          </a:prstGeom>
+          <a:noFill/>
+        </p:spPr>
+        <p:txBody>
+          <a:bodyPr wrap="square">
+            <a:spAutoFit/>
+          </a:bodyPr>
+          <a:lstStyle/>
+          <a:p>
+            <a:r>
+              <a:rPr lang="en-US" sz="2000" b="1" dirty="0">
+                <a:solidFill>
+                  <a:schemeClr val="tx1">
+                    <a:lumMod val="65000"/>
+                    <a:lumOff val="35000"/>
+                  </a:schemeClr>
+                </a:solidFill>
+              </a:rPr>
+              <a:t>Pointcut </a:t>
+            </a:r>
+            <a:r>
+              <a:rPr lang="en-US" sz="2000" dirty="0">
+                <a:solidFill>
+                  <a:schemeClr val="tx1">
+                    <a:lumMod val="65000"/>
+                    <a:lumOff val="35000"/>
+                  </a:schemeClr>
+                </a:solidFill>
+              </a:rPr>
+              <a:t>represents an expression used to identify join points. It evaluates to the method name before or after which the advice needs to be executed.</a:t>
+            </a:r>
+            <a:endParaRPr lang="en-IN" sz="2000" dirty="0">
+              <a:solidFill>
+                <a:schemeClr val="tx1">
+                  <a:lumMod val="65000"/>
+                  <a:lumOff val="35000"/>
+                </a:schemeClr>
+              </a:solidFill>
+            </a:endParaRPr>
+          </a:p>
+        </p:txBody>
+      </p:sp>
+      <p:sp>
+        <p:nvSpPr>
+          <p:cNvPr id="7" name="TextBox 6">
+            <a:extLst>
+              <a:ext uri="{FF2B5EF4-FFF2-40B4-BE49-F238E27FC236}">
+                <a16:creationId xmlns:a16="http://schemas.microsoft.com/office/drawing/2014/main" id="{5AA526CF-C76F-2C08-49BF-D7193211616C}"/>
+              </a:ext>
+            </a:extLst>
+          </p:cNvPr>
+          <p:cNvSpPr txBox="1"/>
+          <p:nvPr/>
+        </p:nvSpPr>
+        <p:spPr>
+          <a:xfrm>
+            <a:off x="457199" y="1812378"/>
+            <a:ext cx="11392294" cy="1631216"/>
+          </a:xfrm>
+          <a:prstGeom prst="rect">
+            <a:avLst/>
+          </a:prstGeom>
+          <a:noFill/>
+        </p:spPr>
+        <p:txBody>
+          <a:bodyPr wrap="square">
+            <a:spAutoFit/>
+          </a:bodyPr>
+          <a:lstStyle/>
+          <a:p>
+            <a:r>
+              <a:rPr lang="en-US" sz="2000" dirty="0">
+                <a:solidFill>
+                  <a:schemeClr val="tx1">
+                    <a:lumMod val="65000"/>
+                    <a:lumOff val="35000"/>
+                  </a:schemeClr>
+                </a:solidFill>
+                <a:effectLst/>
+              </a:rPr>
+              <a:t>So far you have learnt that advice is a method which implements cross-cutting concern. But one question remains unanswered. How to tell which method of the bean advice needs to be executed? This is where </a:t>
+            </a:r>
+            <a:r>
+              <a:rPr lang="en-US" sz="2000" b="1" dirty="0">
+                <a:solidFill>
+                  <a:schemeClr val="tx1">
+                    <a:lumMod val="65000"/>
+                    <a:lumOff val="35000"/>
+                  </a:schemeClr>
+                </a:solidFill>
+                <a:effectLst/>
+              </a:rPr>
+              <a:t>pointcut expressions</a:t>
+            </a:r>
+            <a:r>
+              <a:rPr lang="en-US" sz="2000" dirty="0">
+                <a:solidFill>
+                  <a:schemeClr val="tx1">
+                    <a:lumMod val="65000"/>
+                    <a:lumOff val="35000"/>
+                  </a:schemeClr>
+                </a:solidFill>
+                <a:effectLst/>
+              </a:rPr>
+              <a:t> comes to the rescue. </a:t>
+            </a:r>
+          </a:p>
+          <a:p>
+            <a:r>
+              <a:rPr lang="en-US" sz="2000" dirty="0">
+                <a:solidFill>
+                  <a:schemeClr val="tx1">
+                    <a:lumMod val="65000"/>
+                    <a:lumOff val="35000"/>
+                  </a:schemeClr>
+                </a:solidFill>
+                <a:effectLst/>
+              </a:rPr>
+              <a:t>It is used to determine exactly for which methods of Spring beans advice needs to be applied. It has the following syntax:</a:t>
+            </a:r>
+          </a:p>
+        </p:txBody>
+      </p:sp>
+      <p:sp>
+        <p:nvSpPr>
+          <p:cNvPr id="9" name="TextBox 8">
+            <a:extLst>
+              <a:ext uri="{FF2B5EF4-FFF2-40B4-BE49-F238E27FC236}">
+                <a16:creationId xmlns:a16="http://schemas.microsoft.com/office/drawing/2014/main" id="{46333604-C22A-DD5D-2D68-D824E71A77C1}"/>
+              </a:ext>
+            </a:extLst>
+          </p:cNvPr>
+          <p:cNvSpPr txBox="1"/>
+          <p:nvPr/>
+        </p:nvSpPr>
+        <p:spPr>
+          <a:xfrm>
+            <a:off x="457199" y="3680573"/>
+            <a:ext cx="11279170" cy="369332"/>
+          </a:xfrm>
+          <a:prstGeom prst="rect">
+            <a:avLst/>
+          </a:prstGeom>
+          <a:noFill/>
+        </p:spPr>
+        <p:txBody>
+          <a:bodyPr wrap="square">
+            <a:spAutoFit/>
+          </a:bodyPr>
+          <a:lstStyle/>
+          <a:p>
+            <a:r>
+              <a:rPr lang="en-IN" dirty="0"/>
+              <a:t>execution(&lt;modifiers&gt; &lt;return-type&gt; &lt;fully qualified class name&gt;.&lt;method-name&gt;(parameters))</a:t>
+            </a:r>
+          </a:p>
+        </p:txBody>
+      </p:sp>
+    </p:spTree>
+    <p:extLst>
+      <p:ext uri="{BB962C8B-B14F-4D97-AF65-F5344CB8AC3E}">
+        <p14:creationId xmlns:p14="http://schemas.microsoft.com/office/powerpoint/2010/main" val="117369069"/>
+      </p:ext>
+    </p:extLst>
+  </p:cSld>
+  <p:clrMapOvr>
+    <a:masterClrMapping/>
+  </p:clrMapOvr>
+</p:sld>
+</file>
+
+<file path=ppt/slides/slide121.xml><?xml version="1.0" encoding="utf-8"?>
+<p:sld xmlns:a="http://schemas.openxmlformats.org/drawingml/2006/main" xmlns:r="http://schemas.openxmlformats.org/officeDocument/2006/relationships" xmlns:p="http://schemas.openxmlformats.org/presentationml/2006/main">
+  <p:cSld>
+    <p:spTree>
+      <p:nvGrpSpPr>
+        <p:cNvPr id="1" name=""/>
+        <p:cNvGrpSpPr/>
+        <p:nvPr/>
+      </p:nvGrpSpPr>
+      <p:grpSpPr>
+        <a:xfrm>
+          <a:off x="0" y="0"/>
+          <a:ext cx="0" cy="0"/>
+          <a:chOff x="0" y="0"/>
+          <a:chExt cx="0" cy="0"/>
+        </a:xfrm>
+      </p:grpSpPr>
+      <p:sp>
+        <p:nvSpPr>
+          <p:cNvPr id="2" name="Footer Placeholder 1">
+            <a:extLst>
+              <a:ext uri="{FF2B5EF4-FFF2-40B4-BE49-F238E27FC236}">
+                <a16:creationId xmlns:a16="http://schemas.microsoft.com/office/drawing/2014/main" id="{9F9ACCDF-08DE-A7A4-909C-B7E26CA08EDC}"/>
+              </a:ext>
+            </a:extLst>
+          </p:cNvPr>
+          <p:cNvSpPr>
+            <a:spLocks noGrp="1"/>
+          </p:cNvSpPr>
+          <p:nvPr>
+            <p:ph type="ftr" sz="quarter" idx="11"/>
+          </p:nvPr>
+        </p:nvSpPr>
+        <p:spPr/>
+        <p:txBody>
+          <a:bodyPr/>
+          <a:lstStyle/>
+          <a:p>
+            <a:r>
+              <a:rPr lang="en-IN"/>
+              <a:t>H&amp;D IT Solution</a:t>
+            </a:r>
+            <a:endParaRPr lang="en-IN" dirty="0"/>
+          </a:p>
+        </p:txBody>
+      </p:sp>
+      <p:sp>
+        <p:nvSpPr>
+          <p:cNvPr id="3" name="Slide Number Placeholder 2">
+            <a:extLst>
+              <a:ext uri="{FF2B5EF4-FFF2-40B4-BE49-F238E27FC236}">
+                <a16:creationId xmlns:a16="http://schemas.microsoft.com/office/drawing/2014/main" id="{48D35476-6675-4278-112B-566E6B85B375}"/>
+              </a:ext>
+            </a:extLst>
+          </p:cNvPr>
+          <p:cNvSpPr>
+            <a:spLocks noGrp="1"/>
+          </p:cNvSpPr>
+          <p:nvPr>
+            <p:ph type="sldNum" sz="quarter" idx="12"/>
+          </p:nvPr>
+        </p:nvSpPr>
+        <p:spPr/>
+        <p:txBody>
+          <a:bodyPr/>
+          <a:lstStyle/>
+          <a:p>
+            <a:fld id="{4A777409-9C5A-4B07-8E32-19F22F7D558C}" type="slidenum">
+              <a:rPr lang="en-IN" smtClean="0"/>
+              <a:t>121</a:t>
+            </a:fld>
+            <a:endParaRPr lang="en-IN" dirty="0"/>
+          </a:p>
+        </p:txBody>
+      </p:sp>
+      <p:sp>
+        <p:nvSpPr>
+          <p:cNvPr id="5" name="TextBox 4">
+            <a:extLst>
+              <a:ext uri="{FF2B5EF4-FFF2-40B4-BE49-F238E27FC236}">
+                <a16:creationId xmlns:a16="http://schemas.microsoft.com/office/drawing/2014/main" id="{4C253DE8-6550-8DB5-6389-0E1E7482D987}"/>
+              </a:ext>
+            </a:extLst>
+          </p:cNvPr>
+          <p:cNvSpPr txBox="1"/>
+          <p:nvPr/>
+        </p:nvSpPr>
+        <p:spPr>
+          <a:xfrm>
+            <a:off x="838200" y="473611"/>
+            <a:ext cx="11302738" cy="6247864"/>
+          </a:xfrm>
+          <a:prstGeom prst="rect">
+            <a:avLst/>
+          </a:prstGeom>
+          <a:noFill/>
+        </p:spPr>
+        <p:txBody>
+          <a:bodyPr wrap="square">
+            <a:spAutoFit/>
+          </a:bodyPr>
+          <a:lstStyle/>
+          <a:p>
+            <a:r>
+              <a:rPr lang="en-US" sz="2000" dirty="0">
+                <a:solidFill>
+                  <a:schemeClr val="tx1">
+                    <a:lumMod val="65000"/>
+                    <a:lumOff val="35000"/>
+                  </a:schemeClr>
+                </a:solidFill>
+                <a:effectLst/>
+              </a:rPr>
+              <a:t>where,</a:t>
+            </a:r>
+          </a:p>
+          <a:p>
+            <a:endParaRPr lang="en-US" sz="2000" dirty="0">
+              <a:solidFill>
+                <a:schemeClr val="tx1">
+                  <a:lumMod val="65000"/>
+                  <a:lumOff val="35000"/>
+                </a:schemeClr>
+              </a:solidFill>
+              <a:effectLst/>
+            </a:endParaRPr>
+          </a:p>
+          <a:p>
+            <a:pPr>
+              <a:buFont typeface="Arial" panose="020B0604020202020204" pitchFamily="34" charset="0"/>
+              <a:buChar char="•"/>
+            </a:pPr>
+            <a:r>
+              <a:rPr lang="en-US" sz="2000" b="1" dirty="0">
+                <a:solidFill>
+                  <a:schemeClr val="tx1">
+                    <a:lumMod val="65000"/>
+                    <a:lumOff val="35000"/>
+                  </a:schemeClr>
+                </a:solidFill>
+                <a:effectLst/>
+              </a:rPr>
+              <a:t>execution </a:t>
+            </a:r>
+            <a:r>
+              <a:rPr lang="en-US" sz="2000" dirty="0">
+                <a:solidFill>
+                  <a:schemeClr val="tx1">
+                    <a:lumMod val="65000"/>
+                    <a:lumOff val="35000"/>
+                  </a:schemeClr>
+                </a:solidFill>
+                <a:effectLst/>
+              </a:rPr>
+              <a:t>is called as pointcut designator. It tells Spring that join point is the execution of the matching method.</a:t>
+            </a:r>
+          </a:p>
+          <a:p>
+            <a:endParaRPr lang="en-US" sz="2000" dirty="0">
+              <a:solidFill>
+                <a:schemeClr val="tx1">
+                  <a:lumMod val="65000"/>
+                  <a:lumOff val="35000"/>
+                </a:schemeClr>
+              </a:solidFill>
+              <a:effectLst/>
+            </a:endParaRPr>
+          </a:p>
+          <a:p>
+            <a:pPr>
+              <a:buFont typeface="Arial" panose="020B0604020202020204" pitchFamily="34" charset="0"/>
+              <a:buChar char="•"/>
+            </a:pPr>
+            <a:r>
+              <a:rPr lang="en-US" sz="2000" b="1" dirty="0">
+                <a:solidFill>
+                  <a:schemeClr val="tx1">
+                    <a:lumMod val="65000"/>
+                    <a:lumOff val="35000"/>
+                  </a:schemeClr>
+                </a:solidFill>
+                <a:effectLst/>
+              </a:rPr>
+              <a:t>&lt;modifiers&gt;</a:t>
+            </a:r>
+            <a:r>
+              <a:rPr lang="en-US" sz="2000" dirty="0">
+                <a:solidFill>
+                  <a:schemeClr val="tx1">
+                    <a:lumMod val="65000"/>
+                    <a:lumOff val="35000"/>
+                  </a:schemeClr>
+                </a:solidFill>
+                <a:effectLst/>
+              </a:rPr>
+              <a:t> determines the access specifier of the matching method. It could either be public, protected, or private. It is not mandatory.</a:t>
+            </a:r>
+          </a:p>
+          <a:p>
+            <a:endParaRPr lang="en-US" sz="2000" dirty="0">
+              <a:solidFill>
+                <a:schemeClr val="tx1">
+                  <a:lumMod val="65000"/>
+                  <a:lumOff val="35000"/>
+                </a:schemeClr>
+              </a:solidFill>
+              <a:effectLst/>
+            </a:endParaRPr>
+          </a:p>
+          <a:p>
+            <a:pPr>
+              <a:buFont typeface="Arial" panose="020B0604020202020204" pitchFamily="34" charset="0"/>
+              <a:buChar char="•"/>
+            </a:pPr>
+            <a:r>
+              <a:rPr lang="en-US" sz="2000" b="1" dirty="0">
+                <a:solidFill>
+                  <a:schemeClr val="tx1">
+                    <a:lumMod val="65000"/>
+                    <a:lumOff val="35000"/>
+                  </a:schemeClr>
+                </a:solidFill>
+                <a:effectLst/>
+              </a:rPr>
+              <a:t>&lt;return-type&gt;</a:t>
+            </a:r>
+            <a:r>
+              <a:rPr lang="en-US" sz="2000" dirty="0">
+                <a:solidFill>
+                  <a:schemeClr val="tx1">
+                    <a:lumMod val="65000"/>
+                    <a:lumOff val="35000"/>
+                  </a:schemeClr>
+                </a:solidFill>
+                <a:effectLst/>
+              </a:rPr>
+              <a:t> determines the return type of the method in order for a join point to be matched. It is mandatory. If the return type doesn't matter wildcard * is used.</a:t>
+            </a:r>
+          </a:p>
+          <a:p>
+            <a:endParaRPr lang="en-US" sz="2000" dirty="0">
+              <a:solidFill>
+                <a:schemeClr val="tx1">
+                  <a:lumMod val="65000"/>
+                  <a:lumOff val="35000"/>
+                </a:schemeClr>
+              </a:solidFill>
+              <a:effectLst/>
+            </a:endParaRPr>
+          </a:p>
+          <a:p>
+            <a:pPr>
+              <a:buFont typeface="Arial" panose="020B0604020202020204" pitchFamily="34" charset="0"/>
+              <a:buChar char="•"/>
+            </a:pPr>
+            <a:r>
+              <a:rPr lang="en-US" sz="2000" b="1" dirty="0">
+                <a:solidFill>
+                  <a:schemeClr val="tx1">
+                    <a:lumMod val="65000"/>
+                    <a:lumOff val="35000"/>
+                  </a:schemeClr>
+                </a:solidFill>
+                <a:effectLst/>
+              </a:rPr>
+              <a:t>&lt;fully qualified class name&gt;</a:t>
+            </a:r>
+            <a:r>
+              <a:rPr lang="en-US" sz="2000" dirty="0">
+                <a:solidFill>
+                  <a:schemeClr val="tx1">
+                    <a:lumMod val="65000"/>
+                    <a:lumOff val="35000"/>
+                  </a:schemeClr>
+                </a:solidFill>
+                <a:effectLst/>
+              </a:rPr>
+              <a:t> specifies the fully qualified name of the class which has methods on the execution of which advice gets executed. It is optional. You can also use * wildcard as name or part of a name.</a:t>
+            </a:r>
+          </a:p>
+          <a:p>
+            <a:endParaRPr lang="en-US" sz="2000" dirty="0">
+              <a:solidFill>
+                <a:schemeClr val="tx1">
+                  <a:lumMod val="65000"/>
+                  <a:lumOff val="35000"/>
+                </a:schemeClr>
+              </a:solidFill>
+              <a:effectLst/>
+            </a:endParaRPr>
+          </a:p>
+          <a:p>
+            <a:pPr>
+              <a:buFont typeface="Arial" panose="020B0604020202020204" pitchFamily="34" charset="0"/>
+              <a:buChar char="•"/>
+            </a:pPr>
+            <a:r>
+              <a:rPr lang="en-US" sz="2000" b="1" dirty="0">
+                <a:solidFill>
+                  <a:schemeClr val="tx1">
+                    <a:lumMod val="65000"/>
+                    <a:lumOff val="35000"/>
+                  </a:schemeClr>
+                </a:solidFill>
+                <a:effectLst/>
+              </a:rPr>
+              <a:t>&lt;method-name&gt;</a:t>
+            </a:r>
+            <a:r>
+              <a:rPr lang="en-US" sz="2000" dirty="0">
+                <a:solidFill>
+                  <a:schemeClr val="tx1">
+                    <a:lumMod val="65000"/>
+                    <a:lumOff val="35000"/>
+                  </a:schemeClr>
+                </a:solidFill>
+                <a:effectLst/>
+              </a:rPr>
+              <a:t> specifies the name of the method on the execution of which advice gets executed. It is mandatory. You can also use * wildcard as name or part of a name.</a:t>
+            </a:r>
+          </a:p>
+          <a:p>
+            <a:endParaRPr lang="en-US" sz="2000" dirty="0">
+              <a:solidFill>
+                <a:schemeClr val="tx1">
+                  <a:lumMod val="65000"/>
+                  <a:lumOff val="35000"/>
+                </a:schemeClr>
+              </a:solidFill>
+              <a:effectLst/>
+            </a:endParaRPr>
+          </a:p>
+          <a:p>
+            <a:pPr>
+              <a:buFont typeface="Arial" panose="020B0604020202020204" pitchFamily="34" charset="0"/>
+              <a:buChar char="•"/>
+            </a:pPr>
+            <a:r>
+              <a:rPr lang="en-US" sz="2000" b="1" dirty="0">
+                <a:solidFill>
+                  <a:schemeClr val="tx1">
+                    <a:lumMod val="65000"/>
+                    <a:lumOff val="35000"/>
+                  </a:schemeClr>
+                </a:solidFill>
+                <a:effectLst/>
+              </a:rPr>
+              <a:t>parameters </a:t>
+            </a:r>
+            <a:r>
+              <a:rPr lang="en-US" sz="2000" dirty="0">
+                <a:solidFill>
+                  <a:schemeClr val="tx1">
+                    <a:lumMod val="65000"/>
+                    <a:lumOff val="35000"/>
+                  </a:schemeClr>
+                </a:solidFill>
+                <a:effectLst/>
+              </a:rPr>
+              <a:t>are used for matching parameters. To skip parameter filtering, use two dots </a:t>
+            </a:r>
+            <a:r>
+              <a:rPr lang="en-US" sz="2000" b="1" dirty="0">
+                <a:solidFill>
+                  <a:schemeClr val="tx1">
+                    <a:lumMod val="65000"/>
+                    <a:lumOff val="35000"/>
+                  </a:schemeClr>
+                </a:solidFill>
+                <a:effectLst/>
+              </a:rPr>
+              <a:t>..</a:t>
+            </a:r>
+            <a:r>
+              <a:rPr lang="en-US" sz="2000" dirty="0">
+                <a:solidFill>
+                  <a:schemeClr val="tx1">
+                    <a:lumMod val="65000"/>
+                    <a:lumOff val="35000"/>
+                  </a:schemeClr>
+                </a:solidFill>
+                <a:effectLst/>
+              </a:rPr>
+              <a:t> as parameters.</a:t>
+            </a:r>
+          </a:p>
+          <a:p>
+            <a:r>
+              <a:rPr lang="en-US" sz="2000" dirty="0">
+                <a:solidFill>
+                  <a:schemeClr val="tx1">
+                    <a:lumMod val="65000"/>
+                    <a:lumOff val="35000"/>
+                  </a:schemeClr>
+                </a:solidFill>
+                <a:effectLst/>
+              </a:rPr>
+              <a:t>The following are some examples of pointcut expressions:</a:t>
+            </a:r>
+          </a:p>
+        </p:txBody>
+      </p:sp>
+    </p:spTree>
+    <p:extLst>
+      <p:ext uri="{BB962C8B-B14F-4D97-AF65-F5344CB8AC3E}">
+        <p14:creationId xmlns:p14="http://schemas.microsoft.com/office/powerpoint/2010/main" val="2072168027"/>
+      </p:ext>
+    </p:extLst>
+  </p:cSld>
+  <p:clrMapOvr>
+    <a:masterClrMapping/>
+  </p:clrMapOvr>
+</p:sld>
+</file>
+
+<file path=ppt/slides/slide122.xml><?xml version="1.0" encoding="utf-8"?>
+<p:sld xmlns:a="http://schemas.openxmlformats.org/drawingml/2006/main" xmlns:r="http://schemas.openxmlformats.org/officeDocument/2006/relationships" xmlns:p="http://schemas.openxmlformats.org/presentationml/2006/main">
+  <p:cSld>
+    <p:spTree>
+      <p:nvGrpSpPr>
+        <p:cNvPr id="1" name=""/>
+        <p:cNvGrpSpPr/>
+        <p:nvPr/>
+      </p:nvGrpSpPr>
+      <p:grpSpPr>
+        <a:xfrm>
+          <a:off x="0" y="0"/>
+          <a:ext cx="0" cy="0"/>
+          <a:chOff x="0" y="0"/>
+          <a:chExt cx="0" cy="0"/>
+        </a:xfrm>
+      </p:grpSpPr>
+      <p:sp>
+        <p:nvSpPr>
+          <p:cNvPr id="2" name="Footer Placeholder 1">
+            <a:extLst>
+              <a:ext uri="{FF2B5EF4-FFF2-40B4-BE49-F238E27FC236}">
+                <a16:creationId xmlns:a16="http://schemas.microsoft.com/office/drawing/2014/main" id="{F006540E-DE02-D8FD-4FD2-7DD2983A7CEB}"/>
+              </a:ext>
+            </a:extLst>
+          </p:cNvPr>
+          <p:cNvSpPr>
+            <a:spLocks noGrp="1"/>
+          </p:cNvSpPr>
+          <p:nvPr>
+            <p:ph type="ftr" sz="quarter" idx="11"/>
+          </p:nvPr>
+        </p:nvSpPr>
+        <p:spPr/>
+        <p:txBody>
+          <a:bodyPr/>
+          <a:lstStyle/>
+          <a:p>
+            <a:r>
+              <a:rPr lang="en-IN"/>
+              <a:t>H&amp;D IT Solution</a:t>
+            </a:r>
+            <a:endParaRPr lang="en-IN" dirty="0"/>
+          </a:p>
+        </p:txBody>
+      </p:sp>
+      <p:sp>
+        <p:nvSpPr>
+          <p:cNvPr id="3" name="Slide Number Placeholder 2">
+            <a:extLst>
+              <a:ext uri="{FF2B5EF4-FFF2-40B4-BE49-F238E27FC236}">
+                <a16:creationId xmlns:a16="http://schemas.microsoft.com/office/drawing/2014/main" id="{046F13D4-C03C-A67B-E225-E473553DA1D4}"/>
+              </a:ext>
+            </a:extLst>
+          </p:cNvPr>
+          <p:cNvSpPr>
+            <a:spLocks noGrp="1"/>
+          </p:cNvSpPr>
+          <p:nvPr>
+            <p:ph type="sldNum" sz="quarter" idx="12"/>
+          </p:nvPr>
+        </p:nvSpPr>
+        <p:spPr/>
+        <p:txBody>
+          <a:bodyPr/>
+          <a:lstStyle/>
+          <a:p>
+            <a:fld id="{4A777409-9C5A-4B07-8E32-19F22F7D558C}" type="slidenum">
+              <a:rPr lang="en-IN" smtClean="0"/>
+              <a:t>122</a:t>
+            </a:fld>
+            <a:endParaRPr lang="en-IN" dirty="0"/>
+          </a:p>
+        </p:txBody>
+      </p:sp>
+      <p:pic>
+        <p:nvPicPr>
+          <p:cNvPr id="5" name="Picture 4">
+            <a:extLst>
+              <a:ext uri="{FF2B5EF4-FFF2-40B4-BE49-F238E27FC236}">
+                <a16:creationId xmlns:a16="http://schemas.microsoft.com/office/drawing/2014/main" id="{50A81780-72CE-ADD2-651D-46B3095B8FC3}"/>
+              </a:ext>
+            </a:extLst>
+          </p:cNvPr>
+          <p:cNvPicPr>
+            <a:picLocks noChangeAspect="1"/>
+          </p:cNvPicPr>
+          <p:nvPr/>
+        </p:nvPicPr>
+        <p:blipFill>
+          <a:blip r:embed="rId2"/>
+          <a:stretch>
+            <a:fillRect/>
+          </a:stretch>
+        </p:blipFill>
+        <p:spPr>
+          <a:xfrm>
+            <a:off x="0" y="911480"/>
+            <a:ext cx="12192000" cy="3076058"/>
+          </a:xfrm>
+          <a:prstGeom prst="rect">
+            <a:avLst/>
+          </a:prstGeom>
+        </p:spPr>
+      </p:pic>
+    </p:spTree>
+    <p:extLst>
+      <p:ext uri="{BB962C8B-B14F-4D97-AF65-F5344CB8AC3E}">
+        <p14:creationId xmlns:p14="http://schemas.microsoft.com/office/powerpoint/2010/main" val="428856022"/>
+      </p:ext>
+    </p:extLst>
+  </p:cSld>
+  <p:clrMapOvr>
+    <a:masterClrMapping/>
+  </p:clrMapOvr>
+</p:sld>
+</file>
+
+<file path=ppt/slides/slide123.xml><?xml version="1.0" encoding="utf-8"?>
+<p:sld xmlns:a="http://schemas.openxmlformats.org/drawingml/2006/main" xmlns:r="http://schemas.openxmlformats.org/officeDocument/2006/relationships" xmlns:p="http://schemas.openxmlformats.org/presentationml/2006/main">
+  <p:cSld>
+    <p:spTree>
+      <p:nvGrpSpPr>
+        <p:cNvPr id="1" name=""/>
+        <p:cNvGrpSpPr/>
+        <p:nvPr/>
+      </p:nvGrpSpPr>
+      <p:grpSpPr>
+        <a:xfrm>
+          <a:off x="0" y="0"/>
+          <a:ext cx="0" cy="0"/>
+          <a:chOff x="0" y="0"/>
+          <a:chExt cx="0" cy="0"/>
+        </a:xfrm>
+      </p:grpSpPr>
+      <p:sp>
+        <p:nvSpPr>
+          <p:cNvPr id="2" name="Footer Placeholder 1">
+            <a:extLst>
+              <a:ext uri="{FF2B5EF4-FFF2-40B4-BE49-F238E27FC236}">
+                <a16:creationId xmlns:a16="http://schemas.microsoft.com/office/drawing/2014/main" id="{D5E88C2D-F54A-1FF3-617F-317F66752516}"/>
+              </a:ext>
+            </a:extLst>
+          </p:cNvPr>
+          <p:cNvSpPr>
+            <a:spLocks noGrp="1"/>
+          </p:cNvSpPr>
+          <p:nvPr>
+            <p:ph type="ftr" sz="quarter" idx="11"/>
+          </p:nvPr>
+        </p:nvSpPr>
+        <p:spPr/>
+        <p:txBody>
+          <a:bodyPr/>
+          <a:lstStyle/>
+          <a:p>
+            <a:r>
+              <a:rPr lang="en-IN"/>
+              <a:t>H&amp;D IT Solution</a:t>
+            </a:r>
+            <a:endParaRPr lang="en-IN" dirty="0"/>
+          </a:p>
+        </p:txBody>
+      </p:sp>
+      <p:sp>
+        <p:nvSpPr>
+          <p:cNvPr id="3" name="Slide Number Placeholder 2">
+            <a:extLst>
+              <a:ext uri="{FF2B5EF4-FFF2-40B4-BE49-F238E27FC236}">
+                <a16:creationId xmlns:a16="http://schemas.microsoft.com/office/drawing/2014/main" id="{A9CC75F1-6C39-195A-A3A5-747588898EC1}"/>
+              </a:ext>
+            </a:extLst>
+          </p:cNvPr>
+          <p:cNvSpPr>
+            <a:spLocks noGrp="1"/>
+          </p:cNvSpPr>
+          <p:nvPr>
+            <p:ph type="sldNum" sz="quarter" idx="12"/>
+          </p:nvPr>
+        </p:nvSpPr>
+        <p:spPr/>
+        <p:txBody>
+          <a:bodyPr/>
+          <a:lstStyle/>
+          <a:p>
+            <a:fld id="{4A777409-9C5A-4B07-8E32-19F22F7D558C}" type="slidenum">
+              <a:rPr lang="en-IN" smtClean="0"/>
+              <a:t>123</a:t>
+            </a:fld>
+            <a:endParaRPr lang="en-IN" dirty="0"/>
+          </a:p>
+        </p:txBody>
+      </p:sp>
+      <p:sp>
+        <p:nvSpPr>
+          <p:cNvPr id="4" name="TextBox 3">
+            <a:extLst>
+              <a:ext uri="{FF2B5EF4-FFF2-40B4-BE49-F238E27FC236}">
+                <a16:creationId xmlns:a16="http://schemas.microsoft.com/office/drawing/2014/main" id="{91BE60C0-F370-AE4E-43FC-655DEE77D1EB}"/>
+              </a:ext>
+            </a:extLst>
+          </p:cNvPr>
+          <p:cNvSpPr txBox="1"/>
+          <p:nvPr/>
+        </p:nvSpPr>
+        <p:spPr>
+          <a:xfrm>
+            <a:off x="947394" y="522343"/>
+            <a:ext cx="11495988" cy="461665"/>
+          </a:xfrm>
+          <a:prstGeom prst="rect">
+            <a:avLst/>
+          </a:prstGeom>
+          <a:noFill/>
+        </p:spPr>
+        <p:txBody>
+          <a:bodyPr wrap="square">
+            <a:spAutoFit/>
+          </a:bodyPr>
+          <a:lstStyle/>
+          <a:p>
+            <a:r>
+              <a:rPr lang="en-IN" sz="2400" b="1" dirty="0"/>
+              <a:t>Configuring AOP in Spring Boot </a:t>
+            </a:r>
+          </a:p>
+        </p:txBody>
+      </p:sp>
+      <p:sp>
+        <p:nvSpPr>
+          <p:cNvPr id="6" name="TextBox 5">
+            <a:extLst>
+              <a:ext uri="{FF2B5EF4-FFF2-40B4-BE49-F238E27FC236}">
+                <a16:creationId xmlns:a16="http://schemas.microsoft.com/office/drawing/2014/main" id="{CE3F9001-699B-0F5D-402F-C9ED685099F5}"/>
+              </a:ext>
+            </a:extLst>
+          </p:cNvPr>
+          <p:cNvSpPr txBox="1"/>
+          <p:nvPr/>
+        </p:nvSpPr>
+        <p:spPr>
+          <a:xfrm>
+            <a:off x="169680" y="1109707"/>
+            <a:ext cx="11495987" cy="707886"/>
+          </a:xfrm>
+          <a:prstGeom prst="rect">
+            <a:avLst/>
+          </a:prstGeom>
+          <a:noFill/>
+        </p:spPr>
+        <p:txBody>
+          <a:bodyPr wrap="square">
+            <a:spAutoFit/>
+          </a:bodyPr>
+          <a:lstStyle/>
+          <a:p>
+            <a:r>
+              <a:rPr lang="en-US" sz="2000" dirty="0">
+                <a:solidFill>
+                  <a:schemeClr val="tx1">
+                    <a:lumMod val="65000"/>
+                    <a:lumOff val="35000"/>
+                  </a:schemeClr>
+                </a:solidFill>
+              </a:rPr>
+              <a:t>To use Spring AOP and AspectJ in Spring Boot project you have to add </a:t>
+            </a:r>
+            <a:r>
+              <a:rPr lang="en-US" sz="2000" b="1" dirty="0">
+                <a:solidFill>
+                  <a:schemeClr val="tx1">
+                    <a:lumMod val="65000"/>
+                    <a:lumOff val="35000"/>
+                  </a:schemeClr>
+                </a:solidFill>
+              </a:rPr>
+              <a:t>spring-boot-starter-</a:t>
+            </a:r>
+            <a:r>
+              <a:rPr lang="en-US" sz="2000" b="1" dirty="0" err="1">
+                <a:solidFill>
+                  <a:schemeClr val="tx1">
+                    <a:lumMod val="65000"/>
+                    <a:lumOff val="35000"/>
+                  </a:schemeClr>
+                </a:solidFill>
+              </a:rPr>
+              <a:t>aop</a:t>
+            </a:r>
+            <a:r>
+              <a:rPr lang="en-US" sz="2000" dirty="0">
+                <a:solidFill>
+                  <a:schemeClr val="tx1">
+                    <a:lumMod val="65000"/>
+                    <a:lumOff val="35000"/>
+                  </a:schemeClr>
+                </a:solidFill>
+              </a:rPr>
+              <a:t> starter in pom.xml file as follows:</a:t>
+            </a:r>
+            <a:endParaRPr lang="en-IN" sz="2000" dirty="0">
+              <a:solidFill>
+                <a:schemeClr val="tx1">
+                  <a:lumMod val="65000"/>
+                  <a:lumOff val="35000"/>
+                </a:schemeClr>
+              </a:solidFill>
+            </a:endParaRPr>
+          </a:p>
+        </p:txBody>
+      </p:sp>
+      <p:sp>
+        <p:nvSpPr>
+          <p:cNvPr id="8" name="TextBox 7">
+            <a:extLst>
+              <a:ext uri="{FF2B5EF4-FFF2-40B4-BE49-F238E27FC236}">
+                <a16:creationId xmlns:a16="http://schemas.microsoft.com/office/drawing/2014/main" id="{0E1D4FC8-5677-5973-8867-C66FFBB9A9AC}"/>
+              </a:ext>
+            </a:extLst>
+          </p:cNvPr>
+          <p:cNvSpPr txBox="1"/>
+          <p:nvPr/>
+        </p:nvSpPr>
+        <p:spPr>
+          <a:xfrm>
+            <a:off x="254522" y="2053057"/>
+            <a:ext cx="11001081" cy="1200329"/>
+          </a:xfrm>
+          <a:prstGeom prst="rect">
+            <a:avLst/>
+          </a:prstGeom>
+          <a:noFill/>
+        </p:spPr>
+        <p:txBody>
+          <a:bodyPr wrap="square">
+            <a:spAutoFit/>
+          </a:bodyPr>
+          <a:lstStyle/>
+          <a:p>
+            <a:r>
+              <a:rPr lang="en-IN" dirty="0"/>
+              <a:t>&lt;dependency&gt;</a:t>
+            </a:r>
+          </a:p>
+          <a:p>
+            <a:r>
+              <a:rPr lang="en-IN" dirty="0"/>
+              <a:t>    &lt;</a:t>
+            </a:r>
+            <a:r>
+              <a:rPr lang="en-IN" dirty="0" err="1"/>
+              <a:t>groupId</a:t>
+            </a:r>
+            <a:r>
+              <a:rPr lang="en-IN" dirty="0"/>
+              <a:t>&gt;</a:t>
+            </a:r>
+            <a:r>
+              <a:rPr lang="en-IN" dirty="0" err="1"/>
+              <a:t>org.springframework.boot</a:t>
+            </a:r>
+            <a:r>
+              <a:rPr lang="en-IN" dirty="0"/>
+              <a:t>&lt;/</a:t>
+            </a:r>
+            <a:r>
+              <a:rPr lang="en-IN" dirty="0" err="1"/>
+              <a:t>groupId</a:t>
+            </a:r>
+            <a:r>
+              <a:rPr lang="en-IN" dirty="0"/>
+              <a:t>&gt;</a:t>
+            </a:r>
+          </a:p>
+          <a:p>
+            <a:r>
+              <a:rPr lang="en-IN" dirty="0"/>
+              <a:t>    &lt;</a:t>
+            </a:r>
+            <a:r>
+              <a:rPr lang="en-IN" dirty="0" err="1"/>
+              <a:t>artifactId</a:t>
+            </a:r>
+            <a:r>
+              <a:rPr lang="en-IN" dirty="0"/>
+              <a:t>&gt;spring-boot-starter-</a:t>
+            </a:r>
+            <a:r>
+              <a:rPr lang="en-IN" dirty="0" err="1"/>
+              <a:t>aop</a:t>
+            </a:r>
+            <a:r>
+              <a:rPr lang="en-IN" dirty="0"/>
+              <a:t>&lt;/</a:t>
+            </a:r>
+            <a:r>
+              <a:rPr lang="en-IN" dirty="0" err="1"/>
+              <a:t>artifactId</a:t>
+            </a:r>
+            <a:r>
+              <a:rPr lang="en-IN" dirty="0"/>
+              <a:t>&gt;</a:t>
+            </a:r>
+          </a:p>
+          <a:p>
+            <a:r>
+              <a:rPr lang="en-IN" dirty="0"/>
+              <a:t>&lt;/dependency&gt;</a:t>
+            </a:r>
+          </a:p>
+        </p:txBody>
+      </p:sp>
+      <p:sp>
+        <p:nvSpPr>
+          <p:cNvPr id="10" name="TextBox 9">
+            <a:extLst>
+              <a:ext uri="{FF2B5EF4-FFF2-40B4-BE49-F238E27FC236}">
+                <a16:creationId xmlns:a16="http://schemas.microsoft.com/office/drawing/2014/main" id="{97D91333-5983-EE69-8288-786C8DAFAAD3}"/>
+              </a:ext>
+            </a:extLst>
+          </p:cNvPr>
+          <p:cNvSpPr txBox="1"/>
+          <p:nvPr/>
+        </p:nvSpPr>
+        <p:spPr>
+          <a:xfrm>
+            <a:off x="169680" y="3583773"/>
+            <a:ext cx="11660958" cy="1938992"/>
+          </a:xfrm>
+          <a:prstGeom prst="rect">
+            <a:avLst/>
+          </a:prstGeom>
+          <a:noFill/>
+        </p:spPr>
+        <p:txBody>
+          <a:bodyPr wrap="square">
+            <a:spAutoFit/>
+          </a:bodyPr>
+          <a:lstStyle/>
+          <a:p>
+            <a:r>
+              <a:rPr lang="en-US" sz="2000" dirty="0">
+                <a:solidFill>
+                  <a:schemeClr val="tx1">
+                    <a:lumMod val="65000"/>
+                    <a:lumOff val="35000"/>
+                  </a:schemeClr>
+                </a:solidFill>
+                <a:effectLst/>
+              </a:rPr>
+              <a:t>This starter adds following key dependencies: </a:t>
+            </a:r>
+          </a:p>
+          <a:p>
+            <a:endParaRPr lang="en-US" sz="2000" dirty="0">
+              <a:solidFill>
+                <a:schemeClr val="tx1">
+                  <a:lumMod val="65000"/>
+                  <a:lumOff val="35000"/>
+                </a:schemeClr>
+              </a:solidFill>
+              <a:effectLst/>
+            </a:endParaRPr>
+          </a:p>
+          <a:p>
+            <a:pPr>
+              <a:buFont typeface="Arial" panose="020B0604020202020204" pitchFamily="34" charset="0"/>
+              <a:buChar char="•"/>
+            </a:pPr>
+            <a:r>
+              <a:rPr lang="en-US" sz="2000" dirty="0">
+                <a:solidFill>
+                  <a:schemeClr val="tx1">
+                    <a:lumMod val="65000"/>
+                    <a:lumOff val="35000"/>
+                  </a:schemeClr>
+                </a:solidFill>
+                <a:effectLst/>
+              </a:rPr>
+              <a:t>Spring AOP which provides basic AOP capabilities</a:t>
+            </a:r>
+          </a:p>
+          <a:p>
+            <a:pPr>
+              <a:buFont typeface="Arial" panose="020B0604020202020204" pitchFamily="34" charset="0"/>
+              <a:buChar char="•"/>
+            </a:pPr>
+            <a:r>
+              <a:rPr lang="en-US" sz="2000" dirty="0">
+                <a:solidFill>
+                  <a:schemeClr val="tx1">
+                    <a:lumMod val="65000"/>
+                    <a:lumOff val="35000"/>
+                  </a:schemeClr>
+                </a:solidFill>
+                <a:effectLst/>
+              </a:rPr>
+              <a:t>AspectJ which provides a complete AOP framework</a:t>
+            </a:r>
+          </a:p>
+          <a:p>
+            <a:r>
+              <a:rPr lang="en-US" sz="2000" dirty="0">
+                <a:solidFill>
+                  <a:schemeClr val="tx1">
+                    <a:lumMod val="65000"/>
+                    <a:lumOff val="35000"/>
+                  </a:schemeClr>
+                </a:solidFill>
+                <a:effectLst/>
+              </a:rPr>
+              <a:t> </a:t>
+            </a:r>
+          </a:p>
+          <a:p>
+            <a:r>
+              <a:rPr lang="en-US" sz="2000" dirty="0">
+                <a:solidFill>
+                  <a:schemeClr val="tx1">
+                    <a:lumMod val="65000"/>
+                    <a:lumOff val="35000"/>
+                  </a:schemeClr>
+                </a:solidFill>
+                <a:effectLst/>
+              </a:rPr>
+              <a:t>Now let us see how you can use </a:t>
+            </a:r>
+            <a:r>
+              <a:rPr lang="en-US" sz="2000" b="1" dirty="0">
+                <a:solidFill>
+                  <a:schemeClr val="tx1">
+                    <a:lumMod val="65000"/>
+                    <a:lumOff val="35000"/>
+                  </a:schemeClr>
+                </a:solidFill>
+                <a:effectLst/>
+              </a:rPr>
+              <a:t>Spring AOP</a:t>
+            </a:r>
+            <a:r>
+              <a:rPr lang="en-US" sz="2000" dirty="0">
+                <a:solidFill>
+                  <a:schemeClr val="tx1">
+                    <a:lumMod val="65000"/>
+                    <a:lumOff val="35000"/>
+                  </a:schemeClr>
+                </a:solidFill>
+                <a:effectLst/>
+              </a:rPr>
+              <a:t> for implementing different types of advices. </a:t>
+            </a:r>
+          </a:p>
+        </p:txBody>
+      </p:sp>
+    </p:spTree>
+    <p:extLst>
+      <p:ext uri="{BB962C8B-B14F-4D97-AF65-F5344CB8AC3E}">
+        <p14:creationId xmlns:p14="http://schemas.microsoft.com/office/powerpoint/2010/main" val="2521795070"/>
+      </p:ext>
+    </p:extLst>
+  </p:cSld>
+  <p:clrMapOvr>
+    <a:masterClrMapping/>
+  </p:clrMapOvr>
+</p:sld>
+</file>
+
+<file path=ppt/slides/slide124.xml><?xml version="1.0" encoding="utf-8"?>
+<p:sld xmlns:a="http://schemas.openxmlformats.org/drawingml/2006/main" xmlns:r="http://schemas.openxmlformats.org/officeDocument/2006/relationships" xmlns:p="http://schemas.openxmlformats.org/presentationml/2006/main">
+  <p:cSld>
+    <p:spTree>
+      <p:nvGrpSpPr>
+        <p:cNvPr id="1" name=""/>
+        <p:cNvGrpSpPr/>
+        <p:nvPr/>
+      </p:nvGrpSpPr>
+      <p:grpSpPr>
+        <a:xfrm>
+          <a:off x="0" y="0"/>
+          <a:ext cx="0" cy="0"/>
+          <a:chOff x="0" y="0"/>
+          <a:chExt cx="0" cy="0"/>
+        </a:xfrm>
+      </p:grpSpPr>
+      <p:sp>
+        <p:nvSpPr>
+          <p:cNvPr id="2" name="Footer Placeholder 1">
+            <a:extLst>
+              <a:ext uri="{FF2B5EF4-FFF2-40B4-BE49-F238E27FC236}">
+                <a16:creationId xmlns:a16="http://schemas.microsoft.com/office/drawing/2014/main" id="{5E7C049F-6A1D-FB30-726C-25F90B688525}"/>
+              </a:ext>
+            </a:extLst>
+          </p:cNvPr>
+          <p:cNvSpPr>
+            <a:spLocks noGrp="1"/>
+          </p:cNvSpPr>
+          <p:nvPr>
+            <p:ph type="ftr" sz="quarter" idx="11"/>
+          </p:nvPr>
+        </p:nvSpPr>
+        <p:spPr/>
+        <p:txBody>
+          <a:bodyPr/>
+          <a:lstStyle/>
+          <a:p>
+            <a:r>
+              <a:rPr lang="en-IN"/>
+              <a:t>H&amp;D IT Solution</a:t>
+            </a:r>
+            <a:endParaRPr lang="en-IN" dirty="0"/>
+          </a:p>
+        </p:txBody>
+      </p:sp>
+      <p:sp>
+        <p:nvSpPr>
+          <p:cNvPr id="3" name="Slide Number Placeholder 2">
+            <a:extLst>
+              <a:ext uri="{FF2B5EF4-FFF2-40B4-BE49-F238E27FC236}">
+                <a16:creationId xmlns:a16="http://schemas.microsoft.com/office/drawing/2014/main" id="{D66B2E70-B7E6-2E24-D754-35187E6A270E}"/>
+              </a:ext>
+            </a:extLst>
+          </p:cNvPr>
+          <p:cNvSpPr>
+            <a:spLocks noGrp="1"/>
+          </p:cNvSpPr>
+          <p:nvPr>
+            <p:ph type="sldNum" sz="quarter" idx="12"/>
+          </p:nvPr>
+        </p:nvSpPr>
+        <p:spPr/>
+        <p:txBody>
+          <a:bodyPr/>
+          <a:lstStyle/>
+          <a:p>
+            <a:fld id="{4A777409-9C5A-4B07-8E32-19F22F7D558C}" type="slidenum">
+              <a:rPr lang="en-IN" smtClean="0"/>
+              <a:t>124</a:t>
+            </a:fld>
+            <a:endParaRPr lang="en-IN" dirty="0"/>
+          </a:p>
+        </p:txBody>
+      </p:sp>
+      <p:sp>
+        <p:nvSpPr>
+          <p:cNvPr id="5" name="TextBox 4">
+            <a:extLst>
+              <a:ext uri="{FF2B5EF4-FFF2-40B4-BE49-F238E27FC236}">
+                <a16:creationId xmlns:a16="http://schemas.microsoft.com/office/drawing/2014/main" id="{182B2B76-67DE-EECD-92D3-423C1F2C815B}"/>
+              </a:ext>
+            </a:extLst>
+          </p:cNvPr>
+          <p:cNvSpPr txBox="1"/>
+          <p:nvPr/>
+        </p:nvSpPr>
+        <p:spPr>
+          <a:xfrm>
+            <a:off x="989029" y="578905"/>
+            <a:ext cx="6099142" cy="461665"/>
+          </a:xfrm>
+          <a:prstGeom prst="rect">
+            <a:avLst/>
+          </a:prstGeom>
+          <a:noFill/>
+        </p:spPr>
+        <p:txBody>
+          <a:bodyPr wrap="square">
+            <a:spAutoFit/>
+          </a:bodyPr>
+          <a:lstStyle/>
+          <a:p>
+            <a:r>
+              <a:rPr lang="en-IN" sz="2400" b="1" dirty="0"/>
+              <a:t>Implementing AOP advices </a:t>
+            </a:r>
+          </a:p>
+        </p:txBody>
+      </p:sp>
+      <p:sp>
+        <p:nvSpPr>
+          <p:cNvPr id="7" name="TextBox 6">
+            <a:extLst>
+              <a:ext uri="{FF2B5EF4-FFF2-40B4-BE49-F238E27FC236}">
+                <a16:creationId xmlns:a16="http://schemas.microsoft.com/office/drawing/2014/main" id="{374F5DE7-409C-F321-DCDF-9A88EA1CADB3}"/>
+              </a:ext>
+            </a:extLst>
+          </p:cNvPr>
+          <p:cNvSpPr txBox="1"/>
+          <p:nvPr/>
+        </p:nvSpPr>
+        <p:spPr>
+          <a:xfrm>
+            <a:off x="174396" y="1247489"/>
+            <a:ext cx="11364012" cy="1323439"/>
+          </a:xfrm>
+          <a:prstGeom prst="rect">
+            <a:avLst/>
+          </a:prstGeom>
+          <a:noFill/>
+        </p:spPr>
+        <p:txBody>
+          <a:bodyPr wrap="square">
+            <a:spAutoFit/>
+          </a:bodyPr>
+          <a:lstStyle/>
+          <a:p>
+            <a:r>
+              <a:rPr lang="en-US" sz="2000" b="1" dirty="0">
+                <a:solidFill>
+                  <a:schemeClr val="tx1">
+                    <a:lumMod val="65000"/>
+                    <a:lumOff val="35000"/>
+                  </a:schemeClr>
+                </a:solidFill>
+                <a:effectLst/>
+              </a:rPr>
+              <a:t>Before advice</a:t>
+            </a:r>
+          </a:p>
+          <a:p>
+            <a:endParaRPr lang="en-US" sz="2000" dirty="0">
+              <a:solidFill>
+                <a:schemeClr val="tx1">
+                  <a:lumMod val="65000"/>
+                  <a:lumOff val="35000"/>
+                </a:schemeClr>
+              </a:solidFill>
+              <a:effectLst/>
+            </a:endParaRPr>
+          </a:p>
+          <a:p>
+            <a:r>
+              <a:rPr lang="en-US" sz="2000" dirty="0">
+                <a:solidFill>
+                  <a:schemeClr val="tx1">
+                    <a:lumMod val="65000"/>
+                    <a:lumOff val="35000"/>
+                  </a:schemeClr>
+                </a:solidFill>
+                <a:effectLst/>
+              </a:rPr>
+              <a:t>This advice is invoked before the actual method call. It is declared using </a:t>
+            </a:r>
+            <a:r>
+              <a:rPr lang="en-US" sz="2000" b="1" dirty="0">
+                <a:solidFill>
+                  <a:schemeClr val="tx1">
+                    <a:lumMod val="65000"/>
+                    <a:lumOff val="35000"/>
+                  </a:schemeClr>
+                </a:solidFill>
+                <a:effectLst/>
+              </a:rPr>
+              <a:t>@Before</a:t>
+            </a:r>
+            <a:r>
+              <a:rPr lang="en-US" sz="2000" dirty="0">
+                <a:solidFill>
+                  <a:schemeClr val="tx1">
+                    <a:lumMod val="65000"/>
+                    <a:lumOff val="35000"/>
+                  </a:schemeClr>
+                </a:solidFill>
+                <a:effectLst/>
+              </a:rPr>
+              <a:t> annotation. The following is an example of this advice:</a:t>
+            </a:r>
+          </a:p>
+        </p:txBody>
+      </p:sp>
+      <p:sp>
+        <p:nvSpPr>
+          <p:cNvPr id="9" name="TextBox 8">
+            <a:extLst>
+              <a:ext uri="{FF2B5EF4-FFF2-40B4-BE49-F238E27FC236}">
+                <a16:creationId xmlns:a16="http://schemas.microsoft.com/office/drawing/2014/main" id="{47287D54-D2A0-2FC2-1FAA-F497E76FE27E}"/>
+              </a:ext>
+            </a:extLst>
+          </p:cNvPr>
+          <p:cNvSpPr txBox="1"/>
+          <p:nvPr/>
+        </p:nvSpPr>
+        <p:spPr>
+          <a:xfrm>
+            <a:off x="174396" y="2774787"/>
+            <a:ext cx="11430000" cy="1200329"/>
+          </a:xfrm>
+          <a:prstGeom prst="rect">
+            <a:avLst/>
+          </a:prstGeom>
+          <a:noFill/>
+        </p:spPr>
+        <p:txBody>
+          <a:bodyPr wrap="square">
+            <a:spAutoFit/>
+          </a:bodyPr>
+          <a:lstStyle/>
+          <a:p>
+            <a:r>
+              <a:rPr lang="en-IN" dirty="0"/>
+              <a:t>@Before("execution(* </a:t>
+            </a:r>
+            <a:r>
+              <a:rPr lang="en-IN" dirty="0" err="1"/>
+              <a:t>com.hnd.service</a:t>
+            </a:r>
+            <a:r>
+              <a:rPr lang="en-IN" dirty="0"/>
+              <a:t>.*</a:t>
+            </a:r>
+            <a:r>
+              <a:rPr lang="en-IN" dirty="0" err="1"/>
+              <a:t>Impl</a:t>
+            </a:r>
+            <a:r>
+              <a:rPr lang="en-IN" dirty="0"/>
+              <a:t>.*(..))")</a:t>
+            </a:r>
+          </a:p>
+          <a:p>
+            <a:r>
+              <a:rPr lang="en-IN" dirty="0"/>
+              <a:t>public void before() throws </a:t>
+            </a:r>
+            <a:r>
+              <a:rPr lang="en-IN" dirty="0" err="1"/>
+              <a:t>hndBankException</a:t>
+            </a:r>
+            <a:r>
+              <a:rPr lang="en-IN" dirty="0"/>
+              <a:t> {</a:t>
+            </a:r>
+          </a:p>
+          <a:p>
+            <a:r>
+              <a:rPr lang="en-IN" dirty="0"/>
+              <a:t>	LOGGER.info("Before advice called.");</a:t>
+            </a:r>
+          </a:p>
+          <a:p>
+            <a:r>
+              <a:rPr lang="en-IN" dirty="0"/>
+              <a:t>}</a:t>
+            </a:r>
+          </a:p>
+        </p:txBody>
+      </p:sp>
+      <p:sp>
+        <p:nvSpPr>
+          <p:cNvPr id="11" name="TextBox 10">
+            <a:extLst>
+              <a:ext uri="{FF2B5EF4-FFF2-40B4-BE49-F238E27FC236}">
+                <a16:creationId xmlns:a16="http://schemas.microsoft.com/office/drawing/2014/main" id="{D095FEFA-F3CE-487F-89CA-964BA3774F07}"/>
+              </a:ext>
+            </a:extLst>
+          </p:cNvPr>
+          <p:cNvSpPr txBox="1"/>
+          <p:nvPr/>
+        </p:nvSpPr>
+        <p:spPr>
+          <a:xfrm>
+            <a:off x="174396" y="4138272"/>
+            <a:ext cx="11769365" cy="2246769"/>
+          </a:xfrm>
+          <a:prstGeom prst="rect">
+            <a:avLst/>
+          </a:prstGeom>
+          <a:noFill/>
+        </p:spPr>
+        <p:txBody>
+          <a:bodyPr wrap="square">
+            <a:spAutoFit/>
+          </a:bodyPr>
+          <a:lstStyle/>
+          <a:p>
+            <a:r>
+              <a:rPr lang="en-US" sz="2000" dirty="0">
+                <a:solidFill>
+                  <a:schemeClr val="tx1">
+                    <a:lumMod val="65000"/>
+                    <a:lumOff val="35000"/>
+                  </a:schemeClr>
+                </a:solidFill>
+                <a:effectLst/>
+              </a:rPr>
+              <a:t>This advice is executed before execution of methods of classes present in </a:t>
+            </a:r>
+            <a:r>
+              <a:rPr lang="en-US" sz="2000" dirty="0" err="1">
+                <a:solidFill>
+                  <a:schemeClr val="tx1">
+                    <a:lumMod val="65000"/>
+                    <a:lumOff val="35000"/>
+                  </a:schemeClr>
+                </a:solidFill>
+                <a:effectLst/>
+              </a:rPr>
+              <a:t>com.</a:t>
+            </a:r>
+            <a:r>
+              <a:rPr lang="en-US" sz="2000" dirty="0" err="1">
+                <a:solidFill>
+                  <a:schemeClr val="tx1">
+                    <a:lumMod val="65000"/>
+                    <a:lumOff val="35000"/>
+                  </a:schemeClr>
+                </a:solidFill>
+              </a:rPr>
+              <a:t>hnd</a:t>
+            </a:r>
+            <a:r>
+              <a:rPr lang="en-US" sz="2000" dirty="0" err="1">
+                <a:solidFill>
+                  <a:schemeClr val="tx1">
+                    <a:lumMod val="65000"/>
+                    <a:lumOff val="35000"/>
+                  </a:schemeClr>
+                </a:solidFill>
+                <a:effectLst/>
+              </a:rPr>
+              <a:t>.service</a:t>
+            </a:r>
+            <a:r>
+              <a:rPr lang="en-US" sz="2000" dirty="0">
+                <a:solidFill>
+                  <a:schemeClr val="tx1">
+                    <a:lumMod val="65000"/>
+                    <a:lumOff val="35000"/>
+                  </a:schemeClr>
+                </a:solidFill>
+                <a:effectLst/>
+              </a:rPr>
+              <a:t> package and whose name ends with </a:t>
+            </a:r>
+            <a:r>
+              <a:rPr lang="en-US" sz="2000" dirty="0" err="1">
+                <a:solidFill>
+                  <a:schemeClr val="tx1">
+                    <a:lumMod val="65000"/>
+                    <a:lumOff val="35000"/>
+                  </a:schemeClr>
+                </a:solidFill>
+                <a:effectLst/>
+              </a:rPr>
+              <a:t>Impl</a:t>
+            </a:r>
+            <a:r>
+              <a:rPr lang="en-US" sz="2000" dirty="0">
+                <a:solidFill>
+                  <a:schemeClr val="tx1">
+                    <a:lumMod val="65000"/>
+                    <a:lumOff val="35000"/>
+                  </a:schemeClr>
+                </a:solidFill>
+                <a:effectLst/>
+              </a:rPr>
+              <a:t>.</a:t>
+            </a:r>
+          </a:p>
+          <a:p>
+            <a:r>
+              <a:rPr lang="en-US" sz="2000" dirty="0">
+                <a:solidFill>
+                  <a:schemeClr val="tx1">
+                    <a:lumMod val="65000"/>
+                    <a:lumOff val="35000"/>
+                  </a:schemeClr>
+                </a:solidFill>
+                <a:effectLst/>
+              </a:rPr>
+              <a:t> </a:t>
+            </a:r>
+          </a:p>
+          <a:p>
+            <a:r>
+              <a:rPr lang="en-US" sz="2000" b="1" dirty="0">
+                <a:solidFill>
+                  <a:schemeClr val="tx1">
+                    <a:lumMod val="65000"/>
+                    <a:lumOff val="35000"/>
+                  </a:schemeClr>
+                </a:solidFill>
+                <a:effectLst/>
+              </a:rPr>
+              <a:t>After Advice</a:t>
+            </a:r>
+            <a:endParaRPr lang="en-US" sz="2000" dirty="0">
+              <a:solidFill>
+                <a:schemeClr val="tx1">
+                  <a:lumMod val="65000"/>
+                  <a:lumOff val="35000"/>
+                </a:schemeClr>
+              </a:solidFill>
+              <a:effectLst/>
+            </a:endParaRPr>
+          </a:p>
+          <a:p>
+            <a:r>
+              <a:rPr lang="en-US" sz="2000" dirty="0">
+                <a:solidFill>
+                  <a:schemeClr val="tx1">
+                    <a:lumMod val="65000"/>
+                    <a:lumOff val="35000"/>
+                  </a:schemeClr>
+                </a:solidFill>
+                <a:effectLst/>
+              </a:rPr>
+              <a:t>This advice is executed after the execution of the actual method, even if it throws exception during execution. It is commonly used for resource cleanup such as temporary files or closing database connections. It is declared using </a:t>
+            </a:r>
+            <a:r>
+              <a:rPr lang="en-US" sz="2000" b="1" dirty="0">
+                <a:solidFill>
+                  <a:schemeClr val="tx1">
+                    <a:lumMod val="65000"/>
+                    <a:lumOff val="35000"/>
+                  </a:schemeClr>
+                </a:solidFill>
+                <a:effectLst/>
+              </a:rPr>
+              <a:t>@After</a:t>
+            </a:r>
+            <a:r>
+              <a:rPr lang="en-US" sz="2000" dirty="0">
+                <a:solidFill>
+                  <a:schemeClr val="tx1">
+                    <a:lumMod val="65000"/>
+                    <a:lumOff val="35000"/>
+                  </a:schemeClr>
+                </a:solidFill>
+                <a:effectLst/>
+              </a:rPr>
+              <a:t> annotation. The following is an example of this advice :</a:t>
+            </a:r>
+          </a:p>
+        </p:txBody>
+      </p:sp>
+    </p:spTree>
+    <p:extLst>
+      <p:ext uri="{BB962C8B-B14F-4D97-AF65-F5344CB8AC3E}">
+        <p14:creationId xmlns:p14="http://schemas.microsoft.com/office/powerpoint/2010/main" val="591589072"/>
+      </p:ext>
+    </p:extLst>
+  </p:cSld>
+  <p:clrMapOvr>
+    <a:masterClrMapping/>
+  </p:clrMapOvr>
+</p:sld>
+</file>
+
+<file path=ppt/slides/slide125.xml><?xml version="1.0" encoding="utf-8"?>
+<p:sld xmlns:a="http://schemas.openxmlformats.org/drawingml/2006/main" xmlns:r="http://schemas.openxmlformats.org/officeDocument/2006/relationships" xmlns:p="http://schemas.openxmlformats.org/presentationml/2006/main">
+  <p:cSld>
+    <p:spTree>
+      <p:nvGrpSpPr>
+        <p:cNvPr id="1" name=""/>
+        <p:cNvGrpSpPr/>
+        <p:nvPr/>
+      </p:nvGrpSpPr>
+      <p:grpSpPr>
+        <a:xfrm>
+          <a:off x="0" y="0"/>
+          <a:ext cx="0" cy="0"/>
+          <a:chOff x="0" y="0"/>
+          <a:chExt cx="0" cy="0"/>
+        </a:xfrm>
+      </p:grpSpPr>
+      <p:sp>
+        <p:nvSpPr>
+          <p:cNvPr id="2" name="Footer Placeholder 1">
+            <a:extLst>
+              <a:ext uri="{FF2B5EF4-FFF2-40B4-BE49-F238E27FC236}">
+                <a16:creationId xmlns:a16="http://schemas.microsoft.com/office/drawing/2014/main" id="{8BB013F5-039D-F142-1C8E-4CBA76778F05}"/>
+              </a:ext>
+            </a:extLst>
+          </p:cNvPr>
+          <p:cNvSpPr>
+            <a:spLocks noGrp="1"/>
+          </p:cNvSpPr>
+          <p:nvPr>
+            <p:ph type="ftr" sz="quarter" idx="11"/>
+          </p:nvPr>
+        </p:nvSpPr>
+        <p:spPr/>
+        <p:txBody>
+          <a:bodyPr/>
+          <a:lstStyle/>
+          <a:p>
+            <a:r>
+              <a:rPr lang="en-IN"/>
+              <a:t>H&amp;D IT Solution</a:t>
+            </a:r>
+            <a:endParaRPr lang="en-IN" dirty="0"/>
+          </a:p>
+        </p:txBody>
+      </p:sp>
+      <p:sp>
+        <p:nvSpPr>
+          <p:cNvPr id="3" name="Slide Number Placeholder 2">
+            <a:extLst>
+              <a:ext uri="{FF2B5EF4-FFF2-40B4-BE49-F238E27FC236}">
+                <a16:creationId xmlns:a16="http://schemas.microsoft.com/office/drawing/2014/main" id="{4BC89F28-E43B-9061-8708-A74F18BF8005}"/>
+              </a:ext>
+            </a:extLst>
+          </p:cNvPr>
+          <p:cNvSpPr>
+            <a:spLocks noGrp="1"/>
+          </p:cNvSpPr>
+          <p:nvPr>
+            <p:ph type="sldNum" sz="quarter" idx="12"/>
+          </p:nvPr>
+        </p:nvSpPr>
+        <p:spPr/>
+        <p:txBody>
+          <a:bodyPr/>
+          <a:lstStyle/>
+          <a:p>
+            <a:fld id="{4A777409-9C5A-4B07-8E32-19F22F7D558C}" type="slidenum">
+              <a:rPr lang="en-IN" smtClean="0"/>
+              <a:t>125</a:t>
+            </a:fld>
+            <a:endParaRPr lang="en-IN" dirty="0"/>
+          </a:p>
+        </p:txBody>
+      </p:sp>
+      <p:sp>
+        <p:nvSpPr>
+          <p:cNvPr id="5" name="TextBox 4">
+            <a:extLst>
+              <a:ext uri="{FF2B5EF4-FFF2-40B4-BE49-F238E27FC236}">
+                <a16:creationId xmlns:a16="http://schemas.microsoft.com/office/drawing/2014/main" id="{EB7FF31E-A219-638B-126D-EBA3BC4F282D}"/>
+              </a:ext>
+            </a:extLst>
+          </p:cNvPr>
+          <p:cNvSpPr txBox="1"/>
+          <p:nvPr/>
+        </p:nvSpPr>
+        <p:spPr>
+          <a:xfrm>
+            <a:off x="881406" y="559333"/>
+            <a:ext cx="10628722" cy="1200329"/>
+          </a:xfrm>
+          <a:prstGeom prst="rect">
+            <a:avLst/>
+          </a:prstGeom>
+          <a:noFill/>
+        </p:spPr>
+        <p:txBody>
+          <a:bodyPr wrap="square">
+            <a:spAutoFit/>
+          </a:bodyPr>
+          <a:lstStyle/>
+          <a:p>
+            <a:r>
+              <a:rPr lang="en-IN" dirty="0"/>
+              <a:t>@After("execution(* </a:t>
+            </a:r>
+            <a:r>
+              <a:rPr lang="en-IN" dirty="0" err="1"/>
+              <a:t>com.hnd.service</a:t>
+            </a:r>
+            <a:r>
+              <a:rPr lang="en-IN" dirty="0"/>
+              <a:t>.*</a:t>
+            </a:r>
+            <a:r>
+              <a:rPr lang="en-IN" dirty="0" err="1"/>
+              <a:t>Impl</a:t>
+            </a:r>
+            <a:r>
+              <a:rPr lang="en-IN" dirty="0"/>
+              <a:t>.*(..))")</a:t>
+            </a:r>
+          </a:p>
+          <a:p>
+            <a:r>
+              <a:rPr lang="en-IN" dirty="0"/>
+              <a:t>public void after() throws </a:t>
+            </a:r>
+            <a:r>
+              <a:rPr lang="en-IN" dirty="0" err="1"/>
+              <a:t>hndBankException</a:t>
+            </a:r>
+            <a:r>
+              <a:rPr lang="en-IN" dirty="0"/>
+              <a:t> {</a:t>
+            </a:r>
+          </a:p>
+          <a:p>
+            <a:r>
+              <a:rPr lang="en-IN" dirty="0"/>
+              <a:t>	LOGGER.info("After advice called.");</a:t>
+            </a:r>
+          </a:p>
+          <a:p>
+            <a:r>
+              <a:rPr lang="en-IN" dirty="0"/>
+              <a:t>}</a:t>
+            </a:r>
+          </a:p>
+        </p:txBody>
+      </p:sp>
+      <p:sp>
+        <p:nvSpPr>
+          <p:cNvPr id="7" name="TextBox 6">
+            <a:extLst>
+              <a:ext uri="{FF2B5EF4-FFF2-40B4-BE49-F238E27FC236}">
+                <a16:creationId xmlns:a16="http://schemas.microsoft.com/office/drawing/2014/main" id="{32E8668A-1EA9-92D3-1A12-720F094EC8A7}"/>
+              </a:ext>
+            </a:extLst>
+          </p:cNvPr>
+          <p:cNvSpPr txBox="1"/>
+          <p:nvPr/>
+        </p:nvSpPr>
+        <p:spPr>
+          <a:xfrm>
+            <a:off x="193249" y="2063999"/>
+            <a:ext cx="11797646" cy="1938992"/>
+          </a:xfrm>
+          <a:prstGeom prst="rect">
+            <a:avLst/>
+          </a:prstGeom>
+          <a:noFill/>
+        </p:spPr>
+        <p:txBody>
+          <a:bodyPr wrap="square">
+            <a:spAutoFit/>
+          </a:bodyPr>
+          <a:lstStyle/>
+          <a:p>
+            <a:r>
+              <a:rPr lang="en-US" sz="2000" dirty="0">
+                <a:solidFill>
+                  <a:schemeClr val="tx1">
+                    <a:lumMod val="65000"/>
+                    <a:lumOff val="35000"/>
+                  </a:schemeClr>
+                </a:solidFill>
+                <a:effectLst/>
+              </a:rPr>
+              <a:t>This advice is executed after execution of methods of classes present in </a:t>
+            </a:r>
+            <a:r>
+              <a:rPr lang="en-US" sz="2000" dirty="0" err="1">
+                <a:solidFill>
+                  <a:schemeClr val="tx1">
+                    <a:lumMod val="65000"/>
+                    <a:lumOff val="35000"/>
+                  </a:schemeClr>
+                </a:solidFill>
+                <a:effectLst/>
+              </a:rPr>
+              <a:t>com.</a:t>
+            </a:r>
+            <a:r>
+              <a:rPr lang="en-US" sz="2000" dirty="0" err="1">
+                <a:solidFill>
+                  <a:schemeClr val="tx1">
+                    <a:lumMod val="65000"/>
+                    <a:lumOff val="35000"/>
+                  </a:schemeClr>
+                </a:solidFill>
+              </a:rPr>
+              <a:t>hnd</a:t>
+            </a:r>
+            <a:r>
+              <a:rPr lang="en-US" sz="2000" dirty="0" err="1">
+                <a:solidFill>
+                  <a:schemeClr val="tx1">
+                    <a:lumMod val="65000"/>
+                    <a:lumOff val="35000"/>
+                  </a:schemeClr>
+                </a:solidFill>
+                <a:effectLst/>
+              </a:rPr>
+              <a:t>.service</a:t>
+            </a:r>
+            <a:r>
+              <a:rPr lang="en-US" sz="2000" dirty="0">
+                <a:solidFill>
+                  <a:schemeClr val="tx1">
+                    <a:lumMod val="65000"/>
+                    <a:lumOff val="35000"/>
+                  </a:schemeClr>
+                </a:solidFill>
+                <a:effectLst/>
+              </a:rPr>
+              <a:t> package and whose name ends with </a:t>
+            </a:r>
+            <a:r>
+              <a:rPr lang="en-US" sz="2000" dirty="0" err="1">
+                <a:solidFill>
+                  <a:schemeClr val="tx1">
+                    <a:lumMod val="65000"/>
+                    <a:lumOff val="35000"/>
+                  </a:schemeClr>
+                </a:solidFill>
+                <a:effectLst/>
+              </a:rPr>
+              <a:t>Impl</a:t>
+            </a:r>
+            <a:r>
+              <a:rPr lang="en-US" sz="2000" dirty="0">
+                <a:solidFill>
+                  <a:schemeClr val="tx1">
+                    <a:lumMod val="65000"/>
+                    <a:lumOff val="35000"/>
+                  </a:schemeClr>
+                </a:solidFill>
+                <a:effectLst/>
+              </a:rPr>
+              <a:t>.</a:t>
+            </a:r>
+          </a:p>
+          <a:p>
+            <a:endParaRPr lang="en-US" sz="2000" dirty="0">
+              <a:solidFill>
+                <a:schemeClr val="tx1">
+                  <a:lumMod val="65000"/>
+                  <a:lumOff val="35000"/>
+                </a:schemeClr>
+              </a:solidFill>
+              <a:effectLst/>
+            </a:endParaRPr>
+          </a:p>
+          <a:p>
+            <a:r>
+              <a:rPr lang="en-US" sz="2000" b="1" dirty="0">
+                <a:solidFill>
+                  <a:schemeClr val="tx1">
+                    <a:lumMod val="65000"/>
+                    <a:lumOff val="35000"/>
+                  </a:schemeClr>
+                </a:solidFill>
+                <a:effectLst/>
+              </a:rPr>
+              <a:t>Note: </a:t>
+            </a:r>
+            <a:r>
+              <a:rPr lang="en-US" sz="2000" dirty="0">
+                <a:solidFill>
+                  <a:schemeClr val="tx1">
+                    <a:lumMod val="65000"/>
+                    <a:lumOff val="35000"/>
+                  </a:schemeClr>
+                </a:solidFill>
+                <a:effectLst/>
+              </a:rPr>
+              <a:t>@Before, @After and other annotations for the advice methods are imported from </a:t>
+            </a:r>
+            <a:r>
+              <a:rPr lang="en-US" sz="2000" b="1" dirty="0" err="1">
+                <a:solidFill>
+                  <a:schemeClr val="tx1">
+                    <a:lumMod val="65000"/>
+                    <a:lumOff val="35000"/>
+                  </a:schemeClr>
+                </a:solidFill>
+                <a:effectLst/>
+              </a:rPr>
+              <a:t>org.aspectj.lang.annotation</a:t>
+            </a:r>
+            <a:endParaRPr lang="en-US" sz="2000" dirty="0">
+              <a:solidFill>
+                <a:schemeClr val="tx1">
+                  <a:lumMod val="65000"/>
+                  <a:lumOff val="35000"/>
+                </a:schemeClr>
+              </a:solidFill>
+              <a:effectLst/>
+            </a:endParaRPr>
+          </a:p>
+          <a:p>
+            <a:r>
+              <a:rPr lang="en-US" sz="2000" dirty="0">
+                <a:solidFill>
+                  <a:schemeClr val="tx1">
+                    <a:lumMod val="65000"/>
+                    <a:lumOff val="35000"/>
+                  </a:schemeClr>
+                </a:solidFill>
+                <a:effectLst/>
+              </a:rPr>
+              <a:t> </a:t>
+            </a:r>
+          </a:p>
+        </p:txBody>
+      </p:sp>
+      <p:sp>
+        <p:nvSpPr>
+          <p:cNvPr id="9" name="TextBox 8">
+            <a:extLst>
+              <a:ext uri="{FF2B5EF4-FFF2-40B4-BE49-F238E27FC236}">
+                <a16:creationId xmlns:a16="http://schemas.microsoft.com/office/drawing/2014/main" id="{9B0539EA-310D-31DB-C614-4FE16CB37E9B}"/>
+              </a:ext>
+            </a:extLst>
+          </p:cNvPr>
+          <p:cNvSpPr txBox="1"/>
+          <p:nvPr/>
+        </p:nvSpPr>
+        <p:spPr>
+          <a:xfrm>
+            <a:off x="201105" y="3842043"/>
+            <a:ext cx="11884058" cy="1938992"/>
+          </a:xfrm>
+          <a:prstGeom prst="rect">
+            <a:avLst/>
+          </a:prstGeom>
+          <a:noFill/>
+        </p:spPr>
+        <p:txBody>
+          <a:bodyPr wrap="square">
+            <a:spAutoFit/>
+          </a:bodyPr>
+          <a:lstStyle/>
+          <a:p>
+            <a:r>
+              <a:rPr lang="en-US" sz="2000" b="1" dirty="0">
+                <a:solidFill>
+                  <a:schemeClr val="tx1">
+                    <a:lumMod val="65000"/>
+                    <a:lumOff val="35000"/>
+                  </a:schemeClr>
+                </a:solidFill>
+                <a:effectLst/>
+              </a:rPr>
+              <a:t>After Returning Advice</a:t>
+            </a:r>
+          </a:p>
+          <a:p>
+            <a:endParaRPr lang="en-US" sz="2000" dirty="0">
+              <a:solidFill>
+                <a:schemeClr val="tx1">
+                  <a:lumMod val="65000"/>
+                  <a:lumOff val="35000"/>
+                </a:schemeClr>
+              </a:solidFill>
+              <a:effectLst/>
+            </a:endParaRPr>
+          </a:p>
+          <a:p>
+            <a:r>
+              <a:rPr lang="en-US" sz="2000" dirty="0">
+                <a:solidFill>
+                  <a:schemeClr val="tx1">
+                    <a:lumMod val="65000"/>
+                    <a:lumOff val="35000"/>
+                  </a:schemeClr>
+                </a:solidFill>
+                <a:effectLst/>
+              </a:rPr>
+              <a:t>This advice gets executed after </a:t>
+            </a:r>
+            <a:r>
+              <a:rPr lang="en-US" sz="2000" dirty="0" err="1">
+                <a:solidFill>
+                  <a:schemeClr val="tx1">
+                    <a:lumMod val="65000"/>
+                    <a:lumOff val="35000"/>
+                  </a:schemeClr>
+                </a:solidFill>
+                <a:effectLst/>
+              </a:rPr>
+              <a:t>joinpoint</a:t>
+            </a:r>
+            <a:r>
+              <a:rPr lang="en-US" sz="2000" dirty="0">
+                <a:solidFill>
+                  <a:schemeClr val="tx1">
+                    <a:lumMod val="65000"/>
+                    <a:lumOff val="35000"/>
+                  </a:schemeClr>
+                </a:solidFill>
+                <a:effectLst/>
+              </a:rPr>
+              <a:t> finishes its execution. If the target method throws an exception the advice is not executed. It is declared using </a:t>
+            </a:r>
+            <a:r>
+              <a:rPr lang="en-US" sz="2000" b="1" dirty="0">
+                <a:solidFill>
+                  <a:schemeClr val="tx1">
+                    <a:lumMod val="65000"/>
+                    <a:lumOff val="35000"/>
+                  </a:schemeClr>
+                </a:solidFill>
+                <a:effectLst/>
+              </a:rPr>
+              <a:t>@AfterReturning</a:t>
+            </a:r>
+            <a:r>
+              <a:rPr lang="en-US" sz="2000" dirty="0">
+                <a:solidFill>
+                  <a:schemeClr val="tx1">
+                    <a:lumMod val="65000"/>
+                    <a:lumOff val="35000"/>
+                  </a:schemeClr>
+                </a:solidFill>
+                <a:effectLst/>
+              </a:rPr>
+              <a:t> annotation. The following is an example of this advice that is executed after methods of classes whose name ends with </a:t>
+            </a:r>
+            <a:r>
+              <a:rPr lang="en-US" sz="2000" dirty="0" err="1">
+                <a:solidFill>
+                  <a:schemeClr val="tx1">
+                    <a:lumMod val="65000"/>
+                    <a:lumOff val="35000"/>
+                  </a:schemeClr>
+                </a:solidFill>
+                <a:effectLst/>
+              </a:rPr>
+              <a:t>Impl</a:t>
+            </a:r>
+            <a:r>
+              <a:rPr lang="en-US" sz="2000" dirty="0">
+                <a:solidFill>
+                  <a:schemeClr val="tx1">
+                    <a:lumMod val="65000"/>
+                    <a:lumOff val="35000"/>
+                  </a:schemeClr>
+                </a:solidFill>
+                <a:effectLst/>
+              </a:rPr>
+              <a:t> in </a:t>
+            </a:r>
+            <a:r>
+              <a:rPr lang="en-US" sz="2000" dirty="0" err="1">
+                <a:solidFill>
+                  <a:schemeClr val="tx1">
+                    <a:lumMod val="65000"/>
+                    <a:lumOff val="35000"/>
+                  </a:schemeClr>
+                </a:solidFill>
+                <a:effectLst/>
+              </a:rPr>
+              <a:t>com.</a:t>
+            </a:r>
+            <a:r>
+              <a:rPr lang="en-US" sz="2000" dirty="0" err="1">
+                <a:solidFill>
+                  <a:schemeClr val="tx1">
+                    <a:lumMod val="65000"/>
+                    <a:lumOff val="35000"/>
+                  </a:schemeClr>
+                </a:solidFill>
+              </a:rPr>
+              <a:t>hnd</a:t>
+            </a:r>
+            <a:r>
+              <a:rPr lang="en-US" sz="2000" dirty="0" err="1">
+                <a:solidFill>
+                  <a:schemeClr val="tx1">
+                    <a:lumMod val="65000"/>
+                    <a:lumOff val="35000"/>
+                  </a:schemeClr>
+                </a:solidFill>
+                <a:effectLst/>
+              </a:rPr>
+              <a:t>.service</a:t>
+            </a:r>
+            <a:r>
+              <a:rPr lang="en-US" sz="2000" dirty="0">
+                <a:solidFill>
+                  <a:schemeClr val="tx1">
+                    <a:lumMod val="65000"/>
+                    <a:lumOff val="35000"/>
+                  </a:schemeClr>
+                </a:solidFill>
+                <a:effectLst/>
+              </a:rPr>
+              <a:t> package finishes its execution:</a:t>
+            </a:r>
+          </a:p>
+        </p:txBody>
+      </p:sp>
+    </p:spTree>
+    <p:extLst>
+      <p:ext uri="{BB962C8B-B14F-4D97-AF65-F5344CB8AC3E}">
+        <p14:creationId xmlns:p14="http://schemas.microsoft.com/office/powerpoint/2010/main" val="3553065957"/>
+      </p:ext>
+    </p:extLst>
+  </p:cSld>
+  <p:clrMapOvr>
+    <a:masterClrMapping/>
+  </p:clrMapOvr>
+</p:sld>
+</file>
+
+<file path=ppt/slides/slide126.xml><?xml version="1.0" encoding="utf-8"?>
+<p:sld xmlns:a="http://schemas.openxmlformats.org/drawingml/2006/main" xmlns:r="http://schemas.openxmlformats.org/officeDocument/2006/relationships" xmlns:p="http://schemas.openxmlformats.org/presentationml/2006/main">
+  <p:cSld>
+    <p:spTree>
+      <p:nvGrpSpPr>
+        <p:cNvPr id="1" name=""/>
+        <p:cNvGrpSpPr/>
+        <p:nvPr/>
+      </p:nvGrpSpPr>
+      <p:grpSpPr>
+        <a:xfrm>
+          <a:off x="0" y="0"/>
+          <a:ext cx="0" cy="0"/>
+          <a:chOff x="0" y="0"/>
+          <a:chExt cx="0" cy="0"/>
+        </a:xfrm>
+      </p:grpSpPr>
+      <p:sp>
+        <p:nvSpPr>
+          <p:cNvPr id="2" name="Footer Placeholder 1">
+            <a:extLst>
+              <a:ext uri="{FF2B5EF4-FFF2-40B4-BE49-F238E27FC236}">
+                <a16:creationId xmlns:a16="http://schemas.microsoft.com/office/drawing/2014/main" id="{5FEA76F3-9838-AF38-381A-06BE1F1CBC70}"/>
+              </a:ext>
+            </a:extLst>
+          </p:cNvPr>
+          <p:cNvSpPr>
+            <a:spLocks noGrp="1"/>
+          </p:cNvSpPr>
+          <p:nvPr>
+            <p:ph type="ftr" sz="quarter" idx="11"/>
+          </p:nvPr>
+        </p:nvSpPr>
+        <p:spPr/>
+        <p:txBody>
+          <a:bodyPr/>
+          <a:lstStyle/>
+          <a:p>
+            <a:r>
+              <a:rPr lang="en-IN"/>
+              <a:t>H&amp;D IT Solution</a:t>
+            </a:r>
+            <a:endParaRPr lang="en-IN" dirty="0"/>
+          </a:p>
+        </p:txBody>
+      </p:sp>
+      <p:sp>
+        <p:nvSpPr>
+          <p:cNvPr id="3" name="Slide Number Placeholder 2">
+            <a:extLst>
+              <a:ext uri="{FF2B5EF4-FFF2-40B4-BE49-F238E27FC236}">
+                <a16:creationId xmlns:a16="http://schemas.microsoft.com/office/drawing/2014/main" id="{5133EA96-A0C4-453F-B373-BE8A73ADC2FD}"/>
+              </a:ext>
+            </a:extLst>
+          </p:cNvPr>
+          <p:cNvSpPr>
+            <a:spLocks noGrp="1"/>
+          </p:cNvSpPr>
+          <p:nvPr>
+            <p:ph type="sldNum" sz="quarter" idx="12"/>
+          </p:nvPr>
+        </p:nvSpPr>
+        <p:spPr/>
+        <p:txBody>
+          <a:bodyPr/>
+          <a:lstStyle/>
+          <a:p>
+            <a:fld id="{4A777409-9C5A-4B07-8E32-19F22F7D558C}" type="slidenum">
+              <a:rPr lang="en-IN" smtClean="0"/>
+              <a:t>126</a:t>
+            </a:fld>
+            <a:endParaRPr lang="en-IN" dirty="0"/>
+          </a:p>
+        </p:txBody>
+      </p:sp>
+      <p:sp>
+        <p:nvSpPr>
+          <p:cNvPr id="5" name="TextBox 4">
+            <a:extLst>
+              <a:ext uri="{FF2B5EF4-FFF2-40B4-BE49-F238E27FC236}">
+                <a16:creationId xmlns:a16="http://schemas.microsoft.com/office/drawing/2014/main" id="{1B8E43AB-D658-E7A9-FB86-A5268FE9A40D}"/>
+              </a:ext>
+            </a:extLst>
+          </p:cNvPr>
+          <p:cNvSpPr txBox="1"/>
+          <p:nvPr/>
+        </p:nvSpPr>
+        <p:spPr>
+          <a:xfrm>
+            <a:off x="862552" y="766722"/>
+            <a:ext cx="10308211" cy="1200329"/>
+          </a:xfrm>
+          <a:prstGeom prst="rect">
+            <a:avLst/>
+          </a:prstGeom>
+          <a:noFill/>
+        </p:spPr>
+        <p:txBody>
+          <a:bodyPr wrap="square">
+            <a:spAutoFit/>
+          </a:bodyPr>
+          <a:lstStyle/>
+          <a:p>
+            <a:r>
+              <a:rPr lang="en-IN" dirty="0"/>
+              <a:t>@AfterReturning("execution(* </a:t>
+            </a:r>
+            <a:r>
+              <a:rPr lang="en-IN" dirty="0" err="1"/>
+              <a:t>com.hnd.service</a:t>
+            </a:r>
+            <a:r>
+              <a:rPr lang="en-IN" dirty="0"/>
+              <a:t>.*</a:t>
+            </a:r>
+            <a:r>
+              <a:rPr lang="en-IN" dirty="0" err="1"/>
+              <a:t>Impl</a:t>
+            </a:r>
+            <a:r>
+              <a:rPr lang="en-IN" dirty="0"/>
+              <a:t>.*(..))")</a:t>
+            </a:r>
+          </a:p>
+          <a:p>
+            <a:r>
+              <a:rPr lang="en-IN" dirty="0"/>
+              <a:t>public void </a:t>
+            </a:r>
+            <a:r>
+              <a:rPr lang="en-IN" dirty="0" err="1"/>
+              <a:t>afterReturning</a:t>
+            </a:r>
+            <a:r>
+              <a:rPr lang="en-IN" dirty="0"/>
+              <a:t>() throws </a:t>
+            </a:r>
+            <a:r>
+              <a:rPr lang="en-IN" dirty="0" err="1"/>
+              <a:t>hndBankException</a:t>
+            </a:r>
+            <a:r>
+              <a:rPr lang="en-IN" dirty="0"/>
+              <a:t> {</a:t>
+            </a:r>
+          </a:p>
+          <a:p>
+            <a:r>
+              <a:rPr lang="en-IN" dirty="0"/>
+              <a:t>	LOGGER.info("After returning advice called.");</a:t>
+            </a:r>
+          </a:p>
+          <a:p>
+            <a:r>
+              <a:rPr lang="en-IN" dirty="0"/>
+              <a:t>}</a:t>
+            </a:r>
+          </a:p>
+        </p:txBody>
+      </p:sp>
+      <p:sp>
+        <p:nvSpPr>
+          <p:cNvPr id="7" name="TextBox 6">
+            <a:extLst>
+              <a:ext uri="{FF2B5EF4-FFF2-40B4-BE49-F238E27FC236}">
+                <a16:creationId xmlns:a16="http://schemas.microsoft.com/office/drawing/2014/main" id="{4B2CFDC0-D274-0D28-6E4A-8BA08C508DBD}"/>
+              </a:ext>
+            </a:extLst>
+          </p:cNvPr>
+          <p:cNvSpPr txBox="1"/>
+          <p:nvPr/>
+        </p:nvSpPr>
+        <p:spPr>
+          <a:xfrm>
+            <a:off x="202676" y="2338095"/>
+            <a:ext cx="11759938" cy="707886"/>
+          </a:xfrm>
+          <a:prstGeom prst="rect">
+            <a:avLst/>
+          </a:prstGeom>
+          <a:noFill/>
+        </p:spPr>
+        <p:txBody>
+          <a:bodyPr wrap="square">
+            <a:spAutoFit/>
+          </a:bodyPr>
+          <a:lstStyle/>
+          <a:p>
+            <a:r>
+              <a:rPr lang="en-US" sz="2000" dirty="0">
+                <a:solidFill>
+                  <a:schemeClr val="tx1">
+                    <a:lumMod val="65000"/>
+                    <a:lumOff val="35000"/>
+                  </a:schemeClr>
+                </a:solidFill>
+              </a:rPr>
+              <a:t>You can also access the value returned by the </a:t>
+            </a:r>
+            <a:r>
+              <a:rPr lang="en-US" sz="2000" dirty="0" err="1">
+                <a:solidFill>
+                  <a:schemeClr val="tx1">
+                    <a:lumMod val="65000"/>
+                    <a:lumOff val="35000"/>
+                  </a:schemeClr>
+                </a:solidFill>
+              </a:rPr>
+              <a:t>joinpoint</a:t>
+            </a:r>
+            <a:r>
+              <a:rPr lang="en-US" sz="2000" dirty="0">
+                <a:solidFill>
+                  <a:schemeClr val="tx1">
+                    <a:lumMod val="65000"/>
+                    <a:lumOff val="35000"/>
+                  </a:schemeClr>
+                </a:solidFill>
+              </a:rPr>
+              <a:t> by defining returning attribute of @AfterReturning annotation as follows:</a:t>
+            </a:r>
+            <a:endParaRPr lang="en-IN" sz="2000" dirty="0">
+              <a:solidFill>
+                <a:schemeClr val="tx1">
+                  <a:lumMod val="65000"/>
+                  <a:lumOff val="35000"/>
+                </a:schemeClr>
+              </a:solidFill>
+            </a:endParaRPr>
+          </a:p>
+        </p:txBody>
+      </p:sp>
+      <p:sp>
+        <p:nvSpPr>
+          <p:cNvPr id="9" name="TextBox 8">
+            <a:extLst>
+              <a:ext uri="{FF2B5EF4-FFF2-40B4-BE49-F238E27FC236}">
+                <a16:creationId xmlns:a16="http://schemas.microsoft.com/office/drawing/2014/main" id="{25B63E59-D0BC-7216-7003-198E1163962C}"/>
+              </a:ext>
+            </a:extLst>
+          </p:cNvPr>
+          <p:cNvSpPr txBox="1"/>
+          <p:nvPr/>
+        </p:nvSpPr>
+        <p:spPr>
+          <a:xfrm>
+            <a:off x="862551" y="3523094"/>
+            <a:ext cx="10892673" cy="1200329"/>
+          </a:xfrm>
+          <a:prstGeom prst="rect">
+            <a:avLst/>
+          </a:prstGeom>
+          <a:noFill/>
+        </p:spPr>
+        <p:txBody>
+          <a:bodyPr wrap="square">
+            <a:spAutoFit/>
+          </a:bodyPr>
+          <a:lstStyle/>
+          <a:p>
+            <a:r>
+              <a:rPr lang="en-IN" dirty="0"/>
+              <a:t>@AfterReturning(value = "execution(* </a:t>
+            </a:r>
+            <a:r>
+              <a:rPr lang="en-IN" dirty="0" err="1"/>
+              <a:t>com.hnd.service</a:t>
+            </a:r>
+            <a:r>
+              <a:rPr lang="en-IN" dirty="0"/>
+              <a:t>.*</a:t>
+            </a:r>
+            <a:r>
+              <a:rPr lang="en-IN" dirty="0" err="1"/>
+              <a:t>Impl</a:t>
+            </a:r>
+            <a:r>
+              <a:rPr lang="en-IN" dirty="0"/>
+              <a:t>.*(..)),returning = "</a:t>
+            </a:r>
+            <a:r>
+              <a:rPr lang="en-IN" dirty="0" err="1"/>
+              <a:t>returnvalue</a:t>
+            </a:r>
+            <a:r>
+              <a:rPr lang="en-IN" dirty="0"/>
+              <a:t>"")</a:t>
+            </a:r>
+          </a:p>
+          <a:p>
+            <a:r>
+              <a:rPr lang="en-IN" dirty="0"/>
+              <a:t>public void </a:t>
+            </a:r>
+            <a:r>
+              <a:rPr lang="en-IN" dirty="0" err="1"/>
+              <a:t>afterReturning</a:t>
+            </a:r>
+            <a:r>
+              <a:rPr lang="en-IN" dirty="0"/>
+              <a:t>(String </a:t>
+            </a:r>
+            <a:r>
+              <a:rPr lang="en-IN" dirty="0" err="1"/>
+              <a:t>returnvalue</a:t>
+            </a:r>
+            <a:r>
+              <a:rPr lang="en-IN" dirty="0"/>
+              <a:t>) throws </a:t>
+            </a:r>
+            <a:r>
+              <a:rPr lang="en-IN" dirty="0" err="1"/>
+              <a:t>hndBankException</a:t>
+            </a:r>
+            <a:r>
+              <a:rPr lang="en-IN" dirty="0"/>
+              <a:t> {</a:t>
+            </a:r>
+          </a:p>
+          <a:p>
+            <a:r>
+              <a:rPr lang="en-IN" dirty="0"/>
+              <a:t>	LOGGER.info("After returning advice called.");</a:t>
+            </a:r>
+          </a:p>
+          <a:p>
+            <a:r>
+              <a:rPr lang="en-IN" dirty="0"/>
+              <a:t>}</a:t>
+            </a:r>
+          </a:p>
+        </p:txBody>
+      </p:sp>
+      <p:sp>
+        <p:nvSpPr>
+          <p:cNvPr id="11" name="TextBox 10">
+            <a:extLst>
+              <a:ext uri="{FF2B5EF4-FFF2-40B4-BE49-F238E27FC236}">
+                <a16:creationId xmlns:a16="http://schemas.microsoft.com/office/drawing/2014/main" id="{1A18F500-2816-D6B1-1134-316650D2F40A}"/>
+              </a:ext>
+            </a:extLst>
+          </p:cNvPr>
+          <p:cNvSpPr txBox="1"/>
+          <p:nvPr/>
+        </p:nvSpPr>
+        <p:spPr>
+          <a:xfrm>
+            <a:off x="300872" y="5185943"/>
+            <a:ext cx="11590256" cy="707886"/>
+          </a:xfrm>
+          <a:prstGeom prst="rect">
+            <a:avLst/>
+          </a:prstGeom>
+          <a:noFill/>
+        </p:spPr>
+        <p:txBody>
+          <a:bodyPr wrap="square">
+            <a:spAutoFit/>
+          </a:bodyPr>
+          <a:lstStyle/>
+          <a:p>
+            <a:r>
+              <a:rPr lang="en-US" sz="2000" dirty="0">
+                <a:solidFill>
+                  <a:schemeClr val="tx1">
+                    <a:lumMod val="65000"/>
+                    <a:lumOff val="35000"/>
+                  </a:schemeClr>
+                </a:solidFill>
+                <a:effectLst/>
+              </a:rPr>
+              <a:t>In above code snippet, the value of the returning attribute is </a:t>
+            </a:r>
+            <a:r>
+              <a:rPr lang="en-US" sz="2000" dirty="0" err="1">
+                <a:solidFill>
+                  <a:schemeClr val="tx1">
+                    <a:lumMod val="65000"/>
+                    <a:lumOff val="35000"/>
+                  </a:schemeClr>
+                </a:solidFill>
+                <a:effectLst/>
+              </a:rPr>
+              <a:t>returnvalue</a:t>
+            </a:r>
+            <a:r>
+              <a:rPr lang="en-US" sz="2000" dirty="0">
+                <a:solidFill>
+                  <a:schemeClr val="tx1">
+                    <a:lumMod val="65000"/>
+                    <a:lumOff val="35000"/>
+                  </a:schemeClr>
+                </a:solidFill>
+                <a:effectLst/>
+              </a:rPr>
+              <a:t> which matches with the name of the advice method argument. </a:t>
+            </a:r>
+          </a:p>
+        </p:txBody>
+      </p:sp>
+    </p:spTree>
+    <p:extLst>
+      <p:ext uri="{BB962C8B-B14F-4D97-AF65-F5344CB8AC3E}">
+        <p14:creationId xmlns:p14="http://schemas.microsoft.com/office/powerpoint/2010/main" val="2101971934"/>
+      </p:ext>
+    </p:extLst>
+  </p:cSld>
+  <p:clrMapOvr>
+    <a:masterClrMapping/>
+  </p:clrMapOvr>
+</p:sld>
+</file>
+
+<file path=ppt/slides/slide127.xml><?xml version="1.0" encoding="utf-8"?>
+<p:sld xmlns:a="http://schemas.openxmlformats.org/drawingml/2006/main" xmlns:r="http://schemas.openxmlformats.org/officeDocument/2006/relationships" xmlns:p="http://schemas.openxmlformats.org/presentationml/2006/main">
+  <p:cSld>
+    <p:spTree>
+      <p:nvGrpSpPr>
+        <p:cNvPr id="1" name=""/>
+        <p:cNvGrpSpPr/>
+        <p:nvPr/>
+      </p:nvGrpSpPr>
+      <p:grpSpPr>
+        <a:xfrm>
+          <a:off x="0" y="0"/>
+          <a:ext cx="0" cy="0"/>
+          <a:chOff x="0" y="0"/>
+          <a:chExt cx="0" cy="0"/>
+        </a:xfrm>
+      </p:grpSpPr>
+      <p:sp>
+        <p:nvSpPr>
+          <p:cNvPr id="2" name="Footer Placeholder 1">
+            <a:extLst>
+              <a:ext uri="{FF2B5EF4-FFF2-40B4-BE49-F238E27FC236}">
+                <a16:creationId xmlns:a16="http://schemas.microsoft.com/office/drawing/2014/main" id="{929D8AC7-6203-917D-C6DF-01A2BD03E965}"/>
+              </a:ext>
+            </a:extLst>
+          </p:cNvPr>
+          <p:cNvSpPr>
+            <a:spLocks noGrp="1"/>
+          </p:cNvSpPr>
+          <p:nvPr>
+            <p:ph type="ftr" sz="quarter" idx="11"/>
+          </p:nvPr>
+        </p:nvSpPr>
+        <p:spPr/>
+        <p:txBody>
+          <a:bodyPr/>
+          <a:lstStyle/>
+          <a:p>
+            <a:r>
+              <a:rPr lang="en-IN"/>
+              <a:t>H&amp;D IT Solution</a:t>
+            </a:r>
+            <a:endParaRPr lang="en-IN" dirty="0"/>
+          </a:p>
+        </p:txBody>
+      </p:sp>
+      <p:sp>
+        <p:nvSpPr>
+          <p:cNvPr id="3" name="Slide Number Placeholder 2">
+            <a:extLst>
+              <a:ext uri="{FF2B5EF4-FFF2-40B4-BE49-F238E27FC236}">
+                <a16:creationId xmlns:a16="http://schemas.microsoft.com/office/drawing/2014/main" id="{B0E58FA6-A99B-A60B-7192-204423D4F012}"/>
+              </a:ext>
+            </a:extLst>
+          </p:cNvPr>
+          <p:cNvSpPr>
+            <a:spLocks noGrp="1"/>
+          </p:cNvSpPr>
+          <p:nvPr>
+            <p:ph type="sldNum" sz="quarter" idx="12"/>
+          </p:nvPr>
+        </p:nvSpPr>
+        <p:spPr/>
+        <p:txBody>
+          <a:bodyPr/>
+          <a:lstStyle/>
+          <a:p>
+            <a:fld id="{4A777409-9C5A-4B07-8E32-19F22F7D558C}" type="slidenum">
+              <a:rPr lang="en-IN" smtClean="0"/>
+              <a:t>127</a:t>
+            </a:fld>
+            <a:endParaRPr lang="en-IN" dirty="0"/>
+          </a:p>
+        </p:txBody>
+      </p:sp>
+      <p:sp>
+        <p:nvSpPr>
+          <p:cNvPr id="5" name="TextBox 4">
+            <a:extLst>
+              <a:ext uri="{FF2B5EF4-FFF2-40B4-BE49-F238E27FC236}">
+                <a16:creationId xmlns:a16="http://schemas.microsoft.com/office/drawing/2014/main" id="{2781F5FD-BF03-F14D-0E7A-9DC7E27F4FDA}"/>
+              </a:ext>
+            </a:extLst>
+          </p:cNvPr>
+          <p:cNvSpPr txBox="1"/>
+          <p:nvPr/>
+        </p:nvSpPr>
+        <p:spPr>
+          <a:xfrm>
+            <a:off x="871978" y="709443"/>
+            <a:ext cx="10572161" cy="1938992"/>
+          </a:xfrm>
+          <a:prstGeom prst="rect">
+            <a:avLst/>
+          </a:prstGeom>
+          <a:noFill/>
+        </p:spPr>
+        <p:txBody>
+          <a:bodyPr wrap="square">
+            <a:spAutoFit/>
+          </a:bodyPr>
+          <a:lstStyle/>
+          <a:p>
+            <a:r>
+              <a:rPr lang="en-US" sz="2000" b="1" dirty="0">
+                <a:solidFill>
+                  <a:schemeClr val="tx1">
+                    <a:lumMod val="65000"/>
+                    <a:lumOff val="35000"/>
+                  </a:schemeClr>
+                </a:solidFill>
+                <a:effectLst/>
+              </a:rPr>
+              <a:t>After Throwing Advice</a:t>
+            </a:r>
+          </a:p>
+          <a:p>
+            <a:endParaRPr lang="en-US" sz="2000" dirty="0">
+              <a:solidFill>
+                <a:schemeClr val="tx1">
+                  <a:lumMod val="65000"/>
+                  <a:lumOff val="35000"/>
+                </a:schemeClr>
+              </a:solidFill>
+              <a:effectLst/>
+            </a:endParaRPr>
+          </a:p>
+          <a:p>
+            <a:r>
+              <a:rPr lang="en-US" sz="2000" dirty="0">
+                <a:solidFill>
+                  <a:schemeClr val="tx1">
+                    <a:lumMod val="65000"/>
+                    <a:lumOff val="35000"/>
+                  </a:schemeClr>
+                </a:solidFill>
+                <a:effectLst/>
+              </a:rPr>
+              <a:t>This advice gets executed after an exception is thrown from target method. It is defined using </a:t>
+            </a:r>
+            <a:r>
+              <a:rPr lang="en-US" sz="2000" b="1" dirty="0">
+                <a:solidFill>
+                  <a:schemeClr val="tx1">
+                    <a:lumMod val="65000"/>
+                    <a:lumOff val="35000"/>
+                  </a:schemeClr>
+                </a:solidFill>
+                <a:effectLst/>
+              </a:rPr>
+              <a:t>@AfterThrowing</a:t>
+            </a:r>
+            <a:r>
+              <a:rPr lang="en-US" sz="2000" dirty="0">
+                <a:solidFill>
+                  <a:schemeClr val="tx1">
+                    <a:lumMod val="65000"/>
+                    <a:lumOff val="35000"/>
+                  </a:schemeClr>
+                </a:solidFill>
+                <a:effectLst/>
+              </a:rPr>
+              <a:t> annotation. The following is an example of this advice that gets executed when exceptions are thrown from methods of all the classes of </a:t>
+            </a:r>
+            <a:r>
+              <a:rPr lang="en-US" sz="2000" dirty="0" err="1">
+                <a:solidFill>
+                  <a:schemeClr val="tx1">
+                    <a:lumMod val="65000"/>
+                    <a:lumOff val="35000"/>
+                  </a:schemeClr>
+                </a:solidFill>
+                <a:effectLst/>
+              </a:rPr>
+              <a:t>com.</a:t>
+            </a:r>
+            <a:r>
+              <a:rPr lang="en-US" sz="2000" dirty="0" err="1">
+                <a:solidFill>
+                  <a:schemeClr val="tx1">
+                    <a:lumMod val="65000"/>
+                    <a:lumOff val="35000"/>
+                  </a:schemeClr>
+                </a:solidFill>
+              </a:rPr>
+              <a:t>hnd</a:t>
+            </a:r>
+            <a:r>
+              <a:rPr lang="en-US" sz="2000" dirty="0" err="1">
+                <a:solidFill>
+                  <a:schemeClr val="tx1">
+                    <a:lumMod val="65000"/>
+                    <a:lumOff val="35000"/>
+                  </a:schemeClr>
+                </a:solidFill>
+                <a:effectLst/>
+              </a:rPr>
+              <a:t>.service</a:t>
+            </a:r>
+            <a:r>
+              <a:rPr lang="en-US" sz="2000" dirty="0">
+                <a:solidFill>
+                  <a:schemeClr val="tx1">
+                    <a:lumMod val="65000"/>
+                    <a:lumOff val="35000"/>
+                  </a:schemeClr>
+                </a:solidFill>
+                <a:effectLst/>
+              </a:rPr>
+              <a:t> package whose name ends with </a:t>
+            </a:r>
+            <a:r>
+              <a:rPr lang="en-US" sz="2000" dirty="0" err="1">
+                <a:solidFill>
+                  <a:schemeClr val="tx1">
+                    <a:lumMod val="65000"/>
+                    <a:lumOff val="35000"/>
+                  </a:schemeClr>
+                </a:solidFill>
+                <a:effectLst/>
+              </a:rPr>
+              <a:t>Impl</a:t>
+            </a:r>
+            <a:r>
+              <a:rPr lang="en-US" sz="2000" dirty="0">
+                <a:solidFill>
+                  <a:schemeClr val="tx1">
+                    <a:lumMod val="65000"/>
+                    <a:lumOff val="35000"/>
+                  </a:schemeClr>
+                </a:solidFill>
+                <a:effectLst/>
+              </a:rPr>
+              <a:t>. So it is marked with </a:t>
+            </a:r>
+            <a:r>
+              <a:rPr lang="en-US" sz="2000" b="1" dirty="0">
+                <a:solidFill>
+                  <a:schemeClr val="tx1">
+                    <a:lumMod val="65000"/>
+                    <a:lumOff val="35000"/>
+                  </a:schemeClr>
+                </a:solidFill>
+                <a:effectLst/>
+              </a:rPr>
+              <a:t>@AfterThrowing</a:t>
+            </a:r>
+            <a:r>
+              <a:rPr lang="en-US" sz="2000" dirty="0">
+                <a:solidFill>
+                  <a:schemeClr val="tx1">
+                    <a:lumMod val="65000"/>
+                    <a:lumOff val="35000"/>
+                  </a:schemeClr>
+                </a:solidFill>
+                <a:effectLst/>
+              </a:rPr>
+              <a:t> annotation as follows:</a:t>
+            </a:r>
+          </a:p>
+        </p:txBody>
+      </p:sp>
+      <p:sp>
+        <p:nvSpPr>
+          <p:cNvPr id="7" name="TextBox 6">
+            <a:extLst>
+              <a:ext uri="{FF2B5EF4-FFF2-40B4-BE49-F238E27FC236}">
+                <a16:creationId xmlns:a16="http://schemas.microsoft.com/office/drawing/2014/main" id="{625FCEF2-F387-461C-514C-53D5D312B32C}"/>
+              </a:ext>
+            </a:extLst>
+          </p:cNvPr>
+          <p:cNvSpPr txBox="1"/>
+          <p:nvPr/>
+        </p:nvSpPr>
+        <p:spPr>
+          <a:xfrm>
+            <a:off x="259237" y="2959545"/>
+            <a:ext cx="11571402" cy="1200329"/>
+          </a:xfrm>
+          <a:prstGeom prst="rect">
+            <a:avLst/>
+          </a:prstGeom>
+          <a:noFill/>
+        </p:spPr>
+        <p:txBody>
+          <a:bodyPr wrap="square">
+            <a:spAutoFit/>
+          </a:bodyPr>
+          <a:lstStyle/>
+          <a:p>
+            <a:r>
+              <a:rPr lang="en-IN" dirty="0"/>
+              <a:t>@AfterThrowing(pointcut = "execution(* </a:t>
+            </a:r>
+            <a:r>
+              <a:rPr lang="en-IN" dirty="0" err="1"/>
+              <a:t>com.hnd.service</a:t>
+            </a:r>
+            <a:r>
+              <a:rPr lang="en-IN" dirty="0"/>
+              <a:t>.*</a:t>
+            </a:r>
+            <a:r>
+              <a:rPr lang="en-IN" dirty="0" err="1"/>
+              <a:t>Impl</a:t>
+            </a:r>
+            <a:r>
+              <a:rPr lang="en-IN" dirty="0"/>
+              <a:t>.*(..))", throwing = "exception")</a:t>
+            </a:r>
+          </a:p>
+          <a:p>
+            <a:r>
+              <a:rPr lang="en-IN" dirty="0"/>
+              <a:t>public void </a:t>
+            </a:r>
+            <a:r>
+              <a:rPr lang="en-IN" dirty="0" err="1"/>
+              <a:t>afterThrowing</a:t>
+            </a:r>
+            <a:r>
+              <a:rPr lang="en-IN" dirty="0"/>
+              <a:t>(</a:t>
+            </a:r>
+            <a:r>
+              <a:rPr lang="en-IN" dirty="0" err="1"/>
+              <a:t>hndBankException</a:t>
+            </a:r>
+            <a:r>
+              <a:rPr lang="en-IN" dirty="0"/>
+              <a:t> exception) throws </a:t>
+            </a:r>
+            <a:r>
+              <a:rPr lang="en-IN" dirty="0" err="1"/>
+              <a:t>hndBankException</a:t>
+            </a:r>
+            <a:r>
+              <a:rPr lang="en-IN" dirty="0"/>
+              <a:t> {</a:t>
+            </a:r>
+          </a:p>
+          <a:p>
+            <a:r>
+              <a:rPr lang="en-IN" dirty="0"/>
+              <a:t>	</a:t>
+            </a:r>
+            <a:r>
+              <a:rPr lang="en-IN" dirty="0" err="1"/>
+              <a:t>LOGGER.error</a:t>
+            </a:r>
+            <a:r>
+              <a:rPr lang="en-IN" dirty="0"/>
+              <a:t>(</a:t>
+            </a:r>
+            <a:r>
+              <a:rPr lang="en-IN" dirty="0" err="1"/>
+              <a:t>exception.getMessage</a:t>
+            </a:r>
+            <a:r>
+              <a:rPr lang="en-IN" dirty="0"/>
+              <a:t>(), exception);</a:t>
+            </a:r>
+          </a:p>
+          <a:p>
+            <a:r>
+              <a:rPr lang="en-IN" dirty="0"/>
+              <a:t>}</a:t>
+            </a:r>
+          </a:p>
+        </p:txBody>
+      </p:sp>
+      <p:sp>
+        <p:nvSpPr>
+          <p:cNvPr id="9" name="TextBox 8">
+            <a:extLst>
+              <a:ext uri="{FF2B5EF4-FFF2-40B4-BE49-F238E27FC236}">
+                <a16:creationId xmlns:a16="http://schemas.microsoft.com/office/drawing/2014/main" id="{84520A5B-055B-050F-5466-234A7E832DB9}"/>
+              </a:ext>
+            </a:extLst>
+          </p:cNvPr>
+          <p:cNvSpPr txBox="1"/>
+          <p:nvPr/>
+        </p:nvSpPr>
+        <p:spPr>
+          <a:xfrm>
+            <a:off x="636309" y="4325025"/>
+            <a:ext cx="11100062" cy="1631216"/>
+          </a:xfrm>
+          <a:prstGeom prst="rect">
+            <a:avLst/>
+          </a:prstGeom>
+          <a:noFill/>
+        </p:spPr>
+        <p:txBody>
+          <a:bodyPr wrap="square">
+            <a:spAutoFit/>
+          </a:bodyPr>
+          <a:lstStyle/>
+          <a:p>
+            <a:r>
+              <a:rPr lang="en-US" sz="2000" b="1" dirty="0">
+                <a:solidFill>
+                  <a:schemeClr val="tx1">
+                    <a:lumMod val="65000"/>
+                    <a:lumOff val="35000"/>
+                  </a:schemeClr>
+                </a:solidFill>
+                <a:effectLst/>
+              </a:rPr>
+              <a:t>@AfterThrowing</a:t>
+            </a:r>
+            <a:r>
+              <a:rPr lang="en-US" sz="2000" dirty="0">
+                <a:solidFill>
+                  <a:schemeClr val="tx1">
+                    <a:lumMod val="65000"/>
+                    <a:lumOff val="35000"/>
+                  </a:schemeClr>
+                </a:solidFill>
+                <a:effectLst/>
+              </a:rPr>
+              <a:t> annotation has following two attributes:</a:t>
+            </a:r>
+          </a:p>
+          <a:p>
+            <a:endParaRPr lang="en-US" sz="2000" dirty="0">
+              <a:solidFill>
+                <a:schemeClr val="tx1">
+                  <a:lumMod val="65000"/>
+                  <a:lumOff val="35000"/>
+                </a:schemeClr>
+              </a:solidFill>
+              <a:effectLst/>
+            </a:endParaRPr>
+          </a:p>
+          <a:p>
+            <a:pPr marL="742950" lvl="1" indent="-285750">
+              <a:buFont typeface="Arial" panose="020B0604020202020204" pitchFamily="34" charset="0"/>
+              <a:buChar char="•"/>
+            </a:pPr>
+            <a:r>
+              <a:rPr lang="en-US" sz="2000" b="1" dirty="0">
+                <a:solidFill>
+                  <a:schemeClr val="tx1">
+                    <a:lumMod val="65000"/>
+                    <a:lumOff val="35000"/>
+                  </a:schemeClr>
+                </a:solidFill>
+                <a:effectLst/>
+              </a:rPr>
+              <a:t>pointcut</a:t>
+            </a:r>
+            <a:r>
+              <a:rPr lang="en-US" sz="2000" dirty="0">
+                <a:solidFill>
+                  <a:schemeClr val="tx1">
+                    <a:lumMod val="65000"/>
+                    <a:lumOff val="35000"/>
+                  </a:schemeClr>
+                </a:solidFill>
+                <a:effectLst/>
+              </a:rPr>
+              <a:t> attribute is pointcut expression which defines when advice is executed.</a:t>
+            </a:r>
+          </a:p>
+          <a:p>
+            <a:pPr marL="742950" lvl="1" indent="-285750">
+              <a:buFont typeface="Arial" panose="020B0604020202020204" pitchFamily="34" charset="0"/>
+              <a:buChar char="•"/>
+            </a:pPr>
+            <a:r>
+              <a:rPr lang="en-US" sz="2000" b="1" dirty="0">
+                <a:solidFill>
+                  <a:schemeClr val="tx1">
+                    <a:lumMod val="65000"/>
+                    <a:lumOff val="35000"/>
+                  </a:schemeClr>
+                </a:solidFill>
+                <a:effectLst/>
+              </a:rPr>
+              <a:t>throwing</a:t>
+            </a:r>
+            <a:r>
+              <a:rPr lang="en-US" sz="2000" dirty="0">
+                <a:solidFill>
+                  <a:schemeClr val="tx1">
+                    <a:lumMod val="65000"/>
+                    <a:lumOff val="35000"/>
+                  </a:schemeClr>
+                </a:solidFill>
+                <a:effectLst/>
+              </a:rPr>
+              <a:t> attribute is used to access the exception thrown from target method inside the advice method. Its must match with the name of Exception argument passed to advice method.</a:t>
+            </a:r>
+          </a:p>
+        </p:txBody>
+      </p:sp>
+    </p:spTree>
+    <p:extLst>
+      <p:ext uri="{BB962C8B-B14F-4D97-AF65-F5344CB8AC3E}">
+        <p14:creationId xmlns:p14="http://schemas.microsoft.com/office/powerpoint/2010/main" val="2376233427"/>
+      </p:ext>
+    </p:extLst>
+  </p:cSld>
+  <p:clrMapOvr>
+    <a:masterClrMapping/>
+  </p:clrMapOvr>
+</p:sld>
+</file>
+
+<file path=ppt/slides/slide128.xml><?xml version="1.0" encoding="utf-8"?>
+<p:sld xmlns:a="http://schemas.openxmlformats.org/drawingml/2006/main" xmlns:r="http://schemas.openxmlformats.org/officeDocument/2006/relationships" xmlns:p="http://schemas.openxmlformats.org/presentationml/2006/main">
+  <p:cSld>
+    <p:spTree>
+      <p:nvGrpSpPr>
+        <p:cNvPr id="1" name=""/>
+        <p:cNvGrpSpPr/>
+        <p:nvPr/>
+      </p:nvGrpSpPr>
+      <p:grpSpPr>
+        <a:xfrm>
+          <a:off x="0" y="0"/>
+          <a:ext cx="0" cy="0"/>
+          <a:chOff x="0" y="0"/>
+          <a:chExt cx="0" cy="0"/>
+        </a:xfrm>
+      </p:grpSpPr>
+      <p:sp>
+        <p:nvSpPr>
+          <p:cNvPr id="2" name="Footer Placeholder 1">
+            <a:extLst>
+              <a:ext uri="{FF2B5EF4-FFF2-40B4-BE49-F238E27FC236}">
+                <a16:creationId xmlns:a16="http://schemas.microsoft.com/office/drawing/2014/main" id="{3B43E365-D44C-FE6B-5B1B-C805DBF2AE4F}"/>
+              </a:ext>
+            </a:extLst>
+          </p:cNvPr>
+          <p:cNvSpPr>
+            <a:spLocks noGrp="1"/>
+          </p:cNvSpPr>
+          <p:nvPr>
+            <p:ph type="ftr" sz="quarter" idx="11"/>
+          </p:nvPr>
+        </p:nvSpPr>
+        <p:spPr/>
+        <p:txBody>
+          <a:bodyPr/>
+          <a:lstStyle/>
+          <a:p>
+            <a:r>
+              <a:rPr lang="en-IN"/>
+              <a:t>H&amp;D IT Solution</a:t>
+            </a:r>
+            <a:endParaRPr lang="en-IN" dirty="0"/>
+          </a:p>
+        </p:txBody>
+      </p:sp>
+      <p:sp>
+        <p:nvSpPr>
+          <p:cNvPr id="3" name="Slide Number Placeholder 2">
+            <a:extLst>
+              <a:ext uri="{FF2B5EF4-FFF2-40B4-BE49-F238E27FC236}">
+                <a16:creationId xmlns:a16="http://schemas.microsoft.com/office/drawing/2014/main" id="{A154CD34-DFAE-A69E-0296-76A152803C8C}"/>
+              </a:ext>
+            </a:extLst>
+          </p:cNvPr>
+          <p:cNvSpPr>
+            <a:spLocks noGrp="1"/>
+          </p:cNvSpPr>
+          <p:nvPr>
+            <p:ph type="sldNum" sz="quarter" idx="12"/>
+          </p:nvPr>
+        </p:nvSpPr>
+        <p:spPr/>
+        <p:txBody>
+          <a:bodyPr/>
+          <a:lstStyle/>
+          <a:p>
+            <a:fld id="{4A777409-9C5A-4B07-8E32-19F22F7D558C}" type="slidenum">
+              <a:rPr lang="en-IN" smtClean="0"/>
+              <a:t>128</a:t>
+            </a:fld>
+            <a:endParaRPr lang="en-IN" dirty="0"/>
+          </a:p>
+        </p:txBody>
+      </p:sp>
+      <p:sp>
+        <p:nvSpPr>
+          <p:cNvPr id="5" name="TextBox 4">
+            <a:extLst>
+              <a:ext uri="{FF2B5EF4-FFF2-40B4-BE49-F238E27FC236}">
+                <a16:creationId xmlns:a16="http://schemas.microsoft.com/office/drawing/2014/main" id="{46FFF1E4-FA05-29A4-B94C-15AAA9B9485B}"/>
+              </a:ext>
+            </a:extLst>
+          </p:cNvPr>
+          <p:cNvSpPr txBox="1"/>
+          <p:nvPr/>
+        </p:nvSpPr>
+        <p:spPr>
+          <a:xfrm>
+            <a:off x="843698" y="703637"/>
+            <a:ext cx="10510101" cy="1323439"/>
+          </a:xfrm>
+          <a:prstGeom prst="rect">
+            <a:avLst/>
+          </a:prstGeom>
+          <a:noFill/>
+        </p:spPr>
+        <p:txBody>
+          <a:bodyPr wrap="square">
+            <a:spAutoFit/>
+          </a:bodyPr>
+          <a:lstStyle/>
+          <a:p>
+            <a:r>
+              <a:rPr lang="en-US" sz="2000" b="1" dirty="0">
+                <a:solidFill>
+                  <a:schemeClr val="tx1">
+                    <a:lumMod val="65000"/>
+                    <a:lumOff val="35000"/>
+                  </a:schemeClr>
+                </a:solidFill>
+                <a:effectLst/>
+              </a:rPr>
+              <a:t>Around advice</a:t>
+            </a:r>
+          </a:p>
+          <a:p>
+            <a:endParaRPr lang="en-US" sz="2000" dirty="0">
+              <a:solidFill>
+                <a:schemeClr val="tx1">
+                  <a:lumMod val="65000"/>
+                  <a:lumOff val="35000"/>
+                </a:schemeClr>
+              </a:solidFill>
+              <a:effectLst/>
+            </a:endParaRPr>
+          </a:p>
+          <a:p>
+            <a:r>
+              <a:rPr lang="en-US" sz="2000" dirty="0">
+                <a:solidFill>
+                  <a:schemeClr val="tx1">
+                    <a:lumMod val="65000"/>
+                    <a:lumOff val="35000"/>
+                  </a:schemeClr>
+                </a:solidFill>
+                <a:effectLst/>
+              </a:rPr>
+              <a:t>This advice gets executed around the join point i.e. before and after the execution of the target method. It is declared using </a:t>
+            </a:r>
+            <a:r>
+              <a:rPr lang="en-US" sz="2000" b="1" dirty="0">
+                <a:solidFill>
+                  <a:schemeClr val="tx1">
+                    <a:lumMod val="65000"/>
+                    <a:lumOff val="35000"/>
+                  </a:schemeClr>
+                </a:solidFill>
+                <a:effectLst/>
+              </a:rPr>
+              <a:t>@Around</a:t>
+            </a:r>
+            <a:r>
+              <a:rPr lang="en-US" sz="2000" dirty="0">
+                <a:solidFill>
+                  <a:schemeClr val="tx1">
+                    <a:lumMod val="65000"/>
+                    <a:lumOff val="35000"/>
+                  </a:schemeClr>
+                </a:solidFill>
+                <a:effectLst/>
+              </a:rPr>
+              <a:t> annotation. The following is an example of this advice:</a:t>
+            </a:r>
+          </a:p>
+        </p:txBody>
+      </p:sp>
+      <p:sp>
+        <p:nvSpPr>
+          <p:cNvPr id="7" name="TextBox 6">
+            <a:extLst>
+              <a:ext uri="{FF2B5EF4-FFF2-40B4-BE49-F238E27FC236}">
+                <a16:creationId xmlns:a16="http://schemas.microsoft.com/office/drawing/2014/main" id="{E9A0D48E-A610-5DF5-A959-40F8D977F2AF}"/>
+              </a:ext>
+            </a:extLst>
+          </p:cNvPr>
+          <p:cNvSpPr txBox="1"/>
+          <p:nvPr/>
+        </p:nvSpPr>
+        <p:spPr>
+          <a:xfrm>
+            <a:off x="259236" y="2245602"/>
+            <a:ext cx="11392293" cy="1754326"/>
+          </a:xfrm>
+          <a:prstGeom prst="rect">
+            <a:avLst/>
+          </a:prstGeom>
+          <a:noFill/>
+        </p:spPr>
+        <p:txBody>
+          <a:bodyPr wrap="square">
+            <a:spAutoFit/>
+          </a:bodyPr>
+          <a:lstStyle/>
+          <a:p>
+            <a:r>
+              <a:rPr lang="en-IN" dirty="0"/>
+              <a:t>@Around("execution(* </a:t>
+            </a:r>
+            <a:r>
+              <a:rPr lang="en-IN" dirty="0" err="1"/>
+              <a:t>com.hnd.service</a:t>
+            </a:r>
+            <a:r>
+              <a:rPr lang="en-IN" dirty="0"/>
+              <a:t>.*</a:t>
+            </a:r>
+            <a:r>
+              <a:rPr lang="en-IN" dirty="0" err="1"/>
+              <a:t>Impl</a:t>
+            </a:r>
+            <a:r>
+              <a:rPr lang="en-IN" dirty="0"/>
+              <a:t>.*(..))")</a:t>
+            </a:r>
+          </a:p>
+          <a:p>
+            <a:r>
+              <a:rPr lang="en-IN" dirty="0"/>
+              <a:t>public void </a:t>
+            </a:r>
+            <a:r>
+              <a:rPr lang="en-IN" dirty="0" err="1"/>
+              <a:t>aroundAdvice</a:t>
+            </a:r>
+            <a:r>
+              <a:rPr lang="en-IN" dirty="0"/>
+              <a:t>(</a:t>
+            </a:r>
+            <a:r>
+              <a:rPr lang="en-IN" dirty="0" err="1"/>
+              <a:t>ProceedingJoinPoint</a:t>
+            </a:r>
+            <a:r>
+              <a:rPr lang="en-IN" dirty="0"/>
+              <a:t> </a:t>
+            </a:r>
+            <a:r>
+              <a:rPr lang="en-IN" dirty="0" err="1"/>
+              <a:t>proceedingJoinPoint</a:t>
+            </a:r>
+            <a:r>
+              <a:rPr lang="en-IN" dirty="0"/>
+              <a:t>) throws Throwable {</a:t>
+            </a:r>
+          </a:p>
+          <a:p>
+            <a:r>
+              <a:rPr lang="en-IN" dirty="0"/>
+              <a:t>	LOGGER.info("Before proceeding part of the Around advice.");</a:t>
+            </a:r>
+          </a:p>
+          <a:p>
+            <a:r>
+              <a:rPr lang="en-IN" dirty="0"/>
+              <a:t>	</a:t>
+            </a:r>
+            <a:r>
+              <a:rPr lang="en-IN" dirty="0" err="1"/>
+              <a:t>proceedingJoinPoint.proceed</a:t>
+            </a:r>
+            <a:r>
+              <a:rPr lang="en-IN" dirty="0"/>
+              <a:t>();</a:t>
+            </a:r>
+          </a:p>
+          <a:p>
+            <a:r>
+              <a:rPr lang="en-IN" dirty="0"/>
+              <a:t>	LOGGER.info("After proceeding part of the Around advice.");</a:t>
+            </a:r>
+          </a:p>
+          <a:p>
+            <a:r>
+              <a:rPr lang="en-IN" dirty="0"/>
+              <a:t>}</a:t>
+            </a:r>
+          </a:p>
+        </p:txBody>
+      </p:sp>
+      <p:sp>
+        <p:nvSpPr>
+          <p:cNvPr id="9" name="TextBox 8">
+            <a:extLst>
+              <a:ext uri="{FF2B5EF4-FFF2-40B4-BE49-F238E27FC236}">
+                <a16:creationId xmlns:a16="http://schemas.microsoft.com/office/drawing/2014/main" id="{1D55FA31-3ACE-062A-6737-7CC708FE597D}"/>
+              </a:ext>
+            </a:extLst>
+          </p:cNvPr>
+          <p:cNvSpPr txBox="1"/>
+          <p:nvPr/>
+        </p:nvSpPr>
+        <p:spPr>
+          <a:xfrm>
+            <a:off x="843697" y="4218454"/>
+            <a:ext cx="10807831" cy="1323439"/>
+          </a:xfrm>
+          <a:prstGeom prst="rect">
+            <a:avLst/>
+          </a:prstGeom>
+          <a:noFill/>
+        </p:spPr>
+        <p:txBody>
+          <a:bodyPr wrap="square">
+            <a:spAutoFit/>
+          </a:bodyPr>
+          <a:lstStyle/>
+          <a:p>
+            <a:r>
+              <a:rPr lang="en-US" sz="2000" dirty="0">
+                <a:solidFill>
+                  <a:schemeClr val="tx1">
+                    <a:lumMod val="65000"/>
+                    <a:lumOff val="35000"/>
+                  </a:schemeClr>
+                </a:solidFill>
+                <a:effectLst/>
+              </a:rPr>
+              <a:t>In above code snippet </a:t>
+            </a:r>
+            <a:r>
+              <a:rPr lang="en-US" sz="2000" dirty="0" err="1">
+                <a:solidFill>
+                  <a:schemeClr val="tx1">
+                    <a:lumMod val="65000"/>
+                    <a:lumOff val="35000"/>
+                  </a:schemeClr>
+                </a:solidFill>
+                <a:effectLst/>
+              </a:rPr>
+              <a:t>aroundAdvice</a:t>
+            </a:r>
+            <a:r>
+              <a:rPr lang="en-US" sz="2000" dirty="0">
+                <a:solidFill>
+                  <a:schemeClr val="tx1">
+                    <a:lumMod val="65000"/>
+                    <a:lumOff val="35000"/>
+                  </a:schemeClr>
+                </a:solidFill>
+                <a:effectLst/>
+              </a:rPr>
+              <a:t> method accepts an instance of </a:t>
+            </a:r>
+            <a:r>
+              <a:rPr lang="en-US" sz="2000" dirty="0" err="1">
+                <a:solidFill>
+                  <a:schemeClr val="tx1">
+                    <a:lumMod val="65000"/>
+                    <a:lumOff val="35000"/>
+                  </a:schemeClr>
+                </a:solidFill>
+                <a:effectLst/>
+              </a:rPr>
+              <a:t>ProceedingJoinPoint</a:t>
+            </a:r>
+            <a:r>
+              <a:rPr lang="en-US" sz="2000" dirty="0">
+                <a:solidFill>
+                  <a:schemeClr val="tx1">
+                    <a:lumMod val="65000"/>
+                    <a:lumOff val="35000"/>
+                  </a:schemeClr>
+                </a:solidFill>
+                <a:effectLst/>
+              </a:rPr>
+              <a:t> as parameter. It extends the </a:t>
+            </a:r>
+            <a:r>
+              <a:rPr lang="en-US" sz="2000" dirty="0" err="1">
+                <a:solidFill>
+                  <a:schemeClr val="tx1">
+                    <a:lumMod val="65000"/>
+                    <a:lumOff val="35000"/>
+                  </a:schemeClr>
+                </a:solidFill>
+                <a:effectLst/>
+              </a:rPr>
+              <a:t>JoinPoint</a:t>
+            </a:r>
+            <a:r>
+              <a:rPr lang="en-US" sz="2000" dirty="0">
+                <a:solidFill>
+                  <a:schemeClr val="tx1">
+                    <a:lumMod val="65000"/>
+                    <a:lumOff val="35000"/>
+                  </a:schemeClr>
+                </a:solidFill>
+                <a:effectLst/>
+              </a:rPr>
+              <a:t> interface, and it can only be used in the Around advice. The proceed() method invokes the </a:t>
+            </a:r>
+            <a:r>
+              <a:rPr lang="en-US" sz="2000" dirty="0" err="1">
+                <a:solidFill>
+                  <a:schemeClr val="tx1">
+                    <a:lumMod val="65000"/>
+                    <a:lumOff val="35000"/>
+                  </a:schemeClr>
+                </a:solidFill>
+                <a:effectLst/>
+              </a:rPr>
+              <a:t>joinpoint</a:t>
+            </a:r>
+            <a:r>
+              <a:rPr lang="en-US" sz="2000" dirty="0">
+                <a:solidFill>
+                  <a:schemeClr val="tx1">
+                    <a:lumMod val="65000"/>
+                    <a:lumOff val="35000"/>
+                  </a:schemeClr>
+                </a:solidFill>
+                <a:effectLst/>
+              </a:rPr>
+              <a:t>.</a:t>
+            </a:r>
+          </a:p>
+          <a:p>
+            <a:r>
+              <a:rPr lang="en-US" sz="2000" dirty="0">
+                <a:solidFill>
+                  <a:schemeClr val="tx1">
+                    <a:lumMod val="65000"/>
+                    <a:lumOff val="35000"/>
+                  </a:schemeClr>
+                </a:solidFill>
+                <a:effectLst/>
+              </a:rPr>
+              <a:t> </a:t>
+            </a:r>
+          </a:p>
+        </p:txBody>
+      </p:sp>
+    </p:spTree>
+    <p:extLst>
+      <p:ext uri="{BB962C8B-B14F-4D97-AF65-F5344CB8AC3E}">
+        <p14:creationId xmlns:p14="http://schemas.microsoft.com/office/powerpoint/2010/main" val="2515624177"/>
+      </p:ext>
+    </p:extLst>
+  </p:cSld>
+  <p:clrMapOvr>
+    <a:masterClrMapping/>
+  </p:clrMapOvr>
+</p:sld>
+</file>
+
+<file path=ppt/slides/slide129.xml><?xml version="1.0" encoding="utf-8"?>
+<p:sld xmlns:a="http://schemas.openxmlformats.org/drawingml/2006/main" xmlns:r="http://schemas.openxmlformats.org/officeDocument/2006/relationships" xmlns:p="http://schemas.openxmlformats.org/presentationml/2006/main">
+  <p:cSld>
+    <p:spTree>
+      <p:nvGrpSpPr>
+        <p:cNvPr id="1" name=""/>
+        <p:cNvGrpSpPr/>
+        <p:nvPr/>
+      </p:nvGrpSpPr>
+      <p:grpSpPr>
+        <a:xfrm>
+          <a:off x="0" y="0"/>
+          <a:ext cx="0" cy="0"/>
+          <a:chOff x="0" y="0"/>
+          <a:chExt cx="0" cy="0"/>
+        </a:xfrm>
+      </p:grpSpPr>
+      <p:sp>
+        <p:nvSpPr>
+          <p:cNvPr id="2" name="Footer Placeholder 1">
+            <a:extLst>
+              <a:ext uri="{FF2B5EF4-FFF2-40B4-BE49-F238E27FC236}">
+                <a16:creationId xmlns:a16="http://schemas.microsoft.com/office/drawing/2014/main" id="{AFB0CD41-457E-D82A-8712-29FFC1D8478C}"/>
+              </a:ext>
+            </a:extLst>
+          </p:cNvPr>
+          <p:cNvSpPr>
+            <a:spLocks noGrp="1"/>
+          </p:cNvSpPr>
+          <p:nvPr>
+            <p:ph type="ftr" sz="quarter" idx="11"/>
+          </p:nvPr>
+        </p:nvSpPr>
+        <p:spPr/>
+        <p:txBody>
+          <a:bodyPr/>
+          <a:lstStyle/>
+          <a:p>
+            <a:r>
+              <a:rPr lang="en-IN"/>
+              <a:t>H&amp;D IT Solution</a:t>
+            </a:r>
+            <a:endParaRPr lang="en-IN" dirty="0"/>
+          </a:p>
+        </p:txBody>
+      </p:sp>
+      <p:sp>
+        <p:nvSpPr>
+          <p:cNvPr id="3" name="Slide Number Placeholder 2">
+            <a:extLst>
+              <a:ext uri="{FF2B5EF4-FFF2-40B4-BE49-F238E27FC236}">
+                <a16:creationId xmlns:a16="http://schemas.microsoft.com/office/drawing/2014/main" id="{7ABDAAFA-A423-DC3A-549C-474E5F8D4438}"/>
+              </a:ext>
+            </a:extLst>
+          </p:cNvPr>
+          <p:cNvSpPr>
+            <a:spLocks noGrp="1"/>
+          </p:cNvSpPr>
+          <p:nvPr>
+            <p:ph type="sldNum" sz="quarter" idx="12"/>
+          </p:nvPr>
+        </p:nvSpPr>
+        <p:spPr/>
+        <p:txBody>
+          <a:bodyPr/>
+          <a:lstStyle/>
+          <a:p>
+            <a:fld id="{4A777409-9C5A-4B07-8E32-19F22F7D558C}" type="slidenum">
+              <a:rPr lang="en-IN" smtClean="0"/>
+              <a:t>129</a:t>
+            </a:fld>
+            <a:endParaRPr lang="en-IN" dirty="0"/>
+          </a:p>
+        </p:txBody>
+      </p:sp>
+      <p:sp>
+        <p:nvSpPr>
+          <p:cNvPr id="5" name="TextBox 4">
+            <a:extLst>
+              <a:ext uri="{FF2B5EF4-FFF2-40B4-BE49-F238E27FC236}">
+                <a16:creationId xmlns:a16="http://schemas.microsoft.com/office/drawing/2014/main" id="{E66F9BAE-BC4F-A5F6-9FCF-D2BB99706FFE}"/>
+              </a:ext>
+            </a:extLst>
+          </p:cNvPr>
+          <p:cNvSpPr txBox="1"/>
+          <p:nvPr/>
+        </p:nvSpPr>
+        <p:spPr>
+          <a:xfrm>
+            <a:off x="989029" y="522344"/>
+            <a:ext cx="6099142" cy="461665"/>
+          </a:xfrm>
+          <a:prstGeom prst="rect">
+            <a:avLst/>
+          </a:prstGeom>
+          <a:noFill/>
+        </p:spPr>
+        <p:txBody>
+          <a:bodyPr wrap="square">
+            <a:spAutoFit/>
+          </a:bodyPr>
+          <a:lstStyle/>
+          <a:p>
+            <a:r>
+              <a:rPr lang="en-IN" sz="2400" b="1" dirty="0"/>
+              <a:t>Implementing AOP Advices - Demo </a:t>
+            </a:r>
+          </a:p>
+        </p:txBody>
+      </p:sp>
+      <p:sp>
+        <p:nvSpPr>
+          <p:cNvPr id="7" name="TextBox 6">
+            <a:extLst>
+              <a:ext uri="{FF2B5EF4-FFF2-40B4-BE49-F238E27FC236}">
+                <a16:creationId xmlns:a16="http://schemas.microsoft.com/office/drawing/2014/main" id="{A551B190-66DB-047E-616C-3AB479298B2C}"/>
+              </a:ext>
+            </a:extLst>
+          </p:cNvPr>
+          <p:cNvSpPr txBox="1"/>
+          <p:nvPr/>
+        </p:nvSpPr>
+        <p:spPr>
+          <a:xfrm>
+            <a:off x="212102" y="1190209"/>
+            <a:ext cx="11141697" cy="2862322"/>
+          </a:xfrm>
+          <a:prstGeom prst="rect">
+            <a:avLst/>
+          </a:prstGeom>
+          <a:noFill/>
+        </p:spPr>
+        <p:txBody>
+          <a:bodyPr wrap="square">
+            <a:spAutoFit/>
+          </a:bodyPr>
+          <a:lstStyle/>
+          <a:p>
+            <a:r>
+              <a:rPr lang="en-US" sz="2000" b="1" dirty="0">
+                <a:solidFill>
+                  <a:schemeClr val="tx1">
+                    <a:lumMod val="65000"/>
+                    <a:lumOff val="35000"/>
+                  </a:schemeClr>
+                </a:solidFill>
+                <a:effectLst/>
+              </a:rPr>
+              <a:t>Objective</a:t>
+            </a:r>
+            <a:r>
+              <a:rPr lang="en-US" sz="2000" dirty="0">
+                <a:solidFill>
+                  <a:schemeClr val="tx1">
+                    <a:lumMod val="65000"/>
+                    <a:lumOff val="35000"/>
+                  </a:schemeClr>
+                </a:solidFill>
+                <a:effectLst/>
+              </a:rPr>
+              <a:t>: </a:t>
+            </a:r>
+          </a:p>
+          <a:p>
+            <a:endParaRPr lang="en-US" sz="2000" dirty="0">
+              <a:solidFill>
+                <a:schemeClr val="tx1">
+                  <a:lumMod val="65000"/>
+                  <a:lumOff val="35000"/>
+                </a:schemeClr>
+              </a:solidFill>
+              <a:effectLst/>
+            </a:endParaRPr>
+          </a:p>
+          <a:p>
+            <a:r>
+              <a:rPr lang="en-US" sz="2000" dirty="0">
+                <a:solidFill>
+                  <a:schemeClr val="tx1">
+                    <a:lumMod val="65000"/>
+                    <a:lumOff val="35000"/>
+                  </a:schemeClr>
+                </a:solidFill>
+                <a:effectLst/>
+              </a:rPr>
+              <a:t>To implement Aspect Oriented Programming advices</a:t>
+            </a:r>
+          </a:p>
+          <a:p>
+            <a:endParaRPr lang="en-US" sz="2000" dirty="0">
+              <a:solidFill>
+                <a:schemeClr val="tx1">
+                  <a:lumMod val="65000"/>
+                  <a:lumOff val="35000"/>
+                </a:schemeClr>
+              </a:solidFill>
+              <a:effectLst/>
+            </a:endParaRPr>
+          </a:p>
+          <a:p>
+            <a:r>
+              <a:rPr lang="en-US" sz="2000" b="1" dirty="0">
+                <a:solidFill>
+                  <a:schemeClr val="tx1">
+                    <a:lumMod val="65000"/>
+                    <a:lumOff val="35000"/>
+                  </a:schemeClr>
+                </a:solidFill>
+                <a:effectLst/>
+              </a:rPr>
+              <a:t>Steps</a:t>
+            </a:r>
+            <a:r>
+              <a:rPr lang="en-US" sz="2000" dirty="0">
+                <a:solidFill>
+                  <a:schemeClr val="tx1">
+                    <a:lumMod val="65000"/>
+                    <a:lumOff val="35000"/>
+                  </a:schemeClr>
+                </a:solidFill>
+                <a:effectLst/>
+              </a:rPr>
+              <a:t>:</a:t>
+            </a:r>
+          </a:p>
+          <a:p>
+            <a:endParaRPr lang="en-US" sz="2000" dirty="0">
+              <a:solidFill>
+                <a:schemeClr val="tx1">
+                  <a:lumMod val="65000"/>
+                  <a:lumOff val="35000"/>
+                </a:schemeClr>
+              </a:solidFill>
+              <a:effectLst/>
+            </a:endParaRPr>
+          </a:p>
+          <a:p>
+            <a:r>
+              <a:rPr lang="en-US" sz="2000" b="1" dirty="0">
+                <a:solidFill>
+                  <a:schemeClr val="tx1">
+                    <a:lumMod val="65000"/>
+                    <a:lumOff val="35000"/>
+                  </a:schemeClr>
+                </a:solidFill>
+                <a:effectLst/>
+              </a:rPr>
+              <a:t>Step 1</a:t>
+            </a:r>
+            <a:r>
+              <a:rPr lang="en-US" sz="2000" dirty="0">
+                <a:solidFill>
+                  <a:schemeClr val="tx1">
+                    <a:lumMod val="65000"/>
+                    <a:lumOff val="35000"/>
+                  </a:schemeClr>
+                </a:solidFill>
+                <a:effectLst/>
+              </a:rPr>
+              <a:t>: Import the previous demo which was done for implementing Logging in Spring Boot application.</a:t>
+            </a:r>
+          </a:p>
+          <a:p>
+            <a:endParaRPr lang="en-US" sz="2000" dirty="0">
+              <a:solidFill>
+                <a:schemeClr val="tx1">
+                  <a:lumMod val="65000"/>
+                  <a:lumOff val="35000"/>
+                </a:schemeClr>
+              </a:solidFill>
+              <a:effectLst/>
+            </a:endParaRPr>
+          </a:p>
+          <a:p>
+            <a:r>
+              <a:rPr lang="en-US" sz="2000" b="1" dirty="0">
+                <a:solidFill>
+                  <a:schemeClr val="tx1">
+                    <a:lumMod val="65000"/>
+                    <a:lumOff val="35000"/>
+                  </a:schemeClr>
+                </a:solidFill>
+                <a:effectLst/>
+              </a:rPr>
+              <a:t>Step 2</a:t>
+            </a:r>
+            <a:r>
+              <a:rPr lang="en-US" sz="2000" dirty="0">
+                <a:solidFill>
+                  <a:schemeClr val="tx1">
+                    <a:lumMod val="65000"/>
+                    <a:lumOff val="35000"/>
+                  </a:schemeClr>
+                </a:solidFill>
+                <a:effectLst/>
+              </a:rPr>
+              <a:t>: Add the following Spring Boot starter dependency in pom.xml.</a:t>
+            </a:r>
+          </a:p>
+        </p:txBody>
+      </p:sp>
+      <p:sp>
+        <p:nvSpPr>
+          <p:cNvPr id="9" name="TextBox 8">
+            <a:extLst>
+              <a:ext uri="{FF2B5EF4-FFF2-40B4-BE49-F238E27FC236}">
+                <a16:creationId xmlns:a16="http://schemas.microsoft.com/office/drawing/2014/main" id="{4A525715-7A2C-E2AA-99EE-A2E2819C198C}"/>
+              </a:ext>
+            </a:extLst>
+          </p:cNvPr>
+          <p:cNvSpPr txBox="1"/>
+          <p:nvPr/>
+        </p:nvSpPr>
+        <p:spPr>
+          <a:xfrm>
+            <a:off x="315797" y="4258731"/>
+            <a:ext cx="10383625" cy="1200329"/>
+          </a:xfrm>
+          <a:prstGeom prst="rect">
+            <a:avLst/>
+          </a:prstGeom>
+          <a:noFill/>
+        </p:spPr>
+        <p:txBody>
+          <a:bodyPr wrap="square">
+            <a:spAutoFit/>
+          </a:bodyPr>
+          <a:lstStyle/>
+          <a:p>
+            <a:r>
+              <a:rPr lang="en-IN" dirty="0"/>
+              <a:t>&lt;dependency&gt;</a:t>
+            </a:r>
+          </a:p>
+          <a:p>
+            <a:r>
+              <a:rPr lang="en-IN" dirty="0"/>
+              <a:t>	&lt;</a:t>
+            </a:r>
+            <a:r>
+              <a:rPr lang="en-IN" dirty="0" err="1"/>
+              <a:t>groupId</a:t>
+            </a:r>
+            <a:r>
+              <a:rPr lang="en-IN" dirty="0"/>
+              <a:t>&gt;</a:t>
+            </a:r>
+            <a:r>
+              <a:rPr lang="en-IN" dirty="0" err="1"/>
+              <a:t>org.springframework.boot</a:t>
+            </a:r>
+            <a:r>
+              <a:rPr lang="en-IN" dirty="0"/>
+              <a:t>&lt;/</a:t>
+            </a:r>
+            <a:r>
+              <a:rPr lang="en-IN" dirty="0" err="1"/>
+              <a:t>groupId</a:t>
+            </a:r>
+            <a:r>
+              <a:rPr lang="en-IN" dirty="0"/>
+              <a:t>&gt;</a:t>
+            </a:r>
+          </a:p>
+          <a:p>
+            <a:r>
+              <a:rPr lang="en-IN" dirty="0"/>
+              <a:t>	&lt;</a:t>
+            </a:r>
+            <a:r>
+              <a:rPr lang="en-IN" dirty="0" err="1"/>
+              <a:t>artifactId</a:t>
+            </a:r>
+            <a:r>
+              <a:rPr lang="en-IN" dirty="0"/>
+              <a:t>&gt;spring-boot-starter-</a:t>
+            </a:r>
+            <a:r>
+              <a:rPr lang="en-IN" dirty="0" err="1"/>
+              <a:t>aop</a:t>
+            </a:r>
+            <a:r>
+              <a:rPr lang="en-IN" dirty="0"/>
+              <a:t>&lt;/</a:t>
+            </a:r>
+            <a:r>
+              <a:rPr lang="en-IN" dirty="0" err="1"/>
+              <a:t>artifactId</a:t>
+            </a:r>
+            <a:r>
+              <a:rPr lang="en-IN" dirty="0"/>
+              <a:t>&gt;</a:t>
+            </a:r>
+          </a:p>
+          <a:p>
+            <a:r>
+              <a:rPr lang="en-IN" dirty="0"/>
+              <a:t>&lt;/dependency&gt;</a:t>
+            </a:r>
+          </a:p>
+        </p:txBody>
+      </p:sp>
+    </p:spTree>
+    <p:extLst>
+      <p:ext uri="{BB962C8B-B14F-4D97-AF65-F5344CB8AC3E}">
+        <p14:creationId xmlns:p14="http://schemas.microsoft.com/office/powerpoint/2010/main" val="3157917103"/>
       </p:ext>
     </p:extLst>
   </p:cSld>
@@ -13270,6 +18105,1798 @@
     <p:extLst>
       <p:ext uri="{BB962C8B-B14F-4D97-AF65-F5344CB8AC3E}">
         <p14:creationId xmlns:p14="http://schemas.microsoft.com/office/powerpoint/2010/main" val="3930252122"/>
+      </p:ext>
+    </p:extLst>
+  </p:cSld>
+  <p:clrMapOvr>
+    <a:masterClrMapping/>
+  </p:clrMapOvr>
+</p:sld>
+</file>
+
+<file path=ppt/slides/slide130.xml><?xml version="1.0" encoding="utf-8"?>
+<p:sld xmlns:a="http://schemas.openxmlformats.org/drawingml/2006/main" xmlns:r="http://schemas.openxmlformats.org/officeDocument/2006/relationships" xmlns:p="http://schemas.openxmlformats.org/presentationml/2006/main">
+  <p:cSld>
+    <p:spTree>
+      <p:nvGrpSpPr>
+        <p:cNvPr id="1" name=""/>
+        <p:cNvGrpSpPr/>
+        <p:nvPr/>
+      </p:nvGrpSpPr>
+      <p:grpSpPr>
+        <a:xfrm>
+          <a:off x="0" y="0"/>
+          <a:ext cx="0" cy="0"/>
+          <a:chOff x="0" y="0"/>
+          <a:chExt cx="0" cy="0"/>
+        </a:xfrm>
+      </p:grpSpPr>
+      <p:sp>
+        <p:nvSpPr>
+          <p:cNvPr id="2" name="Footer Placeholder 1">
+            <a:extLst>
+              <a:ext uri="{FF2B5EF4-FFF2-40B4-BE49-F238E27FC236}">
+                <a16:creationId xmlns:a16="http://schemas.microsoft.com/office/drawing/2014/main" id="{A07C8963-4053-E6E7-A01B-1F4447181847}"/>
+              </a:ext>
+            </a:extLst>
+          </p:cNvPr>
+          <p:cNvSpPr>
+            <a:spLocks noGrp="1"/>
+          </p:cNvSpPr>
+          <p:nvPr>
+            <p:ph type="ftr" sz="quarter" idx="11"/>
+          </p:nvPr>
+        </p:nvSpPr>
+        <p:spPr/>
+        <p:txBody>
+          <a:bodyPr/>
+          <a:lstStyle/>
+          <a:p>
+            <a:r>
+              <a:rPr lang="en-IN"/>
+              <a:t>H&amp;D IT Solution</a:t>
+            </a:r>
+            <a:endParaRPr lang="en-IN" dirty="0"/>
+          </a:p>
+        </p:txBody>
+      </p:sp>
+      <p:sp>
+        <p:nvSpPr>
+          <p:cNvPr id="3" name="Slide Number Placeholder 2">
+            <a:extLst>
+              <a:ext uri="{FF2B5EF4-FFF2-40B4-BE49-F238E27FC236}">
+                <a16:creationId xmlns:a16="http://schemas.microsoft.com/office/drawing/2014/main" id="{45BEA199-305E-E675-2D25-E5C222F0109A}"/>
+              </a:ext>
+            </a:extLst>
+          </p:cNvPr>
+          <p:cNvSpPr>
+            <a:spLocks noGrp="1"/>
+          </p:cNvSpPr>
+          <p:nvPr>
+            <p:ph type="sldNum" sz="quarter" idx="12"/>
+          </p:nvPr>
+        </p:nvSpPr>
+        <p:spPr/>
+        <p:txBody>
+          <a:bodyPr/>
+          <a:lstStyle/>
+          <a:p>
+            <a:fld id="{4A777409-9C5A-4B07-8E32-19F22F7D558C}" type="slidenum">
+              <a:rPr lang="en-IN" smtClean="0"/>
+              <a:t>130</a:t>
+            </a:fld>
+            <a:endParaRPr lang="en-IN" dirty="0"/>
+          </a:p>
+        </p:txBody>
+      </p:sp>
+      <p:sp>
+        <p:nvSpPr>
+          <p:cNvPr id="5" name="TextBox 4">
+            <a:extLst>
+              <a:ext uri="{FF2B5EF4-FFF2-40B4-BE49-F238E27FC236}">
+                <a16:creationId xmlns:a16="http://schemas.microsoft.com/office/drawing/2014/main" id="{AEF1EB48-22F9-C876-1ECD-633EB2DCAEC9}"/>
+              </a:ext>
+            </a:extLst>
+          </p:cNvPr>
+          <p:cNvSpPr txBox="1"/>
+          <p:nvPr/>
+        </p:nvSpPr>
+        <p:spPr>
+          <a:xfrm>
+            <a:off x="881406" y="640552"/>
+            <a:ext cx="10279930" cy="1938992"/>
+          </a:xfrm>
+          <a:prstGeom prst="rect">
+            <a:avLst/>
+          </a:prstGeom>
+          <a:noFill/>
+        </p:spPr>
+        <p:txBody>
+          <a:bodyPr wrap="square">
+            <a:spAutoFit/>
+          </a:bodyPr>
+          <a:lstStyle/>
+          <a:p>
+            <a:r>
+              <a:rPr lang="en-US" sz="2000" b="1" dirty="0">
+                <a:solidFill>
+                  <a:schemeClr val="tx1">
+                    <a:lumMod val="65000"/>
+                    <a:lumOff val="35000"/>
+                  </a:schemeClr>
+                </a:solidFill>
+                <a:effectLst/>
+              </a:rPr>
+              <a:t>Step 3</a:t>
+            </a:r>
+            <a:r>
+              <a:rPr lang="en-US" sz="2000" dirty="0">
+                <a:solidFill>
+                  <a:schemeClr val="tx1">
+                    <a:lumMod val="65000"/>
+                    <a:lumOff val="35000"/>
+                  </a:schemeClr>
+                </a:solidFill>
+                <a:effectLst/>
+              </a:rPr>
+              <a:t>: Add a new package </a:t>
+            </a:r>
+            <a:r>
+              <a:rPr lang="en-US" sz="2000" b="1" dirty="0" err="1">
+                <a:solidFill>
+                  <a:schemeClr val="tx1">
+                    <a:lumMod val="65000"/>
+                    <a:lumOff val="35000"/>
+                  </a:schemeClr>
+                </a:solidFill>
+                <a:effectLst/>
+              </a:rPr>
+              <a:t>com.hnd.utility</a:t>
+            </a:r>
+            <a:r>
+              <a:rPr lang="en-US" sz="2000" b="1" dirty="0">
+                <a:solidFill>
+                  <a:schemeClr val="tx1">
+                    <a:lumMod val="65000"/>
+                    <a:lumOff val="35000"/>
+                  </a:schemeClr>
+                </a:solidFill>
+                <a:effectLst/>
+              </a:rPr>
+              <a:t> </a:t>
+            </a:r>
+            <a:r>
+              <a:rPr lang="en-US" sz="2000" dirty="0">
+                <a:solidFill>
+                  <a:schemeClr val="tx1">
+                    <a:lumMod val="65000"/>
+                    <a:lumOff val="35000"/>
+                  </a:schemeClr>
+                </a:solidFill>
+                <a:effectLst/>
+              </a:rPr>
+              <a:t>in </a:t>
+            </a:r>
+            <a:r>
+              <a:rPr lang="en-US" sz="2000" dirty="0" err="1">
+                <a:solidFill>
+                  <a:schemeClr val="tx1">
+                    <a:lumMod val="65000"/>
+                    <a:lumOff val="35000"/>
+                  </a:schemeClr>
+                </a:solidFill>
+                <a:effectLst/>
+              </a:rPr>
+              <a:t>src</a:t>
+            </a:r>
+            <a:r>
+              <a:rPr lang="en-US" sz="2000" dirty="0">
+                <a:solidFill>
+                  <a:schemeClr val="tx1">
+                    <a:lumMod val="65000"/>
+                    <a:lumOff val="35000"/>
+                  </a:schemeClr>
+                </a:solidFill>
+                <a:effectLst/>
+              </a:rPr>
+              <a:t>/main/java.</a:t>
+            </a:r>
+          </a:p>
+          <a:p>
+            <a:endParaRPr lang="en-US" sz="2000" dirty="0">
+              <a:solidFill>
+                <a:schemeClr val="tx1">
+                  <a:lumMod val="65000"/>
+                  <a:lumOff val="35000"/>
+                </a:schemeClr>
+              </a:solidFill>
+              <a:effectLst/>
+            </a:endParaRPr>
+          </a:p>
+          <a:p>
+            <a:r>
+              <a:rPr lang="en-US" sz="2000" b="1" dirty="0">
+                <a:solidFill>
+                  <a:schemeClr val="tx1">
+                    <a:lumMod val="65000"/>
+                    <a:lumOff val="35000"/>
+                  </a:schemeClr>
+                </a:solidFill>
+                <a:effectLst/>
+              </a:rPr>
+              <a:t>Step 4</a:t>
+            </a:r>
+            <a:r>
+              <a:rPr lang="en-US" sz="2000" dirty="0">
+                <a:solidFill>
+                  <a:schemeClr val="tx1">
+                    <a:lumMod val="65000"/>
+                    <a:lumOff val="35000"/>
+                  </a:schemeClr>
+                </a:solidFill>
+                <a:effectLst/>
+              </a:rPr>
+              <a:t>: Create a new class LoggingAspect.java in the above created package. Annotate the class with @Component and @Aspect annotations.</a:t>
+            </a:r>
+          </a:p>
+          <a:p>
+            <a:endParaRPr lang="en-US" sz="2000" dirty="0">
+              <a:solidFill>
+                <a:schemeClr val="tx1">
+                  <a:lumMod val="65000"/>
+                  <a:lumOff val="35000"/>
+                </a:schemeClr>
+              </a:solidFill>
+              <a:effectLst/>
+            </a:endParaRPr>
+          </a:p>
+          <a:p>
+            <a:r>
+              <a:rPr lang="en-US" sz="2000" b="1" dirty="0">
+                <a:solidFill>
+                  <a:schemeClr val="tx1">
+                    <a:lumMod val="65000"/>
+                    <a:lumOff val="35000"/>
+                  </a:schemeClr>
+                </a:solidFill>
+                <a:effectLst/>
+              </a:rPr>
+              <a:t>Step 5</a:t>
+            </a:r>
+            <a:r>
+              <a:rPr lang="en-US" sz="2000" dirty="0">
+                <a:solidFill>
+                  <a:schemeClr val="tx1">
+                    <a:lumMod val="65000"/>
+                    <a:lumOff val="35000"/>
+                  </a:schemeClr>
+                </a:solidFill>
+                <a:effectLst/>
+              </a:rPr>
+              <a:t>: Complete the class with the following code for advice methods.</a:t>
+            </a:r>
+          </a:p>
+        </p:txBody>
+      </p:sp>
+      <p:sp>
+        <p:nvSpPr>
+          <p:cNvPr id="7" name="TextBox 6">
+            <a:extLst>
+              <a:ext uri="{FF2B5EF4-FFF2-40B4-BE49-F238E27FC236}">
+                <a16:creationId xmlns:a16="http://schemas.microsoft.com/office/drawing/2014/main" id="{1DBB5063-06DD-FBF0-D32C-B5761AB16FB4}"/>
+              </a:ext>
+            </a:extLst>
+          </p:cNvPr>
+          <p:cNvSpPr txBox="1"/>
+          <p:nvPr/>
+        </p:nvSpPr>
+        <p:spPr>
+          <a:xfrm>
+            <a:off x="360574" y="2847296"/>
+            <a:ext cx="11321593" cy="2862322"/>
+          </a:xfrm>
+          <a:prstGeom prst="rect">
+            <a:avLst/>
+          </a:prstGeom>
+          <a:noFill/>
+        </p:spPr>
+        <p:txBody>
+          <a:bodyPr wrap="square">
+            <a:spAutoFit/>
+          </a:bodyPr>
+          <a:lstStyle/>
+          <a:p>
+            <a:r>
+              <a:rPr lang="en-IN" dirty="0"/>
+              <a:t>import </a:t>
+            </a:r>
+            <a:r>
+              <a:rPr lang="en-IN" dirty="0" err="1"/>
+              <a:t>org.apache.commons.logging.Log</a:t>
+            </a:r>
+            <a:r>
+              <a:rPr lang="en-IN" dirty="0"/>
+              <a:t>;</a:t>
+            </a:r>
+          </a:p>
+          <a:p>
+            <a:r>
+              <a:rPr lang="en-IN" dirty="0"/>
+              <a:t>import </a:t>
+            </a:r>
+            <a:r>
+              <a:rPr lang="en-IN" dirty="0" err="1"/>
+              <a:t>org.apache.commons.logging.LogFactory</a:t>
+            </a:r>
+            <a:r>
+              <a:rPr lang="en-IN" dirty="0"/>
+              <a:t>;</a:t>
+            </a:r>
+          </a:p>
+          <a:p>
+            <a:r>
+              <a:rPr lang="en-IN" dirty="0"/>
+              <a:t>import </a:t>
+            </a:r>
+            <a:r>
+              <a:rPr lang="en-IN" dirty="0" err="1"/>
+              <a:t>org.aspectj.lang.annotation.After</a:t>
+            </a:r>
+            <a:r>
+              <a:rPr lang="en-IN" dirty="0"/>
+              <a:t>;</a:t>
+            </a:r>
+          </a:p>
+          <a:p>
+            <a:r>
+              <a:rPr lang="en-IN" dirty="0"/>
+              <a:t>import </a:t>
+            </a:r>
+            <a:r>
+              <a:rPr lang="en-IN" dirty="0" err="1"/>
+              <a:t>org.aspectj.lang.annotation.AfterReturning</a:t>
+            </a:r>
+            <a:r>
+              <a:rPr lang="en-IN" dirty="0"/>
+              <a:t>;</a:t>
+            </a:r>
+          </a:p>
+          <a:p>
+            <a:r>
+              <a:rPr lang="en-IN" dirty="0"/>
+              <a:t>import </a:t>
+            </a:r>
+            <a:r>
+              <a:rPr lang="en-IN" dirty="0" err="1"/>
+              <a:t>org.aspectj.lang.annotation.AfterThrowing</a:t>
+            </a:r>
+            <a:r>
+              <a:rPr lang="en-IN" dirty="0"/>
+              <a:t>;</a:t>
+            </a:r>
+          </a:p>
+          <a:p>
+            <a:r>
+              <a:rPr lang="en-IN" dirty="0"/>
+              <a:t>import </a:t>
+            </a:r>
+            <a:r>
+              <a:rPr lang="en-IN" dirty="0" err="1"/>
+              <a:t>org.aspectj.lang.annotation.Aspect</a:t>
+            </a:r>
+            <a:r>
+              <a:rPr lang="en-IN" dirty="0"/>
+              <a:t>;</a:t>
+            </a:r>
+          </a:p>
+          <a:p>
+            <a:r>
+              <a:rPr lang="en-IN" dirty="0"/>
+              <a:t>import </a:t>
+            </a:r>
+            <a:r>
+              <a:rPr lang="en-IN" dirty="0" err="1"/>
+              <a:t>org.aspectj.lang.annotation.Before</a:t>
+            </a:r>
+            <a:r>
+              <a:rPr lang="en-IN" dirty="0"/>
+              <a:t>;</a:t>
+            </a:r>
+          </a:p>
+          <a:p>
+            <a:r>
+              <a:rPr lang="en-IN" dirty="0"/>
+              <a:t>import </a:t>
+            </a:r>
+            <a:r>
+              <a:rPr lang="en-IN" dirty="0" err="1"/>
+              <a:t>org.springframework.stereotype.Component</a:t>
+            </a:r>
+            <a:r>
+              <a:rPr lang="en-IN" dirty="0"/>
+              <a:t>;</a:t>
+            </a:r>
+          </a:p>
+          <a:p>
+            <a:r>
+              <a:rPr lang="en-IN" dirty="0"/>
+              <a:t>import </a:t>
+            </a:r>
+            <a:r>
+              <a:rPr lang="en-IN" dirty="0" err="1"/>
+              <a:t>com.hnd.exception.hndBankException</a:t>
+            </a:r>
+            <a:r>
+              <a:rPr lang="en-IN" dirty="0"/>
+              <a:t>;</a:t>
+            </a:r>
+          </a:p>
+          <a:p>
+            <a:endParaRPr lang="en-IN" dirty="0"/>
+          </a:p>
+        </p:txBody>
+      </p:sp>
+    </p:spTree>
+    <p:extLst>
+      <p:ext uri="{BB962C8B-B14F-4D97-AF65-F5344CB8AC3E}">
+        <p14:creationId xmlns:p14="http://schemas.microsoft.com/office/powerpoint/2010/main" val="1959892219"/>
+      </p:ext>
+    </p:extLst>
+  </p:cSld>
+  <p:clrMapOvr>
+    <a:masterClrMapping/>
+  </p:clrMapOvr>
+</p:sld>
+</file>
+
+<file path=ppt/slides/slide131.xml><?xml version="1.0" encoding="utf-8"?>
+<p:sld xmlns:a="http://schemas.openxmlformats.org/drawingml/2006/main" xmlns:r="http://schemas.openxmlformats.org/officeDocument/2006/relationships" xmlns:p="http://schemas.openxmlformats.org/presentationml/2006/main">
+  <p:cSld>
+    <p:spTree>
+      <p:nvGrpSpPr>
+        <p:cNvPr id="1" name=""/>
+        <p:cNvGrpSpPr/>
+        <p:nvPr/>
+      </p:nvGrpSpPr>
+      <p:grpSpPr>
+        <a:xfrm>
+          <a:off x="0" y="0"/>
+          <a:ext cx="0" cy="0"/>
+          <a:chOff x="0" y="0"/>
+          <a:chExt cx="0" cy="0"/>
+        </a:xfrm>
+      </p:grpSpPr>
+      <p:sp>
+        <p:nvSpPr>
+          <p:cNvPr id="2" name="Footer Placeholder 1">
+            <a:extLst>
+              <a:ext uri="{FF2B5EF4-FFF2-40B4-BE49-F238E27FC236}">
+                <a16:creationId xmlns:a16="http://schemas.microsoft.com/office/drawing/2014/main" id="{EEDBA44E-35B3-76DE-F2EA-9EEC66FAE0C9}"/>
+              </a:ext>
+            </a:extLst>
+          </p:cNvPr>
+          <p:cNvSpPr>
+            <a:spLocks noGrp="1"/>
+          </p:cNvSpPr>
+          <p:nvPr>
+            <p:ph type="ftr" sz="quarter" idx="11"/>
+          </p:nvPr>
+        </p:nvSpPr>
+        <p:spPr/>
+        <p:txBody>
+          <a:bodyPr/>
+          <a:lstStyle/>
+          <a:p>
+            <a:r>
+              <a:rPr lang="en-IN"/>
+              <a:t>H&amp;D IT Solution</a:t>
+            </a:r>
+            <a:endParaRPr lang="en-IN" dirty="0"/>
+          </a:p>
+        </p:txBody>
+      </p:sp>
+      <p:sp>
+        <p:nvSpPr>
+          <p:cNvPr id="3" name="Slide Number Placeholder 2">
+            <a:extLst>
+              <a:ext uri="{FF2B5EF4-FFF2-40B4-BE49-F238E27FC236}">
+                <a16:creationId xmlns:a16="http://schemas.microsoft.com/office/drawing/2014/main" id="{EEF015F0-B2A1-899B-A96D-2003DE0DE772}"/>
+              </a:ext>
+            </a:extLst>
+          </p:cNvPr>
+          <p:cNvSpPr>
+            <a:spLocks noGrp="1"/>
+          </p:cNvSpPr>
+          <p:nvPr>
+            <p:ph type="sldNum" sz="quarter" idx="12"/>
+          </p:nvPr>
+        </p:nvSpPr>
+        <p:spPr/>
+        <p:txBody>
+          <a:bodyPr/>
+          <a:lstStyle/>
+          <a:p>
+            <a:fld id="{4A777409-9C5A-4B07-8E32-19F22F7D558C}" type="slidenum">
+              <a:rPr lang="en-IN" smtClean="0"/>
+              <a:t>131</a:t>
+            </a:fld>
+            <a:endParaRPr lang="en-IN" dirty="0"/>
+          </a:p>
+        </p:txBody>
+      </p:sp>
+      <p:sp>
+        <p:nvSpPr>
+          <p:cNvPr id="5" name="TextBox 4">
+            <a:extLst>
+              <a:ext uri="{FF2B5EF4-FFF2-40B4-BE49-F238E27FC236}">
+                <a16:creationId xmlns:a16="http://schemas.microsoft.com/office/drawing/2014/main" id="{F099235A-B8B7-499C-BCB7-3C87B4359B5F}"/>
+              </a:ext>
+            </a:extLst>
+          </p:cNvPr>
+          <p:cNvSpPr txBox="1"/>
+          <p:nvPr/>
+        </p:nvSpPr>
+        <p:spPr>
+          <a:xfrm>
+            <a:off x="942680" y="544153"/>
+            <a:ext cx="10652289" cy="5909310"/>
+          </a:xfrm>
+          <a:prstGeom prst="rect">
+            <a:avLst/>
+          </a:prstGeom>
+          <a:noFill/>
+        </p:spPr>
+        <p:txBody>
+          <a:bodyPr wrap="square">
+            <a:spAutoFit/>
+          </a:bodyPr>
+          <a:lstStyle/>
+          <a:p>
+            <a:r>
+              <a:rPr lang="en-IN" dirty="0"/>
+              <a:t>@Component</a:t>
+            </a:r>
+          </a:p>
+          <a:p>
+            <a:r>
+              <a:rPr lang="en-IN" dirty="0"/>
+              <a:t>@Aspect</a:t>
+            </a:r>
+          </a:p>
+          <a:p>
+            <a:r>
+              <a:rPr lang="en-IN" dirty="0"/>
+              <a:t>public class </a:t>
+            </a:r>
+            <a:r>
+              <a:rPr lang="en-IN" dirty="0" err="1"/>
+              <a:t>LoggingAspect</a:t>
+            </a:r>
+            <a:r>
+              <a:rPr lang="en-IN" dirty="0"/>
+              <a:t> {</a:t>
+            </a:r>
+          </a:p>
+          <a:p>
+            <a:r>
+              <a:rPr lang="en-IN" dirty="0"/>
+              <a:t>	public static final Log LOGGER = </a:t>
+            </a:r>
+            <a:r>
+              <a:rPr lang="en-IN" dirty="0" err="1"/>
+              <a:t>LogFactory.getLog</a:t>
+            </a:r>
+            <a:r>
+              <a:rPr lang="en-IN" dirty="0"/>
+              <a:t>(</a:t>
+            </a:r>
+            <a:r>
+              <a:rPr lang="en-IN" dirty="0" err="1"/>
+              <a:t>LoggingAspect.class</a:t>
+            </a:r>
+            <a:r>
+              <a:rPr lang="en-IN" dirty="0"/>
+              <a:t>); </a:t>
+            </a:r>
+          </a:p>
+          <a:p>
+            <a:r>
+              <a:rPr lang="en-IN" dirty="0"/>
+              <a:t>	@Before("execution(* </a:t>
+            </a:r>
+            <a:r>
+              <a:rPr lang="en-IN" dirty="0" err="1"/>
+              <a:t>com.hnd.service</a:t>
+            </a:r>
+            <a:r>
+              <a:rPr lang="en-IN" dirty="0"/>
+              <a:t>.*</a:t>
+            </a:r>
+            <a:r>
+              <a:rPr lang="en-IN" dirty="0" err="1"/>
+              <a:t>Impl</a:t>
+            </a:r>
+            <a:r>
+              <a:rPr lang="en-IN" dirty="0"/>
+              <a:t>.*(..))")</a:t>
+            </a:r>
+          </a:p>
+          <a:p>
+            <a:r>
+              <a:rPr lang="en-IN" dirty="0"/>
+              <a:t>	public void before() throws </a:t>
+            </a:r>
+            <a:r>
+              <a:rPr lang="en-IN" dirty="0" err="1"/>
+              <a:t>hndBankException</a:t>
+            </a:r>
+            <a:r>
+              <a:rPr lang="en-IN" dirty="0"/>
+              <a:t> {</a:t>
+            </a:r>
+          </a:p>
+          <a:p>
+            <a:r>
+              <a:rPr lang="en-IN" dirty="0"/>
+              <a:t>		LOGGER.info("Before advice called.");</a:t>
+            </a:r>
+          </a:p>
+          <a:p>
+            <a:r>
+              <a:rPr lang="en-IN" dirty="0"/>
+              <a:t>	}</a:t>
+            </a:r>
+          </a:p>
+          <a:p>
+            <a:r>
+              <a:rPr lang="en-IN" dirty="0"/>
+              <a:t>	@After("execution(* </a:t>
+            </a:r>
+            <a:r>
+              <a:rPr lang="en-IN" dirty="0" err="1"/>
+              <a:t>com.hnd.service</a:t>
+            </a:r>
+            <a:r>
+              <a:rPr lang="en-IN" dirty="0"/>
+              <a:t>.*</a:t>
+            </a:r>
+            <a:r>
+              <a:rPr lang="en-IN" dirty="0" err="1"/>
+              <a:t>Impl</a:t>
+            </a:r>
+            <a:r>
+              <a:rPr lang="en-IN" dirty="0"/>
+              <a:t>.*(..))")</a:t>
+            </a:r>
+          </a:p>
+          <a:p>
+            <a:r>
+              <a:rPr lang="en-IN" dirty="0"/>
+              <a:t>	public void after() throws </a:t>
+            </a:r>
+            <a:r>
+              <a:rPr lang="en-IN" dirty="0" err="1"/>
+              <a:t>hndBankException</a:t>
+            </a:r>
+            <a:r>
+              <a:rPr lang="en-IN" dirty="0"/>
+              <a:t> {</a:t>
+            </a:r>
+          </a:p>
+          <a:p>
+            <a:r>
+              <a:rPr lang="en-IN" dirty="0"/>
+              <a:t>		LOGGER.info("After advice called.");</a:t>
+            </a:r>
+          </a:p>
+          <a:p>
+            <a:r>
+              <a:rPr lang="en-IN" dirty="0"/>
+              <a:t>	}</a:t>
+            </a:r>
+          </a:p>
+          <a:p>
+            <a:r>
+              <a:rPr lang="en-IN" dirty="0"/>
+              <a:t>	@AfterReturning("execution(* </a:t>
+            </a:r>
+            <a:r>
+              <a:rPr lang="en-IN" dirty="0" err="1"/>
+              <a:t>com.hnd.service</a:t>
+            </a:r>
+            <a:r>
+              <a:rPr lang="en-IN" dirty="0"/>
+              <a:t>.*</a:t>
+            </a:r>
+            <a:r>
+              <a:rPr lang="en-IN" dirty="0" err="1"/>
+              <a:t>Impl</a:t>
+            </a:r>
+            <a:r>
+              <a:rPr lang="en-IN" dirty="0"/>
+              <a:t>.*(..))")</a:t>
+            </a:r>
+          </a:p>
+          <a:p>
+            <a:r>
+              <a:rPr lang="en-IN" dirty="0"/>
+              <a:t>	public void </a:t>
+            </a:r>
+            <a:r>
+              <a:rPr lang="en-IN" dirty="0" err="1"/>
+              <a:t>afterReturning</a:t>
+            </a:r>
+            <a:r>
+              <a:rPr lang="en-IN" dirty="0"/>
+              <a:t>() throws </a:t>
+            </a:r>
+            <a:r>
+              <a:rPr lang="en-IN" dirty="0" err="1"/>
+              <a:t>hndBankException</a:t>
+            </a:r>
+            <a:r>
+              <a:rPr lang="en-IN" dirty="0"/>
+              <a:t> {</a:t>
+            </a:r>
+          </a:p>
+          <a:p>
+            <a:r>
+              <a:rPr lang="en-IN" dirty="0"/>
+              <a:t>		LOGGER.info("After returning advice called.");</a:t>
+            </a:r>
+          </a:p>
+          <a:p>
+            <a:r>
+              <a:rPr lang="en-IN" dirty="0"/>
+              <a:t>	}</a:t>
+            </a:r>
+          </a:p>
+          <a:p>
+            <a:r>
+              <a:rPr lang="en-IN" dirty="0"/>
+              <a:t>	@AfterThrowing(pointcut = "execution(* </a:t>
+            </a:r>
+            <a:r>
+              <a:rPr lang="en-IN" dirty="0" err="1"/>
+              <a:t>com.hnd.service</a:t>
+            </a:r>
+            <a:r>
+              <a:rPr lang="en-IN" dirty="0"/>
+              <a:t>.*</a:t>
+            </a:r>
+            <a:r>
+              <a:rPr lang="en-IN" dirty="0" err="1"/>
+              <a:t>Impl</a:t>
+            </a:r>
+            <a:r>
+              <a:rPr lang="en-IN" dirty="0"/>
+              <a:t>.*(..))", throwing = "exception")</a:t>
+            </a:r>
+          </a:p>
+          <a:p>
+            <a:r>
+              <a:rPr lang="en-IN" dirty="0"/>
+              <a:t>	public void </a:t>
+            </a:r>
+            <a:r>
+              <a:rPr lang="en-IN" dirty="0" err="1"/>
+              <a:t>afterThrowing</a:t>
+            </a:r>
+            <a:r>
+              <a:rPr lang="en-IN" dirty="0"/>
+              <a:t>(</a:t>
+            </a:r>
+            <a:r>
+              <a:rPr lang="en-IN" dirty="0" err="1"/>
+              <a:t>hndBankException</a:t>
+            </a:r>
+            <a:r>
+              <a:rPr lang="en-IN" dirty="0"/>
+              <a:t> exception) throws </a:t>
+            </a:r>
+            <a:r>
+              <a:rPr lang="en-IN" dirty="0" err="1"/>
+              <a:t>hndBankException</a:t>
+            </a:r>
+            <a:r>
+              <a:rPr lang="en-IN" dirty="0"/>
+              <a:t> {</a:t>
+            </a:r>
+          </a:p>
+          <a:p>
+            <a:r>
+              <a:rPr lang="en-IN" dirty="0"/>
+              <a:t>		</a:t>
+            </a:r>
+            <a:r>
+              <a:rPr lang="en-IN" dirty="0" err="1"/>
+              <a:t>LOGGER.error</a:t>
+            </a:r>
+            <a:r>
+              <a:rPr lang="en-IN" dirty="0"/>
+              <a:t>(</a:t>
+            </a:r>
+            <a:r>
+              <a:rPr lang="en-IN" dirty="0" err="1"/>
+              <a:t>exception.getMessage</a:t>
+            </a:r>
+            <a:r>
+              <a:rPr lang="en-IN" dirty="0"/>
+              <a:t>(), exception);</a:t>
+            </a:r>
+          </a:p>
+          <a:p>
+            <a:r>
+              <a:rPr lang="en-IN" dirty="0"/>
+              <a:t>	}</a:t>
+            </a:r>
+          </a:p>
+          <a:p>
+            <a:r>
+              <a:rPr lang="en-IN" dirty="0"/>
+              <a:t>}</a:t>
+            </a:r>
+          </a:p>
+        </p:txBody>
+      </p:sp>
+    </p:spTree>
+    <p:extLst>
+      <p:ext uri="{BB962C8B-B14F-4D97-AF65-F5344CB8AC3E}">
+        <p14:creationId xmlns:p14="http://schemas.microsoft.com/office/powerpoint/2010/main" val="1275009682"/>
+      </p:ext>
+    </p:extLst>
+  </p:cSld>
+  <p:clrMapOvr>
+    <a:masterClrMapping/>
+  </p:clrMapOvr>
+</p:sld>
+</file>
+
+<file path=ppt/slides/slide132.xml><?xml version="1.0" encoding="utf-8"?>
+<p:sld xmlns:a="http://schemas.openxmlformats.org/drawingml/2006/main" xmlns:r="http://schemas.openxmlformats.org/officeDocument/2006/relationships" xmlns:p="http://schemas.openxmlformats.org/presentationml/2006/main">
+  <p:cSld>
+    <p:spTree>
+      <p:nvGrpSpPr>
+        <p:cNvPr id="1" name=""/>
+        <p:cNvGrpSpPr/>
+        <p:nvPr/>
+      </p:nvGrpSpPr>
+      <p:grpSpPr>
+        <a:xfrm>
+          <a:off x="0" y="0"/>
+          <a:ext cx="0" cy="0"/>
+          <a:chOff x="0" y="0"/>
+          <a:chExt cx="0" cy="0"/>
+        </a:xfrm>
+      </p:grpSpPr>
+      <p:sp>
+        <p:nvSpPr>
+          <p:cNvPr id="2" name="Footer Placeholder 1">
+            <a:extLst>
+              <a:ext uri="{FF2B5EF4-FFF2-40B4-BE49-F238E27FC236}">
+                <a16:creationId xmlns:a16="http://schemas.microsoft.com/office/drawing/2014/main" id="{465F8DDE-21AB-54E7-1976-3B4FBFCAC42F}"/>
+              </a:ext>
+            </a:extLst>
+          </p:cNvPr>
+          <p:cNvSpPr>
+            <a:spLocks noGrp="1"/>
+          </p:cNvSpPr>
+          <p:nvPr>
+            <p:ph type="ftr" sz="quarter" idx="11"/>
+          </p:nvPr>
+        </p:nvSpPr>
+        <p:spPr/>
+        <p:txBody>
+          <a:bodyPr/>
+          <a:lstStyle/>
+          <a:p>
+            <a:r>
+              <a:rPr lang="en-IN"/>
+              <a:t>H&amp;D IT Solution</a:t>
+            </a:r>
+            <a:endParaRPr lang="en-IN" dirty="0"/>
+          </a:p>
+        </p:txBody>
+      </p:sp>
+      <p:sp>
+        <p:nvSpPr>
+          <p:cNvPr id="3" name="Slide Number Placeholder 2">
+            <a:extLst>
+              <a:ext uri="{FF2B5EF4-FFF2-40B4-BE49-F238E27FC236}">
+                <a16:creationId xmlns:a16="http://schemas.microsoft.com/office/drawing/2014/main" id="{91E22DB9-73E2-FFF8-B3ED-9FF902E6A2C2}"/>
+              </a:ext>
+            </a:extLst>
+          </p:cNvPr>
+          <p:cNvSpPr>
+            <a:spLocks noGrp="1"/>
+          </p:cNvSpPr>
+          <p:nvPr>
+            <p:ph type="sldNum" sz="quarter" idx="12"/>
+          </p:nvPr>
+        </p:nvSpPr>
+        <p:spPr/>
+        <p:txBody>
+          <a:bodyPr/>
+          <a:lstStyle/>
+          <a:p>
+            <a:fld id="{4A777409-9C5A-4B07-8E32-19F22F7D558C}" type="slidenum">
+              <a:rPr lang="en-IN" smtClean="0"/>
+              <a:t>132</a:t>
+            </a:fld>
+            <a:endParaRPr lang="en-IN" dirty="0"/>
+          </a:p>
+        </p:txBody>
+      </p:sp>
+      <p:sp>
+        <p:nvSpPr>
+          <p:cNvPr id="5" name="TextBox 4">
+            <a:extLst>
+              <a:ext uri="{FF2B5EF4-FFF2-40B4-BE49-F238E27FC236}">
+                <a16:creationId xmlns:a16="http://schemas.microsoft.com/office/drawing/2014/main" id="{5F4EB312-3BBF-32FE-DDD6-1C9AEF1EF475}"/>
+              </a:ext>
+            </a:extLst>
+          </p:cNvPr>
+          <p:cNvSpPr txBox="1"/>
+          <p:nvPr/>
+        </p:nvSpPr>
+        <p:spPr>
+          <a:xfrm>
+            <a:off x="862552" y="560050"/>
+            <a:ext cx="10053687" cy="400110"/>
+          </a:xfrm>
+          <a:prstGeom prst="rect">
+            <a:avLst/>
+          </a:prstGeom>
+          <a:noFill/>
+        </p:spPr>
+        <p:txBody>
+          <a:bodyPr wrap="square">
+            <a:spAutoFit/>
+          </a:bodyPr>
+          <a:lstStyle/>
+          <a:p>
+            <a:r>
+              <a:rPr lang="en-US" sz="2000" b="1" dirty="0">
+                <a:solidFill>
+                  <a:schemeClr val="tx1">
+                    <a:lumMod val="65000"/>
+                    <a:lumOff val="35000"/>
+                  </a:schemeClr>
+                </a:solidFill>
+              </a:rPr>
+              <a:t>Step 6</a:t>
+            </a:r>
+            <a:r>
+              <a:rPr lang="en-US" sz="2000" dirty="0">
+                <a:solidFill>
+                  <a:schemeClr val="tx1">
+                    <a:lumMod val="65000"/>
+                    <a:lumOff val="35000"/>
+                  </a:schemeClr>
+                </a:solidFill>
+              </a:rPr>
+              <a:t>: Execute the DemoSpringBootCoreApplication.java class</a:t>
+            </a:r>
+            <a:endParaRPr lang="en-IN" sz="2000" dirty="0">
+              <a:solidFill>
+                <a:schemeClr val="tx1">
+                  <a:lumMod val="65000"/>
+                  <a:lumOff val="35000"/>
+                </a:schemeClr>
+              </a:solidFill>
+            </a:endParaRPr>
+          </a:p>
+        </p:txBody>
+      </p:sp>
+      <p:sp>
+        <p:nvSpPr>
+          <p:cNvPr id="7" name="TextBox 6">
+            <a:extLst>
+              <a:ext uri="{FF2B5EF4-FFF2-40B4-BE49-F238E27FC236}">
+                <a16:creationId xmlns:a16="http://schemas.microsoft.com/office/drawing/2014/main" id="{E774710C-98B7-8931-16FE-F89B50C10129}"/>
+              </a:ext>
+            </a:extLst>
+          </p:cNvPr>
+          <p:cNvSpPr txBox="1"/>
+          <p:nvPr/>
+        </p:nvSpPr>
+        <p:spPr>
+          <a:xfrm>
+            <a:off x="240383" y="1248208"/>
+            <a:ext cx="6099142" cy="461665"/>
+          </a:xfrm>
+          <a:prstGeom prst="rect">
+            <a:avLst/>
+          </a:prstGeom>
+          <a:noFill/>
+        </p:spPr>
+        <p:txBody>
+          <a:bodyPr wrap="square">
+            <a:spAutoFit/>
+          </a:bodyPr>
+          <a:lstStyle/>
+          <a:p>
+            <a:r>
+              <a:rPr lang="en-IN" sz="2400" b="1" dirty="0"/>
+              <a:t>Best Practices in Spring Boot </a:t>
+            </a:r>
+          </a:p>
+        </p:txBody>
+      </p:sp>
+      <p:sp>
+        <p:nvSpPr>
+          <p:cNvPr id="9" name="TextBox 8">
+            <a:extLst>
+              <a:ext uri="{FF2B5EF4-FFF2-40B4-BE49-F238E27FC236}">
+                <a16:creationId xmlns:a16="http://schemas.microsoft.com/office/drawing/2014/main" id="{CFD97D00-B030-F645-DD94-C7072E284F25}"/>
+              </a:ext>
+            </a:extLst>
+          </p:cNvPr>
+          <p:cNvSpPr txBox="1"/>
+          <p:nvPr/>
+        </p:nvSpPr>
+        <p:spPr>
+          <a:xfrm>
+            <a:off x="240383" y="1997921"/>
+            <a:ext cx="11420574" cy="3785652"/>
+          </a:xfrm>
+          <a:prstGeom prst="rect">
+            <a:avLst/>
+          </a:prstGeom>
+          <a:noFill/>
+        </p:spPr>
+        <p:txBody>
+          <a:bodyPr wrap="square">
+            <a:spAutoFit/>
+          </a:bodyPr>
+          <a:lstStyle/>
+          <a:p>
+            <a:r>
+              <a:rPr lang="en-US" sz="2000" dirty="0">
+                <a:solidFill>
+                  <a:schemeClr val="tx1">
+                    <a:lumMod val="65000"/>
+                    <a:lumOff val="35000"/>
+                  </a:schemeClr>
+                </a:solidFill>
+                <a:effectLst/>
+              </a:rPr>
+              <a:t>Some of the best practices that should be followed while developing with Spring Boot are:</a:t>
+            </a:r>
+          </a:p>
+          <a:p>
+            <a:endParaRPr lang="en-US" sz="2000" dirty="0">
+              <a:solidFill>
+                <a:schemeClr val="tx1">
+                  <a:lumMod val="65000"/>
+                  <a:lumOff val="35000"/>
+                </a:schemeClr>
+              </a:solidFill>
+              <a:effectLst/>
+            </a:endParaRPr>
+          </a:p>
+          <a:p>
+            <a:pPr>
+              <a:buFont typeface="+mj-lt"/>
+              <a:buAutoNum type="arabicPeriod"/>
+            </a:pPr>
+            <a:r>
+              <a:rPr lang="en-US" sz="2000" b="1" dirty="0">
+                <a:solidFill>
+                  <a:schemeClr val="tx1">
+                    <a:lumMod val="65000"/>
+                    <a:lumOff val="35000"/>
+                  </a:schemeClr>
+                </a:solidFill>
+                <a:effectLst/>
+              </a:rPr>
+              <a:t>Use Spring </a:t>
+            </a:r>
+            <a:r>
+              <a:rPr lang="en-US" sz="2000" b="1" dirty="0" err="1">
+                <a:solidFill>
+                  <a:schemeClr val="tx1">
+                    <a:lumMod val="65000"/>
+                    <a:lumOff val="35000"/>
+                  </a:schemeClr>
+                </a:solidFill>
+                <a:effectLst/>
+              </a:rPr>
+              <a:t>Initializr</a:t>
+            </a:r>
+            <a:r>
+              <a:rPr lang="en-US" sz="2000" b="1" dirty="0">
+                <a:solidFill>
+                  <a:schemeClr val="tx1">
+                    <a:lumMod val="65000"/>
+                    <a:lumOff val="35000"/>
+                  </a:schemeClr>
+                </a:solidFill>
+                <a:effectLst/>
+              </a:rPr>
+              <a:t> for creating a Spring Boot application</a:t>
+            </a:r>
+          </a:p>
+          <a:p>
+            <a:pPr>
+              <a:buFont typeface="+mj-lt"/>
+              <a:buAutoNum type="arabicPeriod"/>
+            </a:pPr>
+            <a:endParaRPr lang="en-US" sz="2000" dirty="0">
+              <a:solidFill>
+                <a:schemeClr val="tx1">
+                  <a:lumMod val="65000"/>
+                  <a:lumOff val="35000"/>
+                </a:schemeClr>
+              </a:solidFill>
+              <a:effectLst/>
+            </a:endParaRPr>
+          </a:p>
+          <a:p>
+            <a:r>
+              <a:rPr lang="en-US" sz="2000" dirty="0">
+                <a:solidFill>
+                  <a:schemeClr val="tx1">
+                    <a:lumMod val="65000"/>
+                    <a:lumOff val="35000"/>
+                  </a:schemeClr>
+                </a:solidFill>
+                <a:effectLst/>
+              </a:rPr>
+              <a:t>As you have already seen, there are different possible ways for creating Spring Boot application but, using Spring </a:t>
+            </a:r>
+            <a:r>
+              <a:rPr lang="en-US" sz="2000" dirty="0" err="1">
+                <a:solidFill>
+                  <a:schemeClr val="tx1">
+                    <a:lumMod val="65000"/>
+                    <a:lumOff val="35000"/>
+                  </a:schemeClr>
+                </a:solidFill>
+                <a:effectLst/>
+              </a:rPr>
+              <a:t>Initializr</a:t>
+            </a:r>
+            <a:r>
+              <a:rPr lang="en-US" sz="2000" dirty="0">
+                <a:solidFill>
+                  <a:schemeClr val="tx1">
+                    <a:lumMod val="65000"/>
+                    <a:lumOff val="35000"/>
+                  </a:schemeClr>
+                </a:solidFill>
+                <a:effectLst/>
+              </a:rPr>
+              <a:t> for creating new Spring Boot application is considered as a best practice.</a:t>
+            </a:r>
+          </a:p>
+          <a:p>
+            <a:r>
+              <a:rPr lang="en-US" sz="2000" dirty="0">
+                <a:solidFill>
+                  <a:schemeClr val="tx1">
+                    <a:lumMod val="65000"/>
+                    <a:lumOff val="35000"/>
+                  </a:schemeClr>
+                </a:solidFill>
+                <a:effectLst/>
+              </a:rPr>
+              <a:t>What can be the possible reasons for this?</a:t>
+            </a:r>
+          </a:p>
+          <a:p>
+            <a:endParaRPr lang="en-US" sz="2000" dirty="0">
+              <a:solidFill>
+                <a:schemeClr val="tx1">
+                  <a:lumMod val="65000"/>
+                  <a:lumOff val="35000"/>
+                </a:schemeClr>
+              </a:solidFill>
+              <a:effectLst/>
+            </a:endParaRPr>
+          </a:p>
+          <a:p>
+            <a:r>
+              <a:rPr lang="en-US" sz="2000" dirty="0">
+                <a:solidFill>
+                  <a:schemeClr val="tx1">
+                    <a:lumMod val="65000"/>
+                    <a:lumOff val="35000"/>
+                  </a:schemeClr>
+                </a:solidFill>
+                <a:effectLst/>
+              </a:rPr>
+              <a:t>This is because Spring </a:t>
+            </a:r>
+            <a:r>
+              <a:rPr lang="en-US" sz="2000" dirty="0" err="1">
+                <a:solidFill>
+                  <a:schemeClr val="tx1">
+                    <a:lumMod val="65000"/>
+                    <a:lumOff val="35000"/>
+                  </a:schemeClr>
+                </a:solidFill>
+                <a:effectLst/>
+              </a:rPr>
+              <a:t>Initializr</a:t>
+            </a:r>
+            <a:r>
+              <a:rPr lang="en-US" sz="2000" dirty="0">
+                <a:solidFill>
+                  <a:schemeClr val="tx1">
+                    <a:lumMod val="65000"/>
+                    <a:lumOff val="35000"/>
+                  </a:schemeClr>
+                </a:solidFill>
+                <a:effectLst/>
+              </a:rPr>
+              <a:t> gives an easy way to start a new Spring Boot project and load it with the dependencies that the developer is in need of. Also, creating an application using Spring </a:t>
+            </a:r>
+            <a:r>
+              <a:rPr lang="en-US" sz="2000" dirty="0" err="1">
+                <a:solidFill>
+                  <a:schemeClr val="tx1">
+                    <a:lumMod val="65000"/>
+                    <a:lumOff val="35000"/>
+                  </a:schemeClr>
+                </a:solidFill>
+                <a:effectLst/>
+              </a:rPr>
+              <a:t>Initializr</a:t>
+            </a:r>
+            <a:r>
+              <a:rPr lang="en-US" sz="2000" dirty="0">
+                <a:solidFill>
+                  <a:schemeClr val="tx1">
+                    <a:lumMod val="65000"/>
+                    <a:lumOff val="35000"/>
+                  </a:schemeClr>
+                </a:solidFill>
+                <a:effectLst/>
+              </a:rPr>
+              <a:t> ensures that already tested dependencies are added to the application. This helps in auto-configuration as well since the appropriate dependencies are added.</a:t>
+            </a:r>
+          </a:p>
+        </p:txBody>
+      </p:sp>
+    </p:spTree>
+    <p:extLst>
+      <p:ext uri="{BB962C8B-B14F-4D97-AF65-F5344CB8AC3E}">
+        <p14:creationId xmlns:p14="http://schemas.microsoft.com/office/powerpoint/2010/main" val="858518446"/>
+      </p:ext>
+    </p:extLst>
+  </p:cSld>
+  <p:clrMapOvr>
+    <a:masterClrMapping/>
+  </p:clrMapOvr>
+</p:sld>
+</file>
+
+<file path=ppt/slides/slide133.xml><?xml version="1.0" encoding="utf-8"?>
+<p:sld xmlns:a="http://schemas.openxmlformats.org/drawingml/2006/main" xmlns:r="http://schemas.openxmlformats.org/officeDocument/2006/relationships" xmlns:p="http://schemas.openxmlformats.org/presentationml/2006/main">
+  <p:cSld>
+    <p:spTree>
+      <p:nvGrpSpPr>
+        <p:cNvPr id="1" name=""/>
+        <p:cNvGrpSpPr/>
+        <p:nvPr/>
+      </p:nvGrpSpPr>
+      <p:grpSpPr>
+        <a:xfrm>
+          <a:off x="0" y="0"/>
+          <a:ext cx="0" cy="0"/>
+          <a:chOff x="0" y="0"/>
+          <a:chExt cx="0" cy="0"/>
+        </a:xfrm>
+      </p:grpSpPr>
+      <p:sp>
+        <p:nvSpPr>
+          <p:cNvPr id="2" name="Footer Placeholder 1">
+            <a:extLst>
+              <a:ext uri="{FF2B5EF4-FFF2-40B4-BE49-F238E27FC236}">
+                <a16:creationId xmlns:a16="http://schemas.microsoft.com/office/drawing/2014/main" id="{01212E64-0F17-7FD1-25D3-6544F3A3BEC0}"/>
+              </a:ext>
+            </a:extLst>
+          </p:cNvPr>
+          <p:cNvSpPr>
+            <a:spLocks noGrp="1"/>
+          </p:cNvSpPr>
+          <p:nvPr>
+            <p:ph type="ftr" sz="quarter" idx="11"/>
+          </p:nvPr>
+        </p:nvSpPr>
+        <p:spPr/>
+        <p:txBody>
+          <a:bodyPr/>
+          <a:lstStyle/>
+          <a:p>
+            <a:r>
+              <a:rPr lang="en-IN"/>
+              <a:t>H&amp;D IT Solution</a:t>
+            </a:r>
+            <a:endParaRPr lang="en-IN" dirty="0"/>
+          </a:p>
+        </p:txBody>
+      </p:sp>
+      <p:sp>
+        <p:nvSpPr>
+          <p:cNvPr id="3" name="Slide Number Placeholder 2">
+            <a:extLst>
+              <a:ext uri="{FF2B5EF4-FFF2-40B4-BE49-F238E27FC236}">
+                <a16:creationId xmlns:a16="http://schemas.microsoft.com/office/drawing/2014/main" id="{C073CB92-3C11-7532-DBE6-4B8958777559}"/>
+              </a:ext>
+            </a:extLst>
+          </p:cNvPr>
+          <p:cNvSpPr>
+            <a:spLocks noGrp="1"/>
+          </p:cNvSpPr>
+          <p:nvPr>
+            <p:ph type="sldNum" sz="quarter" idx="12"/>
+          </p:nvPr>
+        </p:nvSpPr>
+        <p:spPr/>
+        <p:txBody>
+          <a:bodyPr/>
+          <a:lstStyle/>
+          <a:p>
+            <a:fld id="{4A777409-9C5A-4B07-8E32-19F22F7D558C}" type="slidenum">
+              <a:rPr lang="en-IN" smtClean="0"/>
+              <a:t>133</a:t>
+            </a:fld>
+            <a:endParaRPr lang="en-IN" dirty="0"/>
+          </a:p>
+        </p:txBody>
+      </p:sp>
+      <p:sp>
+        <p:nvSpPr>
+          <p:cNvPr id="5" name="TextBox 4">
+            <a:extLst>
+              <a:ext uri="{FF2B5EF4-FFF2-40B4-BE49-F238E27FC236}">
+                <a16:creationId xmlns:a16="http://schemas.microsoft.com/office/drawing/2014/main" id="{F972F6DF-E691-7F57-FC80-08AD5B644CE5}"/>
+              </a:ext>
+            </a:extLst>
+          </p:cNvPr>
+          <p:cNvSpPr txBox="1"/>
+          <p:nvPr/>
+        </p:nvSpPr>
+        <p:spPr>
+          <a:xfrm>
+            <a:off x="913614" y="601406"/>
+            <a:ext cx="10634220" cy="3477875"/>
+          </a:xfrm>
+          <a:prstGeom prst="rect">
+            <a:avLst/>
+          </a:prstGeom>
+          <a:noFill/>
+        </p:spPr>
+        <p:txBody>
+          <a:bodyPr wrap="square">
+            <a:spAutoFit/>
+          </a:bodyPr>
+          <a:lstStyle/>
+          <a:p>
+            <a:pPr>
+              <a:buFont typeface="+mj-lt"/>
+              <a:buAutoNum type="arabicPeriod" startAt="2"/>
+            </a:pPr>
+            <a:r>
+              <a:rPr lang="en-US" sz="2000" b="1" dirty="0">
+                <a:solidFill>
+                  <a:schemeClr val="tx1">
+                    <a:lumMod val="65000"/>
+                    <a:lumOff val="35000"/>
+                  </a:schemeClr>
+                </a:solidFill>
+                <a:effectLst/>
+              </a:rPr>
+              <a:t>Use Auto-configuration</a:t>
+            </a:r>
+          </a:p>
+          <a:p>
+            <a:endParaRPr lang="en-US" sz="2000" dirty="0">
+              <a:solidFill>
+                <a:schemeClr val="tx1">
+                  <a:lumMod val="65000"/>
+                  <a:lumOff val="35000"/>
+                </a:schemeClr>
+              </a:solidFill>
+              <a:effectLst/>
+            </a:endParaRPr>
+          </a:p>
+          <a:p>
+            <a:r>
+              <a:rPr lang="en-US" sz="2000" dirty="0">
+                <a:solidFill>
+                  <a:schemeClr val="tx1">
+                    <a:lumMod val="65000"/>
+                    <a:lumOff val="35000"/>
+                  </a:schemeClr>
+                </a:solidFill>
+                <a:effectLst/>
+              </a:rPr>
+              <a:t>One of the main features of Spring Boot is auto-configuration.</a:t>
+            </a:r>
+          </a:p>
+          <a:p>
+            <a:endParaRPr lang="en-US" sz="2000" dirty="0">
+              <a:solidFill>
+                <a:schemeClr val="tx1">
+                  <a:lumMod val="65000"/>
+                  <a:lumOff val="35000"/>
+                </a:schemeClr>
+              </a:solidFill>
+              <a:effectLst/>
+            </a:endParaRPr>
+          </a:p>
+          <a:p>
+            <a:r>
+              <a:rPr lang="en-US" sz="2000" dirty="0">
+                <a:solidFill>
+                  <a:schemeClr val="tx1">
+                    <a:lumMod val="65000"/>
+                    <a:lumOff val="35000"/>
+                  </a:schemeClr>
+                </a:solidFill>
+                <a:effectLst/>
+              </a:rPr>
+              <a:t>Usage of auto-configuration is considered to be a best practice as it makes your code simply work. Whenever a jar file is detected on the </a:t>
+            </a:r>
+            <a:r>
+              <a:rPr lang="en-US" sz="2000" dirty="0" err="1">
+                <a:solidFill>
+                  <a:schemeClr val="tx1">
+                    <a:lumMod val="65000"/>
+                    <a:lumOff val="35000"/>
+                  </a:schemeClr>
+                </a:solidFill>
+                <a:effectLst/>
+              </a:rPr>
+              <a:t>classpath</a:t>
+            </a:r>
+            <a:r>
+              <a:rPr lang="en-US" sz="2000" dirty="0">
+                <a:solidFill>
+                  <a:schemeClr val="tx1">
+                    <a:lumMod val="65000"/>
+                    <a:lumOff val="35000"/>
+                  </a:schemeClr>
+                </a:solidFill>
+                <a:effectLst/>
+              </a:rPr>
+              <a:t>, it gets activated. The simplest way to achieve this is to depend on the Spring Boot Starters as we have already done. </a:t>
+            </a:r>
+          </a:p>
+          <a:p>
+            <a:r>
+              <a:rPr lang="en-US" sz="2000" dirty="0">
+                <a:solidFill>
+                  <a:schemeClr val="tx1">
+                    <a:lumMod val="65000"/>
+                    <a:lumOff val="35000"/>
+                  </a:schemeClr>
+                </a:solidFill>
+                <a:effectLst/>
+              </a:rPr>
+              <a:t>Depending on the starters make sure that the latest dependencies are added and it helps in avoiding issues related to the them.</a:t>
+            </a:r>
+          </a:p>
+          <a:p>
+            <a:endParaRPr lang="en-US" sz="2000" dirty="0">
+              <a:solidFill>
+                <a:schemeClr val="tx1">
+                  <a:lumMod val="65000"/>
+                  <a:lumOff val="35000"/>
+                </a:schemeClr>
+              </a:solidFill>
+              <a:effectLst/>
+            </a:endParaRPr>
+          </a:p>
+          <a:p>
+            <a:r>
+              <a:rPr lang="en-US" sz="2000" dirty="0">
+                <a:solidFill>
+                  <a:schemeClr val="tx1">
+                    <a:lumMod val="65000"/>
+                    <a:lumOff val="35000"/>
+                  </a:schemeClr>
+                </a:solidFill>
+                <a:effectLst/>
+              </a:rPr>
+              <a:t>Suppose, if you want to have AOP, you just have to add the starter dependency in your pom.xml file.</a:t>
+            </a:r>
+          </a:p>
+        </p:txBody>
+      </p:sp>
+      <p:sp>
+        <p:nvSpPr>
+          <p:cNvPr id="7" name="TextBox 6">
+            <a:extLst>
+              <a:ext uri="{FF2B5EF4-FFF2-40B4-BE49-F238E27FC236}">
+                <a16:creationId xmlns:a16="http://schemas.microsoft.com/office/drawing/2014/main" id="{47B7E947-4837-9488-CF99-EC99F8916216}"/>
+              </a:ext>
+            </a:extLst>
+          </p:cNvPr>
+          <p:cNvSpPr txBox="1"/>
+          <p:nvPr/>
+        </p:nvSpPr>
+        <p:spPr>
+          <a:xfrm>
+            <a:off x="476054" y="4320627"/>
+            <a:ext cx="11175476" cy="1200329"/>
+          </a:xfrm>
+          <a:prstGeom prst="rect">
+            <a:avLst/>
+          </a:prstGeom>
+          <a:noFill/>
+        </p:spPr>
+        <p:txBody>
+          <a:bodyPr wrap="square">
+            <a:spAutoFit/>
+          </a:bodyPr>
+          <a:lstStyle/>
+          <a:p>
+            <a:r>
+              <a:rPr lang="en-IN" dirty="0"/>
+              <a:t>&lt;dependency&gt;</a:t>
+            </a:r>
+          </a:p>
+          <a:p>
+            <a:r>
+              <a:rPr lang="en-IN" dirty="0"/>
+              <a:t>    &lt;</a:t>
+            </a:r>
+            <a:r>
+              <a:rPr lang="en-IN" dirty="0" err="1"/>
+              <a:t>groupId</a:t>
+            </a:r>
+            <a:r>
+              <a:rPr lang="en-IN" dirty="0"/>
+              <a:t>&gt;</a:t>
+            </a:r>
+            <a:r>
+              <a:rPr lang="en-IN" dirty="0" err="1"/>
+              <a:t>org.springframework.boot</a:t>
+            </a:r>
+            <a:r>
+              <a:rPr lang="en-IN" dirty="0"/>
+              <a:t>&lt;/</a:t>
+            </a:r>
+            <a:r>
+              <a:rPr lang="en-IN" dirty="0" err="1"/>
+              <a:t>groupId</a:t>
+            </a:r>
+            <a:r>
+              <a:rPr lang="en-IN" dirty="0"/>
+              <a:t>&gt;</a:t>
+            </a:r>
+          </a:p>
+          <a:p>
+            <a:r>
+              <a:rPr lang="en-IN" dirty="0"/>
+              <a:t>    &lt;</a:t>
+            </a:r>
+            <a:r>
+              <a:rPr lang="en-IN" dirty="0" err="1"/>
+              <a:t>artifactId</a:t>
+            </a:r>
+            <a:r>
+              <a:rPr lang="en-IN" dirty="0"/>
+              <a:t>&gt;spring-boot-starter-</a:t>
+            </a:r>
+            <a:r>
+              <a:rPr lang="en-IN" dirty="0" err="1"/>
+              <a:t>aop</a:t>
+            </a:r>
+            <a:r>
+              <a:rPr lang="en-IN" dirty="0"/>
+              <a:t>&lt;/</a:t>
+            </a:r>
+            <a:r>
+              <a:rPr lang="en-IN" dirty="0" err="1"/>
+              <a:t>artifactId</a:t>
+            </a:r>
+            <a:r>
+              <a:rPr lang="en-IN" dirty="0"/>
+              <a:t>&gt;</a:t>
+            </a:r>
+          </a:p>
+          <a:p>
+            <a:r>
+              <a:rPr lang="en-IN" dirty="0"/>
+              <a:t>&lt;/dependency&gt;</a:t>
+            </a:r>
+          </a:p>
+        </p:txBody>
+      </p:sp>
+    </p:spTree>
+    <p:extLst>
+      <p:ext uri="{BB962C8B-B14F-4D97-AF65-F5344CB8AC3E}">
+        <p14:creationId xmlns:p14="http://schemas.microsoft.com/office/powerpoint/2010/main" val="158337449"/>
+      </p:ext>
+    </p:extLst>
+  </p:cSld>
+  <p:clrMapOvr>
+    <a:masterClrMapping/>
+  </p:clrMapOvr>
+</p:sld>
+</file>
+
+<file path=ppt/slides/slide134.xml><?xml version="1.0" encoding="utf-8"?>
+<p:sld xmlns:a="http://schemas.openxmlformats.org/drawingml/2006/main" xmlns:r="http://schemas.openxmlformats.org/officeDocument/2006/relationships" xmlns:p="http://schemas.openxmlformats.org/presentationml/2006/main">
+  <p:cSld>
+    <p:spTree>
+      <p:nvGrpSpPr>
+        <p:cNvPr id="1" name=""/>
+        <p:cNvGrpSpPr/>
+        <p:nvPr/>
+      </p:nvGrpSpPr>
+      <p:grpSpPr>
+        <a:xfrm>
+          <a:off x="0" y="0"/>
+          <a:ext cx="0" cy="0"/>
+          <a:chOff x="0" y="0"/>
+          <a:chExt cx="0" cy="0"/>
+        </a:xfrm>
+      </p:grpSpPr>
+      <p:sp>
+        <p:nvSpPr>
+          <p:cNvPr id="2" name="Footer Placeholder 1">
+            <a:extLst>
+              <a:ext uri="{FF2B5EF4-FFF2-40B4-BE49-F238E27FC236}">
+                <a16:creationId xmlns:a16="http://schemas.microsoft.com/office/drawing/2014/main" id="{57174127-E8C1-C4CE-8158-C902E47D4733}"/>
+              </a:ext>
+            </a:extLst>
+          </p:cNvPr>
+          <p:cNvSpPr>
+            <a:spLocks noGrp="1"/>
+          </p:cNvSpPr>
+          <p:nvPr>
+            <p:ph type="ftr" sz="quarter" idx="11"/>
+          </p:nvPr>
+        </p:nvSpPr>
+        <p:spPr/>
+        <p:txBody>
+          <a:bodyPr/>
+          <a:lstStyle/>
+          <a:p>
+            <a:r>
+              <a:rPr lang="en-IN"/>
+              <a:t>H&amp;D IT Solution</a:t>
+            </a:r>
+            <a:endParaRPr lang="en-IN" dirty="0"/>
+          </a:p>
+        </p:txBody>
+      </p:sp>
+      <p:sp>
+        <p:nvSpPr>
+          <p:cNvPr id="3" name="Slide Number Placeholder 2">
+            <a:extLst>
+              <a:ext uri="{FF2B5EF4-FFF2-40B4-BE49-F238E27FC236}">
+                <a16:creationId xmlns:a16="http://schemas.microsoft.com/office/drawing/2014/main" id="{CABD9F99-1886-40C4-3728-8927DA5FF6AC}"/>
+              </a:ext>
+            </a:extLst>
+          </p:cNvPr>
+          <p:cNvSpPr>
+            <a:spLocks noGrp="1"/>
+          </p:cNvSpPr>
+          <p:nvPr>
+            <p:ph type="sldNum" sz="quarter" idx="12"/>
+          </p:nvPr>
+        </p:nvSpPr>
+        <p:spPr/>
+        <p:txBody>
+          <a:bodyPr/>
+          <a:lstStyle/>
+          <a:p>
+            <a:fld id="{4A777409-9C5A-4B07-8E32-19F22F7D558C}" type="slidenum">
+              <a:rPr lang="en-IN" smtClean="0"/>
+              <a:t>134</a:t>
+            </a:fld>
+            <a:endParaRPr lang="en-IN" dirty="0"/>
+          </a:p>
+        </p:txBody>
+      </p:sp>
+      <p:sp>
+        <p:nvSpPr>
+          <p:cNvPr id="5" name="TextBox 4">
+            <a:extLst>
+              <a:ext uri="{FF2B5EF4-FFF2-40B4-BE49-F238E27FC236}">
+                <a16:creationId xmlns:a16="http://schemas.microsoft.com/office/drawing/2014/main" id="{A5E9FD34-E816-6E3C-FA3E-3749E5B87279}"/>
+              </a:ext>
+            </a:extLst>
+          </p:cNvPr>
+          <p:cNvSpPr txBox="1"/>
+          <p:nvPr/>
+        </p:nvSpPr>
+        <p:spPr>
+          <a:xfrm>
+            <a:off x="824845" y="566678"/>
+            <a:ext cx="10694710" cy="2862322"/>
+          </a:xfrm>
+          <a:prstGeom prst="rect">
+            <a:avLst/>
+          </a:prstGeom>
+          <a:noFill/>
+        </p:spPr>
+        <p:txBody>
+          <a:bodyPr wrap="square">
+            <a:spAutoFit/>
+          </a:bodyPr>
+          <a:lstStyle/>
+          <a:p>
+            <a:pPr>
+              <a:buFont typeface="+mj-lt"/>
+              <a:buAutoNum type="arabicPeriod" startAt="3"/>
+            </a:pPr>
+            <a:r>
+              <a:rPr lang="en-US" sz="2000" b="1" dirty="0">
+                <a:solidFill>
+                  <a:schemeClr val="tx1">
+                    <a:lumMod val="65000"/>
+                    <a:lumOff val="35000"/>
+                  </a:schemeClr>
+                </a:solidFill>
+                <a:effectLst/>
+              </a:rPr>
+              <a:t>Avoid Spring Boot Framework in Business Logic </a:t>
+            </a:r>
+          </a:p>
+          <a:p>
+            <a:endParaRPr lang="en-US" sz="2000" dirty="0">
+              <a:solidFill>
+                <a:schemeClr val="tx1">
+                  <a:lumMod val="65000"/>
+                  <a:lumOff val="35000"/>
+                </a:schemeClr>
+              </a:solidFill>
+              <a:effectLst/>
+            </a:endParaRPr>
+          </a:p>
+          <a:p>
+            <a:r>
+              <a:rPr lang="en-US" sz="2000" dirty="0">
+                <a:solidFill>
+                  <a:schemeClr val="tx1">
+                    <a:lumMod val="65000"/>
+                    <a:lumOff val="35000"/>
+                  </a:schemeClr>
+                </a:solidFill>
+                <a:effectLst/>
+              </a:rPr>
+              <a:t>With the introduction to Spring and Spring Boot framework, it may be attractive to use it anywhere and everywhere possible. Before jumping into that conclusion, let us understand where we should not needlessly insert the Spring Boot framework.</a:t>
+            </a:r>
+          </a:p>
+          <a:p>
+            <a:endParaRPr lang="en-US" sz="2000" dirty="0">
+              <a:solidFill>
+                <a:schemeClr val="tx1">
+                  <a:lumMod val="65000"/>
+                  <a:lumOff val="35000"/>
+                </a:schemeClr>
+              </a:solidFill>
+              <a:effectLst/>
+            </a:endParaRPr>
+          </a:p>
+          <a:p>
+            <a:r>
+              <a:rPr lang="en-US" sz="2000" dirty="0">
+                <a:solidFill>
+                  <a:schemeClr val="tx1">
+                    <a:lumMod val="65000"/>
+                    <a:lumOff val="35000"/>
+                  </a:schemeClr>
+                </a:solidFill>
+                <a:effectLst/>
+              </a:rPr>
+              <a:t>The most important places, rather classes where Spring Boot features must not be added are the classes implementing the business logic. One of the biggest example of this are the validation classes. Introducing Spring Boot framework here is unwanted and may lead to unnecessary complications. </a:t>
+            </a:r>
+          </a:p>
+        </p:txBody>
+      </p:sp>
+    </p:spTree>
+    <p:extLst>
+      <p:ext uri="{BB962C8B-B14F-4D97-AF65-F5344CB8AC3E}">
+        <p14:creationId xmlns:p14="http://schemas.microsoft.com/office/powerpoint/2010/main" val="3358773927"/>
       </p:ext>
     </p:extLst>
   </p:cSld>
